--- a/2021-04-12to04-16 (A5) C53517 SoftMARS/21_17v01_MarsBaseAlpha_PreliminaryFindings.pptx
+++ b/2021-04-12to04-16 (A5) C53517 SoftMARS/21_17v01_MarsBaseAlpha_PreliminaryFindings.pptx
@@ -5,44 +5,42 @@
     <p:sldMasterId id="2147483648" r:id="rId4"/>
   </p:sldMasterIdLst>
   <p:notesMasterIdLst>
-    <p:notesMasterId r:id="rId37"/>
+    <p:notesMasterId r:id="rId35"/>
   </p:notesMasterIdLst>
   <p:handoutMasterIdLst>
-    <p:handoutMasterId r:id="rId38"/>
+    <p:handoutMasterId r:id="rId36"/>
   </p:handoutMasterIdLst>
   <p:sldIdLst>
     <p:sldId id="256" r:id="rId5"/>
-    <p:sldId id="1547" r:id="rId6"/>
-    <p:sldId id="1546" r:id="rId7"/>
-    <p:sldId id="1549" r:id="rId8"/>
-    <p:sldId id="1545" r:id="rId9"/>
-    <p:sldId id="439" r:id="rId10"/>
-    <p:sldId id="1476" r:id="rId11"/>
-    <p:sldId id="1026" r:id="rId12"/>
-    <p:sldId id="1543" r:id="rId13"/>
-    <p:sldId id="926" r:id="rId14"/>
-    <p:sldId id="1548" r:id="rId15"/>
-    <p:sldId id="887" r:id="rId16"/>
-    <p:sldId id="888" r:id="rId17"/>
-    <p:sldId id="889" r:id="rId18"/>
-    <p:sldId id="890" r:id="rId19"/>
-    <p:sldId id="891" r:id="rId20"/>
-    <p:sldId id="892" r:id="rId21"/>
-    <p:sldId id="894" r:id="rId22"/>
-    <p:sldId id="895" r:id="rId23"/>
-    <p:sldId id="896" r:id="rId24"/>
-    <p:sldId id="897" r:id="rId25"/>
-    <p:sldId id="898" r:id="rId26"/>
-    <p:sldId id="899" r:id="rId27"/>
-    <p:sldId id="900" r:id="rId28"/>
-    <p:sldId id="901" r:id="rId29"/>
-    <p:sldId id="902" r:id="rId30"/>
-    <p:sldId id="903" r:id="rId31"/>
-    <p:sldId id="904" r:id="rId32"/>
-    <p:sldId id="906" r:id="rId33"/>
-    <p:sldId id="907" r:id="rId34"/>
-    <p:sldId id="298" r:id="rId35"/>
-    <p:sldId id="1512" r:id="rId36"/>
+    <p:sldId id="1546" r:id="rId6"/>
+    <p:sldId id="1549" r:id="rId7"/>
+    <p:sldId id="439" r:id="rId8"/>
+    <p:sldId id="1476" r:id="rId9"/>
+    <p:sldId id="1026" r:id="rId10"/>
+    <p:sldId id="1543" r:id="rId11"/>
+    <p:sldId id="926" r:id="rId12"/>
+    <p:sldId id="1548" r:id="rId13"/>
+    <p:sldId id="887" r:id="rId14"/>
+    <p:sldId id="888" r:id="rId15"/>
+    <p:sldId id="889" r:id="rId16"/>
+    <p:sldId id="890" r:id="rId17"/>
+    <p:sldId id="891" r:id="rId18"/>
+    <p:sldId id="892" r:id="rId19"/>
+    <p:sldId id="894" r:id="rId20"/>
+    <p:sldId id="895" r:id="rId21"/>
+    <p:sldId id="896" r:id="rId22"/>
+    <p:sldId id="897" r:id="rId23"/>
+    <p:sldId id="898" r:id="rId24"/>
+    <p:sldId id="899" r:id="rId25"/>
+    <p:sldId id="900" r:id="rId26"/>
+    <p:sldId id="901" r:id="rId27"/>
+    <p:sldId id="902" r:id="rId28"/>
+    <p:sldId id="903" r:id="rId29"/>
+    <p:sldId id="904" r:id="rId30"/>
+    <p:sldId id="906" r:id="rId31"/>
+    <p:sldId id="907" r:id="rId32"/>
+    <p:sldId id="298" r:id="rId33"/>
+    <p:sldId id="1512" r:id="rId34"/>
   </p:sldIdLst>
   <p:sldSz cx="12192000" cy="6858000"/>
   <p:notesSz cx="6858000" cy="9144000"/>
@@ -269,7 +267,7 @@
           <a:p>
             <a:fld id="{F319E496-E8FF-4856-B08F-DBE14D18B236}" type="datetimeFigureOut">
               <a:rPr lang="en-US" smtClean="0"/>
-              <a:t>5/26/2022</a:t>
+              <a:t>9/9/2022</a:t>
             </a:fld>
             <a:endParaRPr lang="en-US"/>
           </a:p>
@@ -446,7 +444,7 @@
           <a:p>
             <a:fld id="{4572F63B-EF0F-9942-98B2-F67CC88AF236}" type="datetimeFigureOut">
               <a:rPr lang="en-US" smtClean="0"/>
-              <a:t>5/26/2022</a:t>
+              <a:t>9/9/2022</a:t>
             </a:fld>
             <a:endParaRPr lang="en-US"/>
           </a:p>
@@ -752,250 +750,6 @@
             <p:ph type="body" idx="1"/>
           </p:nvPr>
         </p:nvSpPr>
-        <p:spPr>
-          <a:xfrm>
-            <a:off x="675815" y="4784449"/>
-            <a:ext cx="5409535" cy="3915250"/>
-          </a:xfrm>
-          <a:prstGeom prst="rect">
-            <a:avLst/>
-          </a:prstGeom>
-        </p:spPr>
-        <p:txBody>
-          <a:bodyPr/>
-          <a:lstStyle/>
-          <a:p>
-            <a:pPr marL="0" marR="0" indent="0" algn="l" defTabSz="914400" rtl="0" eaLnBrk="0" fontAlgn="base" latinLnBrk="0" hangingPunct="0">
-              <a:lnSpc>
-                <a:spcPct val="89000"/>
-              </a:lnSpc>
-              <a:spcBef>
-                <a:spcPct val="40000"/>
-              </a:spcBef>
-              <a:spcAft>
-                <a:spcPct val="0"/>
-              </a:spcAft>
-              <a:buClrTx/>
-              <a:buSzTx/>
-              <a:buFontTx/>
-              <a:buNone/>
-              <a:tabLst/>
-              <a:defRPr/>
-            </a:pPr>
-            <a:r>
-              <a:rPr lang="en-ZA" altLang="zh-CN" dirty="0"/>
-              <a:t>Introduction. Also an opportunity to talk a bit about Demix</a:t>
-            </a:r>
-          </a:p>
-          <a:p>
-            <a:pPr marL="171450" marR="0" indent="-171450" algn="l" defTabSz="914400" rtl="0" eaLnBrk="0" fontAlgn="base" latinLnBrk="0" hangingPunct="0">
-              <a:lnSpc>
-                <a:spcPct val="89000"/>
-              </a:lnSpc>
-              <a:spcBef>
-                <a:spcPct val="40000"/>
-              </a:spcBef>
-              <a:spcAft>
-                <a:spcPct val="0"/>
-              </a:spcAft>
-              <a:buClrTx/>
-              <a:buSzTx/>
-              <a:buFontTx/>
-              <a:buChar char="-"/>
-              <a:tabLst/>
-              <a:defRPr/>
-            </a:pPr>
-            <a:r>
-              <a:rPr lang="en-ZA" altLang="zh-CN" dirty="0"/>
-              <a:t>Demix has LAs from across the globe and performs appraisals around the world</a:t>
-            </a:r>
-          </a:p>
-          <a:p>
-            <a:pPr marL="171450" marR="0" indent="-171450" algn="l" defTabSz="914400" rtl="0" eaLnBrk="0" fontAlgn="base" latinLnBrk="0" hangingPunct="0">
-              <a:lnSpc>
-                <a:spcPct val="89000"/>
-              </a:lnSpc>
-              <a:spcBef>
-                <a:spcPct val="40000"/>
-              </a:spcBef>
-              <a:spcAft>
-                <a:spcPct val="0"/>
-              </a:spcAft>
-              <a:buClrTx/>
-              <a:buSzTx/>
-              <a:buFontTx/>
-              <a:buChar char="-"/>
-              <a:tabLst/>
-              <a:defRPr/>
-            </a:pPr>
-            <a:r>
-              <a:rPr lang="en-ZA" altLang="zh-CN" dirty="0"/>
-              <a:t>Demix is one of the largest CMMI services providers globally</a:t>
-            </a:r>
-          </a:p>
-          <a:p>
-            <a:pPr marL="171450" marR="0" indent="-171450" algn="l" defTabSz="914400" rtl="0" eaLnBrk="0" fontAlgn="base" latinLnBrk="0" hangingPunct="0">
-              <a:lnSpc>
-                <a:spcPct val="89000"/>
-              </a:lnSpc>
-              <a:spcBef>
-                <a:spcPct val="40000"/>
-              </a:spcBef>
-              <a:spcAft>
-                <a:spcPct val="0"/>
-              </a:spcAft>
-              <a:buClrTx/>
-              <a:buSzTx/>
-              <a:buFontTx/>
-              <a:buChar char="-"/>
-              <a:tabLst/>
-              <a:defRPr/>
-            </a:pPr>
-            <a:r>
-              <a:rPr lang="en-ZA" altLang="zh-CN" dirty="0"/>
-              <a:t>Demix also provide other citification services, such as ISO, COBIT, MAX</a:t>
-            </a:r>
-          </a:p>
-          <a:p>
-            <a:pPr marL="0" marR="0" indent="0" algn="l" defTabSz="914400" rtl="0" eaLnBrk="0" fontAlgn="base" latinLnBrk="0" hangingPunct="0">
-              <a:lnSpc>
-                <a:spcPct val="89000"/>
-              </a:lnSpc>
-              <a:spcBef>
-                <a:spcPct val="40000"/>
-              </a:spcBef>
-              <a:spcAft>
-                <a:spcPct val="0"/>
-              </a:spcAft>
-              <a:buClrTx/>
-              <a:buSzTx/>
-              <a:buFontTx/>
-              <a:buNone/>
-              <a:tabLst/>
-              <a:defRPr/>
-            </a:pPr>
-            <a:endParaRPr lang="en-ZA" altLang="zh-CN" dirty="0"/>
-          </a:p>
-          <a:p>
-            <a:pPr marL="0" marR="0" indent="0" algn="l" defTabSz="914400" rtl="0" eaLnBrk="0" fontAlgn="base" latinLnBrk="0" hangingPunct="0">
-              <a:lnSpc>
-                <a:spcPct val="89000"/>
-              </a:lnSpc>
-              <a:spcBef>
-                <a:spcPct val="40000"/>
-              </a:spcBef>
-              <a:spcAft>
-                <a:spcPct val="0"/>
-              </a:spcAft>
-              <a:buClrTx/>
-              <a:buSzTx/>
-              <a:buFontTx/>
-              <a:buNone/>
-              <a:tabLst/>
-              <a:defRPr/>
-            </a:pPr>
-            <a:r>
-              <a:rPr lang="en-ZA" altLang="zh-CN" dirty="0"/>
-              <a:t>It is a pleasure and honour to be here with you today. We are looking forward to work with you and your team over the coming days.</a:t>
-            </a:r>
-          </a:p>
-          <a:p>
-            <a:pPr marL="0" marR="0" indent="0" algn="l" defTabSz="914400" rtl="0" eaLnBrk="0" fontAlgn="base" latinLnBrk="0" hangingPunct="0">
-              <a:lnSpc>
-                <a:spcPct val="89000"/>
-              </a:lnSpc>
-              <a:spcBef>
-                <a:spcPct val="40000"/>
-              </a:spcBef>
-              <a:spcAft>
-                <a:spcPct val="0"/>
-              </a:spcAft>
-              <a:buClrTx/>
-              <a:buSzTx/>
-              <a:buFontTx/>
-              <a:buNone/>
-              <a:tabLst/>
-              <a:defRPr/>
-            </a:pPr>
-            <a:r>
-              <a:rPr lang="zh-TW" altLang="en-US" dirty="0"/>
-              <a:t>早晨好。今天我很高興和榮幸來到這裡，我期待著在未來的几天里與您和您的團隊一起工作。</a:t>
-            </a:r>
-          </a:p>
-          <a:p>
-            <a:pPr marL="0" marR="0" indent="0" algn="l" defTabSz="914400" rtl="0" eaLnBrk="0" fontAlgn="base" latinLnBrk="0" hangingPunct="0">
-              <a:lnSpc>
-                <a:spcPct val="89000"/>
-              </a:lnSpc>
-              <a:spcBef>
-                <a:spcPct val="40000"/>
-              </a:spcBef>
-              <a:spcAft>
-                <a:spcPct val="0"/>
-              </a:spcAft>
-              <a:buClrTx/>
-              <a:buSzTx/>
-              <a:buFontTx/>
-              <a:buNone/>
-              <a:tabLst/>
-              <a:defRPr/>
-            </a:pPr>
-            <a:endParaRPr lang="en-ZA" altLang="zh-CN" dirty="0"/>
-          </a:p>
-        </p:txBody>
-      </p:sp>
-    </p:spTree>
-    <p:extLst>
-      <p:ext uri="{BB962C8B-B14F-4D97-AF65-F5344CB8AC3E}">
-        <p14:creationId xmlns:p14="http://schemas.microsoft.com/office/powerpoint/2010/main" val="654429602"/>
-      </p:ext>
-    </p:extLst>
-  </p:cSld>
-  <p:clrMapOvr>
-    <a:masterClrMapping/>
-  </p:clrMapOvr>
-</p:notes>
-</file>
-
-<file path=ppt/notesSlides/notesSlide2.xml><?xml version="1.0" encoding="utf-8"?>
-<p:notes xmlns:a="http://schemas.openxmlformats.org/drawingml/2006/main" xmlns:r="http://schemas.openxmlformats.org/officeDocument/2006/relationships" xmlns:p="http://schemas.openxmlformats.org/presentationml/2006/main">
-  <p:cSld>
-    <p:spTree>
-      <p:nvGrpSpPr>
-        <p:cNvPr id="1" name=""/>
-        <p:cNvGrpSpPr/>
-        <p:nvPr/>
-      </p:nvGrpSpPr>
-      <p:grpSpPr>
-        <a:xfrm>
-          <a:off x="0" y="0"/>
-          <a:ext cx="0" cy="0"/>
-          <a:chOff x="0" y="0"/>
-          <a:chExt cx="0" cy="0"/>
-        </a:xfrm>
-      </p:grpSpPr>
-      <p:sp>
-        <p:nvSpPr>
-          <p:cNvPr id="2" name="Slide Image Placeholder 1"/>
-          <p:cNvSpPr>
-            <a:spLocks noGrp="1" noRot="1" noChangeAspect="1"/>
-          </p:cNvSpPr>
-          <p:nvPr>
-            <p:ph type="sldImg"/>
-          </p:nvPr>
-        </p:nvSpPr>
-        <p:spPr/>
-      </p:sp>
-      <p:sp>
-        <p:nvSpPr>
-          <p:cNvPr id="3" name="Notes Placeholder 2"/>
-          <p:cNvSpPr>
-            <a:spLocks noGrp="1"/>
-          </p:cNvSpPr>
-          <p:nvPr>
-            <p:ph type="body" idx="1"/>
-          </p:nvPr>
-        </p:nvSpPr>
         <p:spPr/>
         <p:txBody>
           <a:bodyPr/>
@@ -1034,7 +788,7 @@
           <a:p>
             <a:fld id="{3FC13DA5-2DE0-6D49-B0F1-8E4B6A1CBA23}" type="slidenum">
               <a:rPr lang="en-US" smtClean="0"/>
-              <a:t>3</a:t>
+              <a:t>2</a:t>
             </a:fld>
             <a:endParaRPr lang="en-US" dirty="0"/>
           </a:p>
@@ -1053,7 +807,7 @@
 </p:notes>
 </file>
 
-<file path=ppt/notesSlides/notesSlide3.xml><?xml version="1.0" encoding="utf-8"?>
+<file path=ppt/notesSlides/notesSlide2.xml><?xml version="1.0" encoding="utf-8"?>
 <p:notes xmlns:a="http://schemas.openxmlformats.org/drawingml/2006/main" xmlns:r="http://schemas.openxmlformats.org/officeDocument/2006/relationships" xmlns:p="http://schemas.openxmlformats.org/presentationml/2006/main">
   <p:cSld>
     <p:spTree>
@@ -1314,7 +1068,7 @@
 </p:notes>
 </file>
 
-<file path=ppt/notesSlides/notesSlide4.xml><?xml version="1.0" encoding="utf-8"?>
+<file path=ppt/notesSlides/notesSlide3.xml><?xml version="1.0" encoding="utf-8"?>
 <p:notes xmlns:a="http://schemas.openxmlformats.org/drawingml/2006/main" xmlns:r="http://schemas.openxmlformats.org/officeDocument/2006/relationships" xmlns:p="http://schemas.openxmlformats.org/presentationml/2006/main">
   <p:cSld>
     <p:spTree>
@@ -1444,7 +1198,7 @@
 </p:notes>
 </file>
 
-<file path=ppt/notesSlides/notesSlide5.xml><?xml version="1.0" encoding="utf-8"?>
+<file path=ppt/notesSlides/notesSlide4.xml><?xml version="1.0" encoding="utf-8"?>
 <p:notes xmlns:a="http://schemas.openxmlformats.org/drawingml/2006/main" xmlns:r="http://schemas.openxmlformats.org/officeDocument/2006/relationships" xmlns:p="http://schemas.openxmlformats.org/presentationml/2006/main">
   <p:cSld>
     <p:spTree>
@@ -1509,7 +1263,7 @@
           <a:p>
             <a:fld id="{3FC13DA5-2DE0-6D49-B0F1-8E4B6A1CBA23}" type="slidenum">
               <a:rPr lang="en-US" smtClean="0"/>
-              <a:t>7</a:t>
+              <a:t>5</a:t>
             </a:fld>
             <a:endParaRPr lang="en-US"/>
           </a:p>
@@ -1523,7 +1277,7 @@
 </p:notes>
 </file>
 
-<file path=ppt/notesSlides/notesSlide6.xml><?xml version="1.0" encoding="utf-8"?>
+<file path=ppt/notesSlides/notesSlide5.xml><?xml version="1.0" encoding="utf-8"?>
 <p:notes xmlns:a="http://schemas.openxmlformats.org/drawingml/2006/main" xmlns:r="http://schemas.openxmlformats.org/officeDocument/2006/relationships" xmlns:p="http://schemas.openxmlformats.org/presentationml/2006/main">
   <p:cSld>
     <p:spTree>
@@ -1592,7 +1346,7 @@
 </p:notes>
 </file>
 
-<file path=ppt/notesSlides/notesSlide7.xml><?xml version="1.0" encoding="utf-8"?>
+<file path=ppt/notesSlides/notesSlide6.xml><?xml version="1.0" encoding="utf-8"?>
 <p:notes xmlns:a="http://schemas.openxmlformats.org/drawingml/2006/main" xmlns:r="http://schemas.openxmlformats.org/officeDocument/2006/relationships" xmlns:p="http://schemas.openxmlformats.org/presentationml/2006/main">
   <p:cSld>
     <p:spTree>
@@ -1759,7 +1513,7 @@
                 </a:solidFill>
               </a:rPr>
               <a:pPr/>
-              <a:t>31</a:t>
+              <a:t>29</a:t>
             </a:fld>
             <a:endParaRPr lang="en-US" altLang="en-US" sz="1200" b="0">
               <a:solidFill>
@@ -1823,7 +1577,7 @@
               </a14:hiddenLine>
             </a:ext>
             <a:ext uri="{FAA26D3D-D897-4be2-8F04-BA451C77F1D7}">
-              <ma14:placeholderFlag xmlns:ma14="http://schemas.microsoft.com/office/mac/drawingml/2011/main" xmlns="" val="1"/>
+              <ma14:placeholderFlag xmlns="" xmlns:ma14="http://schemas.microsoft.com/office/mac/drawingml/2011/main" val="1"/>
             </a:ext>
           </a:extLst>
         </p:spPr>
@@ -1851,7 +1605,7 @@
 </p:notes>
 </file>
 
-<file path=ppt/notesSlides/notesSlide8.xml><?xml version="1.0" encoding="utf-8"?>
+<file path=ppt/notesSlides/notesSlide7.xml><?xml version="1.0" encoding="utf-8"?>
 <p:notes xmlns:a="http://schemas.openxmlformats.org/drawingml/2006/main" xmlns:r="http://schemas.openxmlformats.org/officeDocument/2006/relationships" xmlns:p="http://schemas.openxmlformats.org/presentationml/2006/main">
   <p:cSld>
     <p:spTree>
@@ -1916,7 +1670,7 @@
           <a:p>
             <a:fld id="{3FC13DA5-2DE0-6D49-B0F1-8E4B6A1CBA23}" type="slidenum">
               <a:rPr lang="en-US" smtClean="0"/>
-              <a:t>32</a:t>
+              <a:t>30</a:t>
             </a:fld>
             <a:endParaRPr lang="en-US"/>
           </a:p>
@@ -4685,14 +4439,14 @@
           </a:ln>
           <a:extLst>
             <a:ext uri="{909E8E84-426E-40dd-AFC4-6F175D3DCCD1}">
-              <a14:hiddenFill xmlns="" xmlns:a14="http://schemas.microsoft.com/office/drawing/2010/main">
+              <a14:hiddenFill xmlns:a14="http://schemas.microsoft.com/office/drawing/2010/main" xmlns="">
                 <a:solidFill>
                   <a:schemeClr val="accent1"/>
                 </a:solidFill>
               </a14:hiddenFill>
             </a:ext>
             <a:ext uri="{91240B29-F687-4f45-9708-019B960494DF}">
-              <a14:hiddenLine xmlns="" xmlns:a14="http://schemas.microsoft.com/office/drawing/2010/main" w="9525">
+              <a14:hiddenLine xmlns:a14="http://schemas.microsoft.com/office/drawing/2010/main" xmlns="" w="9525">
                 <a:solidFill>
                   <a:schemeClr val="tx1"/>
                 </a:solidFill>
@@ -5189,7 +4943,7 @@
           <a:graphicData uri="http://schemas.openxmlformats.org/presentationml/2006/ole">
             <mc:AlternateContent xmlns:mc="http://schemas.openxmlformats.org/markup-compatibility/2006">
               <mc:Choice xmlns:v="urn:schemas-microsoft-com:vml" Requires="v">
-                <p:oleObj spid="_x0000_s2089" name="Macro-Enabled Worksheet" r:id="rId3" imgW="5196769" imgH="2918310" progId="Excel.SheetMacroEnabled.12">
+                <p:oleObj spid="_x0000_s2092" name="Macro-Enabled Worksheet" r:id="rId3" imgW="5196769" imgH="2918310" progId="Excel.SheetMacroEnabled.12">
                   <p:link updateAutomatic="1"/>
                 </p:oleObj>
               </mc:Choice>
@@ -5258,7 +5012,7 @@
           <a:graphicData uri="http://schemas.openxmlformats.org/presentationml/2006/ole">
             <mc:AlternateContent xmlns:mc="http://schemas.openxmlformats.org/markup-compatibility/2006">
               <mc:Choice xmlns:v="urn:schemas-microsoft-com:vml" Requires="v">
-                <p:oleObj spid="_x0000_s2090" name="Macro-Enabled Worksheet" r:id="rId5" imgW="5196769" imgH="670734" progId="Excel.SheetMacroEnabled.12">
+                <p:oleObj spid="_x0000_s2093" name="Macro-Enabled Worksheet" r:id="rId5" imgW="5196769" imgH="670734" progId="Excel.SheetMacroEnabled.12">
                   <p:link updateAutomatic="1"/>
                 </p:oleObj>
               </mc:Choice>
@@ -5327,7 +5081,7 @@
           <a:graphicData uri="http://schemas.openxmlformats.org/presentationml/2006/ole">
             <mc:AlternateContent xmlns:mc="http://schemas.openxmlformats.org/markup-compatibility/2006">
               <mc:Choice xmlns:v="urn:schemas-microsoft-com:vml" Requires="v">
-                <p:oleObj spid="_x0000_s2091" name="Macro-Enabled Worksheet" r:id="rId7" imgW="5196769" imgH="274178" progId="Excel.SheetMacroEnabled.12">
+                <p:oleObj spid="_x0000_s2094" name="Macro-Enabled Worksheet" r:id="rId7" imgW="5196769" imgH="274178" progId="Excel.SheetMacroEnabled.12">
                   <p:link updateAutomatic="1"/>
                 </p:oleObj>
               </mc:Choice>
@@ -5397,7 +5151,7 @@
           <p:cNvPr id="2" name="Title 1">
             <a:extLst>
               <a:ext uri="{FF2B5EF4-FFF2-40B4-BE49-F238E27FC236}">
-                <a16:creationId xmlns:a16="http://schemas.microsoft.com/office/drawing/2014/main" id="{86DC47C9-2410-0F46-A0CE-9498896DE8D4}"/>
+                <a16:creationId xmlns:a16="http://schemas.microsoft.com/office/drawing/2014/main" id="{A682FB12-F514-854C-B510-58EFF32120DB}"/>
               </a:ext>
             </a:extLst>
           </p:cNvPr>
@@ -5410,13 +5164,32 @@
         </p:nvSpPr>
         <p:spPr/>
         <p:txBody>
-          <a:bodyPr/>
+          <a:bodyPr>
+            <a:normAutofit/>
+          </a:bodyPr>
           <a:lstStyle/>
           <a:p>
             <a:r>
               <a:rPr lang="en-US" dirty="0"/>
-              <a:t>Findings Definitions – Required Categories</a:t>
-            </a:r>
+              <a:t>Causal Analysis and Resolution (CAR) </a:t>
+            </a:r>
+            <a:r>
+              <a:rPr lang="zh-CN" altLang="en-US" dirty="0">
+                <a:solidFill>
+                  <a:schemeClr val="accent1">
+                    <a:lumMod val="75000"/>
+                  </a:schemeClr>
+                </a:solidFill>
+              </a:rPr>
+              <a:t>原因分析与解决</a:t>
+            </a:r>
+            <a:endParaRPr lang="en-US" dirty="0">
+              <a:solidFill>
+                <a:schemeClr val="accent1">
+                  <a:lumMod val="75000"/>
+                </a:schemeClr>
+              </a:solidFill>
+            </a:endParaRPr>
           </a:p>
         </p:txBody>
       </p:sp>
@@ -5425,7 +5198,7 @@
           <p:cNvPr id="3" name="Content Placeholder 2">
             <a:extLst>
               <a:ext uri="{FF2B5EF4-FFF2-40B4-BE49-F238E27FC236}">
-                <a16:creationId xmlns:a16="http://schemas.microsoft.com/office/drawing/2014/main" id="{065982AE-496D-8E4C-B62D-137BEFC39377}"/>
+                <a16:creationId xmlns:a16="http://schemas.microsoft.com/office/drawing/2014/main" id="{FD22BCE7-6CE6-6F44-A06D-0ED3A68264D7}"/>
               </a:ext>
             </a:extLst>
           </p:cNvPr>
@@ -5433,210 +5206,268 @@
             <a:spLocks noGrp="1"/>
           </p:cNvSpPr>
           <p:nvPr>
-            <p:ph idx="1"/>
+            <p:ph idx="4294967295"/>
           </p:nvPr>
         </p:nvSpPr>
         <p:spPr>
           <a:xfrm>
-            <a:off x="955962" y="1645919"/>
-            <a:ext cx="10397837" cy="4646726"/>
+            <a:off x="466344" y="1357111"/>
+            <a:ext cx="11265408" cy="1572768"/>
           </a:xfrm>
         </p:spPr>
         <p:txBody>
           <a:bodyPr>
-            <a:normAutofit fontScale="92500" lnSpcReduction="10000"/>
+            <a:normAutofit/>
           </a:bodyPr>
           <a:lstStyle/>
           <a:p>
-            <a:pPr lvl="0"/>
-            <a:r>
-              <a:rPr lang="en-US" sz="2400" dirty="0"/>
-              <a:t>Required Findings Categories:</a:t>
-            </a:r>
-          </a:p>
-          <a:p>
-            <a:pPr lvl="1"/>
-            <a:r>
-              <a:rPr lang="en-US" sz="2100" u="sng" dirty="0"/>
-              <a:t>Weaknesses</a:t>
-            </a:r>
-            <a:r>
-              <a:rPr lang="en-US" sz="2100" dirty="0"/>
-              <a:t> - A type of preliminary or final finding, which is an ineffective, or lack of implementation of one or more processes that meet the intent and value of a practice based on verified objective evidence, and applicable across the project(s) and organizational support functions or Organizational Unit as a whole. This is realized either by a) the process itself does not address a CMMI practice requirement, or b) the project(s) or organizational support functions are not following their process that IS compliant with the intent and value of the applicable CMMI practice.</a:t>
-            </a:r>
-            <a:endParaRPr lang="en-US" sz="2100" b="1" dirty="0"/>
-          </a:p>
-          <a:p>
-            <a:pPr lvl="1"/>
-            <a:endParaRPr lang="en-US" sz="2100" dirty="0"/>
-          </a:p>
-          <a:p>
-            <a:pPr lvl="1"/>
-            <a:r>
-              <a:rPr lang="en-US" sz="2100" u="sng" dirty="0"/>
-              <a:t>Strengths</a:t>
-            </a:r>
-            <a:r>
-              <a:rPr lang="en-US" sz="2100" dirty="0"/>
-              <a:t> - A type of preliminary or final finding, which is an exemplary or noteworthy implementation of a process that meets the intent and value of a CMMI model practice.</a:t>
-            </a:r>
-            <a:endParaRPr lang="en-US" sz="2100" b="1" dirty="0"/>
-          </a:p>
-          <a:p>
-            <a:r>
-              <a:rPr lang="zh-CN" altLang="en-US" sz="2000" dirty="0">
+            <a:pPr marL="0" indent="0">
+              <a:buNone/>
+            </a:pPr>
+            <a:r>
+              <a:rPr lang="en-US" sz="1800" b="1" dirty="0"/>
+              <a:t>	</a:t>
+            </a:r>
+            <a:r>
+              <a:rPr lang="en-US" sz="1600" b="1" dirty="0"/>
+              <a:t>Intent: </a:t>
+            </a:r>
+            <a:r>
+              <a:rPr lang="en-US" sz="1600" dirty="0"/>
+              <a:t>Identify causes of selected outcomes and take action to either prevent recurrence of undesirable 		outcomes or ensure recurrence of positive outcomes.</a:t>
+            </a:r>
+            <a:br>
+              <a:rPr lang="en-US" sz="1600" dirty="0"/>
+            </a:br>
+            <a:r>
+              <a:rPr lang="en-US" sz="1600" dirty="0"/>
+              <a:t>	</a:t>
+            </a:r>
+            <a:r>
+              <a:rPr lang="zh-CN" altLang="en-US" sz="1600" dirty="0">
                 <a:solidFill>
                   <a:srgbClr val="1F497D"/>
                 </a:solidFill>
               </a:rPr>
-              <a:t>所需结果类别：</a:t>
-            </a:r>
-          </a:p>
-          <a:p>
-            <a:pPr lvl="1"/>
-            <a:r>
-              <a:rPr lang="zh-CN" altLang="en-US" sz="1800" dirty="0">
-                <a:solidFill>
-                  <a:srgbClr val="1F497D"/>
-                </a:solidFill>
-              </a:rPr>
-              <a:t>弱项</a:t>
-            </a:r>
-            <a:r>
-              <a:rPr lang="en-US" altLang="zh-CN" sz="1800" dirty="0">
-                <a:solidFill>
-                  <a:srgbClr val="1F497D"/>
-                </a:solidFill>
-              </a:rPr>
-              <a:t>——</a:t>
-            </a:r>
-            <a:r>
-              <a:rPr lang="zh-CN" altLang="en-US" sz="1800" dirty="0">
-                <a:solidFill>
-                  <a:srgbClr val="1F497D"/>
-                </a:solidFill>
-              </a:rPr>
-              <a:t>一种初步或最终的发现，是指一个或多个过程实施无效或缺乏实施，这些过程基于已验证的客观证据，符合实践的意图和价值，适用于整个项目和组织支持职能组或组织单元。这可以通过以下两种方式实现：</a:t>
-            </a:r>
-            <a:r>
-              <a:rPr lang="en-US" altLang="zh-CN" sz="1800" dirty="0">
-                <a:solidFill>
-                  <a:srgbClr val="1F497D"/>
-                </a:solidFill>
-              </a:rPr>
-              <a:t>a</a:t>
-            </a:r>
-            <a:r>
-              <a:rPr lang="zh-CN" altLang="en-US" sz="1800" dirty="0">
-                <a:solidFill>
-                  <a:srgbClr val="1F497D"/>
-                </a:solidFill>
-              </a:rPr>
-              <a:t>）过程本身没有满足</a:t>
-            </a:r>
-            <a:r>
-              <a:rPr lang="en-US" altLang="zh-CN" sz="1800" dirty="0">
-                <a:solidFill>
-                  <a:srgbClr val="1F497D"/>
-                </a:solidFill>
-              </a:rPr>
-              <a:t>CMMI</a:t>
-            </a:r>
-            <a:r>
-              <a:rPr lang="zh-CN" altLang="en-US" sz="1800" dirty="0">
-                <a:solidFill>
-                  <a:srgbClr val="1F497D"/>
-                </a:solidFill>
-              </a:rPr>
-              <a:t>实践需求，或者</a:t>
-            </a:r>
-            <a:r>
-              <a:rPr lang="en-US" altLang="zh-CN" sz="1800" dirty="0">
-                <a:solidFill>
-                  <a:srgbClr val="1F497D"/>
-                </a:solidFill>
-              </a:rPr>
-              <a:t>b</a:t>
-            </a:r>
-            <a:r>
-              <a:rPr lang="zh-CN" altLang="en-US" sz="1800" dirty="0">
-                <a:solidFill>
-                  <a:srgbClr val="1F497D"/>
-                </a:solidFill>
-              </a:rPr>
-              <a:t>）项目或组织支持职能组没有遵循符合适用</a:t>
-            </a:r>
-            <a:r>
-              <a:rPr lang="en-US" altLang="zh-CN" sz="1800" dirty="0">
-                <a:solidFill>
-                  <a:srgbClr val="1F497D"/>
-                </a:solidFill>
-              </a:rPr>
-              <a:t>CMMI</a:t>
-            </a:r>
-            <a:r>
-              <a:rPr lang="zh-CN" altLang="en-US" sz="1800" dirty="0">
-                <a:solidFill>
-                  <a:srgbClr val="1F497D"/>
-                </a:solidFill>
-              </a:rPr>
-              <a:t>实践意图和价值的过程。</a:t>
-            </a:r>
-            <a:endParaRPr lang="en-ZA" altLang="zh-CN" sz="1800" dirty="0">
+              <a:t>识别选定结果的原因并采取行动，防止不想要的结果再次发生或确保再次出现正面结果。</a:t>
+            </a:r>
+            <a:endParaRPr lang="en-US" sz="1600" dirty="0">
               <a:solidFill>
                 <a:srgbClr val="1F497D"/>
               </a:solidFill>
             </a:endParaRPr>
           </a:p>
           <a:p>
-            <a:pPr lvl="1"/>
-            <a:r>
-              <a:rPr lang="zh-CN" altLang="en-US" sz="1800" dirty="0">
+            <a:pPr marL="0" indent="0">
+              <a:buNone/>
+            </a:pPr>
+            <a:r>
+              <a:rPr lang="en-US" sz="1600" b="1" dirty="0"/>
+              <a:t>	Value:</a:t>
+            </a:r>
+            <a:r>
+              <a:rPr lang="en-US" sz="1600" dirty="0"/>
+              <a:t> Addressing root cause issues eliminates rework and directly improves quality and productivity.</a:t>
+            </a:r>
+            <a:br>
+              <a:rPr lang="en-US" sz="1600" dirty="0"/>
+            </a:br>
+            <a:r>
+              <a:rPr lang="en-US" sz="1600" dirty="0"/>
+              <a:t>	</a:t>
+            </a:r>
+            <a:r>
+              <a:rPr lang="zh-CN" altLang="en-US" sz="1600" dirty="0">
                 <a:solidFill>
                   <a:srgbClr val="1F497D"/>
                 </a:solidFill>
               </a:rPr>
-              <a:t>强项</a:t>
-            </a:r>
-            <a:r>
-              <a:rPr lang="en-US" altLang="zh-CN" sz="1800" dirty="0">
-                <a:solidFill>
-                  <a:srgbClr val="1F497D"/>
-                </a:solidFill>
-              </a:rPr>
-              <a:t>——</a:t>
-            </a:r>
-            <a:r>
-              <a:rPr lang="zh-CN" altLang="en-US" sz="1800" dirty="0">
-                <a:solidFill>
-                  <a:srgbClr val="1F497D"/>
-                </a:solidFill>
-              </a:rPr>
-              <a:t>一种初步或最终的发现，是一个模范性或值得注意的过程实现，其符合</a:t>
-            </a:r>
-            <a:r>
-              <a:rPr lang="en-US" altLang="zh-CN" sz="1800" dirty="0">
-                <a:solidFill>
-                  <a:srgbClr val="1F497D"/>
-                </a:solidFill>
-              </a:rPr>
-              <a:t>CMMI</a:t>
-            </a:r>
-            <a:r>
-              <a:rPr lang="zh-CN" altLang="en-US" sz="1800" dirty="0">
-                <a:solidFill>
-                  <a:srgbClr val="1F497D"/>
-                </a:solidFill>
-              </a:rPr>
-              <a:t>模型实践的意图和价值。</a:t>
-            </a:r>
+              <a:t>解决根本原因问题可以消除返工并直接提高质量和生产率。</a:t>
+            </a:r>
+            <a:endParaRPr lang="en-US" sz="1600" dirty="0">
+              <a:solidFill>
+                <a:srgbClr val="1F497D"/>
+              </a:solidFill>
+            </a:endParaRPr>
           </a:p>
         </p:txBody>
       </p:sp>
+      <p:sp>
+        <p:nvSpPr>
+          <p:cNvPr id="4" name="Content Placeholder 3">
+            <a:extLst>
+              <a:ext uri="{FF2B5EF4-FFF2-40B4-BE49-F238E27FC236}">
+                <a16:creationId xmlns:a16="http://schemas.microsoft.com/office/drawing/2014/main" id="{17174A4B-0169-F64D-A513-9179A27A7170}"/>
+              </a:ext>
+            </a:extLst>
+          </p:cNvPr>
+          <p:cNvSpPr>
+            <a:spLocks noGrp="1"/>
+          </p:cNvSpPr>
+          <p:nvPr>
+            <p:ph idx="13"/>
+          </p:nvPr>
+        </p:nvSpPr>
+        <p:spPr>
+          <a:xfrm>
+            <a:off x="466344" y="3051602"/>
+            <a:ext cx="11265408" cy="3097485"/>
+          </a:xfrm>
+        </p:spPr>
+        <p:txBody>
+          <a:bodyPr>
+            <a:noAutofit/>
+          </a:bodyPr>
+          <a:lstStyle/>
+          <a:p>
+            <a:pPr marL="0" indent="0">
+              <a:buNone/>
+            </a:pPr>
+            <a:r>
+              <a:rPr lang="en-US" sz="1800" b="1" dirty="0"/>
+              <a:t>Strengths </a:t>
+            </a:r>
+            <a:r>
+              <a:rPr lang="ja-JP" altLang="en-US" sz="1800" b="1" dirty="0">
+                <a:solidFill>
+                  <a:srgbClr val="1F497D"/>
+                </a:solidFill>
+                <a:latin typeface="DengXian" panose="02010600030101010101" pitchFamily="2" charset="-122"/>
+                <a:ea typeface="DengXian" panose="02010600030101010101" pitchFamily="2" charset="-122"/>
+              </a:rPr>
+              <a:t>强项</a:t>
+            </a:r>
+            <a:r>
+              <a:rPr lang="en-US" altLang="ja-JP" sz="1800" b="1" dirty="0"/>
+              <a:t>:</a:t>
+            </a:r>
+            <a:endParaRPr lang="en-US" sz="1800" dirty="0"/>
+          </a:p>
+          <a:p>
+            <a:pPr marL="342900" indent="-342900">
+              <a:buFont typeface="Arial" panose="020B0604020202020204" pitchFamily="34" charset="0"/>
+              <a:buChar char="•"/>
+            </a:pPr>
+            <a:r>
+              <a:rPr lang="en-US" sz="1800" b="0" dirty="0"/>
+              <a:t>None </a:t>
+            </a:r>
+            <a:br>
+              <a:rPr lang="en-US" sz="1800" b="0" dirty="0"/>
+            </a:br>
+            <a:r>
+              <a:rPr lang="ja-JP" altLang="en-US" sz="1800" b="0" dirty="0">
+                <a:solidFill>
+                  <a:srgbClr val="1F497D"/>
+                </a:solidFill>
+                <a:latin typeface="DengXian" panose="02010600030101010101" pitchFamily="2" charset="-122"/>
+                <a:ea typeface="DengXian" panose="02010600030101010101" pitchFamily="2" charset="-122"/>
+              </a:rPr>
+              <a:t>没有</a:t>
+            </a:r>
+            <a:endParaRPr lang="en-US" sz="1800" b="0" dirty="0">
+              <a:solidFill>
+                <a:srgbClr val="1F497D"/>
+              </a:solidFill>
+              <a:latin typeface="DengXian" panose="02010600030101010101" pitchFamily="2" charset="-122"/>
+              <a:ea typeface="DengXian" panose="02010600030101010101" pitchFamily="2" charset="-122"/>
+            </a:endParaRPr>
+          </a:p>
+          <a:p>
+            <a:endParaRPr lang="en-US" sz="1800" b="0" dirty="0"/>
+          </a:p>
+          <a:p>
+            <a:pPr marL="0" indent="0">
+              <a:buNone/>
+            </a:pPr>
+            <a:r>
+              <a:rPr lang="en-US" sz="1800" b="1" dirty="0"/>
+              <a:t>Weaknesses </a:t>
+            </a:r>
+            <a:r>
+              <a:rPr lang="zh-CN" altLang="en-US" sz="1800" dirty="0">
+                <a:solidFill>
+                  <a:srgbClr val="1F497D"/>
+                </a:solidFill>
+                <a:latin typeface="DengXian" panose="02010600030101010101" pitchFamily="2" charset="-122"/>
+                <a:ea typeface="DengXian" panose="02010600030101010101" pitchFamily="2" charset="-122"/>
+              </a:rPr>
+              <a:t>弱项</a:t>
+            </a:r>
+            <a:r>
+              <a:rPr lang="en-US" altLang="ja-JP" sz="1800" b="1" dirty="0"/>
+              <a:t>:</a:t>
+            </a:r>
+            <a:endParaRPr lang="en-US" sz="1800" dirty="0"/>
+          </a:p>
+          <a:p>
+            <a:pPr marL="342900" indent="-342900">
+              <a:buFont typeface="Arial" panose="020B0604020202020204" pitchFamily="34" charset="0"/>
+              <a:buChar char="•"/>
+            </a:pPr>
+            <a:r>
+              <a:rPr lang="en-US" sz="1800" b="0" dirty="0"/>
+              <a:t>None </a:t>
+            </a:r>
+            <a:br>
+              <a:rPr lang="en-US" sz="1800" b="0" dirty="0"/>
+            </a:br>
+            <a:r>
+              <a:rPr lang="ja-JP" altLang="en-US" sz="1800" b="0" dirty="0">
+                <a:solidFill>
+                  <a:srgbClr val="1F497D"/>
+                </a:solidFill>
+              </a:rPr>
+              <a:t>没有</a:t>
+            </a:r>
+            <a:endParaRPr lang="en-US" sz="1800" b="0" dirty="0">
+              <a:solidFill>
+                <a:srgbClr val="1F497D"/>
+              </a:solidFill>
+            </a:endParaRPr>
+          </a:p>
+        </p:txBody>
+      </p:sp>
+      <p:pic>
+        <p:nvPicPr>
+          <p:cNvPr id="5" name="Picture 4">
+            <a:extLst>
+              <a:ext uri="{FF2B5EF4-FFF2-40B4-BE49-F238E27FC236}">
+                <a16:creationId xmlns:a16="http://schemas.microsoft.com/office/drawing/2014/main" id="{5D5C89D8-0B55-544B-AD0F-183601DA7BE2}"/>
+              </a:ext>
+            </a:extLst>
+          </p:cNvPr>
+          <p:cNvPicPr>
+            <a:picLocks noChangeAspect="1"/>
+          </p:cNvPicPr>
+          <p:nvPr/>
+        </p:nvPicPr>
+        <p:blipFill>
+          <a:blip r:embed="rId2">
+            <a:extLst>
+              <a:ext uri="{28A0092B-C50C-407E-A947-70E740481C1C}">
+                <a14:useLocalDpi xmlns:a14="http://schemas.microsoft.com/office/drawing/2010/main" val="0"/>
+              </a:ext>
+            </a:extLst>
+          </a:blip>
+          <a:stretch>
+            <a:fillRect/>
+          </a:stretch>
+        </p:blipFill>
+        <p:spPr>
+          <a:xfrm>
+            <a:off x="470149" y="331667"/>
+            <a:ext cx="828675" cy="1009650"/>
+          </a:xfrm>
+          <a:prstGeom prst="rect">
+            <a:avLst/>
+          </a:prstGeom>
+        </p:spPr>
+      </p:pic>
     </p:spTree>
     <p:extLst>
       <p:ext uri="{BB962C8B-B14F-4D97-AF65-F5344CB8AC3E}">
-        <p14:creationId xmlns:p14="http://schemas.microsoft.com/office/powerpoint/2010/main" val="723158212"/>
+        <p14:creationId xmlns:p14="http://schemas.microsoft.com/office/powerpoint/2010/main" val="268292825"/>
       </p:ext>
     </p:extLst>
   </p:cSld>
@@ -5668,7 +5499,7 @@
           <p:cNvPr id="4" name="Title 3">
             <a:extLst>
               <a:ext uri="{FF2B5EF4-FFF2-40B4-BE49-F238E27FC236}">
-                <a16:creationId xmlns:a16="http://schemas.microsoft.com/office/drawing/2014/main" id="{C473C0C2-AEE9-C443-A1B0-65B4A813A18A}"/>
+                <a16:creationId xmlns:a16="http://schemas.microsoft.com/office/drawing/2014/main" id="{FFC94052-D3D2-1D46-9E1A-87C7462F1125}"/>
               </a:ext>
             </a:extLst>
           </p:cNvPr>
@@ -5681,34 +5512,461 @@
         </p:nvSpPr>
         <p:spPr/>
         <p:txBody>
-          <a:bodyPr/>
+          <a:bodyPr>
+            <a:normAutofit/>
+          </a:bodyPr>
           <a:lstStyle/>
           <a:p>
             <a:r>
-              <a:rPr lang="en-US" b="1" dirty="0">
-                <a:latin typeface="+mn-lt"/>
-              </a:rPr>
-              <a:t>Practice Area Findings</a:t>
+              <a:rPr lang="en-US" dirty="0"/>
+              <a:t>Configuration Management (CM) </a:t>
+            </a:r>
+            <a:r>
+              <a:rPr lang="ja-JP" altLang="en-US" dirty="0">
+                <a:solidFill>
+                  <a:schemeClr val="accent1">
+                    <a:lumMod val="75000"/>
+                  </a:schemeClr>
+                </a:solidFill>
+              </a:rPr>
+              <a:t>配置管理</a:t>
+            </a:r>
+            <a:endParaRPr lang="en-US" dirty="0">
+              <a:solidFill>
+                <a:schemeClr val="accent1">
+                  <a:lumMod val="75000"/>
+                </a:schemeClr>
+              </a:solidFill>
+            </a:endParaRPr>
+          </a:p>
+        </p:txBody>
+      </p:sp>
+      <p:sp>
+        <p:nvSpPr>
+          <p:cNvPr id="5" name="Content Placeholder 4">
+            <a:extLst>
+              <a:ext uri="{FF2B5EF4-FFF2-40B4-BE49-F238E27FC236}">
+                <a16:creationId xmlns:a16="http://schemas.microsoft.com/office/drawing/2014/main" id="{F7851FC6-ACD6-F341-AD7C-83127EFB5A77}"/>
+              </a:ext>
+            </a:extLst>
+          </p:cNvPr>
+          <p:cNvSpPr>
+            <a:spLocks noGrp="1"/>
+          </p:cNvSpPr>
+          <p:nvPr>
+            <p:ph idx="4294967295"/>
+          </p:nvPr>
+        </p:nvSpPr>
+        <p:spPr>
+          <a:xfrm>
+            <a:off x="463296" y="1338834"/>
+            <a:ext cx="11265408" cy="1388315"/>
+          </a:xfrm>
+        </p:spPr>
+        <p:txBody>
+          <a:bodyPr>
+            <a:normAutofit/>
+          </a:bodyPr>
+          <a:lstStyle/>
+          <a:p>
+            <a:pPr marL="0" indent="0">
+              <a:buNone/>
+            </a:pPr>
+            <a:r>
+              <a:rPr lang="en-US" sz="1800" b="1" dirty="0"/>
+              <a:t>	</a:t>
+            </a:r>
+            <a:r>
+              <a:rPr lang="en-US" sz="1600" b="1" dirty="0"/>
+              <a:t>Intent: </a:t>
+            </a:r>
+            <a:r>
+              <a:rPr lang="en-US" sz="1600" dirty="0"/>
+              <a:t>Manage the integrity of work products using configuration identification, version control, change control, and 	audits.</a:t>
             </a:r>
             <a:br>
-              <a:rPr lang="en-US" b="1" dirty="0">
-                <a:latin typeface="+mn-lt"/>
-              </a:rPr>
+              <a:rPr lang="en-US" sz="1600" dirty="0"/>
             </a:br>
             <a:r>
-              <a:rPr lang="zh-CN" altLang="en-US" sz="6000" b="1" dirty="0">
+              <a:rPr lang="en-US" sz="1600" dirty="0"/>
+              <a:t>	</a:t>
+            </a:r>
+            <a:r>
+              <a:rPr lang="zh-CN" altLang="en-US" sz="1600" dirty="0">
                 <a:solidFill>
                   <a:srgbClr val="1F497D"/>
                 </a:solidFill>
-                <a:latin typeface="+mn-lt"/>
-              </a:rPr>
-              <a:t>实践域发现</a:t>
-            </a:r>
-            <a:endParaRPr lang="en-US" b="1" dirty="0">
+              </a:rPr>
+              <a:t>使用配置识别、版本控制、变更控制和审计来管理工作产品的完整性。</a:t>
+            </a:r>
+            <a:endParaRPr lang="en-US" sz="1600" dirty="0">
               <a:solidFill>
                 <a:srgbClr val="1F497D"/>
               </a:solidFill>
-              <a:latin typeface="+mn-lt"/>
+            </a:endParaRPr>
+          </a:p>
+          <a:p>
+            <a:pPr marL="0" indent="0">
+              <a:buNone/>
+            </a:pPr>
+            <a:r>
+              <a:rPr lang="en-US" sz="1600" b="1" dirty="0"/>
+              <a:t>	Value:</a:t>
+            </a:r>
+            <a:r>
+              <a:rPr lang="en-US" sz="1600" dirty="0"/>
+              <a:t> Reduces loss of work and increases the ability to deliver the correct version of the solution to the customer.</a:t>
+            </a:r>
+            <a:br>
+              <a:rPr lang="en-US" sz="1600" dirty="0"/>
+            </a:br>
+            <a:r>
+              <a:rPr lang="en-US" sz="1600" dirty="0"/>
+              <a:t>	</a:t>
+            </a:r>
+            <a:r>
+              <a:rPr lang="zh-CN" altLang="en-US" sz="1600" dirty="0">
+                <a:solidFill>
+                  <a:srgbClr val="1F497D"/>
+                </a:solidFill>
+              </a:rPr>
+              <a:t>减少工作损失，并增加向客户提供正确版本解决方案的能力。 </a:t>
+            </a:r>
+          </a:p>
+          <a:p>
+            <a:endParaRPr lang="en-US" sz="1800" dirty="0"/>
+          </a:p>
+          <a:p>
+            <a:endParaRPr lang="en-US" sz="1800" dirty="0"/>
+          </a:p>
+        </p:txBody>
+      </p:sp>
+      <p:pic>
+        <p:nvPicPr>
+          <p:cNvPr id="7" name="Picture 6">
+            <a:extLst>
+              <a:ext uri="{FF2B5EF4-FFF2-40B4-BE49-F238E27FC236}">
+                <a16:creationId xmlns:a16="http://schemas.microsoft.com/office/drawing/2014/main" id="{B6B8940F-F466-0C49-BA8F-759D5D68A179}"/>
+              </a:ext>
+            </a:extLst>
+          </p:cNvPr>
+          <p:cNvPicPr>
+            <a:picLocks noChangeAspect="1"/>
+          </p:cNvPicPr>
+          <p:nvPr/>
+        </p:nvPicPr>
+        <p:blipFill>
+          <a:blip r:embed="rId2">
+            <a:extLst>
+              <a:ext uri="{28A0092B-C50C-407E-A947-70E740481C1C}">
+                <a14:useLocalDpi xmlns:a14="http://schemas.microsoft.com/office/drawing/2010/main" val="0"/>
+              </a:ext>
+            </a:extLst>
+          </a:blip>
+          <a:stretch>
+            <a:fillRect/>
+          </a:stretch>
+        </p:blipFill>
+        <p:spPr>
+          <a:xfrm>
+            <a:off x="466344" y="329184"/>
+            <a:ext cx="828675" cy="1009650"/>
+          </a:xfrm>
+          <a:prstGeom prst="rect">
+            <a:avLst/>
+          </a:prstGeom>
+        </p:spPr>
+      </p:pic>
+      <p:sp>
+        <p:nvSpPr>
+          <p:cNvPr id="10" name="Content Placeholder 3">
+            <a:extLst>
+              <a:ext uri="{FF2B5EF4-FFF2-40B4-BE49-F238E27FC236}">
+                <a16:creationId xmlns:a16="http://schemas.microsoft.com/office/drawing/2014/main" id="{82FD0B6A-7BC7-4091-9C57-AC948DA85EDA}"/>
+              </a:ext>
+            </a:extLst>
+          </p:cNvPr>
+          <p:cNvSpPr txBox="1">
+            <a:spLocks/>
+          </p:cNvSpPr>
+          <p:nvPr/>
+        </p:nvSpPr>
+        <p:spPr>
+          <a:xfrm>
+            <a:off x="466344" y="3051602"/>
+            <a:ext cx="11265408" cy="3097485"/>
+          </a:xfrm>
+          <a:prstGeom prst="rect">
+            <a:avLst/>
+          </a:prstGeom>
+        </p:spPr>
+        <p:txBody>
+          <a:bodyPr vert="horz" lIns="91440" tIns="45720" rIns="91440" bIns="45720" rtlCol="0">
+            <a:noAutofit/>
+          </a:bodyPr>
+          <a:lstStyle>
+            <a:lvl1pPr marL="0" indent="0" algn="l" defTabSz="914400" rtl="0" eaLnBrk="1" latinLnBrk="0" hangingPunct="1">
+              <a:lnSpc>
+                <a:spcPct val="90000"/>
+              </a:lnSpc>
+              <a:spcBef>
+                <a:spcPts val="1000"/>
+              </a:spcBef>
+              <a:buFont typeface="Arial" panose="020B0604020202020204" pitchFamily="34" charset="0"/>
+              <a:buNone/>
+              <a:defRPr sz="2400" b="1" kern="1200">
+                <a:solidFill>
+                  <a:schemeClr val="tx1"/>
+                </a:solidFill>
+                <a:latin typeface="+mn-lt"/>
+                <a:ea typeface="+mn-ea"/>
+                <a:cs typeface="+mn-cs"/>
+              </a:defRPr>
+            </a:lvl1pPr>
+            <a:lvl2pPr marL="685800" indent="-228600" algn="l" defTabSz="914400" rtl="0" eaLnBrk="1" latinLnBrk="0" hangingPunct="1">
+              <a:lnSpc>
+                <a:spcPct val="90000"/>
+              </a:lnSpc>
+              <a:spcBef>
+                <a:spcPts val="500"/>
+              </a:spcBef>
+              <a:buFont typeface="Arial" panose="020B0604020202020204" pitchFamily="34" charset="0"/>
+              <a:buChar char="•"/>
+              <a:defRPr sz="2400" kern="1200">
+                <a:solidFill>
+                  <a:schemeClr val="tx1"/>
+                </a:solidFill>
+                <a:latin typeface="+mn-lt"/>
+                <a:ea typeface="+mn-ea"/>
+                <a:cs typeface="+mn-cs"/>
+              </a:defRPr>
+            </a:lvl2pPr>
+            <a:lvl3pPr marL="1143000" indent="-228600" algn="l" defTabSz="914400" rtl="0" eaLnBrk="1" latinLnBrk="0" hangingPunct="1">
+              <a:lnSpc>
+                <a:spcPct val="90000"/>
+              </a:lnSpc>
+              <a:spcBef>
+                <a:spcPts val="500"/>
+              </a:spcBef>
+              <a:buFont typeface="Arial" panose="020B0604020202020204" pitchFamily="34" charset="0"/>
+              <a:buChar char="•"/>
+              <a:defRPr sz="2000" kern="1200">
+                <a:solidFill>
+                  <a:schemeClr val="tx1"/>
+                </a:solidFill>
+                <a:latin typeface="+mn-lt"/>
+                <a:ea typeface="+mn-ea"/>
+                <a:cs typeface="+mn-cs"/>
+              </a:defRPr>
+            </a:lvl3pPr>
+            <a:lvl4pPr marL="1600200" indent="-228600" algn="l" defTabSz="914400" rtl="0" eaLnBrk="1" latinLnBrk="0" hangingPunct="1">
+              <a:lnSpc>
+                <a:spcPct val="90000"/>
+              </a:lnSpc>
+              <a:spcBef>
+                <a:spcPts val="500"/>
+              </a:spcBef>
+              <a:buFont typeface="Arial" panose="020B0604020202020204" pitchFamily="34" charset="0"/>
+              <a:buChar char="•"/>
+              <a:defRPr sz="1800" kern="1200">
+                <a:solidFill>
+                  <a:schemeClr val="tx1"/>
+                </a:solidFill>
+                <a:latin typeface="+mn-lt"/>
+                <a:ea typeface="+mn-ea"/>
+                <a:cs typeface="+mn-cs"/>
+              </a:defRPr>
+            </a:lvl4pPr>
+            <a:lvl5pPr marL="2057400" indent="-228600" algn="l" defTabSz="914400" rtl="0" eaLnBrk="1" latinLnBrk="0" hangingPunct="1">
+              <a:lnSpc>
+                <a:spcPct val="90000"/>
+              </a:lnSpc>
+              <a:spcBef>
+                <a:spcPts val="500"/>
+              </a:spcBef>
+              <a:buFont typeface="Arial" panose="020B0604020202020204" pitchFamily="34" charset="0"/>
+              <a:buChar char="•"/>
+              <a:defRPr sz="1800" kern="1200">
+                <a:solidFill>
+                  <a:schemeClr val="tx1"/>
+                </a:solidFill>
+                <a:latin typeface="+mn-lt"/>
+                <a:ea typeface="+mn-ea"/>
+                <a:cs typeface="+mn-cs"/>
+              </a:defRPr>
+            </a:lvl5pPr>
+            <a:lvl6pPr marL="2514600" indent="-228600" algn="l" defTabSz="914400" rtl="0" eaLnBrk="1" latinLnBrk="0" hangingPunct="1">
+              <a:lnSpc>
+                <a:spcPct val="90000"/>
+              </a:lnSpc>
+              <a:spcBef>
+                <a:spcPts val="500"/>
+              </a:spcBef>
+              <a:buFont typeface="Arial" panose="020B0604020202020204" pitchFamily="34" charset="0"/>
+              <a:buChar char="•"/>
+              <a:defRPr sz="1800" kern="1200">
+                <a:solidFill>
+                  <a:schemeClr val="tx1"/>
+                </a:solidFill>
+                <a:latin typeface="+mn-lt"/>
+                <a:ea typeface="+mn-ea"/>
+                <a:cs typeface="+mn-cs"/>
+              </a:defRPr>
+            </a:lvl6pPr>
+            <a:lvl7pPr marL="2971800" indent="-228600" algn="l" defTabSz="914400" rtl="0" eaLnBrk="1" latinLnBrk="0" hangingPunct="1">
+              <a:lnSpc>
+                <a:spcPct val="90000"/>
+              </a:lnSpc>
+              <a:spcBef>
+                <a:spcPts val="500"/>
+              </a:spcBef>
+              <a:buFont typeface="Arial" panose="020B0604020202020204" pitchFamily="34" charset="0"/>
+              <a:buChar char="•"/>
+              <a:defRPr sz="1800" kern="1200">
+                <a:solidFill>
+                  <a:schemeClr val="tx1"/>
+                </a:solidFill>
+                <a:latin typeface="+mn-lt"/>
+                <a:ea typeface="+mn-ea"/>
+                <a:cs typeface="+mn-cs"/>
+              </a:defRPr>
+            </a:lvl7pPr>
+            <a:lvl8pPr marL="3429000" indent="-228600" algn="l" defTabSz="914400" rtl="0" eaLnBrk="1" latinLnBrk="0" hangingPunct="1">
+              <a:lnSpc>
+                <a:spcPct val="90000"/>
+              </a:lnSpc>
+              <a:spcBef>
+                <a:spcPts val="500"/>
+              </a:spcBef>
+              <a:buFont typeface="Arial" panose="020B0604020202020204" pitchFamily="34" charset="0"/>
+              <a:buChar char="•"/>
+              <a:defRPr sz="1800" kern="1200">
+                <a:solidFill>
+                  <a:schemeClr val="tx1"/>
+                </a:solidFill>
+                <a:latin typeface="+mn-lt"/>
+                <a:ea typeface="+mn-ea"/>
+                <a:cs typeface="+mn-cs"/>
+              </a:defRPr>
+            </a:lvl8pPr>
+            <a:lvl9pPr marL="3886200" indent="-228600" algn="l" defTabSz="914400" rtl="0" eaLnBrk="1" latinLnBrk="0" hangingPunct="1">
+              <a:lnSpc>
+                <a:spcPct val="90000"/>
+              </a:lnSpc>
+              <a:spcBef>
+                <a:spcPts val="500"/>
+              </a:spcBef>
+              <a:buFont typeface="Arial" panose="020B0604020202020204" pitchFamily="34" charset="0"/>
+              <a:buChar char="•"/>
+              <a:defRPr sz="1800" kern="1200">
+                <a:solidFill>
+                  <a:schemeClr val="tx1"/>
+                </a:solidFill>
+                <a:latin typeface="+mn-lt"/>
+                <a:ea typeface="+mn-ea"/>
+                <a:cs typeface="+mn-cs"/>
+              </a:defRPr>
+            </a:lvl9pPr>
+          </a:lstStyle>
+          <a:p>
+            <a:r>
+              <a:rPr lang="en-US" sz="1800" dirty="0"/>
+              <a:t>Strengths </a:t>
+            </a:r>
+            <a:r>
+              <a:rPr lang="ja-JP" altLang="en-US" sz="1800" dirty="0">
+                <a:solidFill>
+                  <a:srgbClr val="1F497D"/>
+                </a:solidFill>
+                <a:latin typeface="DengXian" panose="02010600030101010101" pitchFamily="2" charset="-122"/>
+                <a:ea typeface="DengXian" panose="02010600030101010101" pitchFamily="2" charset="-122"/>
+              </a:rPr>
+              <a:t>强项</a:t>
+            </a:r>
+            <a:r>
+              <a:rPr lang="en-US" altLang="ja-JP" sz="1800" dirty="0"/>
+              <a:t>:</a:t>
+            </a:r>
+            <a:endParaRPr lang="en-US" sz="1800" dirty="0"/>
+          </a:p>
+          <a:p>
+            <a:pPr marL="342900" indent="-342900">
+              <a:buFont typeface="Arial" panose="020B0604020202020204" pitchFamily="34" charset="0"/>
+              <a:buChar char="•"/>
+            </a:pPr>
+            <a:r>
+              <a:rPr lang="en-US" sz="1800" b="0" dirty="0"/>
+              <a:t>None </a:t>
+            </a:r>
+            <a:br>
+              <a:rPr lang="en-US" sz="1800" b="0" dirty="0"/>
+            </a:br>
+            <a:r>
+              <a:rPr lang="ja-JP" altLang="en-US" sz="1800" b="0" dirty="0">
+                <a:solidFill>
+                  <a:srgbClr val="1F497D"/>
+                </a:solidFill>
+                <a:latin typeface="DengXian" panose="02010600030101010101" pitchFamily="2" charset="-122"/>
+                <a:ea typeface="DengXian" panose="02010600030101010101" pitchFamily="2" charset="-122"/>
+              </a:rPr>
+              <a:t>没有</a:t>
+            </a:r>
+            <a:endParaRPr lang="en-US" sz="1800" b="0" dirty="0">
+              <a:solidFill>
+                <a:srgbClr val="1F497D"/>
+              </a:solidFill>
+              <a:latin typeface="DengXian" panose="02010600030101010101" pitchFamily="2" charset="-122"/>
+              <a:ea typeface="DengXian" panose="02010600030101010101" pitchFamily="2" charset="-122"/>
+            </a:endParaRPr>
+          </a:p>
+          <a:p>
+            <a:endParaRPr lang="en-US" sz="1800" b="0" dirty="0"/>
+          </a:p>
+          <a:p>
+            <a:r>
+              <a:rPr lang="en-US" sz="1800" dirty="0"/>
+              <a:t>Weaknesses </a:t>
+            </a:r>
+            <a:r>
+              <a:rPr lang="zh-CN" altLang="en-US" sz="1800" dirty="0">
+                <a:solidFill>
+                  <a:srgbClr val="1F497D"/>
+                </a:solidFill>
+                <a:latin typeface="DengXian" panose="02010600030101010101" pitchFamily="2" charset="-122"/>
+                <a:ea typeface="DengXian" panose="02010600030101010101" pitchFamily="2" charset="-122"/>
+              </a:rPr>
+              <a:t>弱项</a:t>
+            </a:r>
+            <a:r>
+              <a:rPr lang="en-US" altLang="ja-JP" sz="1800" dirty="0"/>
+              <a:t>:</a:t>
+            </a:r>
+            <a:endParaRPr lang="en-US" sz="1800" dirty="0"/>
+          </a:p>
+          <a:p>
+            <a:pPr marL="342900" indent="-342900">
+              <a:buFont typeface="Arial" panose="020B0604020202020204" pitchFamily="34" charset="0"/>
+              <a:buChar char="•"/>
+            </a:pPr>
+            <a:r>
+              <a:rPr lang="en-US" sz="1800" b="0" dirty="0"/>
+              <a:t>None </a:t>
+            </a:r>
+            <a:br>
+              <a:rPr lang="en-US" sz="1800" b="0" dirty="0"/>
+            </a:br>
+            <a:r>
+              <a:rPr lang="ja-JP" altLang="en-US" sz="1800" b="0" dirty="0">
+                <a:solidFill>
+                  <a:srgbClr val="1F497D"/>
+                </a:solidFill>
+              </a:rPr>
+              <a:t>没有</a:t>
+            </a:r>
+            <a:endParaRPr lang="en-US" sz="1800" b="0" dirty="0">
+              <a:solidFill>
+                <a:srgbClr val="1F497D"/>
+              </a:solidFill>
             </a:endParaRPr>
           </a:p>
         </p:txBody>
@@ -5716,7 +5974,7 @@
     </p:spTree>
     <p:extLst>
       <p:ext uri="{BB962C8B-B14F-4D97-AF65-F5344CB8AC3E}">
-        <p14:creationId xmlns:p14="http://schemas.microsoft.com/office/powerpoint/2010/main" val="1002676547"/>
+        <p14:creationId xmlns:p14="http://schemas.microsoft.com/office/powerpoint/2010/main" val="1212394538"/>
       </p:ext>
     </p:extLst>
   </p:cSld>
@@ -5745,10 +6003,10 @@
       </p:grpSpPr>
       <p:sp>
         <p:nvSpPr>
-          <p:cNvPr id="2" name="Title 1">
+          <p:cNvPr id="4" name="Title 3">
             <a:extLst>
               <a:ext uri="{FF2B5EF4-FFF2-40B4-BE49-F238E27FC236}">
-                <a16:creationId xmlns:a16="http://schemas.microsoft.com/office/drawing/2014/main" id="{A682FB12-F514-854C-B510-58EFF32120DB}"/>
+                <a16:creationId xmlns:a16="http://schemas.microsoft.com/office/drawing/2014/main" id="{F0D6E7E7-3A78-5E44-89F9-527E3CD983D7}"/>
               </a:ext>
             </a:extLst>
           </p:cNvPr>
@@ -5768,23 +6026,19 @@
           <a:p>
             <a:r>
               <a:rPr lang="en-US" dirty="0"/>
-              <a:t>Causal Analysis and Resolution (CAR) </a:t>
+              <a:t>Decision Analysis and Resolution (DAR) </a:t>
             </a:r>
             <a:r>
               <a:rPr lang="zh-CN" altLang="en-US" dirty="0">
                 <a:solidFill>
-                  <a:schemeClr val="accent1">
-                    <a:lumMod val="75000"/>
-                  </a:schemeClr>
-                </a:solidFill>
-              </a:rPr>
-              <a:t>原因分析与解决</a:t>
+                  <a:srgbClr val="1F497D"/>
+                </a:solidFill>
+              </a:rPr>
+              <a:t>决策分析与解决</a:t>
             </a:r>
             <a:endParaRPr lang="en-US" dirty="0">
               <a:solidFill>
-                <a:schemeClr val="accent1">
-                  <a:lumMod val="75000"/>
-                </a:schemeClr>
+                <a:srgbClr val="1F497D"/>
               </a:solidFill>
             </a:endParaRPr>
           </a:p>
@@ -5792,10 +6046,10 @@
       </p:sp>
       <p:sp>
         <p:nvSpPr>
-          <p:cNvPr id="3" name="Content Placeholder 2">
+          <p:cNvPr id="5" name="Content Placeholder 4">
             <a:extLst>
               <a:ext uri="{FF2B5EF4-FFF2-40B4-BE49-F238E27FC236}">
-                <a16:creationId xmlns:a16="http://schemas.microsoft.com/office/drawing/2014/main" id="{FD22BCE7-6CE6-6F44-A06D-0ED3A68264D7}"/>
+                <a16:creationId xmlns:a16="http://schemas.microsoft.com/office/drawing/2014/main" id="{D651944C-A577-BE40-86BE-7F08B25152B1}"/>
               </a:ext>
             </a:extLst>
           </p:cNvPr>
@@ -5808,8 +6062,8 @@
         </p:nvSpPr>
         <p:spPr>
           <a:xfrm>
-            <a:off x="466344" y="1357111"/>
-            <a:ext cx="11265408" cy="1572768"/>
+            <a:off x="463296" y="1338834"/>
+            <a:ext cx="11265408" cy="1222262"/>
           </a:xfrm>
         </p:spPr>
         <p:txBody>
@@ -5831,7 +6085,7 @@
             </a:r>
             <a:r>
               <a:rPr lang="en-US" sz="1600" dirty="0"/>
-              <a:t>Identify causes of selected outcomes and take action to either prevent recurrence of undesirable 		outcomes or ensure recurrence of positive outcomes.</a:t>
+              <a:t>Make and record decisions using a recorded process that analyzes alternatives.</a:t>
             </a:r>
             <a:br>
               <a:rPr lang="en-US" sz="1600" dirty="0"/>
@@ -5846,7 +6100,7 @@
                   <a:srgbClr val="1F497D"/>
                 </a:solidFill>
               </a:rPr>
-              <a:t>识别选定结果的原因并采取行动，防止不想要的结果再次发生或确保再次出现正面结果。</a:t>
+              <a:t>使用分析备选方案的已记录过程做出并记录决策。</a:t>
             </a:r>
             <a:endParaRPr lang="en-US" sz="1600" dirty="0">
               <a:solidFill>
@@ -5864,7 +6118,7 @@
             </a:r>
             <a:r>
               <a:rPr lang="en-US" sz="1600" dirty="0"/>
-              <a:t> Addressing root cause issues eliminates rework and directly improves quality and productivity.</a:t>
+              <a:t> Increases the objectivity of decision making and the probability of selecting the optimal solution.</a:t>
             </a:r>
             <a:br>
               <a:rPr lang="en-US" sz="1600" dirty="0"/>
@@ -5879,158 +6133,23 @@
                   <a:srgbClr val="1F497D"/>
                 </a:solidFill>
               </a:rPr>
-              <a:t>解决根本原因问题可以消除返工并直接提高质量和生产率。</a:t>
-            </a:r>
-            <a:endParaRPr lang="en-US" sz="1600" dirty="0">
-              <a:solidFill>
-                <a:srgbClr val="1F497D"/>
-              </a:solidFill>
-            </a:endParaRPr>
-          </a:p>
-        </p:txBody>
-      </p:sp>
-      <p:sp>
-        <p:nvSpPr>
-          <p:cNvPr id="4" name="Content Placeholder 3">
-            <a:extLst>
-              <a:ext uri="{FF2B5EF4-FFF2-40B4-BE49-F238E27FC236}">
-                <a16:creationId xmlns:a16="http://schemas.microsoft.com/office/drawing/2014/main" id="{17174A4B-0169-F64D-A513-9179A27A7170}"/>
-              </a:ext>
-            </a:extLst>
-          </p:cNvPr>
-          <p:cNvSpPr>
-            <a:spLocks noGrp="1"/>
-          </p:cNvSpPr>
-          <p:nvPr>
-            <p:ph idx="13"/>
-          </p:nvPr>
-        </p:nvSpPr>
-        <p:spPr>
-          <a:xfrm>
-            <a:off x="466344" y="3051602"/>
-            <a:ext cx="11265408" cy="3097485"/>
-          </a:xfrm>
-        </p:spPr>
-        <p:txBody>
-          <a:bodyPr>
-            <a:noAutofit/>
-          </a:bodyPr>
-          <a:lstStyle/>
-          <a:p>
-            <a:pPr marL="0" indent="0">
-              <a:buNone/>
-            </a:pPr>
-            <a:r>
-              <a:rPr lang="en-US" sz="1800" b="1" dirty="0"/>
-              <a:t>Strengths </a:t>
-            </a:r>
-            <a:r>
-              <a:rPr lang="ja-JP" altLang="en-US" sz="1800" b="1" dirty="0">
-                <a:solidFill>
-                  <a:srgbClr val="1F497D"/>
-                </a:solidFill>
-                <a:latin typeface="DengXian" panose="02010600030101010101" pitchFamily="2" charset="-122"/>
-                <a:ea typeface="DengXian" panose="02010600030101010101" pitchFamily="2" charset="-122"/>
-              </a:rPr>
-              <a:t>强项</a:t>
-            </a:r>
-            <a:r>
-              <a:rPr lang="en-US" altLang="ja-JP" sz="1800" b="1" dirty="0"/>
-              <a:t>:</a:t>
-            </a:r>
+              <a:t>增加决策的客观性和提高找到最佳解决方案的概率</a:t>
+            </a:r>
+          </a:p>
+          <a:p>
             <a:endParaRPr lang="en-US" sz="1800" dirty="0"/>
           </a:p>
           <a:p>
-            <a:pPr marL="342900" indent="-342900">
-              <a:buFont typeface="Arial" panose="020B0604020202020204" pitchFamily="34" charset="0"/>
-              <a:buChar char="•"/>
-            </a:pPr>
-            <a:r>
-              <a:rPr lang="en-US" sz="1800" b="0" dirty="0"/>
-              <a:t>None </a:t>
-            </a:r>
-            <a:br>
-              <a:rPr lang="en-US" sz="1800" b="0" dirty="0"/>
-            </a:br>
-            <a:r>
-              <a:rPr lang="ja-JP" altLang="en-US" sz="1800" b="0" dirty="0">
-                <a:solidFill>
-                  <a:srgbClr val="1F497D"/>
-                </a:solidFill>
-                <a:latin typeface="DengXian" panose="02010600030101010101" pitchFamily="2" charset="-122"/>
-                <a:ea typeface="DengXian" panose="02010600030101010101" pitchFamily="2" charset="-122"/>
-              </a:rPr>
-              <a:t>没有</a:t>
-            </a:r>
-            <a:endParaRPr lang="en-US" sz="1800" b="0" dirty="0">
-              <a:solidFill>
-                <a:srgbClr val="1F497D"/>
-              </a:solidFill>
-              <a:latin typeface="DengXian" panose="02010600030101010101" pitchFamily="2" charset="-122"/>
-              <a:ea typeface="DengXian" panose="02010600030101010101" pitchFamily="2" charset="-122"/>
-            </a:endParaRPr>
-          </a:p>
-          <a:p>
-            <a:endParaRPr lang="en-US" sz="1800" b="0" dirty="0"/>
-          </a:p>
-          <a:p>
-            <a:pPr marL="0" indent="0">
-              <a:buNone/>
-            </a:pPr>
-            <a:r>
-              <a:rPr lang="en-US" sz="1800" b="1" dirty="0"/>
-              <a:t>Weaknesses </a:t>
-            </a:r>
-            <a:r>
-              <a:rPr lang="zh-CN" altLang="en-US" sz="1800" dirty="0">
-                <a:solidFill>
-                  <a:srgbClr val="1F497D"/>
-                </a:solidFill>
-                <a:latin typeface="DengXian" panose="02010600030101010101" pitchFamily="2" charset="-122"/>
-                <a:ea typeface="DengXian" panose="02010600030101010101" pitchFamily="2" charset="-122"/>
-              </a:rPr>
-              <a:t>弱项</a:t>
-            </a:r>
-            <a:r>
-              <a:rPr lang="en-US" altLang="ja-JP" sz="1800" b="1" dirty="0"/>
-              <a:t>:</a:t>
-            </a:r>
             <a:endParaRPr lang="en-US" sz="1800" dirty="0"/>
-          </a:p>
-          <a:p>
-            <a:pPr marL="342900" indent="-342900">
-              <a:buFont typeface="Arial" panose="020B0604020202020204" pitchFamily="34" charset="0"/>
-              <a:buChar char="•"/>
-            </a:pPr>
-            <a:r>
-              <a:rPr lang="en-US" sz="1800" b="0" dirty="0"/>
-              <a:t>None </a:t>
-            </a:r>
-            <a:br>
-              <a:rPr lang="en-US" sz="1800" b="0" dirty="0"/>
-            </a:br>
-            <a:r>
-              <a:rPr lang="ja-JP" altLang="en-US" sz="1800" b="0" dirty="0">
-                <a:solidFill>
-                  <a:srgbClr val="1F497D"/>
-                </a:solidFill>
-              </a:rPr>
-              <a:t>没有</a:t>
-            </a:r>
-            <a:endParaRPr lang="en-US" sz="1800" b="0" dirty="0">
-              <a:solidFill>
-                <a:srgbClr val="1F497D"/>
-              </a:solidFill>
-            </a:endParaRPr>
           </a:p>
         </p:txBody>
       </p:sp>
       <p:pic>
         <p:nvPicPr>
-          <p:cNvPr id="5" name="Picture 4">
+          <p:cNvPr id="7" name="Picture 6">
             <a:extLst>
               <a:ext uri="{FF2B5EF4-FFF2-40B4-BE49-F238E27FC236}">
-                <a16:creationId xmlns:a16="http://schemas.microsoft.com/office/drawing/2014/main" id="{5D5C89D8-0B55-544B-AD0F-183601DA7BE2}"/>
+                <a16:creationId xmlns:a16="http://schemas.microsoft.com/office/drawing/2014/main" id="{63AE4084-C272-D348-A954-332D73CB7985}"/>
               </a:ext>
             </a:extLst>
           </p:cNvPr>
@@ -6053,7 +6172,7 @@
         </p:blipFill>
         <p:spPr>
           <a:xfrm>
-            <a:off x="470149" y="331667"/>
+            <a:off x="466344" y="329184"/>
             <a:ext cx="828675" cy="1009650"/>
           </a:xfrm>
           <a:prstGeom prst="rect">
@@ -6061,10 +6180,304 @@
           </a:prstGeom>
         </p:spPr>
       </p:pic>
+      <p:sp>
+        <p:nvSpPr>
+          <p:cNvPr id="8" name="Content Placeholder 3">
+            <a:extLst>
+              <a:ext uri="{FF2B5EF4-FFF2-40B4-BE49-F238E27FC236}">
+                <a16:creationId xmlns:a16="http://schemas.microsoft.com/office/drawing/2014/main" id="{0C29C336-857B-42AC-A784-32E0EB287EFC}"/>
+              </a:ext>
+            </a:extLst>
+          </p:cNvPr>
+          <p:cNvSpPr txBox="1">
+            <a:spLocks/>
+          </p:cNvSpPr>
+          <p:nvPr/>
+        </p:nvSpPr>
+        <p:spPr>
+          <a:xfrm>
+            <a:off x="466344" y="3051602"/>
+            <a:ext cx="11265408" cy="3097485"/>
+          </a:xfrm>
+          <a:prstGeom prst="rect">
+            <a:avLst/>
+          </a:prstGeom>
+        </p:spPr>
+        <p:txBody>
+          <a:bodyPr vert="horz" lIns="91440" tIns="45720" rIns="91440" bIns="45720" rtlCol="0">
+            <a:noAutofit/>
+          </a:bodyPr>
+          <a:lstStyle>
+            <a:lvl1pPr marL="0" indent="0" algn="l" defTabSz="914400" rtl="0" eaLnBrk="1" latinLnBrk="0" hangingPunct="1">
+              <a:lnSpc>
+                <a:spcPct val="90000"/>
+              </a:lnSpc>
+              <a:spcBef>
+                <a:spcPts val="1000"/>
+              </a:spcBef>
+              <a:buFont typeface="Arial" panose="020B0604020202020204" pitchFamily="34" charset="0"/>
+              <a:buNone/>
+              <a:defRPr sz="2400" b="1" kern="1200">
+                <a:solidFill>
+                  <a:schemeClr val="tx1"/>
+                </a:solidFill>
+                <a:latin typeface="+mn-lt"/>
+                <a:ea typeface="+mn-ea"/>
+                <a:cs typeface="+mn-cs"/>
+              </a:defRPr>
+            </a:lvl1pPr>
+            <a:lvl2pPr marL="685800" indent="-228600" algn="l" defTabSz="914400" rtl="0" eaLnBrk="1" latinLnBrk="0" hangingPunct="1">
+              <a:lnSpc>
+                <a:spcPct val="90000"/>
+              </a:lnSpc>
+              <a:spcBef>
+                <a:spcPts val="500"/>
+              </a:spcBef>
+              <a:buFont typeface="Arial" panose="020B0604020202020204" pitchFamily="34" charset="0"/>
+              <a:buChar char="•"/>
+              <a:defRPr sz="2400" kern="1200">
+                <a:solidFill>
+                  <a:schemeClr val="tx1"/>
+                </a:solidFill>
+                <a:latin typeface="+mn-lt"/>
+                <a:ea typeface="+mn-ea"/>
+                <a:cs typeface="+mn-cs"/>
+              </a:defRPr>
+            </a:lvl2pPr>
+            <a:lvl3pPr marL="1143000" indent="-228600" algn="l" defTabSz="914400" rtl="0" eaLnBrk="1" latinLnBrk="0" hangingPunct="1">
+              <a:lnSpc>
+                <a:spcPct val="90000"/>
+              </a:lnSpc>
+              <a:spcBef>
+                <a:spcPts val="500"/>
+              </a:spcBef>
+              <a:buFont typeface="Arial" panose="020B0604020202020204" pitchFamily="34" charset="0"/>
+              <a:buChar char="•"/>
+              <a:defRPr sz="2000" kern="1200">
+                <a:solidFill>
+                  <a:schemeClr val="tx1"/>
+                </a:solidFill>
+                <a:latin typeface="+mn-lt"/>
+                <a:ea typeface="+mn-ea"/>
+                <a:cs typeface="+mn-cs"/>
+              </a:defRPr>
+            </a:lvl3pPr>
+            <a:lvl4pPr marL="1600200" indent="-228600" algn="l" defTabSz="914400" rtl="0" eaLnBrk="1" latinLnBrk="0" hangingPunct="1">
+              <a:lnSpc>
+                <a:spcPct val="90000"/>
+              </a:lnSpc>
+              <a:spcBef>
+                <a:spcPts val="500"/>
+              </a:spcBef>
+              <a:buFont typeface="Arial" panose="020B0604020202020204" pitchFamily="34" charset="0"/>
+              <a:buChar char="•"/>
+              <a:defRPr sz="1800" kern="1200">
+                <a:solidFill>
+                  <a:schemeClr val="tx1"/>
+                </a:solidFill>
+                <a:latin typeface="+mn-lt"/>
+                <a:ea typeface="+mn-ea"/>
+                <a:cs typeface="+mn-cs"/>
+              </a:defRPr>
+            </a:lvl4pPr>
+            <a:lvl5pPr marL="2057400" indent="-228600" algn="l" defTabSz="914400" rtl="0" eaLnBrk="1" latinLnBrk="0" hangingPunct="1">
+              <a:lnSpc>
+                <a:spcPct val="90000"/>
+              </a:lnSpc>
+              <a:spcBef>
+                <a:spcPts val="500"/>
+              </a:spcBef>
+              <a:buFont typeface="Arial" panose="020B0604020202020204" pitchFamily="34" charset="0"/>
+              <a:buChar char="•"/>
+              <a:defRPr sz="1800" kern="1200">
+                <a:solidFill>
+                  <a:schemeClr val="tx1"/>
+                </a:solidFill>
+                <a:latin typeface="+mn-lt"/>
+                <a:ea typeface="+mn-ea"/>
+                <a:cs typeface="+mn-cs"/>
+              </a:defRPr>
+            </a:lvl5pPr>
+            <a:lvl6pPr marL="2514600" indent="-228600" algn="l" defTabSz="914400" rtl="0" eaLnBrk="1" latinLnBrk="0" hangingPunct="1">
+              <a:lnSpc>
+                <a:spcPct val="90000"/>
+              </a:lnSpc>
+              <a:spcBef>
+                <a:spcPts val="500"/>
+              </a:spcBef>
+              <a:buFont typeface="Arial" panose="020B0604020202020204" pitchFamily="34" charset="0"/>
+              <a:buChar char="•"/>
+              <a:defRPr sz="1800" kern="1200">
+                <a:solidFill>
+                  <a:schemeClr val="tx1"/>
+                </a:solidFill>
+                <a:latin typeface="+mn-lt"/>
+                <a:ea typeface="+mn-ea"/>
+                <a:cs typeface="+mn-cs"/>
+              </a:defRPr>
+            </a:lvl6pPr>
+            <a:lvl7pPr marL="2971800" indent="-228600" algn="l" defTabSz="914400" rtl="0" eaLnBrk="1" latinLnBrk="0" hangingPunct="1">
+              <a:lnSpc>
+                <a:spcPct val="90000"/>
+              </a:lnSpc>
+              <a:spcBef>
+                <a:spcPts val="500"/>
+              </a:spcBef>
+              <a:buFont typeface="Arial" panose="020B0604020202020204" pitchFamily="34" charset="0"/>
+              <a:buChar char="•"/>
+              <a:defRPr sz="1800" kern="1200">
+                <a:solidFill>
+                  <a:schemeClr val="tx1"/>
+                </a:solidFill>
+                <a:latin typeface="+mn-lt"/>
+                <a:ea typeface="+mn-ea"/>
+                <a:cs typeface="+mn-cs"/>
+              </a:defRPr>
+            </a:lvl7pPr>
+            <a:lvl8pPr marL="3429000" indent="-228600" algn="l" defTabSz="914400" rtl="0" eaLnBrk="1" latinLnBrk="0" hangingPunct="1">
+              <a:lnSpc>
+                <a:spcPct val="90000"/>
+              </a:lnSpc>
+              <a:spcBef>
+                <a:spcPts val="500"/>
+              </a:spcBef>
+              <a:buFont typeface="Arial" panose="020B0604020202020204" pitchFamily="34" charset="0"/>
+              <a:buChar char="•"/>
+              <a:defRPr sz="1800" kern="1200">
+                <a:solidFill>
+                  <a:schemeClr val="tx1"/>
+                </a:solidFill>
+                <a:latin typeface="+mn-lt"/>
+                <a:ea typeface="+mn-ea"/>
+                <a:cs typeface="+mn-cs"/>
+              </a:defRPr>
+            </a:lvl8pPr>
+            <a:lvl9pPr marL="3886200" indent="-228600" algn="l" defTabSz="914400" rtl="0" eaLnBrk="1" latinLnBrk="0" hangingPunct="1">
+              <a:lnSpc>
+                <a:spcPct val="90000"/>
+              </a:lnSpc>
+              <a:spcBef>
+                <a:spcPts val="500"/>
+              </a:spcBef>
+              <a:buFont typeface="Arial" panose="020B0604020202020204" pitchFamily="34" charset="0"/>
+              <a:buChar char="•"/>
+              <a:defRPr sz="1800" kern="1200">
+                <a:solidFill>
+                  <a:schemeClr val="tx1"/>
+                </a:solidFill>
+                <a:latin typeface="+mn-lt"/>
+                <a:ea typeface="+mn-ea"/>
+                <a:cs typeface="+mn-cs"/>
+              </a:defRPr>
+            </a:lvl9pPr>
+          </a:lstStyle>
+          <a:p>
+            <a:r>
+              <a:rPr lang="en-US" sz="1800" dirty="0"/>
+              <a:t>Strengths </a:t>
+            </a:r>
+            <a:r>
+              <a:rPr lang="ja-JP" altLang="en-US" sz="1800" dirty="0">
+                <a:solidFill>
+                  <a:srgbClr val="1F497D"/>
+                </a:solidFill>
+                <a:latin typeface="DengXian" panose="02010600030101010101" pitchFamily="2" charset="-122"/>
+                <a:ea typeface="DengXian" panose="02010600030101010101" pitchFamily="2" charset="-122"/>
+              </a:rPr>
+              <a:t>强项</a:t>
+            </a:r>
+            <a:r>
+              <a:rPr lang="en-US" altLang="ja-JP" sz="1800" dirty="0"/>
+              <a:t>:</a:t>
+            </a:r>
+            <a:endParaRPr lang="en-US" sz="1800" dirty="0"/>
+          </a:p>
+          <a:p>
+            <a:pPr marL="342900" indent="-342900">
+              <a:buFont typeface="Arial" panose="020B0604020202020204" pitchFamily="34" charset="0"/>
+              <a:buChar char="•"/>
+            </a:pPr>
+            <a:r>
+              <a:rPr lang="en-US" sz="1800" b="0" dirty="0"/>
+              <a:t>None </a:t>
+            </a:r>
+            <a:br>
+              <a:rPr lang="en-US" sz="1800" b="0" dirty="0"/>
+            </a:br>
+            <a:r>
+              <a:rPr lang="ja-JP" altLang="en-US" sz="1800" b="0" dirty="0">
+                <a:solidFill>
+                  <a:srgbClr val="1F497D"/>
+                </a:solidFill>
+                <a:latin typeface="DengXian" panose="02010600030101010101" pitchFamily="2" charset="-122"/>
+                <a:ea typeface="DengXian" panose="02010600030101010101" pitchFamily="2" charset="-122"/>
+              </a:rPr>
+              <a:t>没有</a:t>
+            </a:r>
+            <a:endParaRPr lang="en-US" sz="1800" b="0" dirty="0">
+              <a:solidFill>
+                <a:srgbClr val="1F497D"/>
+              </a:solidFill>
+              <a:latin typeface="DengXian" panose="02010600030101010101" pitchFamily="2" charset="-122"/>
+              <a:ea typeface="DengXian" panose="02010600030101010101" pitchFamily="2" charset="-122"/>
+            </a:endParaRPr>
+          </a:p>
+          <a:p>
+            <a:endParaRPr lang="en-US" sz="1800" b="0" dirty="0"/>
+          </a:p>
+          <a:p>
+            <a:r>
+              <a:rPr lang="en-US" sz="1800" dirty="0"/>
+              <a:t>Weaknesses </a:t>
+            </a:r>
+            <a:r>
+              <a:rPr lang="zh-CN" altLang="en-US" sz="1800" dirty="0">
+                <a:solidFill>
+                  <a:srgbClr val="1F497D"/>
+                </a:solidFill>
+                <a:latin typeface="DengXian" panose="02010600030101010101" pitchFamily="2" charset="-122"/>
+                <a:ea typeface="DengXian" panose="02010600030101010101" pitchFamily="2" charset="-122"/>
+              </a:rPr>
+              <a:t>弱项</a:t>
+            </a:r>
+            <a:r>
+              <a:rPr lang="en-US" altLang="ja-JP" sz="1800" dirty="0"/>
+              <a:t>:</a:t>
+            </a:r>
+            <a:endParaRPr lang="en-US" sz="1800" dirty="0"/>
+          </a:p>
+          <a:p>
+            <a:pPr marL="342900" indent="-342900">
+              <a:buFont typeface="Arial" panose="020B0604020202020204" pitchFamily="34" charset="0"/>
+              <a:buChar char="•"/>
+            </a:pPr>
+            <a:r>
+              <a:rPr lang="en-US" sz="1800" b="0" dirty="0"/>
+              <a:t>None </a:t>
+            </a:r>
+            <a:br>
+              <a:rPr lang="en-US" sz="1800" b="0" dirty="0"/>
+            </a:br>
+            <a:r>
+              <a:rPr lang="ja-JP" altLang="en-US" sz="1800" b="0" dirty="0">
+                <a:solidFill>
+                  <a:srgbClr val="1F497D"/>
+                </a:solidFill>
+              </a:rPr>
+              <a:t>没有</a:t>
+            </a:r>
+            <a:endParaRPr lang="en-US" sz="1800" b="0" dirty="0">
+              <a:solidFill>
+                <a:srgbClr val="1F497D"/>
+              </a:solidFill>
+            </a:endParaRPr>
+          </a:p>
+        </p:txBody>
+      </p:sp>
     </p:spTree>
     <p:extLst>
       <p:ext uri="{BB962C8B-B14F-4D97-AF65-F5344CB8AC3E}">
-        <p14:creationId xmlns:p14="http://schemas.microsoft.com/office/powerpoint/2010/main" val="268292825"/>
+        <p14:creationId xmlns:p14="http://schemas.microsoft.com/office/powerpoint/2010/main" val="201728931"/>
       </p:ext>
     </p:extLst>
   </p:cSld>
@@ -6096,7 +6509,7 @@
           <p:cNvPr id="4" name="Title 3">
             <a:extLst>
               <a:ext uri="{FF2B5EF4-FFF2-40B4-BE49-F238E27FC236}">
-                <a16:creationId xmlns:a16="http://schemas.microsoft.com/office/drawing/2014/main" id="{FFC94052-D3D2-1D46-9E1A-87C7462F1125}"/>
+                <a16:creationId xmlns:a16="http://schemas.microsoft.com/office/drawing/2014/main" id="{364C635E-FEFA-084F-A1B2-00A355DFF58D}"/>
               </a:ext>
             </a:extLst>
           </p:cNvPr>
@@ -6116,23 +6529,19 @@
           <a:p>
             <a:r>
               <a:rPr lang="en-US" dirty="0"/>
-              <a:t>Configuration Management (CM) </a:t>
+              <a:t>Estimating (EST) </a:t>
             </a:r>
             <a:r>
               <a:rPr lang="ja-JP" altLang="en-US" dirty="0">
                 <a:solidFill>
-                  <a:schemeClr val="accent1">
-                    <a:lumMod val="75000"/>
-                  </a:schemeClr>
-                </a:solidFill>
-              </a:rPr>
-              <a:t>配置管理</a:t>
+                  <a:srgbClr val="1F497D"/>
+                </a:solidFill>
+              </a:rPr>
+              <a:t>估算</a:t>
             </a:r>
             <a:endParaRPr lang="en-US" dirty="0">
               <a:solidFill>
-                <a:schemeClr val="accent1">
-                  <a:lumMod val="75000"/>
-                </a:schemeClr>
+                <a:srgbClr val="1F497D"/>
               </a:solidFill>
             </a:endParaRPr>
           </a:p>
@@ -6143,7 +6552,7 @@
           <p:cNvPr id="5" name="Content Placeholder 4">
             <a:extLst>
               <a:ext uri="{FF2B5EF4-FFF2-40B4-BE49-F238E27FC236}">
-                <a16:creationId xmlns:a16="http://schemas.microsoft.com/office/drawing/2014/main" id="{F7851FC6-ACD6-F341-AD7C-83127EFB5A77}"/>
+                <a16:creationId xmlns:a16="http://schemas.microsoft.com/office/drawing/2014/main" id="{F0D27AE0-E333-B84C-AA56-4473247CD36D}"/>
               </a:ext>
             </a:extLst>
           </p:cNvPr>
@@ -6156,13 +6565,13 @@
         </p:nvSpPr>
         <p:spPr>
           <a:xfrm>
-            <a:off x="463296" y="1338834"/>
-            <a:ext cx="11265408" cy="1388315"/>
+            <a:off x="463296" y="1357884"/>
+            <a:ext cx="11265408" cy="1572768"/>
           </a:xfrm>
         </p:spPr>
         <p:txBody>
           <a:bodyPr>
-            <a:normAutofit/>
+            <a:noAutofit/>
           </a:bodyPr>
           <a:lstStyle/>
           <a:p>
@@ -6179,7 +6588,7 @@
             </a:r>
             <a:r>
               <a:rPr lang="en-US" sz="1600" dirty="0"/>
-              <a:t>Manage the integrity of work products using configuration identification, version control, change control, and 	audits.</a:t>
+              <a:t>Estimate the size, effort, duration, and cost of the work and resources needed to develop, acquire, or deliver the 	solution.</a:t>
             </a:r>
             <a:br>
               <a:rPr lang="en-US" sz="1600" dirty="0"/>
@@ -6194,7 +6603,7 @@
                   <a:srgbClr val="1F497D"/>
                 </a:solidFill>
               </a:rPr>
-              <a:t>使用配置识别、版本控制、变更控制和审计来管理工作产品的完整性。</a:t>
+              <a:t>估算开发、采购或交付解决方案所需的工作和资源的规模、工作量、周期和成本。</a:t>
             </a:r>
             <a:endParaRPr lang="en-US" sz="1600" dirty="0">
               <a:solidFill>
@@ -6212,7 +6621,7 @@
             </a:r>
             <a:r>
               <a:rPr lang="en-US" sz="1600" dirty="0"/>
-              <a:t> Reduces loss of work and increases the ability to deliver the correct version of the solution to the customer.</a:t>
+              <a:t> Estimation provides a basis for making commitments, planning, and reducing uncertainty, which allows for early 	corrective actions and increases the likelihood of meeting objectives.</a:t>
             </a:r>
             <a:br>
               <a:rPr lang="en-US" sz="1600" dirty="0"/>
@@ -6227,11 +6636,21 @@
                   <a:srgbClr val="1F497D"/>
                 </a:solidFill>
               </a:rPr>
-              <a:t>减少工作损失，并增加向客户提供正确版本解决方案的能力。 </a:t>
-            </a:r>
-          </a:p>
-          <a:p>
-            <a:endParaRPr lang="en-US" sz="1800" dirty="0"/>
+              <a:t>估算为做出承诺、策划和减少不确定性提供了依据，有助于尽早采取纠正措施并提高实现目标的可能性</a:t>
+            </a:r>
+            <a:r>
+              <a:rPr lang="zh-CN" altLang="en-US" sz="1800" dirty="0">
+                <a:solidFill>
+                  <a:srgbClr val="1F497D"/>
+                </a:solidFill>
+              </a:rPr>
+              <a:t>。 </a:t>
+            </a:r>
+            <a:endParaRPr lang="en-US" sz="1800" dirty="0">
+              <a:solidFill>
+                <a:srgbClr val="1F497D"/>
+              </a:solidFill>
+            </a:endParaRPr>
           </a:p>
           <a:p>
             <a:endParaRPr lang="en-US" sz="1800" dirty="0"/>
@@ -6243,7 +6662,7 @@
           <p:cNvPr id="7" name="Picture 6">
             <a:extLst>
               <a:ext uri="{FF2B5EF4-FFF2-40B4-BE49-F238E27FC236}">
-                <a16:creationId xmlns:a16="http://schemas.microsoft.com/office/drawing/2014/main" id="{B6B8940F-F466-0C49-BA8F-759D5D68A179}"/>
+                <a16:creationId xmlns:a16="http://schemas.microsoft.com/office/drawing/2014/main" id="{D564BB67-B6E2-EA42-8FD0-E0FE585544B3}"/>
               </a:ext>
             </a:extLst>
           </p:cNvPr>
@@ -6266,8 +6685,8 @@
         </p:blipFill>
         <p:spPr>
           <a:xfrm>
-            <a:off x="466344" y="329184"/>
-            <a:ext cx="828675" cy="1009650"/>
+            <a:off x="310704" y="329184"/>
+            <a:ext cx="1381125" cy="1028700"/>
           </a:xfrm>
           <a:prstGeom prst="rect">
             <a:avLst/>
@@ -6276,10 +6695,10 @@
       </p:pic>
       <p:sp>
         <p:nvSpPr>
-          <p:cNvPr id="10" name="Content Placeholder 3">
+          <p:cNvPr id="8" name="Content Placeholder 3">
             <a:extLst>
               <a:ext uri="{FF2B5EF4-FFF2-40B4-BE49-F238E27FC236}">
-                <a16:creationId xmlns:a16="http://schemas.microsoft.com/office/drawing/2014/main" id="{82FD0B6A-7BC7-4091-9C57-AC948DA85EDA}"/>
+                <a16:creationId xmlns:a16="http://schemas.microsoft.com/office/drawing/2014/main" id="{5CACA4C3-CBEF-489E-BB7B-72D841E26512}"/>
               </a:ext>
             </a:extLst>
           </p:cNvPr>
@@ -6571,7 +6990,7 @@
     </p:spTree>
     <p:extLst>
       <p:ext uri="{BB962C8B-B14F-4D97-AF65-F5344CB8AC3E}">
-        <p14:creationId xmlns:p14="http://schemas.microsoft.com/office/powerpoint/2010/main" val="1212394538"/>
+        <p14:creationId xmlns:p14="http://schemas.microsoft.com/office/powerpoint/2010/main" val="1113113706"/>
       </p:ext>
     </p:extLst>
   </p:cSld>
@@ -6603,7 +7022,7 @@
           <p:cNvPr id="4" name="Title 3">
             <a:extLst>
               <a:ext uri="{FF2B5EF4-FFF2-40B4-BE49-F238E27FC236}">
-                <a16:creationId xmlns:a16="http://schemas.microsoft.com/office/drawing/2014/main" id="{F0D6E7E7-3A78-5E44-89F9-527E3CD983D7}"/>
+                <a16:creationId xmlns:a16="http://schemas.microsoft.com/office/drawing/2014/main" id="{CC5370A8-0C29-9E4D-B098-2E01281B6260}"/>
               </a:ext>
             </a:extLst>
           </p:cNvPr>
@@ -6623,15 +7042,15 @@
           <a:p>
             <a:r>
               <a:rPr lang="en-US" dirty="0"/>
-              <a:t>Decision Analysis and Resolution (DAR) </a:t>
-            </a:r>
-            <a:r>
-              <a:rPr lang="zh-CN" altLang="en-US" dirty="0">
+              <a:t>Governance (GOV) </a:t>
+            </a:r>
+            <a:r>
+              <a:rPr lang="ja-JP" altLang="en-US" dirty="0">
                 <a:solidFill>
                   <a:srgbClr val="1F497D"/>
                 </a:solidFill>
               </a:rPr>
-              <a:t>决策分析与解决</a:t>
+              <a:t>管治</a:t>
             </a:r>
             <a:endParaRPr lang="en-US" dirty="0">
               <a:solidFill>
@@ -6646,7 +7065,7 @@
           <p:cNvPr id="5" name="Content Placeholder 4">
             <a:extLst>
               <a:ext uri="{FF2B5EF4-FFF2-40B4-BE49-F238E27FC236}">
-                <a16:creationId xmlns:a16="http://schemas.microsoft.com/office/drawing/2014/main" id="{D651944C-A577-BE40-86BE-7F08B25152B1}"/>
+                <a16:creationId xmlns:a16="http://schemas.microsoft.com/office/drawing/2014/main" id="{C7447B46-1B43-2341-808A-5B2FCADE4031}"/>
               </a:ext>
             </a:extLst>
           </p:cNvPr>
@@ -6659,13 +7078,13 @@
         </p:nvSpPr>
         <p:spPr>
           <a:xfrm>
-            <a:off x="463296" y="1338834"/>
-            <a:ext cx="11265408" cy="1222262"/>
+            <a:off x="463296" y="1353102"/>
+            <a:ext cx="11265408" cy="1523312"/>
           </a:xfrm>
         </p:spPr>
         <p:txBody>
           <a:bodyPr>
-            <a:normAutofit/>
+            <a:noAutofit/>
           </a:bodyPr>
           <a:lstStyle/>
           <a:p>
@@ -6673,16 +7092,12 @@
               <a:buNone/>
             </a:pPr>
             <a:r>
-              <a:rPr lang="en-US" sz="1800" b="1" dirty="0"/>
-              <a:t>	</a:t>
-            </a:r>
-            <a:r>
               <a:rPr lang="en-US" sz="1600" b="1" dirty="0"/>
-              <a:t>Intent: </a:t>
+              <a:t>	Intent: </a:t>
             </a:r>
             <a:r>
               <a:rPr lang="en-US" sz="1600" dirty="0"/>
-              <a:t>Make and record decisions using a recorded process that analyzes alternatives.</a:t>
+              <a:t>Provides guidance to senior management on their role in the sponsorship and governance of process activities.</a:t>
             </a:r>
             <a:br>
               <a:rPr lang="en-US" sz="1600" dirty="0"/>
@@ -6697,7 +7112,7 @@
                   <a:srgbClr val="1F497D"/>
                 </a:solidFill>
               </a:rPr>
-              <a:t>使用分析备选方案的已记录过程做出并记录决策。</a:t>
+              <a:t>指导高级管理层履行其在支持和治理过程活动中的职责</a:t>
             </a:r>
             <a:endParaRPr lang="en-US" sz="1600" dirty="0">
               <a:solidFill>
@@ -6715,7 +7130,7 @@
             </a:r>
             <a:r>
               <a:rPr lang="en-US" sz="1600" dirty="0"/>
-              <a:t> Increases the objectivity of decision making and the probability of selecting the optimal solution.</a:t>
+              <a:t> Minimizes the cost of process implementation, increases the likelihood of meeting objectives, and ensures that the 	implemented processes support and contribute to the success of the business.</a:t>
             </a:r>
             <a:br>
               <a:rPr lang="en-US" sz="1600" dirty="0"/>
@@ -6725,16 +7140,30 @@
               <a:t>	</a:t>
             </a:r>
             <a:r>
-              <a:rPr lang="zh-CN" altLang="en-US" sz="1600" dirty="0">
+              <a:rPr lang="zh-CN" altLang="en-US" sz="1600" b="0" i="0" u="none" strike="noStrike" dirty="0">
                 <a:solidFill>
                   <a:srgbClr val="1F497D"/>
                 </a:solidFill>
-              </a:rPr>
-              <a:t>增加决策的客观性和提高找到最佳解决方案的概率</a:t>
-            </a:r>
-          </a:p>
-          <a:p>
-            <a:endParaRPr lang="en-US" sz="1800" dirty="0"/>
+                <a:effectLst/>
+                <a:latin typeface="Arial" panose="020B0604020202020204" pitchFamily="34" charset="0"/>
+              </a:rPr>
+              <a:t>最大限度地降低过程实施成本，提高实现目标的可能性，并确保实施的过程支持并促成业务成功</a:t>
+            </a:r>
+            <a:r>
+              <a:rPr lang="zh-CN" altLang="en-US" sz="1800" b="0" i="0" u="none" strike="noStrike" dirty="0">
+                <a:solidFill>
+                  <a:srgbClr val="1F497D"/>
+                </a:solidFill>
+                <a:effectLst/>
+                <a:latin typeface="Arial" panose="020B0604020202020204" pitchFamily="34" charset="0"/>
+              </a:rPr>
+              <a:t>。</a:t>
+            </a:r>
+            <a:endParaRPr lang="en-US" sz="1800" dirty="0">
+              <a:solidFill>
+                <a:srgbClr val="1F497D"/>
+              </a:solidFill>
+            </a:endParaRPr>
           </a:p>
           <a:p>
             <a:endParaRPr lang="en-US" sz="1800" dirty="0"/>
@@ -6743,10 +7172,10 @@
       </p:sp>
       <p:pic>
         <p:nvPicPr>
-          <p:cNvPr id="7" name="Picture 6">
+          <p:cNvPr id="7" name="Content Placeholder 3">
             <a:extLst>
               <a:ext uri="{FF2B5EF4-FFF2-40B4-BE49-F238E27FC236}">
-                <a16:creationId xmlns:a16="http://schemas.microsoft.com/office/drawing/2014/main" id="{63AE4084-C272-D348-A954-332D73CB7985}"/>
+                <a16:creationId xmlns:a16="http://schemas.microsoft.com/office/drawing/2014/main" id="{9F514497-C5FD-2445-A499-822C31FAC245}"/>
               </a:ext>
             </a:extLst>
           </p:cNvPr>
@@ -6769,8 +7198,8 @@
         </p:blipFill>
         <p:spPr>
           <a:xfrm>
-            <a:off x="466344" y="329184"/>
-            <a:ext cx="828675" cy="1009650"/>
+            <a:off x="466344" y="228600"/>
+            <a:ext cx="1207008" cy="1207008"/>
           </a:xfrm>
           <a:prstGeom prst="rect">
             <a:avLst/>
@@ -6782,7 +7211,7 @@
           <p:cNvPr id="8" name="Content Placeholder 3">
             <a:extLst>
               <a:ext uri="{FF2B5EF4-FFF2-40B4-BE49-F238E27FC236}">
-                <a16:creationId xmlns:a16="http://schemas.microsoft.com/office/drawing/2014/main" id="{0C29C336-857B-42AC-A784-32E0EB287EFC}"/>
+                <a16:creationId xmlns:a16="http://schemas.microsoft.com/office/drawing/2014/main" id="{6816CC65-C45A-49BD-920B-AFA52DAAB2AE}"/>
               </a:ext>
             </a:extLst>
           </p:cNvPr>
@@ -7074,7 +7503,7 @@
     </p:spTree>
     <p:extLst>
       <p:ext uri="{BB962C8B-B14F-4D97-AF65-F5344CB8AC3E}">
-        <p14:creationId xmlns:p14="http://schemas.microsoft.com/office/powerpoint/2010/main" val="201728931"/>
+        <p14:creationId xmlns:p14="http://schemas.microsoft.com/office/powerpoint/2010/main" val="1379169773"/>
       </p:ext>
     </p:extLst>
   </p:cSld>
@@ -7101,12 +7530,48 @@
           <a:chExt cx="0" cy="0"/>
         </a:xfrm>
       </p:grpSpPr>
+      <p:pic>
+        <p:nvPicPr>
+          <p:cNvPr id="8" name="Picture 7">
+            <a:extLst>
+              <a:ext uri="{FF2B5EF4-FFF2-40B4-BE49-F238E27FC236}">
+                <a16:creationId xmlns:a16="http://schemas.microsoft.com/office/drawing/2014/main" id="{9EC4B8E7-E430-0B48-A30F-0DC56283ECC6}"/>
+              </a:ext>
+            </a:extLst>
+          </p:cNvPr>
+          <p:cNvPicPr>
+            <a:picLocks noChangeAspect="1"/>
+          </p:cNvPicPr>
+          <p:nvPr/>
+        </p:nvPicPr>
+        <p:blipFill>
+          <a:blip r:embed="rId2">
+            <a:extLst>
+              <a:ext uri="{28A0092B-C50C-407E-A947-70E740481C1C}">
+                <a14:useLocalDpi xmlns:a14="http://schemas.microsoft.com/office/drawing/2010/main" val="0"/>
+              </a:ext>
+            </a:extLst>
+          </a:blip>
+          <a:stretch>
+            <a:fillRect/>
+          </a:stretch>
+        </p:blipFill>
+        <p:spPr>
+          <a:xfrm>
+            <a:off x="466344" y="228600"/>
+            <a:ext cx="1215390" cy="1207008"/>
+          </a:xfrm>
+          <a:prstGeom prst="rect">
+            <a:avLst/>
+          </a:prstGeom>
+        </p:spPr>
+      </p:pic>
       <p:sp>
         <p:nvSpPr>
-          <p:cNvPr id="4" name="Title 3">
+          <p:cNvPr id="3" name="Title 2">
             <a:extLst>
               <a:ext uri="{FF2B5EF4-FFF2-40B4-BE49-F238E27FC236}">
-                <a16:creationId xmlns:a16="http://schemas.microsoft.com/office/drawing/2014/main" id="{364C635E-FEFA-084F-A1B2-00A355DFF58D}"/>
+                <a16:creationId xmlns:a16="http://schemas.microsoft.com/office/drawing/2014/main" id="{DC8BCBD2-BB96-4EFA-B4BA-DD959BC15EBD}"/>
               </a:ext>
             </a:extLst>
           </p:cNvPr>
@@ -7126,17 +7591,17 @@
           <a:p>
             <a:r>
               <a:rPr lang="en-US" dirty="0"/>
-              <a:t>Estimating (EST) </a:t>
-            </a:r>
-            <a:r>
-              <a:rPr lang="ja-JP" altLang="en-US" dirty="0">
+              <a:t>Implementation Infrastructure (II) </a:t>
+            </a:r>
+            <a:r>
+              <a:rPr lang="zh-CN" altLang="en-US" dirty="0">
                 <a:solidFill>
                   <a:srgbClr val="1F497D"/>
                 </a:solidFill>
               </a:rPr>
-              <a:t>估算</a:t>
-            </a:r>
-            <a:endParaRPr lang="en-US" dirty="0">
+              <a:t>实施基础条件</a:t>
+            </a:r>
+            <a:endParaRPr lang="en-ZA" dirty="0">
               <a:solidFill>
                 <a:srgbClr val="1F497D"/>
               </a:solidFill>
@@ -7146,46 +7611,206 @@
       </p:sp>
       <p:sp>
         <p:nvSpPr>
-          <p:cNvPr id="5" name="Content Placeholder 4">
+          <p:cNvPr id="10" name="Content Placeholder 5">
             <a:extLst>
               <a:ext uri="{FF2B5EF4-FFF2-40B4-BE49-F238E27FC236}">
-                <a16:creationId xmlns:a16="http://schemas.microsoft.com/office/drawing/2014/main" id="{F0D27AE0-E333-B84C-AA56-4473247CD36D}"/>
+                <a16:creationId xmlns:a16="http://schemas.microsoft.com/office/drawing/2014/main" id="{9045050B-D4DF-4E82-A4C1-CE0EBE15B30E}"/>
               </a:ext>
             </a:extLst>
           </p:cNvPr>
-          <p:cNvSpPr>
-            <a:spLocks noGrp="1"/>
+          <p:cNvSpPr txBox="1">
+            <a:spLocks/>
           </p:cNvSpPr>
-          <p:nvPr>
-            <p:ph idx="4294967295"/>
-          </p:nvPr>
+          <p:nvPr/>
         </p:nvSpPr>
         <p:spPr>
           <a:xfrm>
-            <a:off x="463296" y="1357884"/>
-            <a:ext cx="11265408" cy="1572768"/>
+            <a:off x="463296" y="1329365"/>
+            <a:ext cx="11265408" cy="1207008"/>
           </a:xfrm>
+          <a:prstGeom prst="rect">
+            <a:avLst/>
+          </a:prstGeom>
         </p:spPr>
         <p:txBody>
-          <a:bodyPr>
-            <a:noAutofit/>
+          <a:bodyPr vert="horz" lIns="91440" tIns="45720" rIns="91440" bIns="45720" rtlCol="0">
+            <a:normAutofit/>
           </a:bodyPr>
-          <a:lstStyle/>
+          <a:lstStyle>
+            <a:lvl1pPr marL="228600" indent="-228600" algn="l" defTabSz="914400" rtl="0" eaLnBrk="1" latinLnBrk="0" hangingPunct="1">
+              <a:lnSpc>
+                <a:spcPct val="90000"/>
+              </a:lnSpc>
+              <a:spcBef>
+                <a:spcPts val="1000"/>
+              </a:spcBef>
+              <a:buFont typeface="Arial" panose="020B0604020202020204" pitchFamily="34" charset="0"/>
+              <a:buChar char="•"/>
+              <a:defRPr sz="2800" kern="1200">
+                <a:solidFill>
+                  <a:schemeClr val="tx1"/>
+                </a:solidFill>
+                <a:latin typeface="+mn-lt"/>
+                <a:ea typeface="+mn-ea"/>
+                <a:cs typeface="+mn-cs"/>
+              </a:defRPr>
+            </a:lvl1pPr>
+            <a:lvl2pPr marL="685800" indent="-228600" algn="l" defTabSz="914400" rtl="0" eaLnBrk="1" latinLnBrk="0" hangingPunct="1">
+              <a:lnSpc>
+                <a:spcPct val="90000"/>
+              </a:lnSpc>
+              <a:spcBef>
+                <a:spcPts val="500"/>
+              </a:spcBef>
+              <a:buFont typeface="Arial" panose="020B0604020202020204" pitchFamily="34" charset="0"/>
+              <a:buChar char="•"/>
+              <a:defRPr sz="2400" kern="1200">
+                <a:solidFill>
+                  <a:schemeClr val="tx1"/>
+                </a:solidFill>
+                <a:latin typeface="+mn-lt"/>
+                <a:ea typeface="+mn-ea"/>
+                <a:cs typeface="+mn-cs"/>
+              </a:defRPr>
+            </a:lvl2pPr>
+            <a:lvl3pPr marL="1143000" indent="-228600" algn="l" defTabSz="914400" rtl="0" eaLnBrk="1" latinLnBrk="0" hangingPunct="1">
+              <a:lnSpc>
+                <a:spcPct val="90000"/>
+              </a:lnSpc>
+              <a:spcBef>
+                <a:spcPts val="500"/>
+              </a:spcBef>
+              <a:buFont typeface="Arial" panose="020B0604020202020204" pitchFamily="34" charset="0"/>
+              <a:buChar char="•"/>
+              <a:defRPr sz="2000" kern="1200">
+                <a:solidFill>
+                  <a:schemeClr val="tx1"/>
+                </a:solidFill>
+                <a:latin typeface="+mn-lt"/>
+                <a:ea typeface="+mn-ea"/>
+                <a:cs typeface="+mn-cs"/>
+              </a:defRPr>
+            </a:lvl3pPr>
+            <a:lvl4pPr marL="1600200" indent="-228600" algn="l" defTabSz="914400" rtl="0" eaLnBrk="1" latinLnBrk="0" hangingPunct="1">
+              <a:lnSpc>
+                <a:spcPct val="90000"/>
+              </a:lnSpc>
+              <a:spcBef>
+                <a:spcPts val="500"/>
+              </a:spcBef>
+              <a:buFont typeface="Arial" panose="020B0604020202020204" pitchFamily="34" charset="0"/>
+              <a:buChar char="•"/>
+              <a:defRPr sz="1800" kern="1200">
+                <a:solidFill>
+                  <a:schemeClr val="tx1"/>
+                </a:solidFill>
+                <a:latin typeface="+mn-lt"/>
+                <a:ea typeface="+mn-ea"/>
+                <a:cs typeface="+mn-cs"/>
+              </a:defRPr>
+            </a:lvl4pPr>
+            <a:lvl5pPr marL="2057400" indent="-228600" algn="l" defTabSz="914400" rtl="0" eaLnBrk="1" latinLnBrk="0" hangingPunct="1">
+              <a:lnSpc>
+                <a:spcPct val="90000"/>
+              </a:lnSpc>
+              <a:spcBef>
+                <a:spcPts val="500"/>
+              </a:spcBef>
+              <a:buFont typeface="Arial" panose="020B0604020202020204" pitchFamily="34" charset="0"/>
+              <a:buChar char="•"/>
+              <a:defRPr sz="1800" kern="1200">
+                <a:solidFill>
+                  <a:schemeClr val="tx1"/>
+                </a:solidFill>
+                <a:latin typeface="+mn-lt"/>
+                <a:ea typeface="+mn-ea"/>
+                <a:cs typeface="+mn-cs"/>
+              </a:defRPr>
+            </a:lvl5pPr>
+            <a:lvl6pPr marL="2514600" indent="-228600" algn="l" defTabSz="914400" rtl="0" eaLnBrk="1" latinLnBrk="0" hangingPunct="1">
+              <a:lnSpc>
+                <a:spcPct val="90000"/>
+              </a:lnSpc>
+              <a:spcBef>
+                <a:spcPts val="500"/>
+              </a:spcBef>
+              <a:buFont typeface="Arial" panose="020B0604020202020204" pitchFamily="34" charset="0"/>
+              <a:buChar char="•"/>
+              <a:defRPr sz="1800" kern="1200">
+                <a:solidFill>
+                  <a:schemeClr val="tx1"/>
+                </a:solidFill>
+                <a:latin typeface="+mn-lt"/>
+                <a:ea typeface="+mn-ea"/>
+                <a:cs typeface="+mn-cs"/>
+              </a:defRPr>
+            </a:lvl6pPr>
+            <a:lvl7pPr marL="2971800" indent="-228600" algn="l" defTabSz="914400" rtl="0" eaLnBrk="1" latinLnBrk="0" hangingPunct="1">
+              <a:lnSpc>
+                <a:spcPct val="90000"/>
+              </a:lnSpc>
+              <a:spcBef>
+                <a:spcPts val="500"/>
+              </a:spcBef>
+              <a:buFont typeface="Arial" panose="020B0604020202020204" pitchFamily="34" charset="0"/>
+              <a:buChar char="•"/>
+              <a:defRPr sz="1800" kern="1200">
+                <a:solidFill>
+                  <a:schemeClr val="tx1"/>
+                </a:solidFill>
+                <a:latin typeface="+mn-lt"/>
+                <a:ea typeface="+mn-ea"/>
+                <a:cs typeface="+mn-cs"/>
+              </a:defRPr>
+            </a:lvl7pPr>
+            <a:lvl8pPr marL="3429000" indent="-228600" algn="l" defTabSz="914400" rtl="0" eaLnBrk="1" latinLnBrk="0" hangingPunct="1">
+              <a:lnSpc>
+                <a:spcPct val="90000"/>
+              </a:lnSpc>
+              <a:spcBef>
+                <a:spcPts val="500"/>
+              </a:spcBef>
+              <a:buFont typeface="Arial" panose="020B0604020202020204" pitchFamily="34" charset="0"/>
+              <a:buChar char="•"/>
+              <a:defRPr sz="1800" kern="1200">
+                <a:solidFill>
+                  <a:schemeClr val="tx1"/>
+                </a:solidFill>
+                <a:latin typeface="+mn-lt"/>
+                <a:ea typeface="+mn-ea"/>
+                <a:cs typeface="+mn-cs"/>
+              </a:defRPr>
+            </a:lvl8pPr>
+            <a:lvl9pPr marL="3886200" indent="-228600" algn="l" defTabSz="914400" rtl="0" eaLnBrk="1" latinLnBrk="0" hangingPunct="1">
+              <a:lnSpc>
+                <a:spcPct val="90000"/>
+              </a:lnSpc>
+              <a:spcBef>
+                <a:spcPts val="500"/>
+              </a:spcBef>
+              <a:buFont typeface="Arial" panose="020B0604020202020204" pitchFamily="34" charset="0"/>
+              <a:buChar char="•"/>
+              <a:defRPr sz="1800" kern="1200">
+                <a:solidFill>
+                  <a:schemeClr val="tx1"/>
+                </a:solidFill>
+                <a:latin typeface="+mn-lt"/>
+                <a:ea typeface="+mn-ea"/>
+                <a:cs typeface="+mn-cs"/>
+              </a:defRPr>
+            </a:lvl9pPr>
+          </a:lstStyle>
           <a:p>
             <a:pPr marL="0" indent="0">
               <a:buNone/>
             </a:pPr>
             <a:r>
-              <a:rPr lang="en-US" sz="1800" b="1" dirty="0"/>
-              <a:t>	</a:t>
-            </a:r>
-            <a:r>
               <a:rPr lang="en-US" sz="1600" b="1" dirty="0"/>
-              <a:t>Intent: </a:t>
+              <a:t>	Intent: </a:t>
             </a:r>
             <a:r>
               <a:rPr lang="en-US" sz="1600" dirty="0"/>
-              <a:t>Estimate the size, effort, duration, and cost of the work and resources needed to develop, acquire, or deliver the 	solution.</a:t>
+              <a:t>Ensure that the processes important to an organization are persistently and habitually used and improved.</a:t>
             </a:r>
             <a:br>
               <a:rPr lang="en-US" sz="1600" dirty="0"/>
@@ -7200,7 +7825,7 @@
                   <a:srgbClr val="1F497D"/>
                 </a:solidFill>
               </a:rPr>
-              <a:t>估算开发、采购或交付解决方案所需的工作和资源的规模、工作量、周期和成本。</a:t>
+              <a:t>确保组织重要过程得到一致和熟练的运用和改进。 </a:t>
             </a:r>
             <a:endParaRPr lang="en-US" sz="1600" dirty="0">
               <a:solidFill>
@@ -7218,7 +7843,7 @@
             </a:r>
             <a:r>
               <a:rPr lang="en-US" sz="1600" dirty="0"/>
-              <a:t> Estimation provides a basis for making commitments, planning, and reducing uncertainty, which allows for early 	corrective actions and increases the likelihood of meeting objectives.</a:t>
+              <a:t> Sustains the ability to consistently achieve goals and objectives efficiently and effectively.</a:t>
             </a:r>
             <a:br>
               <a:rPr lang="en-US" sz="1600" dirty="0"/>
@@ -7233,17 +7858,9 @@
                   <a:srgbClr val="1F497D"/>
                 </a:solidFill>
               </a:rPr>
-              <a:t>估算为做出承诺、策划和减少不确定性提供了依据，有助于尽早采取纠正措施并提高实现目标的可能性</a:t>
-            </a:r>
-            <a:r>
-              <a:rPr lang="zh-CN" altLang="en-US" sz="1800" dirty="0">
-                <a:solidFill>
-                  <a:srgbClr val="1F497D"/>
-                </a:solidFill>
-              </a:rPr>
-              <a:t>。 </a:t>
-            </a:r>
-            <a:endParaRPr lang="en-US" sz="1800" dirty="0">
+              <a:t>维持有效和高效地实现目标的能力。 </a:t>
+            </a:r>
+            <a:endParaRPr lang="en-US" sz="1600" dirty="0">
               <a:solidFill>
                 <a:srgbClr val="1F497D"/>
               </a:solidFill>
@@ -7254,48 +7871,12 @@
           </a:p>
         </p:txBody>
       </p:sp>
-      <p:pic>
-        <p:nvPicPr>
-          <p:cNvPr id="7" name="Picture 6">
-            <a:extLst>
-              <a:ext uri="{FF2B5EF4-FFF2-40B4-BE49-F238E27FC236}">
-                <a16:creationId xmlns:a16="http://schemas.microsoft.com/office/drawing/2014/main" id="{D564BB67-B6E2-EA42-8FD0-E0FE585544B3}"/>
-              </a:ext>
-            </a:extLst>
-          </p:cNvPr>
-          <p:cNvPicPr>
-            <a:picLocks noChangeAspect="1"/>
-          </p:cNvPicPr>
-          <p:nvPr/>
-        </p:nvPicPr>
-        <p:blipFill>
-          <a:blip r:embed="rId2">
-            <a:extLst>
-              <a:ext uri="{28A0092B-C50C-407E-A947-70E740481C1C}">
-                <a14:useLocalDpi xmlns:a14="http://schemas.microsoft.com/office/drawing/2010/main" val="0"/>
-              </a:ext>
-            </a:extLst>
-          </a:blip>
-          <a:stretch>
-            <a:fillRect/>
-          </a:stretch>
-        </p:blipFill>
-        <p:spPr>
-          <a:xfrm>
-            <a:off x="310704" y="329184"/>
-            <a:ext cx="1381125" cy="1028700"/>
-          </a:xfrm>
-          <a:prstGeom prst="rect">
-            <a:avLst/>
-          </a:prstGeom>
-        </p:spPr>
-      </p:pic>
       <p:sp>
         <p:nvSpPr>
-          <p:cNvPr id="8" name="Content Placeholder 3">
+          <p:cNvPr id="9" name="Content Placeholder 3">
             <a:extLst>
               <a:ext uri="{FF2B5EF4-FFF2-40B4-BE49-F238E27FC236}">
-                <a16:creationId xmlns:a16="http://schemas.microsoft.com/office/drawing/2014/main" id="{5CACA4C3-CBEF-489E-BB7B-72D841E26512}"/>
+                <a16:creationId xmlns:a16="http://schemas.microsoft.com/office/drawing/2014/main" id="{11E67682-00B4-4BBF-BF79-4BBA281832A2}"/>
               </a:ext>
             </a:extLst>
           </p:cNvPr>
@@ -7587,7 +8168,7 @@
     </p:spTree>
     <p:extLst>
       <p:ext uri="{BB962C8B-B14F-4D97-AF65-F5344CB8AC3E}">
-        <p14:creationId xmlns:p14="http://schemas.microsoft.com/office/powerpoint/2010/main" val="1113113706"/>
+        <p14:creationId xmlns:p14="http://schemas.microsoft.com/office/powerpoint/2010/main" val="699119359"/>
       </p:ext>
     </p:extLst>
   </p:cSld>
@@ -7614,12 +8195,48 @@
           <a:chExt cx="0" cy="0"/>
         </a:xfrm>
       </p:grpSpPr>
+      <p:pic>
+        <p:nvPicPr>
+          <p:cNvPr id="10" name="Picture 9">
+            <a:extLst>
+              <a:ext uri="{FF2B5EF4-FFF2-40B4-BE49-F238E27FC236}">
+                <a16:creationId xmlns:a16="http://schemas.microsoft.com/office/drawing/2014/main" id="{1D917CA8-C953-3D41-BB4D-AE90DA4944BE}"/>
+              </a:ext>
+            </a:extLst>
+          </p:cNvPr>
+          <p:cNvPicPr>
+            <a:picLocks noChangeAspect="1"/>
+          </p:cNvPicPr>
+          <p:nvPr/>
+        </p:nvPicPr>
+        <p:blipFill>
+          <a:blip r:embed="rId2">
+            <a:extLst>
+              <a:ext uri="{28A0092B-C50C-407E-A947-70E740481C1C}">
+                <a14:useLocalDpi xmlns:a14="http://schemas.microsoft.com/office/drawing/2010/main" val="0"/>
+              </a:ext>
+            </a:extLst>
+          </a:blip>
+          <a:stretch>
+            <a:fillRect/>
+          </a:stretch>
+        </p:blipFill>
+        <p:spPr>
+          <a:xfrm>
+            <a:off x="310704" y="310896"/>
+            <a:ext cx="1352550" cy="1028700"/>
+          </a:xfrm>
+          <a:prstGeom prst="rect">
+            <a:avLst/>
+          </a:prstGeom>
+        </p:spPr>
+      </p:pic>
       <p:sp>
         <p:nvSpPr>
-          <p:cNvPr id="4" name="Title 3">
+          <p:cNvPr id="3" name="Title 2">
             <a:extLst>
               <a:ext uri="{FF2B5EF4-FFF2-40B4-BE49-F238E27FC236}">
-                <a16:creationId xmlns:a16="http://schemas.microsoft.com/office/drawing/2014/main" id="{CC5370A8-0C29-9E4D-B098-2E01281B6260}"/>
+                <a16:creationId xmlns:a16="http://schemas.microsoft.com/office/drawing/2014/main" id="{729B6FBD-CD48-43B2-99F2-DBC6C3011C1E}"/>
               </a:ext>
             </a:extLst>
           </p:cNvPr>
@@ -7633,23 +8250,31 @@
         <p:spPr/>
         <p:txBody>
           <a:bodyPr>
-            <a:normAutofit/>
+            <a:noAutofit/>
           </a:bodyPr>
           <a:lstStyle/>
           <a:p>
             <a:r>
-              <a:rPr lang="en-US" dirty="0"/>
-              <a:t>Governance (GOV) </a:t>
-            </a:r>
-            <a:r>
-              <a:rPr lang="ja-JP" altLang="en-US" dirty="0">
+              <a:rPr lang="en-US" sz="2600" dirty="0"/>
+              <a:t>Managing Performance and Measurement (</a:t>
+            </a:r>
+            <a:r>
+              <a:rPr lang="en-US" sz="2600" dirty="0" err="1"/>
+              <a:t>MPM</a:t>
+            </a:r>
+            <a:r>
+              <a:rPr lang="en-US" sz="2600" dirty="0"/>
+              <a:t>) </a:t>
+            </a:r>
+            <a:r>
+              <a:rPr lang="zh-CN" altLang="en-US" sz="2600" dirty="0">
                 <a:solidFill>
                   <a:srgbClr val="1F497D"/>
                 </a:solidFill>
               </a:rPr>
-              <a:t>管治</a:t>
-            </a:r>
-            <a:endParaRPr lang="en-US" dirty="0">
+              <a:t>管理绩效与度量</a:t>
+            </a:r>
+            <a:endParaRPr lang="en-ZA" sz="2600" dirty="0">
               <a:solidFill>
                 <a:srgbClr val="1F497D"/>
               </a:solidFill>
@@ -7659,31 +8284,195 @@
       </p:sp>
       <p:sp>
         <p:nvSpPr>
-          <p:cNvPr id="5" name="Content Placeholder 4">
+          <p:cNvPr id="12" name="Content Placeholder 7">
             <a:extLst>
               <a:ext uri="{FF2B5EF4-FFF2-40B4-BE49-F238E27FC236}">
-                <a16:creationId xmlns:a16="http://schemas.microsoft.com/office/drawing/2014/main" id="{C7447B46-1B43-2341-808A-5B2FCADE4031}"/>
+                <a16:creationId xmlns:a16="http://schemas.microsoft.com/office/drawing/2014/main" id="{1ED947F3-5626-4DC5-883B-9F149E032369}"/>
               </a:ext>
             </a:extLst>
           </p:cNvPr>
-          <p:cNvSpPr>
-            <a:spLocks noGrp="1"/>
+          <p:cNvSpPr txBox="1">
+            <a:spLocks/>
           </p:cNvSpPr>
-          <p:nvPr>
-            <p:ph idx="4294967295"/>
-          </p:nvPr>
+          <p:nvPr/>
         </p:nvSpPr>
         <p:spPr>
           <a:xfrm>
-            <a:off x="463296" y="1353102"/>
-            <a:ext cx="11265408" cy="1523312"/>
+            <a:off x="463296" y="1339596"/>
+            <a:ext cx="11265408" cy="1419398"/>
           </a:xfrm>
+          <a:prstGeom prst="rect">
+            <a:avLst/>
+          </a:prstGeom>
         </p:spPr>
         <p:txBody>
-          <a:bodyPr>
-            <a:noAutofit/>
+          <a:bodyPr vert="horz" lIns="91440" tIns="45720" rIns="91440" bIns="45720" rtlCol="0">
+            <a:normAutofit/>
           </a:bodyPr>
-          <a:lstStyle/>
+          <a:lstStyle>
+            <a:lvl1pPr marL="228600" indent="-228600" algn="l" defTabSz="914400" rtl="0" eaLnBrk="1" latinLnBrk="0" hangingPunct="1">
+              <a:lnSpc>
+                <a:spcPct val="90000"/>
+              </a:lnSpc>
+              <a:spcBef>
+                <a:spcPts val="1000"/>
+              </a:spcBef>
+              <a:buFont typeface="Arial" panose="020B0604020202020204" pitchFamily="34" charset="0"/>
+              <a:buChar char="•"/>
+              <a:defRPr sz="2800" kern="1200">
+                <a:solidFill>
+                  <a:schemeClr val="tx1"/>
+                </a:solidFill>
+                <a:latin typeface="+mn-lt"/>
+                <a:ea typeface="+mn-ea"/>
+                <a:cs typeface="+mn-cs"/>
+              </a:defRPr>
+            </a:lvl1pPr>
+            <a:lvl2pPr marL="685800" indent="-228600" algn="l" defTabSz="914400" rtl="0" eaLnBrk="1" latinLnBrk="0" hangingPunct="1">
+              <a:lnSpc>
+                <a:spcPct val="90000"/>
+              </a:lnSpc>
+              <a:spcBef>
+                <a:spcPts val="500"/>
+              </a:spcBef>
+              <a:buFont typeface="Arial" panose="020B0604020202020204" pitchFamily="34" charset="0"/>
+              <a:buChar char="•"/>
+              <a:defRPr sz="2400" kern="1200">
+                <a:solidFill>
+                  <a:schemeClr val="tx1"/>
+                </a:solidFill>
+                <a:latin typeface="+mn-lt"/>
+                <a:ea typeface="+mn-ea"/>
+                <a:cs typeface="+mn-cs"/>
+              </a:defRPr>
+            </a:lvl2pPr>
+            <a:lvl3pPr marL="1143000" indent="-228600" algn="l" defTabSz="914400" rtl="0" eaLnBrk="1" latinLnBrk="0" hangingPunct="1">
+              <a:lnSpc>
+                <a:spcPct val="90000"/>
+              </a:lnSpc>
+              <a:spcBef>
+                <a:spcPts val="500"/>
+              </a:spcBef>
+              <a:buFont typeface="Arial" panose="020B0604020202020204" pitchFamily="34" charset="0"/>
+              <a:buChar char="•"/>
+              <a:defRPr sz="2000" kern="1200">
+                <a:solidFill>
+                  <a:schemeClr val="tx1"/>
+                </a:solidFill>
+                <a:latin typeface="+mn-lt"/>
+                <a:ea typeface="+mn-ea"/>
+                <a:cs typeface="+mn-cs"/>
+              </a:defRPr>
+            </a:lvl3pPr>
+            <a:lvl4pPr marL="1600200" indent="-228600" algn="l" defTabSz="914400" rtl="0" eaLnBrk="1" latinLnBrk="0" hangingPunct="1">
+              <a:lnSpc>
+                <a:spcPct val="90000"/>
+              </a:lnSpc>
+              <a:spcBef>
+                <a:spcPts val="500"/>
+              </a:spcBef>
+              <a:buFont typeface="Arial" panose="020B0604020202020204" pitchFamily="34" charset="0"/>
+              <a:buChar char="•"/>
+              <a:defRPr sz="1800" kern="1200">
+                <a:solidFill>
+                  <a:schemeClr val="tx1"/>
+                </a:solidFill>
+                <a:latin typeface="+mn-lt"/>
+                <a:ea typeface="+mn-ea"/>
+                <a:cs typeface="+mn-cs"/>
+              </a:defRPr>
+            </a:lvl4pPr>
+            <a:lvl5pPr marL="2057400" indent="-228600" algn="l" defTabSz="914400" rtl="0" eaLnBrk="1" latinLnBrk="0" hangingPunct="1">
+              <a:lnSpc>
+                <a:spcPct val="90000"/>
+              </a:lnSpc>
+              <a:spcBef>
+                <a:spcPts val="500"/>
+              </a:spcBef>
+              <a:buFont typeface="Arial" panose="020B0604020202020204" pitchFamily="34" charset="0"/>
+              <a:buChar char="•"/>
+              <a:defRPr sz="1800" kern="1200">
+                <a:solidFill>
+                  <a:schemeClr val="tx1"/>
+                </a:solidFill>
+                <a:latin typeface="+mn-lt"/>
+                <a:ea typeface="+mn-ea"/>
+                <a:cs typeface="+mn-cs"/>
+              </a:defRPr>
+            </a:lvl5pPr>
+            <a:lvl6pPr marL="2514600" indent="-228600" algn="l" defTabSz="914400" rtl="0" eaLnBrk="1" latinLnBrk="0" hangingPunct="1">
+              <a:lnSpc>
+                <a:spcPct val="90000"/>
+              </a:lnSpc>
+              <a:spcBef>
+                <a:spcPts val="500"/>
+              </a:spcBef>
+              <a:buFont typeface="Arial" panose="020B0604020202020204" pitchFamily="34" charset="0"/>
+              <a:buChar char="•"/>
+              <a:defRPr sz="1800" kern="1200">
+                <a:solidFill>
+                  <a:schemeClr val="tx1"/>
+                </a:solidFill>
+                <a:latin typeface="+mn-lt"/>
+                <a:ea typeface="+mn-ea"/>
+                <a:cs typeface="+mn-cs"/>
+              </a:defRPr>
+            </a:lvl6pPr>
+            <a:lvl7pPr marL="2971800" indent="-228600" algn="l" defTabSz="914400" rtl="0" eaLnBrk="1" latinLnBrk="0" hangingPunct="1">
+              <a:lnSpc>
+                <a:spcPct val="90000"/>
+              </a:lnSpc>
+              <a:spcBef>
+                <a:spcPts val="500"/>
+              </a:spcBef>
+              <a:buFont typeface="Arial" panose="020B0604020202020204" pitchFamily="34" charset="0"/>
+              <a:buChar char="•"/>
+              <a:defRPr sz="1800" kern="1200">
+                <a:solidFill>
+                  <a:schemeClr val="tx1"/>
+                </a:solidFill>
+                <a:latin typeface="+mn-lt"/>
+                <a:ea typeface="+mn-ea"/>
+                <a:cs typeface="+mn-cs"/>
+              </a:defRPr>
+            </a:lvl7pPr>
+            <a:lvl8pPr marL="3429000" indent="-228600" algn="l" defTabSz="914400" rtl="0" eaLnBrk="1" latinLnBrk="0" hangingPunct="1">
+              <a:lnSpc>
+                <a:spcPct val="90000"/>
+              </a:lnSpc>
+              <a:spcBef>
+                <a:spcPts val="500"/>
+              </a:spcBef>
+              <a:buFont typeface="Arial" panose="020B0604020202020204" pitchFamily="34" charset="0"/>
+              <a:buChar char="•"/>
+              <a:defRPr sz="1800" kern="1200">
+                <a:solidFill>
+                  <a:schemeClr val="tx1"/>
+                </a:solidFill>
+                <a:latin typeface="+mn-lt"/>
+                <a:ea typeface="+mn-ea"/>
+                <a:cs typeface="+mn-cs"/>
+              </a:defRPr>
+            </a:lvl8pPr>
+            <a:lvl9pPr marL="3886200" indent="-228600" algn="l" defTabSz="914400" rtl="0" eaLnBrk="1" latinLnBrk="0" hangingPunct="1">
+              <a:lnSpc>
+                <a:spcPct val="90000"/>
+              </a:lnSpc>
+              <a:spcBef>
+                <a:spcPts val="500"/>
+              </a:spcBef>
+              <a:buFont typeface="Arial" panose="020B0604020202020204" pitchFamily="34" charset="0"/>
+              <a:buChar char="•"/>
+              <a:defRPr sz="1800" kern="1200">
+                <a:solidFill>
+                  <a:schemeClr val="tx1"/>
+                </a:solidFill>
+                <a:latin typeface="+mn-lt"/>
+                <a:ea typeface="+mn-ea"/>
+                <a:cs typeface="+mn-cs"/>
+              </a:defRPr>
+            </a:lvl9pPr>
+          </a:lstStyle>
           <a:p>
             <a:pPr marL="0" indent="0">
               <a:buNone/>
@@ -7694,7 +8483,7 @@
             </a:r>
             <a:r>
               <a:rPr lang="en-US" sz="1600" dirty="0"/>
-              <a:t>Provides guidance to senior management on their role in the sponsorship and governance of process activities.</a:t>
+              <a:t>Manage performance using measurement and analysis to achieve business objectives.</a:t>
             </a:r>
             <a:br>
               <a:rPr lang="en-US" sz="1600" dirty="0"/>
@@ -7709,7 +8498,7 @@
                   <a:srgbClr val="1F497D"/>
                 </a:solidFill>
               </a:rPr>
-              <a:t>指导高级管理层履行其在支持和治理过程活动中的职责</a:t>
+              <a:t>使用度量和分析来管理性能，以实现业务目标。 </a:t>
             </a:r>
             <a:endParaRPr lang="en-US" sz="1600" dirty="0">
               <a:solidFill>
@@ -7727,7 +8516,7 @@
             </a:r>
             <a:r>
               <a:rPr lang="en-US" sz="1600" dirty="0"/>
-              <a:t> Minimizes the cost of process implementation, increases the likelihood of meeting objectives, and ensures that the 	implemented processes support and contribute to the success of the business.</a:t>
+              <a:t> Maximizes business return on investment by focusing management and improvement efforts on cost, schedule, and 	quality performance.</a:t>
             </a:r>
             <a:br>
               <a:rPr lang="en-US" sz="1600" dirty="0"/>
@@ -7737,78 +8526,22 @@
               <a:t>	</a:t>
             </a:r>
             <a:r>
-              <a:rPr lang="zh-CN" altLang="en-US" sz="1600" b="0" i="0" u="none" strike="noStrike" dirty="0">
+              <a:rPr lang="zh-CN" altLang="en-US" sz="1600" dirty="0">
                 <a:solidFill>
                   <a:srgbClr val="1F497D"/>
                 </a:solidFill>
-                <a:effectLst/>
-                <a:latin typeface="Arial" panose="020B0604020202020204" pitchFamily="34" charset="0"/>
-              </a:rPr>
-              <a:t>最大限度地降低过程实施成本，提高实现目标的可能性，并确保实施的过程支持并促成业务成功</a:t>
-            </a:r>
-            <a:r>
-              <a:rPr lang="zh-CN" altLang="en-US" sz="1800" b="0" i="0" u="none" strike="noStrike" dirty="0">
-                <a:solidFill>
-                  <a:srgbClr val="1F497D"/>
-                </a:solidFill>
-                <a:effectLst/>
-                <a:latin typeface="Arial" panose="020B0604020202020204" pitchFamily="34" charset="0"/>
-              </a:rPr>
-              <a:t>。</a:t>
-            </a:r>
-            <a:endParaRPr lang="en-US" sz="1800" dirty="0">
-              <a:solidFill>
-                <a:srgbClr val="1F497D"/>
-              </a:solidFill>
-            </a:endParaRPr>
-          </a:p>
-          <a:p>
-            <a:endParaRPr lang="en-US" sz="1800" dirty="0"/>
+              </a:rPr>
+              <a:t>将管理和改进工作集中在成本、进度和质量性能上，最大限度地提高业务投资回报。</a:t>
+            </a:r>
           </a:p>
         </p:txBody>
       </p:sp>
-      <p:pic>
-        <p:nvPicPr>
-          <p:cNvPr id="7" name="Content Placeholder 3">
-            <a:extLst>
-              <a:ext uri="{FF2B5EF4-FFF2-40B4-BE49-F238E27FC236}">
-                <a16:creationId xmlns:a16="http://schemas.microsoft.com/office/drawing/2014/main" id="{9F514497-C5FD-2445-A499-822C31FAC245}"/>
-              </a:ext>
-            </a:extLst>
-          </p:cNvPr>
-          <p:cNvPicPr>
-            <a:picLocks noChangeAspect="1"/>
-          </p:cNvPicPr>
-          <p:nvPr/>
-        </p:nvPicPr>
-        <p:blipFill>
-          <a:blip r:embed="rId2">
-            <a:extLst>
-              <a:ext uri="{28A0092B-C50C-407E-A947-70E740481C1C}">
-                <a14:useLocalDpi xmlns:a14="http://schemas.microsoft.com/office/drawing/2010/main" val="0"/>
-              </a:ext>
-            </a:extLst>
-          </a:blip>
-          <a:stretch>
-            <a:fillRect/>
-          </a:stretch>
-        </p:blipFill>
-        <p:spPr>
-          <a:xfrm>
-            <a:off x="466344" y="228600"/>
-            <a:ext cx="1207008" cy="1207008"/>
-          </a:xfrm>
-          <a:prstGeom prst="rect">
-            <a:avLst/>
-          </a:prstGeom>
-        </p:spPr>
-      </p:pic>
       <p:sp>
         <p:nvSpPr>
           <p:cNvPr id="8" name="Content Placeholder 3">
             <a:extLst>
               <a:ext uri="{FF2B5EF4-FFF2-40B4-BE49-F238E27FC236}">
-                <a16:creationId xmlns:a16="http://schemas.microsoft.com/office/drawing/2014/main" id="{6816CC65-C45A-49BD-920B-AFA52DAAB2AE}"/>
+                <a16:creationId xmlns:a16="http://schemas.microsoft.com/office/drawing/2014/main" id="{AD359478-7EA2-4394-AC0C-E3B891310A84}"/>
               </a:ext>
             </a:extLst>
           </p:cNvPr>
@@ -8100,7 +8833,7 @@
     </p:spTree>
     <p:extLst>
       <p:ext uri="{BB962C8B-B14F-4D97-AF65-F5344CB8AC3E}">
-        <p14:creationId xmlns:p14="http://schemas.microsoft.com/office/powerpoint/2010/main" val="1379169773"/>
+        <p14:creationId xmlns:p14="http://schemas.microsoft.com/office/powerpoint/2010/main" val="1578273563"/>
       </p:ext>
     </p:extLst>
   </p:cSld>
@@ -8127,48 +8860,12 @@
           <a:chExt cx="0" cy="0"/>
         </a:xfrm>
       </p:grpSpPr>
-      <p:pic>
-        <p:nvPicPr>
-          <p:cNvPr id="8" name="Picture 7">
-            <a:extLst>
-              <a:ext uri="{FF2B5EF4-FFF2-40B4-BE49-F238E27FC236}">
-                <a16:creationId xmlns:a16="http://schemas.microsoft.com/office/drawing/2014/main" id="{9EC4B8E7-E430-0B48-A30F-0DC56283ECC6}"/>
-              </a:ext>
-            </a:extLst>
-          </p:cNvPr>
-          <p:cNvPicPr>
-            <a:picLocks noChangeAspect="1"/>
-          </p:cNvPicPr>
-          <p:nvPr/>
-        </p:nvPicPr>
-        <p:blipFill>
-          <a:blip r:embed="rId2">
-            <a:extLst>
-              <a:ext uri="{28A0092B-C50C-407E-A947-70E740481C1C}">
-                <a14:useLocalDpi xmlns:a14="http://schemas.microsoft.com/office/drawing/2010/main" val="0"/>
-              </a:ext>
-            </a:extLst>
-          </a:blip>
-          <a:stretch>
-            <a:fillRect/>
-          </a:stretch>
-        </p:blipFill>
-        <p:spPr>
-          <a:xfrm>
-            <a:off x="466344" y="228600"/>
-            <a:ext cx="1215390" cy="1207008"/>
-          </a:xfrm>
-          <a:prstGeom prst="rect">
-            <a:avLst/>
-          </a:prstGeom>
-        </p:spPr>
-      </p:pic>
       <p:sp>
         <p:nvSpPr>
-          <p:cNvPr id="3" name="Title 2">
+          <p:cNvPr id="4" name="Title 3">
             <a:extLst>
               <a:ext uri="{FF2B5EF4-FFF2-40B4-BE49-F238E27FC236}">
-                <a16:creationId xmlns:a16="http://schemas.microsoft.com/office/drawing/2014/main" id="{DC8BCBD2-BB96-4EFA-B4BA-DD959BC15EBD}"/>
+                <a16:creationId xmlns:a16="http://schemas.microsoft.com/office/drawing/2014/main" id="{1D5C0589-D524-8C48-B3B9-B5BA8350A22C}"/>
               </a:ext>
             </a:extLst>
           </p:cNvPr>
@@ -8188,7 +8885,7 @@
           <a:p>
             <a:r>
               <a:rPr lang="en-US" dirty="0"/>
-              <a:t>Implementation Infrastructure (II) </a:t>
+              <a:t>Monitor and Control (MC) </a:t>
             </a:r>
             <a:r>
               <a:rPr lang="zh-CN" altLang="en-US" dirty="0">
@@ -8196,9 +8893,9 @@
                   <a:srgbClr val="1F497D"/>
                 </a:solidFill>
               </a:rPr>
-              <a:t>实施基础条件</a:t>
-            </a:r>
-            <a:endParaRPr lang="en-ZA" dirty="0">
+              <a:t>控制与监督</a:t>
+            </a:r>
+            <a:endParaRPr lang="en-US" sz="2400" dirty="0">
               <a:solidFill>
                 <a:srgbClr val="1F497D"/>
               </a:solidFill>
@@ -8208,272 +8905,141 @@
       </p:sp>
       <p:sp>
         <p:nvSpPr>
-          <p:cNvPr id="10" name="Content Placeholder 5">
+          <p:cNvPr id="5" name="Content Placeholder 4">
             <a:extLst>
               <a:ext uri="{FF2B5EF4-FFF2-40B4-BE49-F238E27FC236}">
-                <a16:creationId xmlns:a16="http://schemas.microsoft.com/office/drawing/2014/main" id="{9045050B-D4DF-4E82-A4C1-CE0EBE15B30E}"/>
+                <a16:creationId xmlns:a16="http://schemas.microsoft.com/office/drawing/2014/main" id="{CB786E03-BE8A-F746-8A22-456740951822}"/>
               </a:ext>
             </a:extLst>
           </p:cNvPr>
-          <p:cNvSpPr txBox="1">
-            <a:spLocks/>
+          <p:cNvSpPr>
+            <a:spLocks noGrp="1"/>
           </p:cNvSpPr>
-          <p:nvPr/>
+          <p:nvPr>
+            <p:ph idx="4294967295"/>
+          </p:nvPr>
         </p:nvSpPr>
         <p:spPr>
           <a:xfrm>
-            <a:off x="463296" y="1329365"/>
-            <a:ext cx="11265408" cy="1207008"/>
+            <a:off x="463296" y="1357884"/>
+            <a:ext cx="11728704" cy="1522968"/>
+          </a:xfrm>
+        </p:spPr>
+        <p:txBody>
+          <a:bodyPr>
+            <a:noAutofit/>
+          </a:bodyPr>
+          <a:lstStyle/>
+          <a:p>
+            <a:pPr marL="0" indent="0">
+              <a:buNone/>
+            </a:pPr>
+            <a:r>
+              <a:rPr lang="en-US" sz="1600" b="1" dirty="0"/>
+              <a:t>	Intent: </a:t>
+            </a:r>
+            <a:r>
+              <a:rPr lang="en-US" sz="1600" dirty="0"/>
+              <a:t>Provide an understanding of the project progress so appropriate corrective actions can be taken when performance 	deviates significantly from plans.</a:t>
+            </a:r>
+            <a:br>
+              <a:rPr lang="en-US" sz="1600" dirty="0"/>
+            </a:br>
+            <a:r>
+              <a:rPr lang="en-US" sz="1600" dirty="0"/>
+              <a:t>	</a:t>
+            </a:r>
+            <a:r>
+              <a:rPr lang="zh-CN" altLang="en-US" sz="1600" dirty="0">
+                <a:solidFill>
+                  <a:srgbClr val="1F497D"/>
+                </a:solidFill>
+              </a:rPr>
+              <a:t>提供对项目进度的掌握，以便在绩效显著偏离计划时采取适当的纠正措施。 </a:t>
+            </a:r>
+            <a:endParaRPr lang="en-US" sz="1600" dirty="0">
+              <a:solidFill>
+                <a:srgbClr val="1F497D"/>
+              </a:solidFill>
+            </a:endParaRPr>
+          </a:p>
+          <a:p>
+            <a:pPr marL="0" indent="0">
+              <a:buNone/>
+            </a:pPr>
+            <a:r>
+              <a:rPr lang="en-US" sz="1600" b="1" dirty="0"/>
+              <a:t>	Value:</a:t>
+            </a:r>
+            <a:r>
+              <a:rPr lang="en-US" sz="1600" dirty="0"/>
+              <a:t> Increases the probability of meeting objectives by taking early actions to adjust for significant performance deviations.</a:t>
+            </a:r>
+            <a:br>
+              <a:rPr lang="en-US" sz="1600" dirty="0"/>
+            </a:br>
+            <a:r>
+              <a:rPr lang="en-US" sz="1600" dirty="0"/>
+              <a:t>	</a:t>
+            </a:r>
+            <a:r>
+              <a:rPr lang="zh-CN" altLang="en-US" sz="1600" dirty="0">
+                <a:solidFill>
+                  <a:srgbClr val="1F497D"/>
+                </a:solidFill>
+              </a:rPr>
+              <a:t>通过及早采取行动调整显著绩效偏差，提高达成目标的可能性。 </a:t>
+            </a:r>
+            <a:endParaRPr lang="en-US" sz="1600" dirty="0">
+              <a:solidFill>
+                <a:srgbClr val="1F497D"/>
+              </a:solidFill>
+            </a:endParaRPr>
+          </a:p>
+        </p:txBody>
+      </p:sp>
+      <p:pic>
+        <p:nvPicPr>
+          <p:cNvPr id="7" name="Picture 6">
+            <a:extLst>
+              <a:ext uri="{FF2B5EF4-FFF2-40B4-BE49-F238E27FC236}">
+                <a16:creationId xmlns:a16="http://schemas.microsoft.com/office/drawing/2014/main" id="{6B859F02-E316-0F49-87DC-CBED75413445}"/>
+              </a:ext>
+            </a:extLst>
+          </p:cNvPr>
+          <p:cNvPicPr>
+            <a:picLocks noChangeAspect="1"/>
+          </p:cNvPicPr>
+          <p:nvPr/>
+        </p:nvPicPr>
+        <p:blipFill>
+          <a:blip r:embed="rId2">
+            <a:extLst>
+              <a:ext uri="{28A0092B-C50C-407E-A947-70E740481C1C}">
+                <a14:useLocalDpi xmlns:a14="http://schemas.microsoft.com/office/drawing/2010/main" val="0"/>
+              </a:ext>
+            </a:extLst>
+          </a:blip>
+          <a:stretch>
+            <a:fillRect/>
+          </a:stretch>
+        </p:blipFill>
+        <p:spPr>
+          <a:xfrm>
+            <a:off x="310896" y="329184"/>
+            <a:ext cx="1381125" cy="1028700"/>
           </a:xfrm>
           <a:prstGeom prst="rect">
             <a:avLst/>
           </a:prstGeom>
         </p:spPr>
-        <p:txBody>
-          <a:bodyPr vert="horz" lIns="91440" tIns="45720" rIns="91440" bIns="45720" rtlCol="0">
-            <a:normAutofit/>
-          </a:bodyPr>
-          <a:lstStyle>
-            <a:lvl1pPr marL="228600" indent="-228600" algn="l" defTabSz="914400" rtl="0" eaLnBrk="1" latinLnBrk="0" hangingPunct="1">
-              <a:lnSpc>
-                <a:spcPct val="90000"/>
-              </a:lnSpc>
-              <a:spcBef>
-                <a:spcPts val="1000"/>
-              </a:spcBef>
-              <a:buFont typeface="Arial" panose="020B0604020202020204" pitchFamily="34" charset="0"/>
-              <a:buChar char="•"/>
-              <a:defRPr sz="2800" kern="1200">
-                <a:solidFill>
-                  <a:schemeClr val="tx1"/>
-                </a:solidFill>
-                <a:latin typeface="+mn-lt"/>
-                <a:ea typeface="+mn-ea"/>
-                <a:cs typeface="+mn-cs"/>
-              </a:defRPr>
-            </a:lvl1pPr>
-            <a:lvl2pPr marL="685800" indent="-228600" algn="l" defTabSz="914400" rtl="0" eaLnBrk="1" latinLnBrk="0" hangingPunct="1">
-              <a:lnSpc>
-                <a:spcPct val="90000"/>
-              </a:lnSpc>
-              <a:spcBef>
-                <a:spcPts val="500"/>
-              </a:spcBef>
-              <a:buFont typeface="Arial" panose="020B0604020202020204" pitchFamily="34" charset="0"/>
-              <a:buChar char="•"/>
-              <a:defRPr sz="2400" kern="1200">
-                <a:solidFill>
-                  <a:schemeClr val="tx1"/>
-                </a:solidFill>
-                <a:latin typeface="+mn-lt"/>
-                <a:ea typeface="+mn-ea"/>
-                <a:cs typeface="+mn-cs"/>
-              </a:defRPr>
-            </a:lvl2pPr>
-            <a:lvl3pPr marL="1143000" indent="-228600" algn="l" defTabSz="914400" rtl="0" eaLnBrk="1" latinLnBrk="0" hangingPunct="1">
-              <a:lnSpc>
-                <a:spcPct val="90000"/>
-              </a:lnSpc>
-              <a:spcBef>
-                <a:spcPts val="500"/>
-              </a:spcBef>
-              <a:buFont typeface="Arial" panose="020B0604020202020204" pitchFamily="34" charset="0"/>
-              <a:buChar char="•"/>
-              <a:defRPr sz="2000" kern="1200">
-                <a:solidFill>
-                  <a:schemeClr val="tx1"/>
-                </a:solidFill>
-                <a:latin typeface="+mn-lt"/>
-                <a:ea typeface="+mn-ea"/>
-                <a:cs typeface="+mn-cs"/>
-              </a:defRPr>
-            </a:lvl3pPr>
-            <a:lvl4pPr marL="1600200" indent="-228600" algn="l" defTabSz="914400" rtl="0" eaLnBrk="1" latinLnBrk="0" hangingPunct="1">
-              <a:lnSpc>
-                <a:spcPct val="90000"/>
-              </a:lnSpc>
-              <a:spcBef>
-                <a:spcPts val="500"/>
-              </a:spcBef>
-              <a:buFont typeface="Arial" panose="020B0604020202020204" pitchFamily="34" charset="0"/>
-              <a:buChar char="•"/>
-              <a:defRPr sz="1800" kern="1200">
-                <a:solidFill>
-                  <a:schemeClr val="tx1"/>
-                </a:solidFill>
-                <a:latin typeface="+mn-lt"/>
-                <a:ea typeface="+mn-ea"/>
-                <a:cs typeface="+mn-cs"/>
-              </a:defRPr>
-            </a:lvl4pPr>
-            <a:lvl5pPr marL="2057400" indent="-228600" algn="l" defTabSz="914400" rtl="0" eaLnBrk="1" latinLnBrk="0" hangingPunct="1">
-              <a:lnSpc>
-                <a:spcPct val="90000"/>
-              </a:lnSpc>
-              <a:spcBef>
-                <a:spcPts val="500"/>
-              </a:spcBef>
-              <a:buFont typeface="Arial" panose="020B0604020202020204" pitchFamily="34" charset="0"/>
-              <a:buChar char="•"/>
-              <a:defRPr sz="1800" kern="1200">
-                <a:solidFill>
-                  <a:schemeClr val="tx1"/>
-                </a:solidFill>
-                <a:latin typeface="+mn-lt"/>
-                <a:ea typeface="+mn-ea"/>
-                <a:cs typeface="+mn-cs"/>
-              </a:defRPr>
-            </a:lvl5pPr>
-            <a:lvl6pPr marL="2514600" indent="-228600" algn="l" defTabSz="914400" rtl="0" eaLnBrk="1" latinLnBrk="0" hangingPunct="1">
-              <a:lnSpc>
-                <a:spcPct val="90000"/>
-              </a:lnSpc>
-              <a:spcBef>
-                <a:spcPts val="500"/>
-              </a:spcBef>
-              <a:buFont typeface="Arial" panose="020B0604020202020204" pitchFamily="34" charset="0"/>
-              <a:buChar char="•"/>
-              <a:defRPr sz="1800" kern="1200">
-                <a:solidFill>
-                  <a:schemeClr val="tx1"/>
-                </a:solidFill>
-                <a:latin typeface="+mn-lt"/>
-                <a:ea typeface="+mn-ea"/>
-                <a:cs typeface="+mn-cs"/>
-              </a:defRPr>
-            </a:lvl6pPr>
-            <a:lvl7pPr marL="2971800" indent="-228600" algn="l" defTabSz="914400" rtl="0" eaLnBrk="1" latinLnBrk="0" hangingPunct="1">
-              <a:lnSpc>
-                <a:spcPct val="90000"/>
-              </a:lnSpc>
-              <a:spcBef>
-                <a:spcPts val="500"/>
-              </a:spcBef>
-              <a:buFont typeface="Arial" panose="020B0604020202020204" pitchFamily="34" charset="0"/>
-              <a:buChar char="•"/>
-              <a:defRPr sz="1800" kern="1200">
-                <a:solidFill>
-                  <a:schemeClr val="tx1"/>
-                </a:solidFill>
-                <a:latin typeface="+mn-lt"/>
-                <a:ea typeface="+mn-ea"/>
-                <a:cs typeface="+mn-cs"/>
-              </a:defRPr>
-            </a:lvl7pPr>
-            <a:lvl8pPr marL="3429000" indent="-228600" algn="l" defTabSz="914400" rtl="0" eaLnBrk="1" latinLnBrk="0" hangingPunct="1">
-              <a:lnSpc>
-                <a:spcPct val="90000"/>
-              </a:lnSpc>
-              <a:spcBef>
-                <a:spcPts val="500"/>
-              </a:spcBef>
-              <a:buFont typeface="Arial" panose="020B0604020202020204" pitchFamily="34" charset="0"/>
-              <a:buChar char="•"/>
-              <a:defRPr sz="1800" kern="1200">
-                <a:solidFill>
-                  <a:schemeClr val="tx1"/>
-                </a:solidFill>
-                <a:latin typeface="+mn-lt"/>
-                <a:ea typeface="+mn-ea"/>
-                <a:cs typeface="+mn-cs"/>
-              </a:defRPr>
-            </a:lvl8pPr>
-            <a:lvl9pPr marL="3886200" indent="-228600" algn="l" defTabSz="914400" rtl="0" eaLnBrk="1" latinLnBrk="0" hangingPunct="1">
-              <a:lnSpc>
-                <a:spcPct val="90000"/>
-              </a:lnSpc>
-              <a:spcBef>
-                <a:spcPts val="500"/>
-              </a:spcBef>
-              <a:buFont typeface="Arial" panose="020B0604020202020204" pitchFamily="34" charset="0"/>
-              <a:buChar char="•"/>
-              <a:defRPr sz="1800" kern="1200">
-                <a:solidFill>
-                  <a:schemeClr val="tx1"/>
-                </a:solidFill>
-                <a:latin typeface="+mn-lt"/>
-                <a:ea typeface="+mn-ea"/>
-                <a:cs typeface="+mn-cs"/>
-              </a:defRPr>
-            </a:lvl9pPr>
-          </a:lstStyle>
-          <a:p>
-            <a:pPr marL="0" indent="0">
-              <a:buNone/>
-            </a:pPr>
-            <a:r>
-              <a:rPr lang="en-US" sz="1600" b="1" dirty="0"/>
-              <a:t>	Intent: </a:t>
-            </a:r>
-            <a:r>
-              <a:rPr lang="en-US" sz="1600" dirty="0"/>
-              <a:t>Ensure that the processes important to an organization are persistently and habitually used and improved.</a:t>
-            </a:r>
-            <a:br>
-              <a:rPr lang="en-US" sz="1600" dirty="0"/>
-            </a:br>
-            <a:r>
-              <a:rPr lang="en-US" sz="1600" dirty="0"/>
-              <a:t>	</a:t>
-            </a:r>
-            <a:r>
-              <a:rPr lang="zh-CN" altLang="en-US" sz="1600" dirty="0">
-                <a:solidFill>
-                  <a:srgbClr val="1F497D"/>
-                </a:solidFill>
-              </a:rPr>
-              <a:t>确保组织重要过程得到一致和熟练的运用和改进。 </a:t>
-            </a:r>
-            <a:endParaRPr lang="en-US" sz="1600" dirty="0">
-              <a:solidFill>
-                <a:srgbClr val="1F497D"/>
-              </a:solidFill>
-            </a:endParaRPr>
-          </a:p>
-          <a:p>
-            <a:pPr marL="0" indent="0">
-              <a:buNone/>
-            </a:pPr>
-            <a:r>
-              <a:rPr lang="en-US" sz="1600" b="1" dirty="0"/>
-              <a:t>	Value:</a:t>
-            </a:r>
-            <a:r>
-              <a:rPr lang="en-US" sz="1600" dirty="0"/>
-              <a:t> Sustains the ability to consistently achieve goals and objectives efficiently and effectively.</a:t>
-            </a:r>
-            <a:br>
-              <a:rPr lang="en-US" sz="1600" dirty="0"/>
-            </a:br>
-            <a:r>
-              <a:rPr lang="en-US" sz="1600" dirty="0"/>
-              <a:t>	</a:t>
-            </a:r>
-            <a:r>
-              <a:rPr lang="zh-CN" altLang="en-US" sz="1600" dirty="0">
-                <a:solidFill>
-                  <a:srgbClr val="1F497D"/>
-                </a:solidFill>
-              </a:rPr>
-              <a:t>维持有效和高效地实现目标的能力。 </a:t>
-            </a:r>
-            <a:endParaRPr lang="en-US" sz="1600" dirty="0">
-              <a:solidFill>
-                <a:srgbClr val="1F497D"/>
-              </a:solidFill>
-            </a:endParaRPr>
-          </a:p>
-          <a:p>
-            <a:endParaRPr lang="en-US" sz="1800" dirty="0"/>
-          </a:p>
-        </p:txBody>
-      </p:sp>
+      </p:pic>
       <p:sp>
         <p:nvSpPr>
-          <p:cNvPr id="9" name="Content Placeholder 3">
+          <p:cNvPr id="8" name="Content Placeholder 3">
             <a:extLst>
               <a:ext uri="{FF2B5EF4-FFF2-40B4-BE49-F238E27FC236}">
-                <a16:creationId xmlns:a16="http://schemas.microsoft.com/office/drawing/2014/main" id="{11E67682-00B4-4BBF-BF79-4BBA281832A2}"/>
+                <a16:creationId xmlns:a16="http://schemas.microsoft.com/office/drawing/2014/main" id="{893FA88A-18FE-4C39-948B-AAA77B320F7E}"/>
               </a:ext>
             </a:extLst>
           </p:cNvPr>
@@ -8765,7 +9331,7 @@
     </p:spTree>
     <p:extLst>
       <p:ext uri="{BB962C8B-B14F-4D97-AF65-F5344CB8AC3E}">
-        <p14:creationId xmlns:p14="http://schemas.microsoft.com/office/powerpoint/2010/main" val="699119359"/>
+        <p14:creationId xmlns:p14="http://schemas.microsoft.com/office/powerpoint/2010/main" val="2946911073"/>
       </p:ext>
     </p:extLst>
   </p:cSld>
@@ -8792,48 +9358,12 @@
           <a:chExt cx="0" cy="0"/>
         </a:xfrm>
       </p:grpSpPr>
-      <p:pic>
-        <p:nvPicPr>
-          <p:cNvPr id="10" name="Picture 9">
-            <a:extLst>
-              <a:ext uri="{FF2B5EF4-FFF2-40B4-BE49-F238E27FC236}">
-                <a16:creationId xmlns:a16="http://schemas.microsoft.com/office/drawing/2014/main" id="{1D917CA8-C953-3D41-BB4D-AE90DA4944BE}"/>
-              </a:ext>
-            </a:extLst>
-          </p:cNvPr>
-          <p:cNvPicPr>
-            <a:picLocks noChangeAspect="1"/>
-          </p:cNvPicPr>
-          <p:nvPr/>
-        </p:nvPicPr>
-        <p:blipFill>
-          <a:blip r:embed="rId2">
-            <a:extLst>
-              <a:ext uri="{28A0092B-C50C-407E-A947-70E740481C1C}">
-                <a14:useLocalDpi xmlns:a14="http://schemas.microsoft.com/office/drawing/2010/main" val="0"/>
-              </a:ext>
-            </a:extLst>
-          </a:blip>
-          <a:stretch>
-            <a:fillRect/>
-          </a:stretch>
-        </p:blipFill>
-        <p:spPr>
-          <a:xfrm>
-            <a:off x="310704" y="310896"/>
-            <a:ext cx="1352550" cy="1028700"/>
-          </a:xfrm>
-          <a:prstGeom prst="rect">
-            <a:avLst/>
-          </a:prstGeom>
-        </p:spPr>
-      </p:pic>
       <p:sp>
         <p:nvSpPr>
-          <p:cNvPr id="3" name="Title 2">
+          <p:cNvPr id="4" name="Title 3">
             <a:extLst>
               <a:ext uri="{FF2B5EF4-FFF2-40B4-BE49-F238E27FC236}">
-                <a16:creationId xmlns:a16="http://schemas.microsoft.com/office/drawing/2014/main" id="{729B6FBD-CD48-43B2-99F2-DBC6C3011C1E}"/>
+                <a16:creationId xmlns:a16="http://schemas.microsoft.com/office/drawing/2014/main" id="{E6C4BC60-EF81-EB4C-A665-87F237A1A07B}"/>
               </a:ext>
             </a:extLst>
           </p:cNvPr>
@@ -8847,31 +9377,25 @@
         <p:spPr/>
         <p:txBody>
           <a:bodyPr>
-            <a:noAutofit/>
+            <a:normAutofit/>
           </a:bodyPr>
           <a:lstStyle/>
           <a:p>
             <a:r>
-              <a:rPr lang="en-US" sz="2600" dirty="0"/>
-              <a:t>Managing Performance and Measurement (</a:t>
-            </a:r>
-            <a:r>
-              <a:rPr lang="en-US" sz="2600" dirty="0" err="1"/>
-              <a:t>MPM</a:t>
-            </a:r>
-            <a:r>
-              <a:rPr lang="en-US" sz="2600" dirty="0"/>
-              <a:t>) </a:t>
-            </a:r>
-            <a:r>
-              <a:rPr lang="zh-CN" altLang="en-US" sz="2600" dirty="0">
+              <a:rPr lang="en-US" dirty="0"/>
+              <a:t>Organizational Training (OT) </a:t>
+            </a:r>
+            <a:r>
+              <a:rPr lang="ja-JP" altLang="en-US" dirty="0">
                 <a:solidFill>
                   <a:srgbClr val="1F497D"/>
                 </a:solidFill>
-              </a:rPr>
-              <a:t>管理绩效与度量</a:t>
-            </a:r>
-            <a:endParaRPr lang="en-ZA" sz="2600" dirty="0">
+                <a:latin typeface="DengXian Light" panose="02010600030101010101" pitchFamily="2" charset="-122"/>
+                <a:ea typeface="DengXian Light" panose="02010600030101010101" pitchFamily="2" charset="-122"/>
+              </a:rPr>
+              <a:t>组织级培训</a:t>
+            </a:r>
+            <a:endParaRPr lang="en-US" dirty="0">
               <a:solidFill>
                 <a:srgbClr val="1F497D"/>
               </a:solidFill>
@@ -8881,264 +9405,141 @@
       </p:sp>
       <p:sp>
         <p:nvSpPr>
-          <p:cNvPr id="12" name="Content Placeholder 7">
+          <p:cNvPr id="5" name="Content Placeholder 4">
             <a:extLst>
               <a:ext uri="{FF2B5EF4-FFF2-40B4-BE49-F238E27FC236}">
-                <a16:creationId xmlns:a16="http://schemas.microsoft.com/office/drawing/2014/main" id="{1ED947F3-5626-4DC5-883B-9F149E032369}"/>
+                <a16:creationId xmlns:a16="http://schemas.microsoft.com/office/drawing/2014/main" id="{D45684F9-A7D1-9546-96B3-5A91CC5E5FE2}"/>
               </a:ext>
             </a:extLst>
           </p:cNvPr>
-          <p:cNvSpPr txBox="1">
-            <a:spLocks/>
+          <p:cNvSpPr>
+            <a:spLocks noGrp="1"/>
           </p:cNvSpPr>
-          <p:nvPr/>
+          <p:nvPr>
+            <p:ph idx="4294967295"/>
+          </p:nvPr>
         </p:nvSpPr>
         <p:spPr>
           <a:xfrm>
-            <a:off x="463296" y="1339596"/>
-            <a:ext cx="11265408" cy="1419398"/>
+            <a:off x="463296" y="1388240"/>
+            <a:ext cx="11265408" cy="1191670"/>
+          </a:xfrm>
+        </p:spPr>
+        <p:txBody>
+          <a:bodyPr>
+            <a:normAutofit/>
+          </a:bodyPr>
+          <a:lstStyle/>
+          <a:p>
+            <a:pPr marL="0" indent="0">
+              <a:buNone/>
+            </a:pPr>
+            <a:r>
+              <a:rPr lang="en-US" sz="1600" b="1" dirty="0"/>
+              <a:t>	Intent: </a:t>
+            </a:r>
+            <a:r>
+              <a:rPr lang="en-US" sz="1600" dirty="0"/>
+              <a:t>Develop the skills and knowledge of personnel so they perform their roles efficiently and effectively.</a:t>
+            </a:r>
+            <a:br>
+              <a:rPr lang="en-US" sz="1600" dirty="0"/>
+            </a:br>
+            <a:r>
+              <a:rPr lang="en-US" sz="1600" dirty="0"/>
+              <a:t>	</a:t>
+            </a:r>
+            <a:r>
+              <a:rPr lang="zh-CN" altLang="en-US" sz="1600" dirty="0">
+                <a:solidFill>
+                  <a:srgbClr val="1F497D"/>
+                </a:solidFill>
+              </a:rPr>
+              <a:t>培养人员的技能和知识，以便他们高效且有效地执行他们的角色。</a:t>
+            </a:r>
+            <a:endParaRPr lang="en-US" sz="1600" dirty="0">
+              <a:solidFill>
+                <a:srgbClr val="1F497D"/>
+              </a:solidFill>
+            </a:endParaRPr>
+          </a:p>
+          <a:p>
+            <a:pPr marL="0" indent="0">
+              <a:buNone/>
+            </a:pPr>
+            <a:r>
+              <a:rPr lang="en-US" sz="1600" b="1" dirty="0"/>
+              <a:t>	Value:</a:t>
+            </a:r>
+            <a:r>
+              <a:rPr lang="en-US" sz="1600" dirty="0"/>
+              <a:t> Enhances individuals’ skills and knowledge to improve organizational work performance.</a:t>
+            </a:r>
+            <a:br>
+              <a:rPr lang="en-US" sz="1600" dirty="0"/>
+            </a:br>
+            <a:r>
+              <a:rPr lang="en-US" sz="1600" dirty="0"/>
+              <a:t>	</a:t>
+            </a:r>
+            <a:r>
+              <a:rPr lang="zh-CN" altLang="en-US" sz="1600" dirty="0">
+                <a:solidFill>
+                  <a:srgbClr val="1F497D"/>
+                </a:solidFill>
+              </a:rPr>
+              <a:t>增强个人的技能和知识，提高组织工作性能。</a:t>
+            </a:r>
+            <a:endParaRPr lang="en-US" sz="1600" dirty="0">
+              <a:solidFill>
+                <a:srgbClr val="1F497D"/>
+              </a:solidFill>
+            </a:endParaRPr>
+          </a:p>
+        </p:txBody>
+      </p:sp>
+      <p:pic>
+        <p:nvPicPr>
+          <p:cNvPr id="7" name="Picture 6">
+            <a:extLst>
+              <a:ext uri="{FF2B5EF4-FFF2-40B4-BE49-F238E27FC236}">
+                <a16:creationId xmlns:a16="http://schemas.microsoft.com/office/drawing/2014/main" id="{794B23BD-7F77-0348-8E21-4C5522D31448}"/>
+              </a:ext>
+            </a:extLst>
+          </p:cNvPr>
+          <p:cNvPicPr>
+            <a:picLocks noChangeAspect="1"/>
+          </p:cNvPicPr>
+          <p:nvPr/>
+        </p:nvPicPr>
+        <p:blipFill>
+          <a:blip r:embed="rId2">
+            <a:extLst>
+              <a:ext uri="{28A0092B-C50C-407E-A947-70E740481C1C}">
+                <a14:useLocalDpi xmlns:a14="http://schemas.microsoft.com/office/drawing/2010/main" val="0"/>
+              </a:ext>
+            </a:extLst>
+          </a:blip>
+          <a:stretch>
+            <a:fillRect/>
+          </a:stretch>
+        </p:blipFill>
+        <p:spPr>
+          <a:xfrm>
+            <a:off x="418338" y="237744"/>
+            <a:ext cx="1200150" cy="1076325"/>
           </a:xfrm>
           <a:prstGeom prst="rect">
             <a:avLst/>
           </a:prstGeom>
         </p:spPr>
-        <p:txBody>
-          <a:bodyPr vert="horz" lIns="91440" tIns="45720" rIns="91440" bIns="45720" rtlCol="0">
-            <a:normAutofit/>
-          </a:bodyPr>
-          <a:lstStyle>
-            <a:lvl1pPr marL="228600" indent="-228600" algn="l" defTabSz="914400" rtl="0" eaLnBrk="1" latinLnBrk="0" hangingPunct="1">
-              <a:lnSpc>
-                <a:spcPct val="90000"/>
-              </a:lnSpc>
-              <a:spcBef>
-                <a:spcPts val="1000"/>
-              </a:spcBef>
-              <a:buFont typeface="Arial" panose="020B0604020202020204" pitchFamily="34" charset="0"/>
-              <a:buChar char="•"/>
-              <a:defRPr sz="2800" kern="1200">
-                <a:solidFill>
-                  <a:schemeClr val="tx1"/>
-                </a:solidFill>
-                <a:latin typeface="+mn-lt"/>
-                <a:ea typeface="+mn-ea"/>
-                <a:cs typeface="+mn-cs"/>
-              </a:defRPr>
-            </a:lvl1pPr>
-            <a:lvl2pPr marL="685800" indent="-228600" algn="l" defTabSz="914400" rtl="0" eaLnBrk="1" latinLnBrk="0" hangingPunct="1">
-              <a:lnSpc>
-                <a:spcPct val="90000"/>
-              </a:lnSpc>
-              <a:spcBef>
-                <a:spcPts val="500"/>
-              </a:spcBef>
-              <a:buFont typeface="Arial" panose="020B0604020202020204" pitchFamily="34" charset="0"/>
-              <a:buChar char="•"/>
-              <a:defRPr sz="2400" kern="1200">
-                <a:solidFill>
-                  <a:schemeClr val="tx1"/>
-                </a:solidFill>
-                <a:latin typeface="+mn-lt"/>
-                <a:ea typeface="+mn-ea"/>
-                <a:cs typeface="+mn-cs"/>
-              </a:defRPr>
-            </a:lvl2pPr>
-            <a:lvl3pPr marL="1143000" indent="-228600" algn="l" defTabSz="914400" rtl="0" eaLnBrk="1" latinLnBrk="0" hangingPunct="1">
-              <a:lnSpc>
-                <a:spcPct val="90000"/>
-              </a:lnSpc>
-              <a:spcBef>
-                <a:spcPts val="500"/>
-              </a:spcBef>
-              <a:buFont typeface="Arial" panose="020B0604020202020204" pitchFamily="34" charset="0"/>
-              <a:buChar char="•"/>
-              <a:defRPr sz="2000" kern="1200">
-                <a:solidFill>
-                  <a:schemeClr val="tx1"/>
-                </a:solidFill>
-                <a:latin typeface="+mn-lt"/>
-                <a:ea typeface="+mn-ea"/>
-                <a:cs typeface="+mn-cs"/>
-              </a:defRPr>
-            </a:lvl3pPr>
-            <a:lvl4pPr marL="1600200" indent="-228600" algn="l" defTabSz="914400" rtl="0" eaLnBrk="1" latinLnBrk="0" hangingPunct="1">
-              <a:lnSpc>
-                <a:spcPct val="90000"/>
-              </a:lnSpc>
-              <a:spcBef>
-                <a:spcPts val="500"/>
-              </a:spcBef>
-              <a:buFont typeface="Arial" panose="020B0604020202020204" pitchFamily="34" charset="0"/>
-              <a:buChar char="•"/>
-              <a:defRPr sz="1800" kern="1200">
-                <a:solidFill>
-                  <a:schemeClr val="tx1"/>
-                </a:solidFill>
-                <a:latin typeface="+mn-lt"/>
-                <a:ea typeface="+mn-ea"/>
-                <a:cs typeface="+mn-cs"/>
-              </a:defRPr>
-            </a:lvl4pPr>
-            <a:lvl5pPr marL="2057400" indent="-228600" algn="l" defTabSz="914400" rtl="0" eaLnBrk="1" latinLnBrk="0" hangingPunct="1">
-              <a:lnSpc>
-                <a:spcPct val="90000"/>
-              </a:lnSpc>
-              <a:spcBef>
-                <a:spcPts val="500"/>
-              </a:spcBef>
-              <a:buFont typeface="Arial" panose="020B0604020202020204" pitchFamily="34" charset="0"/>
-              <a:buChar char="•"/>
-              <a:defRPr sz="1800" kern="1200">
-                <a:solidFill>
-                  <a:schemeClr val="tx1"/>
-                </a:solidFill>
-                <a:latin typeface="+mn-lt"/>
-                <a:ea typeface="+mn-ea"/>
-                <a:cs typeface="+mn-cs"/>
-              </a:defRPr>
-            </a:lvl5pPr>
-            <a:lvl6pPr marL="2514600" indent="-228600" algn="l" defTabSz="914400" rtl="0" eaLnBrk="1" latinLnBrk="0" hangingPunct="1">
-              <a:lnSpc>
-                <a:spcPct val="90000"/>
-              </a:lnSpc>
-              <a:spcBef>
-                <a:spcPts val="500"/>
-              </a:spcBef>
-              <a:buFont typeface="Arial" panose="020B0604020202020204" pitchFamily="34" charset="0"/>
-              <a:buChar char="•"/>
-              <a:defRPr sz="1800" kern="1200">
-                <a:solidFill>
-                  <a:schemeClr val="tx1"/>
-                </a:solidFill>
-                <a:latin typeface="+mn-lt"/>
-                <a:ea typeface="+mn-ea"/>
-                <a:cs typeface="+mn-cs"/>
-              </a:defRPr>
-            </a:lvl6pPr>
-            <a:lvl7pPr marL="2971800" indent="-228600" algn="l" defTabSz="914400" rtl="0" eaLnBrk="1" latinLnBrk="0" hangingPunct="1">
-              <a:lnSpc>
-                <a:spcPct val="90000"/>
-              </a:lnSpc>
-              <a:spcBef>
-                <a:spcPts val="500"/>
-              </a:spcBef>
-              <a:buFont typeface="Arial" panose="020B0604020202020204" pitchFamily="34" charset="0"/>
-              <a:buChar char="•"/>
-              <a:defRPr sz="1800" kern="1200">
-                <a:solidFill>
-                  <a:schemeClr val="tx1"/>
-                </a:solidFill>
-                <a:latin typeface="+mn-lt"/>
-                <a:ea typeface="+mn-ea"/>
-                <a:cs typeface="+mn-cs"/>
-              </a:defRPr>
-            </a:lvl7pPr>
-            <a:lvl8pPr marL="3429000" indent="-228600" algn="l" defTabSz="914400" rtl="0" eaLnBrk="1" latinLnBrk="0" hangingPunct="1">
-              <a:lnSpc>
-                <a:spcPct val="90000"/>
-              </a:lnSpc>
-              <a:spcBef>
-                <a:spcPts val="500"/>
-              </a:spcBef>
-              <a:buFont typeface="Arial" panose="020B0604020202020204" pitchFamily="34" charset="0"/>
-              <a:buChar char="•"/>
-              <a:defRPr sz="1800" kern="1200">
-                <a:solidFill>
-                  <a:schemeClr val="tx1"/>
-                </a:solidFill>
-                <a:latin typeface="+mn-lt"/>
-                <a:ea typeface="+mn-ea"/>
-                <a:cs typeface="+mn-cs"/>
-              </a:defRPr>
-            </a:lvl8pPr>
-            <a:lvl9pPr marL="3886200" indent="-228600" algn="l" defTabSz="914400" rtl="0" eaLnBrk="1" latinLnBrk="0" hangingPunct="1">
-              <a:lnSpc>
-                <a:spcPct val="90000"/>
-              </a:lnSpc>
-              <a:spcBef>
-                <a:spcPts val="500"/>
-              </a:spcBef>
-              <a:buFont typeface="Arial" panose="020B0604020202020204" pitchFamily="34" charset="0"/>
-              <a:buChar char="•"/>
-              <a:defRPr sz="1800" kern="1200">
-                <a:solidFill>
-                  <a:schemeClr val="tx1"/>
-                </a:solidFill>
-                <a:latin typeface="+mn-lt"/>
-                <a:ea typeface="+mn-ea"/>
-                <a:cs typeface="+mn-cs"/>
-              </a:defRPr>
-            </a:lvl9pPr>
-          </a:lstStyle>
-          <a:p>
-            <a:pPr marL="0" indent="0">
-              <a:buNone/>
-            </a:pPr>
-            <a:r>
-              <a:rPr lang="en-US" sz="1600" b="1" dirty="0"/>
-              <a:t>	Intent: </a:t>
-            </a:r>
-            <a:r>
-              <a:rPr lang="en-US" sz="1600" dirty="0"/>
-              <a:t>Manage performance using measurement and analysis to achieve business objectives.</a:t>
-            </a:r>
-            <a:br>
-              <a:rPr lang="en-US" sz="1600" dirty="0"/>
-            </a:br>
-            <a:r>
-              <a:rPr lang="en-US" sz="1600" dirty="0"/>
-              <a:t>	</a:t>
-            </a:r>
-            <a:r>
-              <a:rPr lang="zh-CN" altLang="en-US" sz="1600" dirty="0">
-                <a:solidFill>
-                  <a:srgbClr val="1F497D"/>
-                </a:solidFill>
-              </a:rPr>
-              <a:t>使用度量和分析来管理性能，以实现业务目标。 </a:t>
-            </a:r>
-            <a:endParaRPr lang="en-US" sz="1600" dirty="0">
-              <a:solidFill>
-                <a:srgbClr val="1F497D"/>
-              </a:solidFill>
-            </a:endParaRPr>
-          </a:p>
-          <a:p>
-            <a:pPr marL="0" indent="0">
-              <a:buNone/>
-            </a:pPr>
-            <a:r>
-              <a:rPr lang="en-US" sz="1600" b="1" dirty="0"/>
-              <a:t>	Value:</a:t>
-            </a:r>
-            <a:r>
-              <a:rPr lang="en-US" sz="1600" dirty="0"/>
-              <a:t> Maximizes business return on investment by focusing management and improvement efforts on cost, schedule, and 	quality performance.</a:t>
-            </a:r>
-            <a:br>
-              <a:rPr lang="en-US" sz="1600" dirty="0"/>
-            </a:br>
-            <a:r>
-              <a:rPr lang="en-US" sz="1600" dirty="0"/>
-              <a:t>	</a:t>
-            </a:r>
-            <a:r>
-              <a:rPr lang="zh-CN" altLang="en-US" sz="1600" dirty="0">
-                <a:solidFill>
-                  <a:srgbClr val="1F497D"/>
-                </a:solidFill>
-              </a:rPr>
-              <a:t>将管理和改进工作集中在成本、进度和质量性能上，最大限度地提高业务投资回报。</a:t>
-            </a:r>
-          </a:p>
-        </p:txBody>
-      </p:sp>
+      </p:pic>
       <p:sp>
         <p:nvSpPr>
           <p:cNvPr id="8" name="Content Placeholder 3">
             <a:extLst>
               <a:ext uri="{FF2B5EF4-FFF2-40B4-BE49-F238E27FC236}">
-                <a16:creationId xmlns:a16="http://schemas.microsoft.com/office/drawing/2014/main" id="{AD359478-7EA2-4394-AC0C-E3B891310A84}"/>
+                <a16:creationId xmlns:a16="http://schemas.microsoft.com/office/drawing/2014/main" id="{8A731301-3CCC-4F02-AC81-BE245599CC65}"/>
               </a:ext>
             </a:extLst>
           </p:cNvPr>
@@ -9430,7 +9831,7 @@
     </p:spTree>
     <p:extLst>
       <p:ext uri="{BB962C8B-B14F-4D97-AF65-F5344CB8AC3E}">
-        <p14:creationId xmlns:p14="http://schemas.microsoft.com/office/powerpoint/2010/main" val="1578273563"/>
+        <p14:creationId xmlns:p14="http://schemas.microsoft.com/office/powerpoint/2010/main" val="1396288078"/>
       </p:ext>
     </p:extLst>
   </p:cSld>
@@ -9462,7 +9863,7 @@
           <p:cNvPr id="4" name="Title 3">
             <a:extLst>
               <a:ext uri="{FF2B5EF4-FFF2-40B4-BE49-F238E27FC236}">
-                <a16:creationId xmlns:a16="http://schemas.microsoft.com/office/drawing/2014/main" id="{1D5C0589-D524-8C48-B3B9-B5BA8350A22C}"/>
+                <a16:creationId xmlns:a16="http://schemas.microsoft.com/office/drawing/2014/main" id="{18AE9ED4-B81C-E643-B0FB-82AA3CD0D245}"/>
               </a:ext>
             </a:extLst>
           </p:cNvPr>
@@ -9482,112 +9883,19 @@
           <a:p>
             <a:r>
               <a:rPr lang="en-US" dirty="0"/>
-              <a:t>Monitor and Control (MC) </a:t>
-            </a:r>
-            <a:r>
-              <a:rPr lang="zh-CN" altLang="en-US" dirty="0">
+              <a:t>Peer Reviews (PR) </a:t>
+            </a:r>
+            <a:r>
+              <a:rPr lang="ja-JP" altLang="en-US" dirty="0">
                 <a:solidFill>
                   <a:srgbClr val="1F497D"/>
                 </a:solidFill>
-              </a:rPr>
-              <a:t>控制与监督</a:t>
-            </a:r>
-            <a:endParaRPr lang="en-US" sz="2400" dirty="0">
-              <a:solidFill>
-                <a:srgbClr val="1F497D"/>
-              </a:solidFill>
-            </a:endParaRPr>
-          </a:p>
-        </p:txBody>
-      </p:sp>
-      <p:sp>
-        <p:nvSpPr>
-          <p:cNvPr id="5" name="Content Placeholder 4">
-            <a:extLst>
-              <a:ext uri="{FF2B5EF4-FFF2-40B4-BE49-F238E27FC236}">
-                <a16:creationId xmlns:a16="http://schemas.microsoft.com/office/drawing/2014/main" id="{CB786E03-BE8A-F746-8A22-456740951822}"/>
-              </a:ext>
-            </a:extLst>
-          </p:cNvPr>
-          <p:cNvSpPr>
-            <a:spLocks noGrp="1"/>
-          </p:cNvSpPr>
-          <p:nvPr>
-            <p:ph idx="4294967295"/>
-          </p:nvPr>
-        </p:nvSpPr>
-        <p:spPr>
-          <a:xfrm>
-            <a:off x="463296" y="1357884"/>
-            <a:ext cx="11728704" cy="1522968"/>
-          </a:xfrm>
-        </p:spPr>
-        <p:txBody>
-          <a:bodyPr>
-            <a:noAutofit/>
-          </a:bodyPr>
-          <a:lstStyle/>
-          <a:p>
-            <a:pPr marL="0" indent="0">
-              <a:buNone/>
-            </a:pPr>
-            <a:r>
-              <a:rPr lang="en-US" sz="1600" b="1" dirty="0"/>
-              <a:t>	Intent: </a:t>
-            </a:r>
-            <a:r>
-              <a:rPr lang="en-US" sz="1600" dirty="0"/>
-              <a:t>Provide an understanding of the project progress so appropriate corrective actions can be taken when performance 	deviates significantly from plans.</a:t>
-            </a:r>
-            <a:br>
-              <a:rPr lang="en-US" sz="1600" dirty="0"/>
-            </a:br>
-            <a:r>
-              <a:rPr lang="en-US" sz="1600" dirty="0"/>
-              <a:t>	</a:t>
-            </a:r>
-            <a:r>
-              <a:rPr lang="zh-CN" altLang="en-US" sz="1600" dirty="0">
-                <a:solidFill>
-                  <a:srgbClr val="1F497D"/>
-                </a:solidFill>
-              </a:rPr>
-              <a:t>提供对项目进度的掌握，以便在绩效显著偏离计划时采取适当的纠正措施。 </a:t>
-            </a:r>
-            <a:endParaRPr lang="en-US" sz="1600" dirty="0">
-              <a:solidFill>
-                <a:srgbClr val="1F497D"/>
-              </a:solidFill>
-            </a:endParaRPr>
-          </a:p>
-          <a:p>
-            <a:pPr marL="0" indent="0">
-              <a:buNone/>
-            </a:pPr>
-            <a:r>
-              <a:rPr lang="en-US" sz="1600" b="1" dirty="0"/>
-              <a:t>	Value:</a:t>
-            </a:r>
-            <a:r>
-              <a:rPr lang="en-US" sz="1600" dirty="0"/>
-              <a:t> Increases the probability of meeting objectives by taking early actions to adjust for significant performance deviations.</a:t>
-            </a:r>
-            <a:br>
-              <a:rPr lang="en-US" sz="1600" dirty="0"/>
-            </a:br>
-            <a:r>
-              <a:rPr lang="en-US" sz="1600" dirty="0"/>
-              <a:t>	</a:t>
-            </a:r>
-            <a:r>
-              <a:rPr lang="zh-CN" altLang="en-US" sz="1600" dirty="0">
-                <a:solidFill>
-                  <a:srgbClr val="1F497D"/>
-                </a:solidFill>
-              </a:rPr>
-              <a:t>通过及早采取行动调整显著绩效偏差，提高达成目标的可能性。 </a:t>
-            </a:r>
-            <a:endParaRPr lang="en-US" sz="1600" dirty="0">
+                <a:latin typeface="DengXian Light" panose="02010600030101010101" pitchFamily="2" charset="-122"/>
+                <a:ea typeface="DengXian Light" panose="02010600030101010101" pitchFamily="2" charset="-122"/>
+              </a:rPr>
+              <a:t>同行评审</a:t>
+            </a:r>
+            <a:endParaRPr lang="en-US" dirty="0">
               <a:solidFill>
                 <a:srgbClr val="1F497D"/>
               </a:solidFill>
@@ -9600,7 +9908,7 @@
           <p:cNvPr id="7" name="Picture 6">
             <a:extLst>
               <a:ext uri="{FF2B5EF4-FFF2-40B4-BE49-F238E27FC236}">
-                <a16:creationId xmlns:a16="http://schemas.microsoft.com/office/drawing/2014/main" id="{6B859F02-E316-0F49-87DC-CBED75413445}"/>
+                <a16:creationId xmlns:a16="http://schemas.microsoft.com/office/drawing/2014/main" id="{1A54BFAC-FF60-1E4C-8144-865105708491}"/>
               </a:ext>
             </a:extLst>
           </p:cNvPr>
@@ -9623,8 +9931,8 @@
         </p:blipFill>
         <p:spPr>
           <a:xfrm>
-            <a:off x="310896" y="329184"/>
-            <a:ext cx="1381125" cy="1028700"/>
+            <a:off x="466344" y="320040"/>
+            <a:ext cx="1181100" cy="1019175"/>
           </a:xfrm>
           <a:prstGeom prst="rect">
             <a:avLst/>
@@ -9633,10 +9941,115 @@
       </p:pic>
       <p:sp>
         <p:nvSpPr>
-          <p:cNvPr id="8" name="Content Placeholder 3">
+          <p:cNvPr id="8" name="TextBox 7">
             <a:extLst>
               <a:ext uri="{FF2B5EF4-FFF2-40B4-BE49-F238E27FC236}">
-                <a16:creationId xmlns:a16="http://schemas.microsoft.com/office/drawing/2014/main" id="{893FA88A-18FE-4C39-948B-AAA77B320F7E}"/>
+                <a16:creationId xmlns:a16="http://schemas.microsoft.com/office/drawing/2014/main" id="{48A0ADB3-2913-A34C-998D-46F2649F32A7}"/>
+              </a:ext>
+            </a:extLst>
+          </p:cNvPr>
+          <p:cNvSpPr txBox="1"/>
+          <p:nvPr/>
+        </p:nvSpPr>
+        <p:spPr>
+          <a:xfrm>
+            <a:off x="466344" y="1339215"/>
+            <a:ext cx="11381528" cy="1077218"/>
+          </a:xfrm>
+          <a:prstGeom prst="rect">
+            <a:avLst/>
+          </a:prstGeom>
+          <a:noFill/>
+        </p:spPr>
+        <p:txBody>
+          <a:bodyPr wrap="square" rtlCol="0">
+            <a:spAutoFit/>
+          </a:bodyPr>
+          <a:lstStyle/>
+          <a:p>
+            <a:r>
+              <a:rPr lang="en-US" sz="1600" b="1" dirty="0"/>
+              <a:t>	Intent: </a:t>
+            </a:r>
+            <a:r>
+              <a:rPr lang="en-US" sz="1600" dirty="0"/>
+              <a:t>Identify and address work product issues through reviews by the producer’s peers or Subject Matter Experts (SMEs).</a:t>
+            </a:r>
+            <a:br>
+              <a:rPr lang="en-US" sz="1600" dirty="0"/>
+            </a:br>
+            <a:r>
+              <a:rPr lang="en-US" sz="1600" dirty="0"/>
+              <a:t>	</a:t>
+            </a:r>
+            <a:r>
+              <a:rPr lang="zh-CN" altLang="en-US" sz="1600" dirty="0">
+                <a:solidFill>
+                  <a:srgbClr val="1F497D"/>
+                </a:solidFill>
+              </a:rPr>
+              <a:t>通过生产者同行或主题专家</a:t>
+            </a:r>
+            <a:r>
+              <a:rPr lang="en-US" altLang="zh-CN" sz="1600" dirty="0">
+                <a:solidFill>
+                  <a:srgbClr val="1F497D"/>
+                </a:solidFill>
+              </a:rPr>
+              <a:t>(SME)</a:t>
+            </a:r>
+            <a:r>
+              <a:rPr lang="zh-CN" altLang="en-US" sz="1600" dirty="0">
+                <a:solidFill>
+                  <a:srgbClr val="1F497D"/>
+                </a:solidFill>
+              </a:rPr>
+              <a:t>的评审来识别并解决工作产品的问题。</a:t>
+            </a:r>
+            <a:r>
+              <a:rPr lang="zh-CN" altLang="en-US" sz="1600" dirty="0"/>
+              <a:t> </a:t>
+            </a:r>
+            <a:endParaRPr lang="en-US" sz="1600" dirty="0"/>
+          </a:p>
+          <a:p>
+            <a:r>
+              <a:rPr lang="en-US" sz="1600" b="1" dirty="0"/>
+              <a:t>	Value:</a:t>
+            </a:r>
+            <a:r>
+              <a:rPr lang="en-US" sz="1600" dirty="0"/>
+              <a:t> Reduce cost and rework by uncovering issues or defects early.</a:t>
+            </a:r>
+            <a:br>
+              <a:rPr lang="en-US" sz="1600" dirty="0"/>
+            </a:br>
+            <a:r>
+              <a:rPr lang="en-US" sz="1600" dirty="0"/>
+              <a:t>	</a:t>
+            </a:r>
+            <a:r>
+              <a:rPr lang="zh-CN" altLang="en-US" sz="1600" dirty="0">
+                <a:solidFill>
+                  <a:srgbClr val="1F497D"/>
+                </a:solidFill>
+              </a:rPr>
+              <a:t>及早发现问题或缺陷，降低成本和返工。 </a:t>
+            </a:r>
+            <a:endParaRPr lang="en-US" sz="1600" dirty="0">
+              <a:solidFill>
+                <a:srgbClr val="1F497D"/>
+              </a:solidFill>
+            </a:endParaRPr>
+          </a:p>
+        </p:txBody>
+      </p:sp>
+      <p:sp>
+        <p:nvSpPr>
+          <p:cNvPr id="9" name="Content Placeholder 3">
+            <a:extLst>
+              <a:ext uri="{FF2B5EF4-FFF2-40B4-BE49-F238E27FC236}">
+                <a16:creationId xmlns:a16="http://schemas.microsoft.com/office/drawing/2014/main" id="{6700B825-4B23-41CB-B6E9-8CBDBB9E4337}"/>
               </a:ext>
             </a:extLst>
           </p:cNvPr>
@@ -9928,7 +10341,7 @@
     </p:spTree>
     <p:extLst>
       <p:ext uri="{BB962C8B-B14F-4D97-AF65-F5344CB8AC3E}">
-        <p14:creationId xmlns:p14="http://schemas.microsoft.com/office/powerpoint/2010/main" val="2946911073"/>
+        <p14:creationId xmlns:p14="http://schemas.microsoft.com/office/powerpoint/2010/main" val="2180998911"/>
       </p:ext>
     </p:extLst>
   </p:cSld>
@@ -9939,7 +10352,7 @@
 </file>
 
 <file path=ppt/slides/slide2.xml><?xml version="1.0" encoding="utf-8"?>
-<p:sld xmlns:a="http://schemas.openxmlformats.org/drawingml/2006/main" xmlns:r="http://schemas.openxmlformats.org/officeDocument/2006/relationships" xmlns:p="http://schemas.openxmlformats.org/presentationml/2006/main" show="0">
+<p:sld xmlns:a="http://schemas.openxmlformats.org/drawingml/2006/main" xmlns:r="http://schemas.openxmlformats.org/officeDocument/2006/relationships" xmlns:p="http://schemas.openxmlformats.org/presentationml/2006/main">
   <p:cSld>
     <p:spTree>
       <p:nvGrpSpPr>
@@ -9957,695 +10370,59 @@
       </p:grpSpPr>
       <p:sp>
         <p:nvSpPr>
-          <p:cNvPr id="3077" name="TextBox 4"/>
-          <p:cNvSpPr txBox="1">
-            <a:spLocks noChangeArrowheads="1"/>
+          <p:cNvPr id="4" name="Title 3">
+            <a:extLst>
+              <a:ext uri="{FF2B5EF4-FFF2-40B4-BE49-F238E27FC236}">
+                <a16:creationId xmlns:a16="http://schemas.microsoft.com/office/drawing/2014/main" id="{8A629AD6-E198-3A47-A696-9DF21F27875F}"/>
+              </a:ext>
+            </a:extLst>
+          </p:cNvPr>
+          <p:cNvSpPr>
+            <a:spLocks noGrp="1"/>
           </p:cNvSpPr>
-          <p:nvPr/>
+          <p:nvPr>
+            <p:ph type="title"/>
+          </p:nvPr>
         </p:nvSpPr>
-        <p:spPr bwMode="auto">
-          <a:xfrm>
-            <a:off x="756500" y="1613732"/>
-            <a:ext cx="10825900" cy="4524315"/>
-          </a:xfrm>
-          <a:prstGeom prst="rect">
-            <a:avLst/>
-          </a:prstGeom>
-          <a:noFill/>
-          <a:ln>
-            <a:noFill/>
-          </a:ln>
-          <a:extLst>
-            <a:ext uri="{909E8E84-426E-40DD-AFC4-6F175D3DCCD1}">
-              <a14:hiddenFill xmlns:a14="http://schemas.microsoft.com/office/drawing/2010/main">
-                <a:solidFill>
-                  <a:srgbClr val="FFFFFF"/>
-                </a:solidFill>
-              </a14:hiddenFill>
-            </a:ext>
-            <a:ext uri="{91240B29-F687-4F45-9708-019B960494DF}">
-              <a14:hiddenLine xmlns:a14="http://schemas.microsoft.com/office/drawing/2010/main" w="9525">
-                <a:solidFill>
-                  <a:srgbClr val="000000"/>
-                </a:solidFill>
-                <a:miter lim="800000"/>
-                <a:headEnd/>
-                <a:tailEnd/>
-              </a14:hiddenLine>
-            </a:ext>
-          </a:extLst>
-        </p:spPr>
+        <p:spPr/>
         <p:txBody>
-          <a:bodyPr wrap="square">
-            <a:spAutoFit/>
-          </a:bodyPr>
-          <a:lstStyle>
-            <a:lvl1pPr eaLnBrk="0" hangingPunct="0">
-              <a:defRPr sz="2400">
-                <a:solidFill>
-                  <a:schemeClr val="tx1"/>
-                </a:solidFill>
-                <a:latin typeface="Times New Roman" pitchFamily="18" charset="0"/>
-              </a:defRPr>
-            </a:lvl1pPr>
-            <a:lvl2pPr marL="742950" indent="-285750" eaLnBrk="0" hangingPunct="0">
-              <a:defRPr sz="2400">
-                <a:solidFill>
-                  <a:schemeClr val="tx1"/>
-                </a:solidFill>
-                <a:latin typeface="Times New Roman" pitchFamily="18" charset="0"/>
-              </a:defRPr>
-            </a:lvl2pPr>
-            <a:lvl3pPr marL="1143000" indent="-228600" eaLnBrk="0" hangingPunct="0">
-              <a:defRPr sz="2400">
-                <a:solidFill>
-                  <a:schemeClr val="tx1"/>
-                </a:solidFill>
-                <a:latin typeface="Times New Roman" pitchFamily="18" charset="0"/>
-              </a:defRPr>
-            </a:lvl3pPr>
-            <a:lvl4pPr marL="1600200" indent="-228600" eaLnBrk="0" hangingPunct="0">
-              <a:defRPr sz="2400">
-                <a:solidFill>
-                  <a:schemeClr val="tx1"/>
-                </a:solidFill>
-                <a:latin typeface="Times New Roman" pitchFamily="18" charset="0"/>
-              </a:defRPr>
-            </a:lvl4pPr>
-            <a:lvl5pPr marL="2057400" indent="-228600" eaLnBrk="0" hangingPunct="0">
-              <a:defRPr sz="2400">
-                <a:solidFill>
-                  <a:schemeClr val="tx1"/>
-                </a:solidFill>
-                <a:latin typeface="Times New Roman" pitchFamily="18" charset="0"/>
-              </a:defRPr>
-            </a:lvl5pPr>
-            <a:lvl6pPr marL="2514600" indent="-228600" eaLnBrk="0" fontAlgn="base" hangingPunct="0">
-              <a:spcBef>
-                <a:spcPct val="0"/>
-              </a:spcBef>
-              <a:spcAft>
-                <a:spcPct val="0"/>
-              </a:spcAft>
-              <a:defRPr sz="2400">
-                <a:solidFill>
-                  <a:schemeClr val="tx1"/>
-                </a:solidFill>
-                <a:latin typeface="Times New Roman" pitchFamily="18" charset="0"/>
-              </a:defRPr>
-            </a:lvl6pPr>
-            <a:lvl7pPr marL="2971800" indent="-228600" eaLnBrk="0" fontAlgn="base" hangingPunct="0">
-              <a:spcBef>
-                <a:spcPct val="0"/>
-              </a:spcBef>
-              <a:spcAft>
-                <a:spcPct val="0"/>
-              </a:spcAft>
-              <a:defRPr sz="2400">
-                <a:solidFill>
-                  <a:schemeClr val="tx1"/>
-                </a:solidFill>
-                <a:latin typeface="Times New Roman" pitchFamily="18" charset="0"/>
-              </a:defRPr>
-            </a:lvl7pPr>
-            <a:lvl8pPr marL="3429000" indent="-228600" eaLnBrk="0" fontAlgn="base" hangingPunct="0">
-              <a:spcBef>
-                <a:spcPct val="0"/>
-              </a:spcBef>
-              <a:spcAft>
-                <a:spcPct val="0"/>
-              </a:spcAft>
-              <a:defRPr sz="2400">
-                <a:solidFill>
-                  <a:schemeClr val="tx1"/>
-                </a:solidFill>
-                <a:latin typeface="Times New Roman" pitchFamily="18" charset="0"/>
-              </a:defRPr>
-            </a:lvl8pPr>
-            <a:lvl9pPr marL="3886200" indent="-228600" eaLnBrk="0" fontAlgn="base" hangingPunct="0">
-              <a:spcBef>
-                <a:spcPct val="0"/>
-              </a:spcBef>
-              <a:spcAft>
-                <a:spcPct val="0"/>
-              </a:spcAft>
-              <a:defRPr sz="2400">
-                <a:solidFill>
-                  <a:schemeClr val="tx1"/>
-                </a:solidFill>
-                <a:latin typeface="Times New Roman" pitchFamily="18" charset="0"/>
-              </a:defRPr>
-            </a:lvl9pPr>
-          </a:lstStyle>
-          <a:p>
-            <a:pPr marL="285750" indent="-285750" algn="just" eaLnBrk="1" hangingPunct="1">
-              <a:buFont typeface="Arial" panose="020B0604020202020204" pitchFamily="34" charset="0"/>
-              <a:buChar char="•"/>
-            </a:pPr>
-            <a:r>
-              <a:rPr lang="en-ZA" altLang="zh-CN" sz="1600" dirty="0">
-                <a:latin typeface="+mn-lt"/>
-              </a:rPr>
-              <a:t>The </a:t>
-            </a:r>
-            <a:r>
-              <a:rPr lang="en-ZA" altLang="zh-CN" sz="1600" b="1" dirty="0">
+          <a:bodyPr/>
+          <a:lstStyle/>
+          <a:p>
+            <a:r>
+              <a:rPr lang="en-US" b="1" dirty="0">
+                <a:latin typeface="+mn-lt"/>
+              </a:rPr>
+              <a:t>Appraisal Overview </a:t>
+            </a:r>
+            <a:br>
+              <a:rPr lang="en-US" b="1" dirty="0">
+                <a:latin typeface="+mn-lt"/>
+              </a:rPr>
+            </a:br>
+            <a:r>
+              <a:rPr lang="zh-CN" altLang="en-US" sz="6000" b="1" dirty="0">
                 <a:solidFill>
                   <a:srgbClr val="1F497D"/>
                 </a:solidFill>
-                <a:latin typeface="+mn-lt"/>
-              </a:rPr>
-              <a:t>CMMI Institute </a:t>
-            </a:r>
-            <a:r>
-              <a:rPr lang="en-ZA" altLang="zh-CN" sz="1600" dirty="0">
-                <a:latin typeface="+mn-lt"/>
-              </a:rPr>
-              <a:t>was acquired by </a:t>
-            </a:r>
-            <a:r>
-              <a:rPr lang="en-ZA" altLang="zh-CN" sz="1600" dirty="0">
-                <a:solidFill>
-                  <a:schemeClr val="accent1">
-                    <a:lumMod val="50000"/>
-                  </a:schemeClr>
-                </a:solidFill>
-                <a:latin typeface="+mn-lt"/>
-              </a:rPr>
-              <a:t>ISACA</a:t>
-            </a:r>
-            <a:r>
-              <a:rPr lang="en-ZA" altLang="zh-CN" sz="1600" dirty="0">
-                <a:latin typeface="+mn-lt"/>
-              </a:rPr>
-              <a:t>, hence the slide templates now referring to </a:t>
-            </a:r>
-            <a:r>
-              <a:rPr lang="en-ZA" altLang="zh-CN" sz="1600" b="1" dirty="0">
-                <a:latin typeface="+mn-lt"/>
-              </a:rPr>
-              <a:t>ISACA</a:t>
-            </a:r>
-            <a:r>
-              <a:rPr lang="en-ZA" altLang="zh-CN" sz="1600" dirty="0">
-                <a:latin typeface="+mn-lt"/>
-              </a:rPr>
-              <a:t>.</a:t>
-            </a:r>
-          </a:p>
-          <a:p>
-            <a:pPr marL="285750" indent="-285750" algn="just" eaLnBrk="1" hangingPunct="1">
-              <a:buFont typeface="Arial" panose="020B0604020202020204" pitchFamily="34" charset="0"/>
-              <a:buChar char="•"/>
-            </a:pPr>
-            <a:r>
-              <a:rPr lang="zh-CN" altLang="en-US" sz="1600" dirty="0">
-                <a:latin typeface="+mn-lt"/>
-              </a:rPr>
-              <a:t>  </a:t>
-            </a:r>
-            <a:r>
-              <a:rPr lang="en-US" altLang="zh-CN" sz="1600" dirty="0">
-                <a:latin typeface="+mn-lt"/>
-              </a:rPr>
-              <a:t>CMMI</a:t>
-            </a:r>
-            <a:r>
-              <a:rPr lang="zh-CN" altLang="en-US" sz="1600" dirty="0">
-                <a:latin typeface="+mn-lt"/>
-              </a:rPr>
-              <a:t>研究所已被</a:t>
-            </a:r>
-            <a:r>
-              <a:rPr lang="en-US" altLang="zh-CN" sz="1600" dirty="0">
-                <a:latin typeface="+mn-lt"/>
-              </a:rPr>
-              <a:t>ISACA</a:t>
-            </a:r>
-            <a:r>
-              <a:rPr lang="zh-CN" altLang="en-US" sz="1600" dirty="0">
-                <a:latin typeface="+mn-lt"/>
-              </a:rPr>
-              <a:t>收购，所以现在幻灯片模板上指的都是</a:t>
-            </a:r>
-            <a:r>
-              <a:rPr lang="en-US" altLang="zh-CN" sz="1600" dirty="0">
-                <a:latin typeface="+mn-lt"/>
-              </a:rPr>
-              <a:t>ISACA</a:t>
-            </a:r>
-            <a:r>
-              <a:rPr lang="zh-CN" altLang="en-US" sz="1600" dirty="0">
-                <a:latin typeface="+mn-lt"/>
-              </a:rPr>
-              <a:t>。</a:t>
-            </a:r>
-            <a:endParaRPr lang="en-ZA" altLang="zh-CN" sz="1600" dirty="0">
-              <a:latin typeface="+mn-lt"/>
-            </a:endParaRPr>
-          </a:p>
-          <a:p>
-            <a:pPr marL="285750" indent="-285750" algn="l">
-              <a:buFont typeface="Arial" panose="020B0604020202020204" pitchFamily="34" charset="0"/>
-              <a:buChar char="•"/>
-            </a:pPr>
-            <a:r>
-              <a:rPr lang="en-ZA" altLang="zh-CN" sz="1600" dirty="0">
-                <a:latin typeface="+mn-lt"/>
-              </a:rPr>
-              <a:t>As documented in the CMMI model Executive Summary, </a:t>
-            </a:r>
-            <a:br>
-              <a:rPr lang="en-ZA" altLang="zh-CN" sz="1600" dirty="0">
-                <a:latin typeface="+mn-lt"/>
-              </a:rPr>
-            </a:br>
-            <a:r>
-              <a:rPr lang="en-ZA" sz="1600" b="1" i="0" u="none" strike="noStrike" baseline="0" dirty="0">
-                <a:latin typeface="+mn-lt"/>
-              </a:rPr>
-              <a:t>CMMI® (Capability Maturity Model® Integration) </a:t>
-            </a:r>
-            <a:r>
-              <a:rPr lang="en-ZA" sz="1600" b="0" i="0" u="none" strike="noStrike" baseline="0" dirty="0">
-                <a:latin typeface="+mn-lt"/>
-              </a:rPr>
-              <a:t>is an integrated set of best practices that enable businesses to improve performance of their key business processes.</a:t>
-            </a:r>
-          </a:p>
-          <a:p>
-            <a:pPr marL="285750" indent="-285750" algn="l">
-              <a:buFont typeface="Arial" panose="020B0604020202020204" pitchFamily="34" charset="0"/>
-              <a:buChar char="•"/>
-            </a:pPr>
-            <a:r>
-              <a:rPr lang="zh-CN" altLang="en-US" sz="1600" dirty="0">
-                <a:latin typeface="+mn-lt"/>
-              </a:rPr>
-              <a:t>正如</a:t>
-            </a:r>
-            <a:r>
-              <a:rPr lang="en-ZA" sz="1600" dirty="0">
-                <a:latin typeface="+mn-lt"/>
-              </a:rPr>
-              <a:t>CMMI</a:t>
-            </a:r>
-            <a:r>
-              <a:rPr lang="zh-CN" altLang="en-US" sz="1600" dirty="0">
-                <a:latin typeface="+mn-lt"/>
-              </a:rPr>
-              <a:t>模型执行概要中所描述的，</a:t>
-            </a:r>
-            <a:r>
-              <a:rPr lang="en-ZA" sz="1600" dirty="0">
-                <a:latin typeface="+mn-lt"/>
-              </a:rPr>
-              <a:t>CMMI（Capability Maturity Model Integration）</a:t>
-            </a:r>
-            <a:r>
-              <a:rPr lang="zh-CN" altLang="en-US" sz="1600" dirty="0">
-                <a:latin typeface="+mn-lt"/>
-              </a:rPr>
-              <a:t>是使企业能够改进他们的关键业务过程性能的一组最佳实践集。</a:t>
-            </a:r>
-            <a:endParaRPr lang="en-ZA" sz="1600" dirty="0">
-              <a:latin typeface="+mn-lt"/>
-            </a:endParaRPr>
-          </a:p>
-          <a:p>
-            <a:pPr marL="285750" indent="-285750" algn="l">
-              <a:buFont typeface="Arial" panose="020B0604020202020204" pitchFamily="34" charset="0"/>
-              <a:buChar char="•"/>
-            </a:pPr>
-            <a:r>
-              <a:rPr lang="en-ZA" sz="1600" b="0" i="0" u="none" strike="noStrike" baseline="0" dirty="0">
-                <a:latin typeface="+mn-lt"/>
-              </a:rPr>
-              <a:t>The CMMI® model was developed by product teams with members from industry and CMMI Institute.</a:t>
-            </a:r>
-          </a:p>
-          <a:p>
-            <a:pPr marL="285750" indent="-285750" algn="l">
-              <a:buFont typeface="Arial" panose="020B0604020202020204" pitchFamily="34" charset="0"/>
-              <a:buChar char="•"/>
-            </a:pPr>
-            <a:r>
-              <a:rPr lang="zh-CN" altLang="en-US" sz="1600" b="0" i="0" u="none" strike="noStrike" baseline="0" dirty="0">
-                <a:latin typeface="+mn-lt"/>
-              </a:rPr>
-              <a:t> </a:t>
-            </a:r>
-            <a:r>
-              <a:rPr lang="en-US" altLang="zh-CN" sz="1600" dirty="0">
-                <a:latin typeface="+mn-lt"/>
-              </a:rPr>
-              <a:t>CMMI</a:t>
-            </a:r>
-            <a:r>
-              <a:rPr lang="zh-CN" altLang="en-US" sz="1600" dirty="0">
-                <a:latin typeface="+mn-lt"/>
-              </a:rPr>
-              <a:t>模型是由来自行业的和</a:t>
-            </a:r>
-            <a:r>
-              <a:rPr lang="en-US" altLang="zh-CN" sz="1600" dirty="0">
-                <a:latin typeface="+mn-lt"/>
-              </a:rPr>
-              <a:t>CMMI</a:t>
-            </a:r>
-            <a:r>
-              <a:rPr lang="zh-CN" altLang="en-US" sz="1600" dirty="0">
-                <a:latin typeface="+mn-lt"/>
-              </a:rPr>
-              <a:t>研究所的成员组成的产品团队开发的。</a:t>
-            </a:r>
-            <a:endParaRPr lang="en-ZA" sz="1600" dirty="0">
-              <a:latin typeface="+mn-lt"/>
-            </a:endParaRPr>
-          </a:p>
-          <a:p>
-            <a:pPr marL="285750" indent="-285750" algn="l">
-              <a:buFont typeface="Arial" panose="020B0604020202020204" pitchFamily="34" charset="0"/>
-              <a:buChar char="•"/>
-            </a:pPr>
-            <a:r>
-              <a:rPr lang="en-ZA" sz="1600" b="0" i="0" u="none" strike="noStrike" baseline="0" dirty="0">
-                <a:latin typeface="+mn-lt"/>
-              </a:rPr>
-              <a:t>At its heart, the CMMI model provides a clear roadmap for building, improving, and sustaining capability.</a:t>
-            </a:r>
-          </a:p>
-          <a:p>
-            <a:pPr marL="285750" indent="-285750">
-              <a:buFont typeface="Arial" panose="020B0604020202020204" pitchFamily="34" charset="0"/>
-              <a:buChar char="•"/>
-            </a:pPr>
-            <a:r>
-              <a:rPr lang="zh-CN" altLang="en-US" sz="1600" dirty="0">
-                <a:latin typeface="+mn-lt"/>
-              </a:rPr>
-              <a:t>其核心是，</a:t>
-            </a:r>
-            <a:r>
-              <a:rPr lang="en-US" altLang="zh-CN" sz="1600" dirty="0">
-                <a:latin typeface="+mn-lt"/>
-              </a:rPr>
-              <a:t>CMMI</a:t>
-            </a:r>
-            <a:r>
-              <a:rPr lang="zh-CN" altLang="en-US" sz="1600" dirty="0">
-                <a:latin typeface="+mn-lt"/>
-              </a:rPr>
-              <a:t>模型为构建、改进和保持能力稳定提供了清晰的路线图。</a:t>
-            </a:r>
-            <a:endParaRPr lang="en-US" altLang="zh-CN" sz="1600" dirty="0">
-              <a:latin typeface="+mn-lt"/>
-            </a:endParaRPr>
-          </a:p>
-          <a:p>
-            <a:pPr marL="285750" indent="-285750">
-              <a:buFont typeface="Arial" panose="020B0604020202020204" pitchFamily="34" charset="0"/>
-              <a:buChar char="•"/>
-            </a:pPr>
-            <a:endParaRPr lang="en-ZA" altLang="zh-CN" sz="1600" dirty="0">
-              <a:latin typeface="+mn-lt"/>
-            </a:endParaRPr>
-          </a:p>
-          <a:p>
-            <a:r>
-              <a:rPr lang="en-ZA" altLang="zh-CN" sz="1600" b="1" dirty="0">
-                <a:solidFill>
-                  <a:srgbClr val="1F497D"/>
-                </a:solidFill>
-                <a:latin typeface="+mn-lt"/>
-              </a:rPr>
-              <a:t>Note:</a:t>
-            </a:r>
-            <a:r>
-              <a:rPr lang="zh-CN" altLang="en-US" sz="1600" b="1" dirty="0">
-                <a:solidFill>
-                  <a:srgbClr val="1F497D"/>
-                </a:solidFill>
-                <a:latin typeface="+mn-lt"/>
-              </a:rPr>
-              <a:t>注：</a:t>
-            </a:r>
-            <a:endParaRPr lang="en-ZA" altLang="zh-CN" sz="1600" b="1" dirty="0">
+                <a:latin typeface="+mn-ea"/>
+                <a:ea typeface="+mn-ea"/>
+              </a:rPr>
+              <a:t>评估概述</a:t>
+            </a:r>
+            <a:endParaRPr lang="en-US" b="1" dirty="0">
               <a:solidFill>
                 <a:srgbClr val="1F497D"/>
               </a:solidFill>
               <a:latin typeface="+mn-lt"/>
             </a:endParaRPr>
           </a:p>
-          <a:p>
-            <a:r>
-              <a:rPr lang="en-ZA" altLang="zh-CN" sz="1600" b="1" dirty="0">
-                <a:solidFill>
-                  <a:srgbClr val="1F497D"/>
-                </a:solidFill>
-                <a:latin typeface="+mn-lt"/>
-              </a:rPr>
-              <a:t>With the above as background, refence to CMMI is now only used in relation to the model and its use, and not as an organization anymore. </a:t>
-            </a:r>
-          </a:p>
-          <a:p>
-            <a:r>
-              <a:rPr lang="zh-CN" altLang="en-US" sz="1600" b="1" dirty="0">
-                <a:solidFill>
-                  <a:srgbClr val="1F497D"/>
-                </a:solidFill>
-                <a:latin typeface="+mn-lt"/>
-              </a:rPr>
-              <a:t>在上述背景下，现在对于</a:t>
-            </a:r>
-            <a:r>
-              <a:rPr lang="en-US" altLang="zh-CN" sz="1600" b="1" dirty="0">
-                <a:solidFill>
-                  <a:srgbClr val="1F497D"/>
-                </a:solidFill>
-                <a:latin typeface="+mn-lt"/>
-              </a:rPr>
-              <a:t>CMMI</a:t>
-            </a:r>
-            <a:r>
-              <a:rPr lang="zh-CN" altLang="en-US" sz="1600" b="1" dirty="0">
-                <a:solidFill>
-                  <a:srgbClr val="1F497D"/>
-                </a:solidFill>
-                <a:latin typeface="+mn-lt"/>
-              </a:rPr>
-              <a:t>的引用只涉及模型本身及其使用，而不再视之为一个组织。</a:t>
-            </a:r>
-            <a:endParaRPr lang="en-ZA" altLang="zh-CN" sz="1600" b="1" dirty="0">
-              <a:solidFill>
-                <a:srgbClr val="1F497D"/>
-              </a:solidFill>
-              <a:latin typeface="+mn-lt"/>
-            </a:endParaRPr>
-          </a:p>
-          <a:p>
-            <a:r>
-              <a:rPr lang="en-ZA" sz="1600" b="1" dirty="0">
-                <a:solidFill>
-                  <a:srgbClr val="1F497D"/>
-                </a:solidFill>
-                <a:latin typeface="+mn-lt"/>
-              </a:rPr>
-              <a:t>ISACA owns all copyright, trademark, and all other intellectual property rights of the CMMI Content.</a:t>
-            </a:r>
-          </a:p>
-          <a:p>
-            <a:r>
-              <a:rPr lang="en-US" altLang="zh-CN" sz="1600" b="1" dirty="0">
-                <a:solidFill>
-                  <a:srgbClr val="1F497D"/>
-                </a:solidFill>
-                <a:latin typeface="+mn-lt"/>
-              </a:rPr>
-              <a:t>ISACA</a:t>
-            </a:r>
-            <a:r>
-              <a:rPr lang="zh-CN" altLang="en-US" sz="1600" b="1" dirty="0">
-                <a:solidFill>
-                  <a:srgbClr val="1F497D"/>
-                </a:solidFill>
-                <a:latin typeface="+mn-lt"/>
-              </a:rPr>
-              <a:t>拥有</a:t>
-            </a:r>
-            <a:r>
-              <a:rPr lang="en-US" altLang="zh-CN" sz="1600" b="1" dirty="0">
-                <a:solidFill>
-                  <a:srgbClr val="1F497D"/>
-                </a:solidFill>
-                <a:latin typeface="+mn-lt"/>
-              </a:rPr>
-              <a:t>CMMI</a:t>
-            </a:r>
-            <a:r>
-              <a:rPr lang="zh-CN" altLang="en-US" sz="1600" b="1" dirty="0">
-                <a:solidFill>
-                  <a:srgbClr val="1F497D"/>
-                </a:solidFill>
-                <a:latin typeface="+mn-lt"/>
-              </a:rPr>
-              <a:t>的内容的所有版权、商标及所有其他知识产权。</a:t>
-            </a:r>
-            <a:endParaRPr lang="en-ZA" altLang="zh-CN" sz="1600" b="1" dirty="0">
-              <a:solidFill>
-                <a:srgbClr val="1F497D"/>
-              </a:solidFill>
-              <a:latin typeface="+mn-lt"/>
-            </a:endParaRPr>
-          </a:p>
         </p:txBody>
       </p:sp>
-      <p:sp>
-        <p:nvSpPr>
-          <p:cNvPr id="29" name="Rectangle 3">
-            <a:extLst>
-              <a:ext uri="{FF2B5EF4-FFF2-40B4-BE49-F238E27FC236}">
-                <a16:creationId xmlns:a16="http://schemas.microsoft.com/office/drawing/2014/main" id="{75BC7D2F-5962-40F6-96F5-3BF4422A4B3E}"/>
-              </a:ext>
-            </a:extLst>
-          </p:cNvPr>
-          <p:cNvSpPr>
-            <a:spLocks noGrp="1" noChangeArrowheads="1"/>
-          </p:cNvSpPr>
-          <p:nvPr>
-            <p:ph type="title"/>
-          </p:nvPr>
-        </p:nvSpPr>
-        <p:spPr>
-          <a:xfrm>
-            <a:off x="609600" y="837778"/>
-            <a:ext cx="10972800" cy="935265"/>
-          </a:xfrm>
-        </p:spPr>
-        <p:txBody>
-          <a:bodyPr/>
-          <a:lstStyle/>
-          <a:p>
-            <a:pPr eaLnBrk="1" hangingPunct="1"/>
-            <a:r>
-              <a:rPr lang="en-US" altLang="en-US" sz="3600" dirty="0">
-                <a:ea typeface="ＭＳ Ｐゴシック" charset="-128"/>
-              </a:rPr>
-              <a:t>CMMI / ISACA Information</a:t>
-            </a:r>
-          </a:p>
-        </p:txBody>
-      </p:sp>
-      <p:pic>
-        <p:nvPicPr>
-          <p:cNvPr id="5" name="Picture 4" descr="A picture containing clipart&#10;&#10;Description automatically generated">
-            <a:extLst>
-              <a:ext uri="{FF2B5EF4-FFF2-40B4-BE49-F238E27FC236}">
-                <a16:creationId xmlns:a16="http://schemas.microsoft.com/office/drawing/2014/main" id="{17F36A79-92A6-405C-AC37-41F7B42F8CA5}"/>
-              </a:ext>
-            </a:extLst>
-          </p:cNvPr>
-          <p:cNvPicPr>
-            <a:picLocks noChangeAspect="1"/>
-          </p:cNvPicPr>
-          <p:nvPr/>
-        </p:nvPicPr>
-        <p:blipFill>
-          <a:blip r:embed="rId3">
-            <a:extLst>
-              <a:ext uri="{28A0092B-C50C-407E-A947-70E740481C1C}">
-                <a14:useLocalDpi xmlns:a14="http://schemas.microsoft.com/office/drawing/2010/main" val="0"/>
-              </a:ext>
-            </a:extLst>
-          </a:blip>
-          <a:stretch>
-            <a:fillRect/>
-          </a:stretch>
-        </p:blipFill>
-        <p:spPr>
-          <a:xfrm>
-            <a:off x="3217977" y="6447453"/>
-            <a:ext cx="572922" cy="332727"/>
-          </a:xfrm>
-          <a:prstGeom prst="rect">
-            <a:avLst/>
-          </a:prstGeom>
-        </p:spPr>
-      </p:pic>
-      <p:pic>
-        <p:nvPicPr>
-          <p:cNvPr id="6" name="Picture 5">
-            <a:extLst>
-              <a:ext uri="{FF2B5EF4-FFF2-40B4-BE49-F238E27FC236}">
-                <a16:creationId xmlns:a16="http://schemas.microsoft.com/office/drawing/2014/main" id="{889D9E85-9806-4A0A-8C02-B4C44EFAB9CD}"/>
-              </a:ext>
-            </a:extLst>
-          </p:cNvPr>
-          <p:cNvPicPr>
-            <a:picLocks noChangeAspect="1"/>
-          </p:cNvPicPr>
-          <p:nvPr/>
-        </p:nvPicPr>
-        <p:blipFill rotWithShape="1">
-          <a:blip r:embed="rId4" cstate="print">
-            <a:extLst>
-              <a:ext uri="{28A0092B-C50C-407E-A947-70E740481C1C}">
-                <a14:useLocalDpi xmlns:a14="http://schemas.microsoft.com/office/drawing/2010/main" val="0"/>
-              </a:ext>
-            </a:extLst>
-          </a:blip>
-          <a:srcRect l="17030" t="2007" r="14562" b="-2007"/>
-          <a:stretch/>
-        </p:blipFill>
-        <p:spPr>
-          <a:xfrm>
-            <a:off x="3981973" y="6364357"/>
-            <a:ext cx="572923" cy="415823"/>
-          </a:xfrm>
-          <a:prstGeom prst="rect">
-            <a:avLst/>
-          </a:prstGeom>
-        </p:spPr>
-      </p:pic>
-      <p:pic>
-        <p:nvPicPr>
-          <p:cNvPr id="7" name="Picture 6" descr="A close up of a logo&#10;&#10;Description automatically generated">
-            <a:extLst>
-              <a:ext uri="{FF2B5EF4-FFF2-40B4-BE49-F238E27FC236}">
-                <a16:creationId xmlns:a16="http://schemas.microsoft.com/office/drawing/2014/main" id="{8020E643-5C9A-4704-AA9B-46F6D4AF4050}"/>
-              </a:ext>
-            </a:extLst>
-          </p:cNvPr>
-          <p:cNvPicPr>
-            <a:picLocks noChangeAspect="1"/>
-          </p:cNvPicPr>
-          <p:nvPr/>
-        </p:nvPicPr>
-        <p:blipFill rotWithShape="1">
-          <a:blip r:embed="rId5">
-            <a:extLst>
-              <a:ext uri="{28A0092B-C50C-407E-A947-70E740481C1C}">
-                <a14:useLocalDpi xmlns:a14="http://schemas.microsoft.com/office/drawing/2010/main" val="0"/>
-              </a:ext>
-            </a:extLst>
-          </a:blip>
-          <a:srcRect l="14660" t="18576" r="13021" b="14083"/>
-          <a:stretch/>
-        </p:blipFill>
-        <p:spPr>
-          <a:xfrm>
-            <a:off x="2403572" y="6356350"/>
-            <a:ext cx="483712" cy="509451"/>
-          </a:xfrm>
-          <a:prstGeom prst="rect">
-            <a:avLst/>
-          </a:prstGeom>
-        </p:spPr>
-      </p:pic>
     </p:spTree>
     <p:extLst>
       <p:ext uri="{BB962C8B-B14F-4D97-AF65-F5344CB8AC3E}">
-        <p14:creationId xmlns:p14="http://schemas.microsoft.com/office/powerpoint/2010/main" val="3513404221"/>
+        <p14:creationId xmlns:p14="http://schemas.microsoft.com/office/powerpoint/2010/main" val="3938322201"/>
       </p:ext>
     </p:extLst>
   </p:cSld>
@@ -10672,61 +10449,52 @@
           <a:chExt cx="0" cy="0"/>
         </a:xfrm>
       </p:grpSpPr>
+      <p:pic>
+        <p:nvPicPr>
+          <p:cNvPr id="7" name="Picture 6">
+            <a:extLst>
+              <a:ext uri="{FF2B5EF4-FFF2-40B4-BE49-F238E27FC236}">
+                <a16:creationId xmlns:a16="http://schemas.microsoft.com/office/drawing/2014/main" id="{61946A40-B0D3-7F42-92B3-A8F1BDFD8132}"/>
+              </a:ext>
+            </a:extLst>
+          </p:cNvPr>
+          <p:cNvPicPr>
+            <a:picLocks noChangeAspect="1"/>
+          </p:cNvPicPr>
+          <p:nvPr/>
+        </p:nvPicPr>
+        <p:blipFill>
+          <a:blip r:embed="rId2">
+            <a:extLst>
+              <a:ext uri="{28A0092B-C50C-407E-A947-70E740481C1C}">
+                <a14:useLocalDpi xmlns:a14="http://schemas.microsoft.com/office/drawing/2010/main" val="0"/>
+              </a:ext>
+            </a:extLst>
+          </a:blip>
+          <a:stretch>
+            <a:fillRect/>
+          </a:stretch>
+        </p:blipFill>
+        <p:spPr>
+          <a:xfrm>
+            <a:off x="310896" y="329184"/>
+            <a:ext cx="1381125" cy="1028700"/>
+          </a:xfrm>
+          <a:prstGeom prst="rect">
+            <a:avLst/>
+          </a:prstGeom>
+        </p:spPr>
+      </p:pic>
       <p:sp>
         <p:nvSpPr>
-          <p:cNvPr id="4" name="Title 3">
+          <p:cNvPr id="9" name="Content Placeholder 8">
             <a:extLst>
               <a:ext uri="{FF2B5EF4-FFF2-40B4-BE49-F238E27FC236}">
-                <a16:creationId xmlns:a16="http://schemas.microsoft.com/office/drawing/2014/main" id="{E6C4BC60-EF81-EB4C-A665-87F237A1A07B}"/>
+                <a16:creationId xmlns:a16="http://schemas.microsoft.com/office/drawing/2014/main" id="{8EEFC331-18F4-8A46-A869-BA52963D8CE8}"/>
               </a:ext>
             </a:extLst>
           </p:cNvPr>
-          <p:cNvSpPr>
-            <a:spLocks noGrp="1"/>
-          </p:cNvSpPr>
-          <p:nvPr>
-            <p:ph type="title"/>
-          </p:nvPr>
-        </p:nvSpPr>
-        <p:spPr/>
-        <p:txBody>
-          <a:bodyPr>
-            <a:normAutofit/>
-          </a:bodyPr>
-          <a:lstStyle/>
-          <a:p>
-            <a:r>
-              <a:rPr lang="en-US" dirty="0"/>
-              <a:t>Organizational Training (OT) </a:t>
-            </a:r>
-            <a:r>
-              <a:rPr lang="ja-JP" altLang="en-US" dirty="0">
-                <a:solidFill>
-                  <a:srgbClr val="1F497D"/>
-                </a:solidFill>
-                <a:latin typeface="DengXian Light" panose="02010600030101010101" pitchFamily="2" charset="-122"/>
-                <a:ea typeface="DengXian Light" panose="02010600030101010101" pitchFamily="2" charset="-122"/>
-              </a:rPr>
-              <a:t>组织级培训</a:t>
-            </a:r>
-            <a:endParaRPr lang="en-US" dirty="0">
-              <a:solidFill>
-                <a:srgbClr val="1F497D"/>
-              </a:solidFill>
-            </a:endParaRPr>
-          </a:p>
-        </p:txBody>
-      </p:sp>
-      <p:sp>
-        <p:nvSpPr>
-          <p:cNvPr id="5" name="Content Placeholder 4">
-            <a:extLst>
-              <a:ext uri="{FF2B5EF4-FFF2-40B4-BE49-F238E27FC236}">
-                <a16:creationId xmlns:a16="http://schemas.microsoft.com/office/drawing/2014/main" id="{D45684F9-A7D1-9546-96B3-5A91CC5E5FE2}"/>
-              </a:ext>
-            </a:extLst>
-          </p:cNvPr>
-          <p:cNvSpPr>
+          <p:cNvSpPr txBox="1">
             <a:spLocks noGrp="1"/>
           </p:cNvSpPr>
           <p:nvPr>
@@ -10735,13 +10503,17 @@
         </p:nvSpPr>
         <p:spPr>
           <a:xfrm>
-            <a:off x="463296" y="1388240"/>
-            <a:ext cx="11265408" cy="1191670"/>
+            <a:off x="466344" y="1357884"/>
+            <a:ext cx="11265408" cy="1328569"/>
           </a:xfrm>
+          <a:prstGeom prst="rect">
+            <a:avLst/>
+          </a:prstGeom>
+          <a:noFill/>
         </p:spPr>
         <p:txBody>
-          <a:bodyPr>
-            <a:normAutofit/>
+          <a:bodyPr wrap="square" rtlCol="0">
+            <a:spAutoFit/>
           </a:bodyPr>
           <a:lstStyle/>
           <a:p>
@@ -10754,13 +10526,23 @@
             </a:r>
             <a:r>
               <a:rPr lang="en-US" sz="1600" dirty="0"/>
-              <a:t>Develop the skills and knowledge of personnel so they perform their roles efficiently and effectively.</a:t>
+              <a:t>Develop plans to describe what is needed to accomplish the work within the standards and constraints of the 	organization</a:t>
+            </a:r>
+            <a:r>
+              <a:rPr lang="en-US" sz="1600" dirty="0">
+                <a:effectLst/>
+              </a:rPr>
+              <a:t> </a:t>
             </a:r>
             <a:br>
-              <a:rPr lang="en-US" sz="1600" dirty="0"/>
+              <a:rPr lang="en-US" sz="1600" dirty="0">
+                <a:effectLst/>
+              </a:rPr>
             </a:br>
             <a:r>
-              <a:rPr lang="en-US" sz="1600" dirty="0"/>
+              <a:rPr lang="en-US" sz="1600" dirty="0">
+                <a:effectLst/>
+              </a:rPr>
               <a:t>	</a:t>
             </a:r>
             <a:r>
@@ -10768,8 +10550,9 @@
                 <a:solidFill>
                   <a:srgbClr val="1F497D"/>
                 </a:solidFill>
-              </a:rPr>
-              <a:t>培养人员的技能和知识，以便他们高效且有效地执行他们的角色。</a:t>
+                <a:effectLst/>
+              </a:rPr>
+              <a:t>制定计划来描述在组织的标准和约束条件内完成工作所需的内容</a:t>
             </a:r>
             <a:endParaRPr lang="en-US" sz="1600" dirty="0">
               <a:solidFill>
@@ -10787,7 +10570,7 @@
             </a:r>
             <a:r>
               <a:rPr lang="en-US" sz="1600" dirty="0"/>
-              <a:t> Enhances individuals’ skills and knowledge to improve organizational work performance.</a:t>
+              <a:t> Optimizes cost, functionality, and quality to increase the likelihood that objectives will be met.</a:t>
             </a:r>
             <a:br>
               <a:rPr lang="en-US" sz="1600" dirty="0"/>
@@ -10802,7 +10585,7 @@
                   <a:srgbClr val="1F497D"/>
                 </a:solidFill>
               </a:rPr>
-              <a:t>增强个人的技能和知识，提高组织工作性能。</a:t>
+              <a:t>优化成本、功能和质量以增加实现目标的可能性。</a:t>
             </a:r>
             <a:endParaRPr lang="en-US" sz="1600" dirty="0">
               <a:solidFill>
@@ -10812,48 +10595,80 @@
           </a:p>
         </p:txBody>
       </p:sp>
-      <p:pic>
-        <p:nvPicPr>
-          <p:cNvPr id="7" name="Picture 6">
+      <p:sp>
+        <p:nvSpPr>
+          <p:cNvPr id="10" name="Title 7">
             <a:extLst>
               <a:ext uri="{FF2B5EF4-FFF2-40B4-BE49-F238E27FC236}">
-                <a16:creationId xmlns:a16="http://schemas.microsoft.com/office/drawing/2014/main" id="{794B23BD-7F77-0348-8E21-4C5522D31448}"/>
+                <a16:creationId xmlns:a16="http://schemas.microsoft.com/office/drawing/2014/main" id="{3ADF6F91-5E76-4848-81D9-6C12BBE07647}"/>
               </a:ext>
             </a:extLst>
           </p:cNvPr>
-          <p:cNvPicPr>
-            <a:picLocks noChangeAspect="1"/>
-          </p:cNvPicPr>
-          <p:nvPr/>
-        </p:nvPicPr>
-        <p:blipFill>
-          <a:blip r:embed="rId2">
-            <a:extLst>
-              <a:ext uri="{28A0092B-C50C-407E-A947-70E740481C1C}">
-                <a14:useLocalDpi xmlns:a14="http://schemas.microsoft.com/office/drawing/2010/main" val="0"/>
-              </a:ext>
-            </a:extLst>
-          </a:blip>
-          <a:stretch>
-            <a:fillRect/>
-          </a:stretch>
-        </p:blipFill>
+          <p:cNvSpPr txBox="1">
+            <a:spLocks noGrp="1"/>
+          </p:cNvSpPr>
+          <p:nvPr>
+            <p:ph type="title"/>
+          </p:nvPr>
+        </p:nvSpPr>
         <p:spPr>
-          <a:xfrm>
-            <a:off x="418338" y="237744"/>
-            <a:ext cx="1200150" cy="1076325"/>
-          </a:xfrm>
           <a:prstGeom prst="rect">
             <a:avLst/>
           </a:prstGeom>
+          <a:noFill/>
         </p:spPr>
-      </p:pic>
+        <p:txBody>
+          <a:bodyPr wrap="square" rtlCol="0" anchor="ctr">
+            <a:spAutoFit/>
+          </a:bodyPr>
+          <a:lstStyle>
+            <a:lvl1pPr algn="l" defTabSz="1371600" rtl="0" eaLnBrk="1" latinLnBrk="0" hangingPunct="1">
+              <a:lnSpc>
+                <a:spcPct val="90000"/>
+              </a:lnSpc>
+              <a:spcBef>
+                <a:spcPct val="0"/>
+              </a:spcBef>
+              <a:buNone/>
+              <a:defRPr lang="uk-UA" sz="2800" b="1" kern="1200" dirty="0">
+                <a:solidFill>
+                  <a:schemeClr val="tx1"/>
+                </a:solidFill>
+                <a:latin typeface="Calibri" charset="0"/>
+                <a:ea typeface="Calibri" charset="0"/>
+                <a:cs typeface="Calibri" charset="0"/>
+              </a:defRPr>
+            </a:lvl1pPr>
+          </a:lstStyle>
+          <a:p>
+            <a:r>
+              <a:rPr lang="en-US" sz="3200" dirty="0"/>
+              <a:t>Planning (PLAN) </a:t>
+            </a:r>
+            <a:r>
+              <a:rPr lang="ja-JP" altLang="en-US" sz="3200" dirty="0">
+                <a:solidFill>
+                  <a:srgbClr val="1F497D"/>
+                </a:solidFill>
+                <a:latin typeface="DengXian Light" panose="02010600030101010101" pitchFamily="2" charset="-122"/>
+                <a:ea typeface="DengXian Light" panose="02010600030101010101" pitchFamily="2" charset="-122"/>
+              </a:rPr>
+              <a:t>策划</a:t>
+            </a:r>
+            <a:endParaRPr lang="en-US" sz="3200" dirty="0">
+              <a:solidFill>
+                <a:srgbClr val="1F497D"/>
+              </a:solidFill>
+            </a:endParaRPr>
+          </a:p>
+        </p:txBody>
+      </p:sp>
       <p:sp>
         <p:nvSpPr>
-          <p:cNvPr id="8" name="Content Placeholder 3">
+          <p:cNvPr id="11" name="Content Placeholder 3">
             <a:extLst>
               <a:ext uri="{FF2B5EF4-FFF2-40B4-BE49-F238E27FC236}">
-                <a16:creationId xmlns:a16="http://schemas.microsoft.com/office/drawing/2014/main" id="{8A731301-3CCC-4F02-AC81-BE245599CC65}"/>
+                <a16:creationId xmlns:a16="http://schemas.microsoft.com/office/drawing/2014/main" id="{3A60A1DC-6440-4AEB-BD14-7BFF58BA7603}"/>
               </a:ext>
             </a:extLst>
           </p:cNvPr>
@@ -11145,7 +10960,7 @@
     </p:spTree>
     <p:extLst>
       <p:ext uri="{BB962C8B-B14F-4D97-AF65-F5344CB8AC3E}">
-        <p14:creationId xmlns:p14="http://schemas.microsoft.com/office/powerpoint/2010/main" val="1396288078"/>
+        <p14:creationId xmlns:p14="http://schemas.microsoft.com/office/powerpoint/2010/main" val="1409033790"/>
       </p:ext>
     </p:extLst>
   </p:cSld>
@@ -11172,57 +10987,12 @@
           <a:chExt cx="0" cy="0"/>
         </a:xfrm>
       </p:grpSpPr>
-      <p:sp>
-        <p:nvSpPr>
-          <p:cNvPr id="4" name="Title 3">
-            <a:extLst>
-              <a:ext uri="{FF2B5EF4-FFF2-40B4-BE49-F238E27FC236}">
-                <a16:creationId xmlns:a16="http://schemas.microsoft.com/office/drawing/2014/main" id="{18AE9ED4-B81C-E643-B0FB-82AA3CD0D245}"/>
-              </a:ext>
-            </a:extLst>
-          </p:cNvPr>
-          <p:cNvSpPr>
-            <a:spLocks noGrp="1"/>
-          </p:cNvSpPr>
-          <p:nvPr>
-            <p:ph type="title"/>
-          </p:nvPr>
-        </p:nvSpPr>
-        <p:spPr/>
-        <p:txBody>
-          <a:bodyPr>
-            <a:normAutofit/>
-          </a:bodyPr>
-          <a:lstStyle/>
-          <a:p>
-            <a:r>
-              <a:rPr lang="en-US" dirty="0"/>
-              <a:t>Peer Reviews (PR) </a:t>
-            </a:r>
-            <a:r>
-              <a:rPr lang="ja-JP" altLang="en-US" dirty="0">
-                <a:solidFill>
-                  <a:srgbClr val="1F497D"/>
-                </a:solidFill>
-                <a:latin typeface="DengXian Light" panose="02010600030101010101" pitchFamily="2" charset="-122"/>
-                <a:ea typeface="DengXian Light" panose="02010600030101010101" pitchFamily="2" charset="-122"/>
-              </a:rPr>
-              <a:t>同行评审</a:t>
-            </a:r>
-            <a:endParaRPr lang="en-US" dirty="0">
-              <a:solidFill>
-                <a:srgbClr val="1F497D"/>
-              </a:solidFill>
-            </a:endParaRPr>
-          </a:p>
-        </p:txBody>
-      </p:sp>
       <p:pic>
         <p:nvPicPr>
           <p:cNvPr id="7" name="Picture 6">
             <a:extLst>
               <a:ext uri="{FF2B5EF4-FFF2-40B4-BE49-F238E27FC236}">
-                <a16:creationId xmlns:a16="http://schemas.microsoft.com/office/drawing/2014/main" id="{1A54BFAC-FF60-1E4C-8144-865105708491}"/>
+                <a16:creationId xmlns:a16="http://schemas.microsoft.com/office/drawing/2014/main" id="{75AE3B20-2D39-3C46-BD9A-23D957F99CA6}"/>
               </a:ext>
             </a:extLst>
           </p:cNvPr>
@@ -11245,8 +11015,8 @@
         </p:blipFill>
         <p:spPr>
           <a:xfrm>
-            <a:off x="466344" y="320040"/>
-            <a:ext cx="1181100" cy="1019175"/>
+            <a:off x="310896" y="310896"/>
+            <a:ext cx="1352550" cy="1028700"/>
           </a:xfrm>
           <a:prstGeom prst="rect">
             <a:avLst/>
@@ -11255,20 +11025,92 @@
       </p:pic>
       <p:sp>
         <p:nvSpPr>
-          <p:cNvPr id="8" name="TextBox 7">
+          <p:cNvPr id="9" name="Title 7">
             <a:extLst>
               <a:ext uri="{FF2B5EF4-FFF2-40B4-BE49-F238E27FC236}">
-                <a16:creationId xmlns:a16="http://schemas.microsoft.com/office/drawing/2014/main" id="{48A0ADB3-2913-A34C-998D-46F2649F32A7}"/>
+                <a16:creationId xmlns:a16="http://schemas.microsoft.com/office/drawing/2014/main" id="{D0AECBCD-8363-284B-BB51-55AF3D65C681}"/>
               </a:ext>
             </a:extLst>
           </p:cNvPr>
-          <p:cNvSpPr txBox="1"/>
-          <p:nvPr/>
+          <p:cNvSpPr txBox="1">
+            <a:spLocks noGrp="1"/>
+          </p:cNvSpPr>
+          <p:nvPr>
+            <p:ph type="title"/>
+          </p:nvPr>
+        </p:nvSpPr>
+        <p:spPr>
+          <a:prstGeom prst="rect">
+            <a:avLst/>
+          </a:prstGeom>
+          <a:noFill/>
+        </p:spPr>
+        <p:txBody>
+          <a:bodyPr wrap="square" rtlCol="0" anchor="ctr">
+            <a:spAutoFit/>
+          </a:bodyPr>
+          <a:lstStyle>
+            <a:lvl1pPr algn="l" defTabSz="1371600" rtl="0" eaLnBrk="1" latinLnBrk="0" hangingPunct="1">
+              <a:lnSpc>
+                <a:spcPct val="90000"/>
+              </a:lnSpc>
+              <a:spcBef>
+                <a:spcPct val="0"/>
+              </a:spcBef>
+              <a:buNone/>
+              <a:defRPr lang="uk-UA" sz="2800" b="1" kern="1200" dirty="0">
+                <a:solidFill>
+                  <a:schemeClr val="tx1"/>
+                </a:solidFill>
+                <a:latin typeface="Calibri" charset="0"/>
+                <a:ea typeface="Calibri" charset="0"/>
+                <a:cs typeface="Calibri" charset="0"/>
+              </a:defRPr>
+            </a:lvl1pPr>
+          </a:lstStyle>
+          <a:p>
+            <a:r>
+              <a:rPr lang="en-US" sz="3200" dirty="0"/>
+              <a:t>Process Asset Development (PAD) </a:t>
+            </a:r>
+            <a:r>
+              <a:rPr lang="zh-CN" altLang="en-US" sz="3200" dirty="0">
+                <a:solidFill>
+                  <a:srgbClr val="1F497D"/>
+                </a:solidFill>
+                <a:latin typeface="+mj-ea"/>
+                <a:ea typeface="+mj-ea"/>
+              </a:rPr>
+              <a:t>过程资产开发</a:t>
+            </a:r>
+            <a:endParaRPr lang="en-US" sz="3200" dirty="0">
+              <a:solidFill>
+                <a:srgbClr val="1F497D"/>
+              </a:solidFill>
+            </a:endParaRPr>
+          </a:p>
+        </p:txBody>
+      </p:sp>
+      <p:sp>
+        <p:nvSpPr>
+          <p:cNvPr id="10" name="Content Placeholder 9">
+            <a:extLst>
+              <a:ext uri="{FF2B5EF4-FFF2-40B4-BE49-F238E27FC236}">
+                <a16:creationId xmlns:a16="http://schemas.microsoft.com/office/drawing/2014/main" id="{518A46D4-BE00-814E-8A9B-BD69C49159B9}"/>
+              </a:ext>
+            </a:extLst>
+          </p:cNvPr>
+          <p:cNvSpPr txBox="1">
+            <a:spLocks noGrp="1"/>
+          </p:cNvSpPr>
+          <p:nvPr>
+            <p:ph idx="4294967295"/>
+          </p:nvPr>
         </p:nvSpPr>
         <p:spPr>
           <a:xfrm>
-            <a:off x="466344" y="1339215"/>
-            <a:ext cx="11381528" cy="1077218"/>
+            <a:off x="466344" y="1339596"/>
+            <a:ext cx="11265408" cy="1106970"/>
           </a:xfrm>
           <a:prstGeom prst="rect">
             <a:avLst/>
@@ -11281,13 +11123,16 @@
           </a:bodyPr>
           <a:lstStyle/>
           <a:p>
+            <a:pPr marL="0" indent="0">
+              <a:buNone/>
+            </a:pPr>
             <a:r>
               <a:rPr lang="en-US" sz="1600" b="1" dirty="0"/>
               <a:t>	Intent: </a:t>
             </a:r>
             <a:r>
               <a:rPr lang="en-US" sz="1600" dirty="0"/>
-              <a:t>Identify and address work product issues through reviews by the producer’s peers or Subject Matter Experts (SMEs).</a:t>
+              <a:t>Develop and keep updated the process assets necessary to perform the work.</a:t>
             </a:r>
             <a:br>
               <a:rPr lang="en-US" sz="1600" dirty="0"/>
@@ -11302,53 +11147,7 @@
                   <a:srgbClr val="1F497D"/>
                 </a:solidFill>
               </a:rPr>
-              <a:t>通过生产者同行或主题专家</a:t>
-            </a:r>
-            <a:r>
-              <a:rPr lang="en-US" altLang="zh-CN" sz="1600" dirty="0">
-                <a:solidFill>
-                  <a:srgbClr val="1F497D"/>
-                </a:solidFill>
-              </a:rPr>
-              <a:t>(SME)</a:t>
-            </a:r>
-            <a:r>
-              <a:rPr lang="zh-CN" altLang="en-US" sz="1600" dirty="0">
-                <a:solidFill>
-                  <a:srgbClr val="1F497D"/>
-                </a:solidFill>
-              </a:rPr>
-              <a:t>的评审来识别并解决工作产品的问题。</a:t>
-            </a:r>
-            <a:r>
-              <a:rPr lang="zh-CN" altLang="en-US" sz="1600" dirty="0"/>
-              <a:t> </a:t>
-            </a:r>
-            <a:endParaRPr lang="en-US" sz="1600" dirty="0"/>
-          </a:p>
-          <a:p>
-            <a:r>
-              <a:rPr lang="en-US" sz="1600" b="1" dirty="0"/>
-              <a:t>	Value:</a:t>
-            </a:r>
-            <a:r>
-              <a:rPr lang="en-US" sz="1600" dirty="0"/>
-              <a:t> Reduce cost and rework by uncovering issues or defects early.</a:t>
-            </a:r>
-            <a:br>
-              <a:rPr lang="en-US" sz="1600" dirty="0"/>
-            </a:br>
-            <a:r>
-              <a:rPr lang="en-US" sz="1600" dirty="0"/>
-              <a:t>	</a:t>
-            </a:r>
-            <a:r>
-              <a:rPr lang="zh-CN" altLang="en-US" sz="1600" dirty="0">
-                <a:solidFill>
-                  <a:srgbClr val="1F497D"/>
-                </a:solidFill>
-              </a:rPr>
-              <a:t>及早发现问题或缺陷，降低成本和返工。 </a:t>
+              <a:t>开发并保持更新执行工作所需的过程资产。</a:t>
             </a:r>
             <a:endParaRPr lang="en-US" sz="1600" dirty="0">
               <a:solidFill>
@@ -11356,14 +11155,49 @@
               </a:solidFill>
             </a:endParaRPr>
           </a:p>
+          <a:p>
+            <a:pPr marL="0" indent="0">
+              <a:buNone/>
+            </a:pPr>
+            <a:r>
+              <a:rPr lang="en-US" sz="1600" b="1" dirty="0"/>
+              <a:t>	Value:</a:t>
+            </a:r>
+            <a:r>
+              <a:rPr lang="en-US" sz="1600" dirty="0"/>
+              <a:t> Provides a capability to understand and repeat successful performance.</a:t>
+            </a:r>
+            <a:br>
+              <a:rPr lang="en-US" sz="1600" dirty="0"/>
+            </a:br>
+            <a:r>
+              <a:rPr lang="en-US" sz="1600" dirty="0"/>
+              <a:t>	</a:t>
+            </a:r>
+            <a:r>
+              <a:rPr lang="ja-JP" altLang="en-US" sz="1600" dirty="0">
+                <a:solidFill>
+                  <a:srgbClr val="1F497D"/>
+                </a:solidFill>
+                <a:latin typeface="宋体" panose="02010600030101010101" pitchFamily="2" charset="-122"/>
+                <a:ea typeface="宋体" panose="02010600030101010101" pitchFamily="2" charset="-122"/>
+              </a:rPr>
+              <a:t>提供了解和重复成功性能的能力</a:t>
+            </a:r>
+            <a:endParaRPr lang="en-US" sz="1600" dirty="0">
+              <a:solidFill>
+                <a:srgbClr val="1F497D"/>
+              </a:solidFill>
+            </a:endParaRPr>
+          </a:p>
         </p:txBody>
       </p:sp>
       <p:sp>
         <p:nvSpPr>
-          <p:cNvPr id="9" name="Content Placeholder 3">
+          <p:cNvPr id="11" name="Content Placeholder 3">
             <a:extLst>
               <a:ext uri="{FF2B5EF4-FFF2-40B4-BE49-F238E27FC236}">
-                <a16:creationId xmlns:a16="http://schemas.microsoft.com/office/drawing/2014/main" id="{6700B825-4B23-41CB-B6E9-8CBDBB9E4337}"/>
+                <a16:creationId xmlns:a16="http://schemas.microsoft.com/office/drawing/2014/main" id="{4F9F7155-69C5-47DF-B4F8-7A9C296B71B4}"/>
               </a:ext>
             </a:extLst>
           </p:cNvPr>
@@ -11655,7 +11489,7 @@
     </p:spTree>
     <p:extLst>
       <p:ext uri="{BB962C8B-B14F-4D97-AF65-F5344CB8AC3E}">
-        <p14:creationId xmlns:p14="http://schemas.microsoft.com/office/powerpoint/2010/main" val="2180998911"/>
+        <p14:creationId xmlns:p14="http://schemas.microsoft.com/office/powerpoint/2010/main" val="3772339790"/>
       </p:ext>
     </p:extLst>
   </p:cSld>
@@ -11687,7 +11521,7 @@
           <p:cNvPr id="7" name="Picture 6">
             <a:extLst>
               <a:ext uri="{FF2B5EF4-FFF2-40B4-BE49-F238E27FC236}">
-                <a16:creationId xmlns:a16="http://schemas.microsoft.com/office/drawing/2014/main" id="{61946A40-B0D3-7F42-92B3-A8F1BDFD8132}"/>
+                <a16:creationId xmlns:a16="http://schemas.microsoft.com/office/drawing/2014/main" id="{DC61F88B-A93B-E44F-A278-9F680C286BDC}"/>
               </a:ext>
             </a:extLst>
           </p:cNvPr>
@@ -11710,8 +11544,8 @@
         </p:blipFill>
         <p:spPr>
           <a:xfrm>
-            <a:off x="310896" y="329184"/>
-            <a:ext cx="1381125" cy="1028700"/>
+            <a:off x="310896" y="310896"/>
+            <a:ext cx="1381125" cy="1050433"/>
           </a:xfrm>
           <a:prstGeom prst="rect">
             <a:avLst/>
@@ -11720,120 +11554,10 @@
       </p:pic>
       <p:sp>
         <p:nvSpPr>
-          <p:cNvPr id="9" name="Content Placeholder 8">
+          <p:cNvPr id="9" name="Title 7">
             <a:extLst>
               <a:ext uri="{FF2B5EF4-FFF2-40B4-BE49-F238E27FC236}">
-                <a16:creationId xmlns:a16="http://schemas.microsoft.com/office/drawing/2014/main" id="{8EEFC331-18F4-8A46-A869-BA52963D8CE8}"/>
-              </a:ext>
-            </a:extLst>
-          </p:cNvPr>
-          <p:cNvSpPr txBox="1">
-            <a:spLocks noGrp="1"/>
-          </p:cNvSpPr>
-          <p:nvPr>
-            <p:ph idx="4294967295"/>
-          </p:nvPr>
-        </p:nvSpPr>
-        <p:spPr>
-          <a:xfrm>
-            <a:off x="466344" y="1357884"/>
-            <a:ext cx="11265408" cy="1328569"/>
-          </a:xfrm>
-          <a:prstGeom prst="rect">
-            <a:avLst/>
-          </a:prstGeom>
-          <a:noFill/>
-        </p:spPr>
-        <p:txBody>
-          <a:bodyPr wrap="square" rtlCol="0">
-            <a:spAutoFit/>
-          </a:bodyPr>
-          <a:lstStyle/>
-          <a:p>
-            <a:pPr marL="0" indent="0">
-              <a:buNone/>
-            </a:pPr>
-            <a:r>
-              <a:rPr lang="en-US" sz="1600" b="1" dirty="0"/>
-              <a:t>	Intent: </a:t>
-            </a:r>
-            <a:r>
-              <a:rPr lang="en-US" sz="1600" dirty="0"/>
-              <a:t>Develop plans to describe what is needed to accomplish the work within the standards and constraints of the 	organization</a:t>
-            </a:r>
-            <a:r>
-              <a:rPr lang="en-US" sz="1600" dirty="0">
-                <a:effectLst/>
-              </a:rPr>
-              <a:t> </a:t>
-            </a:r>
-            <a:br>
-              <a:rPr lang="en-US" sz="1600" dirty="0">
-                <a:effectLst/>
-              </a:rPr>
-            </a:br>
-            <a:r>
-              <a:rPr lang="en-US" sz="1600" dirty="0">
-                <a:effectLst/>
-              </a:rPr>
-              <a:t>	</a:t>
-            </a:r>
-            <a:r>
-              <a:rPr lang="zh-CN" altLang="en-US" sz="1600" dirty="0">
-                <a:solidFill>
-                  <a:srgbClr val="1F497D"/>
-                </a:solidFill>
-                <a:effectLst/>
-              </a:rPr>
-              <a:t>制定计划来描述在组织的标准和约束条件内完成工作所需的内容</a:t>
-            </a:r>
-            <a:endParaRPr lang="en-US" sz="1600" dirty="0">
-              <a:solidFill>
-                <a:srgbClr val="1F497D"/>
-              </a:solidFill>
-            </a:endParaRPr>
-          </a:p>
-          <a:p>
-            <a:pPr marL="0" indent="0">
-              <a:buNone/>
-            </a:pPr>
-            <a:r>
-              <a:rPr lang="en-US" sz="1600" b="1" dirty="0"/>
-              <a:t>	Value:</a:t>
-            </a:r>
-            <a:r>
-              <a:rPr lang="en-US" sz="1600" dirty="0"/>
-              <a:t> Optimizes cost, functionality, and quality to increase the likelihood that objectives will be met.</a:t>
-            </a:r>
-            <a:br>
-              <a:rPr lang="en-US" sz="1600" dirty="0"/>
-            </a:br>
-            <a:r>
-              <a:rPr lang="en-US" sz="1600" dirty="0"/>
-              <a:t>	</a:t>
-            </a:r>
-            <a:r>
-              <a:rPr lang="zh-CN" altLang="en-US" sz="1600" dirty="0">
-                <a:solidFill>
-                  <a:srgbClr val="1F497D"/>
-                </a:solidFill>
-              </a:rPr>
-              <a:t>优化成本、功能和质量以增加实现目标的可能性。</a:t>
-            </a:r>
-            <a:endParaRPr lang="en-US" sz="1600" dirty="0">
-              <a:solidFill>
-                <a:srgbClr val="1F497D"/>
-              </a:solidFill>
-            </a:endParaRPr>
-          </a:p>
-        </p:txBody>
-      </p:sp>
-      <p:sp>
-        <p:nvSpPr>
-          <p:cNvPr id="10" name="Title 7">
-            <a:extLst>
-              <a:ext uri="{FF2B5EF4-FFF2-40B4-BE49-F238E27FC236}">
-                <a16:creationId xmlns:a16="http://schemas.microsoft.com/office/drawing/2014/main" id="{3ADF6F91-5E76-4848-81D9-6C12BBE07647}"/>
+                <a16:creationId xmlns:a16="http://schemas.microsoft.com/office/drawing/2014/main" id="{2A97733B-5B53-6D4F-B3A6-238856A5C58A}"/>
               </a:ext>
             </a:extLst>
           </p:cNvPr>
@@ -11876,7 +11600,7 @@
           <a:p>
             <a:r>
               <a:rPr lang="en-US" sz="3200" dirty="0"/>
-              <a:t>Planning (PLAN) </a:t>
+              <a:t>Process Management (PCM) </a:t>
             </a:r>
             <a:r>
               <a:rPr lang="ja-JP" altLang="en-US" sz="3200" dirty="0">
@@ -11886,7 +11610,7 @@
                 <a:latin typeface="DengXian Light" panose="02010600030101010101" pitchFamily="2" charset="-122"/>
                 <a:ea typeface="DengXian Light" panose="02010600030101010101" pitchFamily="2" charset="-122"/>
               </a:rPr>
-              <a:t>策划</a:t>
+              <a:t>过程管理</a:t>
             </a:r>
             <a:endParaRPr lang="en-US" sz="3200" dirty="0">
               <a:solidFill>
@@ -11898,10 +11622,125 @@
       </p:sp>
       <p:sp>
         <p:nvSpPr>
+          <p:cNvPr id="10" name="Content Placeholder 9">
+            <a:extLst>
+              <a:ext uri="{FF2B5EF4-FFF2-40B4-BE49-F238E27FC236}">
+                <a16:creationId xmlns:a16="http://schemas.microsoft.com/office/drawing/2014/main" id="{95A440E3-2399-234F-BAE5-CFDCD8133EE3}"/>
+              </a:ext>
+            </a:extLst>
+          </p:cNvPr>
+          <p:cNvSpPr txBox="1">
+            <a:spLocks noGrp="1"/>
+          </p:cNvSpPr>
+          <p:nvPr>
+            <p:ph idx="4294967295"/>
+          </p:nvPr>
+        </p:nvSpPr>
+        <p:spPr>
+          <a:xfrm>
+            <a:off x="463295" y="1361329"/>
+            <a:ext cx="11610717" cy="1771767"/>
+          </a:xfrm>
+          <a:prstGeom prst="rect">
+            <a:avLst/>
+          </a:prstGeom>
+          <a:noFill/>
+        </p:spPr>
+        <p:txBody>
+          <a:bodyPr wrap="square" rtlCol="0">
+            <a:spAutoFit/>
+          </a:bodyPr>
+          <a:lstStyle/>
+          <a:p>
+            <a:pPr marL="0" indent="0">
+              <a:buNone/>
+            </a:pPr>
+            <a:r>
+              <a:rPr lang="en-US" sz="1600" b="1" dirty="0"/>
+              <a:t>	Intent: </a:t>
+            </a:r>
+            <a:r>
+              <a:rPr lang="en-US" sz="1600" dirty="0"/>
+              <a:t>Manages and implements the continuous improvement of processes and infrastructure to support accomplishing 	business objectives, identify and implement the most beneficial process improvements, and make the results of process 	improvement visible, accessible, and sustainable.</a:t>
+            </a:r>
+            <a:br>
+              <a:rPr lang="en-US" sz="1600" dirty="0"/>
+            </a:br>
+            <a:r>
+              <a:rPr lang="en-US" sz="1600" dirty="0"/>
+              <a:t>	</a:t>
+            </a:r>
+            <a:r>
+              <a:rPr lang="zh-CN" altLang="en-US" sz="1600" dirty="0">
+                <a:solidFill>
+                  <a:srgbClr val="1F497D"/>
+                </a:solidFill>
+              </a:rPr>
+              <a:t>管理和实施过程和基础条件的持续改进来、支持业务目标的实现、确定和实施能够带来最大效益的过程改进、使过</a:t>
+            </a:r>
+            <a:r>
+              <a:rPr lang="en-ZA" altLang="zh-CN" sz="1600" dirty="0">
+                <a:solidFill>
+                  <a:srgbClr val="1F497D"/>
+                </a:solidFill>
+              </a:rPr>
+              <a:t>	</a:t>
+            </a:r>
+            <a:r>
+              <a:rPr lang="zh-CN" altLang="en-US" sz="1600" dirty="0">
+                <a:solidFill>
+                  <a:srgbClr val="1F497D"/>
+                </a:solidFill>
+              </a:rPr>
+              <a:t>程改进结果可见、可使用和可持续</a:t>
+            </a:r>
+            <a:endParaRPr lang="en-US" sz="1600" dirty="0">
+              <a:solidFill>
+                <a:srgbClr val="1F497D"/>
+              </a:solidFill>
+            </a:endParaRPr>
+          </a:p>
+          <a:p>
+            <a:pPr marL="0" indent="0">
+              <a:buNone/>
+            </a:pPr>
+            <a:r>
+              <a:rPr lang="en-US" sz="1600" b="1" dirty="0"/>
+              <a:t>	Value:</a:t>
+            </a:r>
+            <a:r>
+              <a:rPr lang="en-US" sz="1600" dirty="0"/>
+              <a:t> Ensures that processes, infrastructure, and their improvement contribute to successfully meeting business objectives.</a:t>
+            </a:r>
+            <a:br>
+              <a:rPr lang="en-US" sz="1600" dirty="0"/>
+            </a:br>
+            <a:r>
+              <a:rPr lang="en-US" sz="1600" dirty="0"/>
+              <a:t>	</a:t>
+            </a:r>
+            <a:r>
+              <a:rPr lang="zh-CN" altLang="en-US" sz="1600" dirty="0">
+                <a:solidFill>
+                  <a:srgbClr val="1F497D"/>
+                </a:solidFill>
+              </a:rPr>
+              <a:t>确保过程、基础条件及其环境有助于成功实现业务目标。 </a:t>
+            </a:r>
+            <a:endParaRPr lang="en-US" sz="1600" dirty="0">
+              <a:solidFill>
+                <a:srgbClr val="1F497D"/>
+              </a:solidFill>
+            </a:endParaRPr>
+          </a:p>
+        </p:txBody>
+      </p:sp>
+      <p:sp>
+        <p:nvSpPr>
           <p:cNvPr id="11" name="Content Placeholder 3">
             <a:extLst>
               <a:ext uri="{FF2B5EF4-FFF2-40B4-BE49-F238E27FC236}">
-                <a16:creationId xmlns:a16="http://schemas.microsoft.com/office/drawing/2014/main" id="{3A60A1DC-6440-4AEB-BD14-7BFF58BA7603}"/>
+                <a16:creationId xmlns:a16="http://schemas.microsoft.com/office/drawing/2014/main" id="{AB2058F7-1561-4D8F-9850-6A068814BDB2}"/>
               </a:ext>
             </a:extLst>
           </p:cNvPr>
@@ -12193,7 +12032,7 @@
     </p:spTree>
     <p:extLst>
       <p:ext uri="{BB962C8B-B14F-4D97-AF65-F5344CB8AC3E}">
-        <p14:creationId xmlns:p14="http://schemas.microsoft.com/office/powerpoint/2010/main" val="1409033790"/>
+        <p14:creationId xmlns:p14="http://schemas.microsoft.com/office/powerpoint/2010/main" val="3758761807"/>
       </p:ext>
     </p:extLst>
   </p:cSld>
@@ -12225,7 +12064,7 @@
           <p:cNvPr id="7" name="Picture 6">
             <a:extLst>
               <a:ext uri="{FF2B5EF4-FFF2-40B4-BE49-F238E27FC236}">
-                <a16:creationId xmlns:a16="http://schemas.microsoft.com/office/drawing/2014/main" id="{75AE3B20-2D39-3C46-BD9A-23D957F99CA6}"/>
+                <a16:creationId xmlns:a16="http://schemas.microsoft.com/office/drawing/2014/main" id="{7A46A86D-420C-994B-BB9A-87E1DC9BC693}"/>
               </a:ext>
             </a:extLst>
           </p:cNvPr>
@@ -12248,8 +12087,8 @@
         </p:blipFill>
         <p:spPr>
           <a:xfrm>
-            <a:off x="310896" y="310896"/>
-            <a:ext cx="1352550" cy="1028700"/>
+            <a:off x="466344" y="320040"/>
+            <a:ext cx="1190625" cy="1019175"/>
           </a:xfrm>
           <a:prstGeom prst="rect">
             <a:avLst/>
@@ -12258,10 +12097,10 @@
       </p:pic>
       <p:sp>
         <p:nvSpPr>
-          <p:cNvPr id="9" name="Title 7">
+          <p:cNvPr id="8" name="Title 7">
             <a:extLst>
               <a:ext uri="{FF2B5EF4-FFF2-40B4-BE49-F238E27FC236}">
-                <a16:creationId xmlns:a16="http://schemas.microsoft.com/office/drawing/2014/main" id="{D0AECBCD-8363-284B-BB51-55AF3D65C681}"/>
+                <a16:creationId xmlns:a16="http://schemas.microsoft.com/office/drawing/2014/main" id="{7DC3611C-0E7E-5845-A472-220CD96F0A64}"/>
               </a:ext>
             </a:extLst>
           </p:cNvPr>
@@ -12304,7 +12143,7 @@
           <a:p>
             <a:r>
               <a:rPr lang="en-US" sz="3200" dirty="0"/>
-              <a:t>Process Asset Development (PAD) </a:t>
+              <a:t>Process Quality Assurance (PQA) </a:t>
             </a:r>
             <a:r>
               <a:rPr lang="zh-CN" altLang="en-US" sz="3200" dirty="0">
@@ -12314,7 +12153,7 @@
                 <a:latin typeface="+mj-ea"/>
                 <a:ea typeface="+mj-ea"/>
               </a:rPr>
-              <a:t>过程资产开发</a:t>
+              <a:t>过程质量保证</a:t>
             </a:r>
             <a:endParaRPr lang="en-US" sz="3200" dirty="0">
               <a:solidFill>
@@ -12326,10 +12165,10 @@
       </p:sp>
       <p:sp>
         <p:nvSpPr>
-          <p:cNvPr id="10" name="Content Placeholder 9">
+          <p:cNvPr id="9" name="Content Placeholder 8">
             <a:extLst>
               <a:ext uri="{FF2B5EF4-FFF2-40B4-BE49-F238E27FC236}">
-                <a16:creationId xmlns:a16="http://schemas.microsoft.com/office/drawing/2014/main" id="{518A46D4-BE00-814E-8A9B-BD69C49159B9}"/>
+                <a16:creationId xmlns:a16="http://schemas.microsoft.com/office/drawing/2014/main" id="{E5E65591-E634-B04A-BC24-D549AAFDA061}"/>
               </a:ext>
             </a:extLst>
           </p:cNvPr>
@@ -12342,8 +12181,8 @@
         </p:nvSpPr>
         <p:spPr>
           <a:xfrm>
-            <a:off x="466344" y="1339596"/>
-            <a:ext cx="11265408" cy="1106970"/>
+            <a:off x="466344" y="1373440"/>
+            <a:ext cx="11640595" cy="1106970"/>
           </a:xfrm>
           <a:prstGeom prst="rect">
             <a:avLst/>
@@ -12365,7 +12204,7 @@
             </a:r>
             <a:r>
               <a:rPr lang="en-US" sz="1600" dirty="0"/>
-              <a:t>Develop and keep updated the process assets necessary to perform the work.</a:t>
+              <a:t>Verify and enable improvement of the quality of the performed processes and resulting work products.</a:t>
             </a:r>
             <a:br>
               <a:rPr lang="en-US" sz="1600" dirty="0"/>
@@ -12380,7 +12219,7 @@
                   <a:srgbClr val="1F497D"/>
                 </a:solidFill>
               </a:rPr>
-              <a:t>开发并保持更新执行工作所需的过程资产。</a:t>
+              <a:t>验证并改进已执行的过程和所产生的工作产品的质量。</a:t>
             </a:r>
             <a:endParaRPr lang="en-US" sz="1600" dirty="0">
               <a:solidFill>
@@ -12398,7 +12237,7 @@
             </a:r>
             <a:r>
               <a:rPr lang="en-US" sz="1600" dirty="0"/>
-              <a:t> Provides a capability to understand and repeat successful performance.</a:t>
+              <a:t> Increases the consistent use and improvement of the processes to maximize business benefit and customer satisfaction.</a:t>
             </a:r>
             <a:br>
               <a:rPr lang="en-US" sz="1600" dirty="0"/>
@@ -12408,14 +12247,12 @@
               <a:t>	</a:t>
             </a:r>
             <a:r>
-              <a:rPr lang="ja-JP" altLang="en-US" sz="1600" dirty="0">
+              <a:rPr lang="zh-CN" altLang="en-US" sz="1600" dirty="0">
                 <a:solidFill>
                   <a:srgbClr val="1F497D"/>
                 </a:solidFill>
-                <a:latin typeface="宋体" panose="02010600030101010101" pitchFamily="2" charset="-122"/>
-                <a:ea typeface="宋体" panose="02010600030101010101" pitchFamily="2" charset="-122"/>
-              </a:rPr>
-              <a:t>提供了解和重复成功性能的能力</a:t>
+              </a:rPr>
+              <a:t>增强过程使用和改进的一致性，以最大限度地提高业务效益和客户满意度。</a:t>
             </a:r>
             <a:endParaRPr lang="en-US" sz="1600" dirty="0">
               <a:solidFill>
@@ -12427,10 +12264,10 @@
       </p:sp>
       <p:sp>
         <p:nvSpPr>
-          <p:cNvPr id="11" name="Content Placeholder 3">
+          <p:cNvPr id="10" name="Content Placeholder 3">
             <a:extLst>
               <a:ext uri="{FF2B5EF4-FFF2-40B4-BE49-F238E27FC236}">
-                <a16:creationId xmlns:a16="http://schemas.microsoft.com/office/drawing/2014/main" id="{4F9F7155-69C5-47DF-B4F8-7A9C296B71B4}"/>
+                <a16:creationId xmlns:a16="http://schemas.microsoft.com/office/drawing/2014/main" id="{6417183C-1A1D-479B-97E4-9A18F85309FD}"/>
               </a:ext>
             </a:extLst>
           </p:cNvPr>
@@ -12722,7 +12559,7 @@
     </p:spTree>
     <p:extLst>
       <p:ext uri="{BB962C8B-B14F-4D97-AF65-F5344CB8AC3E}">
-        <p14:creationId xmlns:p14="http://schemas.microsoft.com/office/powerpoint/2010/main" val="3772339790"/>
+        <p14:creationId xmlns:p14="http://schemas.microsoft.com/office/powerpoint/2010/main" val="3357685112"/>
       </p:ext>
     </p:extLst>
   </p:cSld>
@@ -12754,7 +12591,7 @@
           <p:cNvPr id="7" name="Picture 6">
             <a:extLst>
               <a:ext uri="{FF2B5EF4-FFF2-40B4-BE49-F238E27FC236}">
-                <a16:creationId xmlns:a16="http://schemas.microsoft.com/office/drawing/2014/main" id="{DC61F88B-A93B-E44F-A278-9F680C286BDC}"/>
+                <a16:creationId xmlns:a16="http://schemas.microsoft.com/office/drawing/2014/main" id="{58150284-8292-8D49-BC36-D75E9DDA2732}"/>
               </a:ext>
             </a:extLst>
           </p:cNvPr>
@@ -12777,8 +12614,8 @@
         </p:blipFill>
         <p:spPr>
           <a:xfrm>
-            <a:off x="310896" y="310896"/>
-            <a:ext cx="1381125" cy="1050433"/>
+            <a:off x="484632" y="301752"/>
+            <a:ext cx="1133475" cy="1028700"/>
           </a:xfrm>
           <a:prstGeom prst="rect">
             <a:avLst/>
@@ -12787,10 +12624,10 @@
       </p:pic>
       <p:sp>
         <p:nvSpPr>
-          <p:cNvPr id="9" name="Title 7">
+          <p:cNvPr id="8" name="Title 7">
             <a:extLst>
               <a:ext uri="{FF2B5EF4-FFF2-40B4-BE49-F238E27FC236}">
-                <a16:creationId xmlns:a16="http://schemas.microsoft.com/office/drawing/2014/main" id="{2A97733B-5B53-6D4F-B3A6-238856A5C58A}"/>
+                <a16:creationId xmlns:a16="http://schemas.microsoft.com/office/drawing/2014/main" id="{A30BB0C4-F057-5045-890F-0F9D4FAAAC7B}"/>
               </a:ext>
             </a:extLst>
           </p:cNvPr>
@@ -12833,7 +12670,7 @@
           <a:p>
             <a:r>
               <a:rPr lang="en-US" sz="3200" dirty="0"/>
-              <a:t>Process Management (PCM) </a:t>
+              <a:t>Product Integration (PI) </a:t>
             </a:r>
             <a:r>
               <a:rPr lang="ja-JP" altLang="en-US" sz="3200" dirty="0">
@@ -12843,7 +12680,7 @@
                 <a:latin typeface="DengXian Light" panose="02010600030101010101" pitchFamily="2" charset="-122"/>
                 <a:ea typeface="DengXian Light" panose="02010600030101010101" pitchFamily="2" charset="-122"/>
               </a:rPr>
-              <a:t>过程管理</a:t>
+              <a:t>产品集成</a:t>
             </a:r>
             <a:endParaRPr lang="en-US" sz="3200" dirty="0">
               <a:solidFill>
@@ -12855,10 +12692,10 @@
       </p:sp>
       <p:sp>
         <p:nvSpPr>
-          <p:cNvPr id="10" name="Content Placeholder 9">
+          <p:cNvPr id="9" name="Content Placeholder 8">
             <a:extLst>
               <a:ext uri="{FF2B5EF4-FFF2-40B4-BE49-F238E27FC236}">
-                <a16:creationId xmlns:a16="http://schemas.microsoft.com/office/drawing/2014/main" id="{95A440E3-2399-234F-BAE5-CFDCD8133EE3}"/>
+                <a16:creationId xmlns:a16="http://schemas.microsoft.com/office/drawing/2014/main" id="{65C865DC-106D-8D40-B690-9000D793161A}"/>
               </a:ext>
             </a:extLst>
           </p:cNvPr>
@@ -12871,8 +12708,8 @@
         </p:nvSpPr>
         <p:spPr>
           <a:xfrm>
-            <a:off x="463295" y="1361329"/>
-            <a:ext cx="11610717" cy="1771767"/>
+            <a:off x="484632" y="1388959"/>
+            <a:ext cx="11591053" cy="1328569"/>
           </a:xfrm>
           <a:prstGeom prst="rect">
             <a:avLst/>
@@ -12894,7 +12731,7 @@
             </a:r>
             <a:r>
               <a:rPr lang="en-US" sz="1600" dirty="0"/>
-              <a:t>Manages and implements the continuous improvement of processes and infrastructure to support accomplishing 	business objectives, identify and implement the most beneficial process improvements, and make the results of process 	improvement visible, accessible, and sustainable.</a:t>
+              <a:t>Integrate and deliver the solution that addresses functionality and quality requirements.</a:t>
             </a:r>
             <a:br>
               <a:rPr lang="en-US" sz="1600" dirty="0"/>
@@ -12909,23 +12746,7 @@
                   <a:srgbClr val="1F497D"/>
                 </a:solidFill>
               </a:rPr>
-              <a:t>管理和实施过程和基础条件的持续改进来、支持业务目标的实现、确定和实施能够带来最大效益的过程改进、使过</a:t>
-            </a:r>
-            <a:r>
-              <a:rPr lang="en-ZA" altLang="zh-CN" sz="1600" dirty="0">
-                <a:solidFill>
-                  <a:srgbClr val="1F497D"/>
-                </a:solidFill>
-              </a:rPr>
-              <a:t>	</a:t>
-            </a:r>
-            <a:r>
-              <a:rPr lang="zh-CN" altLang="en-US" sz="1600" dirty="0">
-                <a:solidFill>
-                  <a:srgbClr val="1F497D"/>
-                </a:solidFill>
-              </a:rPr>
-              <a:t>程改进结果可见、可使用和可持续</a:t>
+              <a:t>集成并交付满足功能和质量需求的解决方案。 </a:t>
             </a:r>
             <a:endParaRPr lang="en-US" sz="1600" dirty="0">
               <a:solidFill>
@@ -12943,7 +12764,7 @@
             </a:r>
             <a:r>
               <a:rPr lang="en-US" sz="1600" dirty="0"/>
-              <a:t> Ensures that processes, infrastructure, and their improvement contribute to successfully meeting business objectives.</a:t>
+              <a:t> Increases customers’ satisfaction by giving them a solution that meets or exceeds their functionality and quality 	requirements.</a:t>
             </a:r>
             <a:br>
               <a:rPr lang="en-US" sz="1600" dirty="0"/>
@@ -12958,7 +12779,7 @@
                   <a:srgbClr val="1F497D"/>
                 </a:solidFill>
               </a:rPr>
-              <a:t>确保过程、基础条件及其环境有助于成功实现业务目标。 </a:t>
+              <a:t>通过提供达到或超过其功能和质量要求的解决方案来提高客户的满意度。</a:t>
             </a:r>
             <a:endParaRPr lang="en-US" sz="1600" dirty="0">
               <a:solidFill>
@@ -12973,7 +12794,7 @@
           <p:cNvPr id="11" name="Content Placeholder 3">
             <a:extLst>
               <a:ext uri="{FF2B5EF4-FFF2-40B4-BE49-F238E27FC236}">
-                <a16:creationId xmlns:a16="http://schemas.microsoft.com/office/drawing/2014/main" id="{AB2058F7-1561-4D8F-9850-6A068814BDB2}"/>
+                <a16:creationId xmlns:a16="http://schemas.microsoft.com/office/drawing/2014/main" id="{7153C72C-E5D1-438B-B38F-AEC07EF70B4B}"/>
               </a:ext>
             </a:extLst>
           </p:cNvPr>
@@ -13265,7 +13086,7 @@
     </p:spTree>
     <p:extLst>
       <p:ext uri="{BB962C8B-B14F-4D97-AF65-F5344CB8AC3E}">
-        <p14:creationId xmlns:p14="http://schemas.microsoft.com/office/powerpoint/2010/main" val="3758761807"/>
+        <p14:creationId xmlns:p14="http://schemas.microsoft.com/office/powerpoint/2010/main" val="894669546"/>
       </p:ext>
     </p:extLst>
   </p:cSld>
@@ -13297,7 +13118,7 @@
           <p:cNvPr id="7" name="Picture 6">
             <a:extLst>
               <a:ext uri="{FF2B5EF4-FFF2-40B4-BE49-F238E27FC236}">
-                <a16:creationId xmlns:a16="http://schemas.microsoft.com/office/drawing/2014/main" id="{7A46A86D-420C-994B-BB9A-87E1DC9BC693}"/>
+                <a16:creationId xmlns:a16="http://schemas.microsoft.com/office/drawing/2014/main" id="{E25BD358-13C0-704B-AF4F-E0C810DD2FC1}"/>
               </a:ext>
             </a:extLst>
           </p:cNvPr>
@@ -13321,7 +13142,7 @@
         <p:spPr>
           <a:xfrm>
             <a:off x="466344" y="320040"/>
-            <a:ext cx="1190625" cy="1019175"/>
+            <a:ext cx="1190625" cy="1028700"/>
           </a:xfrm>
           <a:prstGeom prst="rect">
             <a:avLst/>
@@ -13333,7 +13154,7 @@
           <p:cNvPr id="8" name="Title 7">
             <a:extLst>
               <a:ext uri="{FF2B5EF4-FFF2-40B4-BE49-F238E27FC236}">
-                <a16:creationId xmlns:a16="http://schemas.microsoft.com/office/drawing/2014/main" id="{7DC3611C-0E7E-5845-A472-220CD96F0A64}"/>
+                <a16:creationId xmlns:a16="http://schemas.microsoft.com/office/drawing/2014/main" id="{FA76391E-56A4-1D46-8B16-6C6198C4AD7F}"/>
               </a:ext>
             </a:extLst>
           </p:cNvPr>
@@ -13345,6 +13166,10 @@
           </p:nvPr>
         </p:nvSpPr>
         <p:spPr>
+          <a:xfrm>
+            <a:off x="1560299" y="793206"/>
+            <a:ext cx="10631701" cy="867930"/>
+          </a:xfrm>
           <a:prstGeom prst="rect">
             <a:avLst/>
           </a:prstGeom>
@@ -13375,20 +13200,23 @@
           </a:lstStyle>
           <a:p>
             <a:r>
-              <a:rPr lang="en-US" sz="3200" dirty="0"/>
-              <a:t>Process Quality Assurance (PQA) </a:t>
-            </a:r>
-            <a:r>
-              <a:rPr lang="zh-CN" altLang="en-US" sz="3200" dirty="0">
+              <a:rPr lang="en-US" dirty="0"/>
+              <a:t>Requirements Development and Management (RDM)</a:t>
+            </a:r>
+            <a:br>
+              <a:rPr lang="en-US" dirty="0"/>
+            </a:br>
+            <a:r>
+              <a:rPr lang="zh-CN" altLang="en-US" dirty="0">
                 <a:solidFill>
                   <a:srgbClr val="1F497D"/>
                 </a:solidFill>
                 <a:latin typeface="+mj-ea"/>
                 <a:ea typeface="+mj-ea"/>
               </a:rPr>
-              <a:t>过程质量保证</a:t>
-            </a:r>
-            <a:endParaRPr lang="en-US" sz="3200" dirty="0">
+              <a:t>需求开发与管理</a:t>
+            </a:r>
+            <a:endParaRPr lang="en-US" sz="2000" dirty="0">
               <a:solidFill>
                 <a:srgbClr val="1F497D"/>
               </a:solidFill>
@@ -13401,7 +13229,7 @@
           <p:cNvPr id="9" name="Content Placeholder 8">
             <a:extLst>
               <a:ext uri="{FF2B5EF4-FFF2-40B4-BE49-F238E27FC236}">
-                <a16:creationId xmlns:a16="http://schemas.microsoft.com/office/drawing/2014/main" id="{E5E65591-E634-B04A-BC24-D549AAFDA061}"/>
+                <a16:creationId xmlns:a16="http://schemas.microsoft.com/office/drawing/2014/main" id="{28877B3D-5089-C64D-BC81-EDE247A11522}"/>
               </a:ext>
             </a:extLst>
           </p:cNvPr>
@@ -13414,8 +13242,8 @@
         </p:nvSpPr>
         <p:spPr>
           <a:xfrm>
-            <a:off x="466344" y="1373440"/>
-            <a:ext cx="11640595" cy="1106970"/>
+            <a:off x="463296" y="1541810"/>
+            <a:ext cx="11591052" cy="1106970"/>
           </a:xfrm>
           <a:prstGeom prst="rect">
             <a:avLst/>
@@ -13437,7 +13265,7 @@
             </a:r>
             <a:r>
               <a:rPr lang="en-US" sz="1600" dirty="0"/>
-              <a:t>Verify and enable improvement of the quality of the performed processes and resulting work products.</a:t>
+              <a:t>Elicit requirements, ensure common understanding by stakeholders, and align requirements, plans, and work products.</a:t>
             </a:r>
             <a:br>
               <a:rPr lang="en-US" sz="1600" dirty="0"/>
@@ -13452,7 +13280,7 @@
                   <a:srgbClr val="1F497D"/>
                 </a:solidFill>
               </a:rPr>
-              <a:t>验证并改进已执行的过程和所产生的工作产品的质量。</a:t>
+              <a:t>导出需求，确保干系人取得一致理解，并调整需求、计划和工作产品。 </a:t>
             </a:r>
             <a:endParaRPr lang="en-US" sz="1600" dirty="0">
               <a:solidFill>
@@ -13470,7 +13298,7 @@
             </a:r>
             <a:r>
               <a:rPr lang="en-US" sz="1600" dirty="0"/>
-              <a:t> Increases the consistent use and improvement of the processes to maximize business benefit and customer satisfaction.</a:t>
+              <a:t> Ensures that customers’ needs and expectations are satisfied.</a:t>
             </a:r>
             <a:br>
               <a:rPr lang="en-US" sz="1600" dirty="0"/>
@@ -13485,7 +13313,7 @@
                   <a:srgbClr val="1F497D"/>
                 </a:solidFill>
               </a:rPr>
-              <a:t>增强过程使用和改进的一致性，以最大限度地提高业务效益和客户满意度。</a:t>
+              <a:t>确保客户的需求和期望得到满足。 </a:t>
             </a:r>
             <a:endParaRPr lang="en-US" sz="1600" dirty="0">
               <a:solidFill>
@@ -13497,10 +13325,10 @@
       </p:sp>
       <p:sp>
         <p:nvSpPr>
-          <p:cNvPr id="10" name="Content Placeholder 3">
+          <p:cNvPr id="11" name="Content Placeholder 3">
             <a:extLst>
               <a:ext uri="{FF2B5EF4-FFF2-40B4-BE49-F238E27FC236}">
-                <a16:creationId xmlns:a16="http://schemas.microsoft.com/office/drawing/2014/main" id="{6417183C-1A1D-479B-97E4-9A18F85309FD}"/>
+                <a16:creationId xmlns:a16="http://schemas.microsoft.com/office/drawing/2014/main" id="{52858F2E-4CB5-4A8C-AB8A-89A0749509B7}"/>
               </a:ext>
             </a:extLst>
           </p:cNvPr>
@@ -13792,7 +13620,7 @@
     </p:spTree>
     <p:extLst>
       <p:ext uri="{BB962C8B-B14F-4D97-AF65-F5344CB8AC3E}">
-        <p14:creationId xmlns:p14="http://schemas.microsoft.com/office/powerpoint/2010/main" val="3357685112"/>
+        <p14:creationId xmlns:p14="http://schemas.microsoft.com/office/powerpoint/2010/main" val="1383232642"/>
       </p:ext>
     </p:extLst>
   </p:cSld>
@@ -13824,7 +13652,7 @@
           <p:cNvPr id="7" name="Picture 6">
             <a:extLst>
               <a:ext uri="{FF2B5EF4-FFF2-40B4-BE49-F238E27FC236}">
-                <a16:creationId xmlns:a16="http://schemas.microsoft.com/office/drawing/2014/main" id="{58150284-8292-8D49-BC36-D75E9DDA2732}"/>
+                <a16:creationId xmlns:a16="http://schemas.microsoft.com/office/drawing/2014/main" id="{4720B7C4-5A9A-BB42-9F2B-CEC437533E5C}"/>
               </a:ext>
             </a:extLst>
           </p:cNvPr>
@@ -13847,8 +13675,8 @@
         </p:blipFill>
         <p:spPr>
           <a:xfrm>
-            <a:off x="484632" y="301752"/>
-            <a:ext cx="1133475" cy="1028700"/>
+            <a:off x="347472" y="347472"/>
+            <a:ext cx="1381125" cy="990600"/>
           </a:xfrm>
           <a:prstGeom prst="rect">
             <a:avLst/>
@@ -13860,7 +13688,7 @@
           <p:cNvPr id="8" name="Title 7">
             <a:extLst>
               <a:ext uri="{FF2B5EF4-FFF2-40B4-BE49-F238E27FC236}">
-                <a16:creationId xmlns:a16="http://schemas.microsoft.com/office/drawing/2014/main" id="{A30BB0C4-F057-5045-890F-0F9D4FAAAC7B}"/>
+                <a16:creationId xmlns:a16="http://schemas.microsoft.com/office/drawing/2014/main" id="{9F0BE44C-B62C-734E-8D2C-364C3DC4D8F0}"/>
               </a:ext>
             </a:extLst>
           </p:cNvPr>
@@ -13872,6 +13700,10 @@
           </p:nvPr>
         </p:nvSpPr>
         <p:spPr>
+          <a:xfrm>
+            <a:off x="1560298" y="937433"/>
+            <a:ext cx="10165357" cy="480131"/>
+          </a:xfrm>
           <a:prstGeom prst="rect">
             <a:avLst/>
           </a:prstGeom>
@@ -13902,20 +13734,28 @@
           </a:lstStyle>
           <a:p>
             <a:r>
-              <a:rPr lang="en-US" sz="3200" dirty="0"/>
-              <a:t>Product Integration (PI) </a:t>
-            </a:r>
-            <a:r>
-              <a:rPr lang="ja-JP" altLang="en-US" sz="3200" dirty="0">
+              <a:rPr lang="en-US" dirty="0"/>
+              <a:t>Risk and Opportunity Management (</a:t>
+            </a:r>
+            <a:r>
+              <a:rPr lang="en-US" dirty="0" err="1"/>
+              <a:t>RSK</a:t>
+            </a:r>
+            <a:r>
+              <a:rPr lang="en-US" dirty="0"/>
+              <a:t>) </a:t>
+            </a:r>
+            <a:r>
+              <a:rPr lang="zh-CN" altLang="en-US" dirty="0">
                 <a:solidFill>
                   <a:srgbClr val="1F497D"/>
                 </a:solidFill>
-                <a:latin typeface="DengXian Light" panose="02010600030101010101" pitchFamily="2" charset="-122"/>
-                <a:ea typeface="DengXian Light" panose="02010600030101010101" pitchFamily="2" charset="-122"/>
-              </a:rPr>
-              <a:t>产品集成</a:t>
-            </a:r>
-            <a:endParaRPr lang="en-US" sz="3200" dirty="0">
+                <a:latin typeface="+mj-ea"/>
+                <a:ea typeface="+mj-ea"/>
+              </a:rPr>
+              <a:t>风险与机会管理</a:t>
+            </a:r>
+            <a:endParaRPr lang="en-US" dirty="0">
               <a:solidFill>
                 <a:srgbClr val="1F497D"/>
               </a:solidFill>
@@ -13928,7 +13768,7 @@
           <p:cNvPr id="9" name="Content Placeholder 8">
             <a:extLst>
               <a:ext uri="{FF2B5EF4-FFF2-40B4-BE49-F238E27FC236}">
-                <a16:creationId xmlns:a16="http://schemas.microsoft.com/office/drawing/2014/main" id="{65C865DC-106D-8D40-B690-9000D793161A}"/>
+                <a16:creationId xmlns:a16="http://schemas.microsoft.com/office/drawing/2014/main" id="{0D163350-A59C-2947-9EEB-6C00A4F19521}"/>
               </a:ext>
             </a:extLst>
           </p:cNvPr>
@@ -13941,8 +13781,8 @@
         </p:nvSpPr>
         <p:spPr>
           <a:xfrm>
-            <a:off x="484632" y="1388959"/>
-            <a:ext cx="11591053" cy="1328569"/>
+            <a:off x="466344" y="1346848"/>
+            <a:ext cx="11265408" cy="1106970"/>
           </a:xfrm>
           <a:prstGeom prst="rect">
             <a:avLst/>
@@ -13964,7 +13804,7 @@
             </a:r>
             <a:r>
               <a:rPr lang="en-US" sz="1600" dirty="0"/>
-              <a:t>Integrate and deliver the solution that addresses functionality and quality requirements.</a:t>
+              <a:t>Identify, record, analyze, and manage potential risks or opportunities.</a:t>
             </a:r>
             <a:br>
               <a:rPr lang="en-US" sz="1600" dirty="0"/>
@@ -13979,7 +13819,41 @@
                   <a:srgbClr val="1F497D"/>
                 </a:solidFill>
               </a:rPr>
-              <a:t>集成并交付满足功能和质量需求的解决方案。 </a:t>
+              <a:t>识别、记录、分析和管理潜在的风险或机会。</a:t>
+            </a:r>
+            <a:endParaRPr lang="en-US" sz="1600" dirty="0">
+              <a:solidFill>
+                <a:srgbClr val="1F497D"/>
+              </a:solidFill>
+              <a:effectLst/>
+            </a:endParaRPr>
+          </a:p>
+          <a:p>
+            <a:pPr marL="0" indent="0">
+              <a:buNone/>
+            </a:pPr>
+            <a:r>
+              <a:rPr lang="en-US" sz="1600" b="1" dirty="0"/>
+              <a:t>	Value:</a:t>
+            </a:r>
+            <a:r>
+              <a:rPr lang="en-US" sz="1600" dirty="0"/>
+              <a:t> Mitigate adverse impacts or capitalize on positive impacts to increase the likelihood of meeting objectives.</a:t>
+            </a:r>
+            <a:br>
+              <a:rPr lang="en-US" sz="1600" dirty="0"/>
+            </a:br>
+            <a:r>
+              <a:rPr lang="en-US" sz="1600" dirty="0"/>
+              <a:t>	</a:t>
+            </a:r>
+            <a:r>
+              <a:rPr lang="zh-CN" altLang="en-US" sz="1600" dirty="0">
+                <a:solidFill>
+                  <a:srgbClr val="1F497D"/>
+                </a:solidFill>
+              </a:rPr>
+              <a:t>缓解不利影响或充分利用积极影响来提高实现目标的可能性。</a:t>
             </a:r>
             <a:endParaRPr lang="en-US" sz="1600" dirty="0">
               <a:solidFill>
@@ -13987,39 +13861,6 @@
               </a:solidFill>
             </a:endParaRPr>
           </a:p>
-          <a:p>
-            <a:pPr marL="0" indent="0">
-              <a:buNone/>
-            </a:pPr>
-            <a:r>
-              <a:rPr lang="en-US" sz="1600" b="1" dirty="0"/>
-              <a:t>	Value:</a:t>
-            </a:r>
-            <a:r>
-              <a:rPr lang="en-US" sz="1600" dirty="0"/>
-              <a:t> Increases customers’ satisfaction by giving them a solution that meets or exceeds their functionality and quality 	requirements.</a:t>
-            </a:r>
-            <a:br>
-              <a:rPr lang="en-US" sz="1600" dirty="0"/>
-            </a:br>
-            <a:r>
-              <a:rPr lang="en-US" sz="1600" dirty="0"/>
-              <a:t>	</a:t>
-            </a:r>
-            <a:r>
-              <a:rPr lang="zh-CN" altLang="en-US" sz="1600" dirty="0">
-                <a:solidFill>
-                  <a:srgbClr val="1F497D"/>
-                </a:solidFill>
-              </a:rPr>
-              <a:t>通过提供达到或超过其功能和质量要求的解决方案来提高客户的满意度。</a:t>
-            </a:r>
-            <a:endParaRPr lang="en-US" sz="1600" dirty="0">
-              <a:solidFill>
-                <a:srgbClr val="1F497D"/>
-              </a:solidFill>
-            </a:endParaRPr>
-          </a:p>
         </p:txBody>
       </p:sp>
       <p:sp>
@@ -14027,7 +13868,7 @@
           <p:cNvPr id="11" name="Content Placeholder 3">
             <a:extLst>
               <a:ext uri="{FF2B5EF4-FFF2-40B4-BE49-F238E27FC236}">
-                <a16:creationId xmlns:a16="http://schemas.microsoft.com/office/drawing/2014/main" id="{7153C72C-E5D1-438B-B38F-AEC07EF70B4B}"/>
+                <a16:creationId xmlns:a16="http://schemas.microsoft.com/office/drawing/2014/main" id="{EC92CF95-B838-45DF-A813-F4DC0442E84A}"/>
               </a:ext>
             </a:extLst>
           </p:cNvPr>
@@ -14319,7 +14160,7 @@
     </p:spTree>
     <p:extLst>
       <p:ext uri="{BB962C8B-B14F-4D97-AF65-F5344CB8AC3E}">
-        <p14:creationId xmlns:p14="http://schemas.microsoft.com/office/powerpoint/2010/main" val="894669546"/>
+        <p14:creationId xmlns:p14="http://schemas.microsoft.com/office/powerpoint/2010/main" val="2868376217"/>
       </p:ext>
     </p:extLst>
   </p:cSld>
@@ -14351,7 +14192,7 @@
           <p:cNvPr id="7" name="Picture 6">
             <a:extLst>
               <a:ext uri="{FF2B5EF4-FFF2-40B4-BE49-F238E27FC236}">
-                <a16:creationId xmlns:a16="http://schemas.microsoft.com/office/drawing/2014/main" id="{E25BD358-13C0-704B-AF4F-E0C810DD2FC1}"/>
+                <a16:creationId xmlns:a16="http://schemas.microsoft.com/office/drawing/2014/main" id="{B5862143-3951-A64C-B7B7-268C11BD311E}"/>
               </a:ext>
             </a:extLst>
           </p:cNvPr>
@@ -14374,8 +14215,8 @@
         </p:blipFill>
         <p:spPr>
           <a:xfrm>
-            <a:off x="466344" y="320040"/>
-            <a:ext cx="1190625" cy="1028700"/>
+            <a:off x="484632" y="301752"/>
+            <a:ext cx="1133475" cy="1028700"/>
           </a:xfrm>
           <a:prstGeom prst="rect">
             <a:avLst/>
@@ -14387,7 +14228,7 @@
           <p:cNvPr id="8" name="Title 7">
             <a:extLst>
               <a:ext uri="{FF2B5EF4-FFF2-40B4-BE49-F238E27FC236}">
-                <a16:creationId xmlns:a16="http://schemas.microsoft.com/office/drawing/2014/main" id="{FA76391E-56A4-1D46-8B16-6C6198C4AD7F}"/>
+                <a16:creationId xmlns:a16="http://schemas.microsoft.com/office/drawing/2014/main" id="{2D19D3C6-51DC-3041-B3EC-E426F6CAF279}"/>
               </a:ext>
             </a:extLst>
           </p:cNvPr>
@@ -14399,10 +14240,6 @@
           </p:nvPr>
         </p:nvSpPr>
         <p:spPr>
-          <a:xfrm>
-            <a:off x="1560299" y="793206"/>
-            <a:ext cx="10631701" cy="867930"/>
-          </a:xfrm>
           <a:prstGeom prst="rect">
             <a:avLst/>
           </a:prstGeom>
@@ -14433,23 +14270,20 @@
           </a:lstStyle>
           <a:p>
             <a:r>
-              <a:rPr lang="en-US" dirty="0"/>
-              <a:t>Requirements Development and Management (RDM)</a:t>
-            </a:r>
-            <a:br>
-              <a:rPr lang="en-US" dirty="0"/>
-            </a:br>
-            <a:r>
-              <a:rPr lang="zh-CN" altLang="en-US" dirty="0">
+              <a:rPr lang="en-US" sz="3200" dirty="0"/>
+              <a:t>Technical Solution (TS) </a:t>
+            </a:r>
+            <a:r>
+              <a:rPr lang="zh-CN" altLang="en-US" sz="3200" dirty="0">
                 <a:solidFill>
                   <a:srgbClr val="1F497D"/>
                 </a:solidFill>
                 <a:latin typeface="+mj-ea"/>
                 <a:ea typeface="+mj-ea"/>
               </a:rPr>
-              <a:t>需求开发与管理</a:t>
-            </a:r>
-            <a:endParaRPr lang="en-US" sz="2000" dirty="0">
+              <a:t>技术解决方案</a:t>
+            </a:r>
+            <a:endParaRPr lang="en-US" sz="3200" dirty="0">
               <a:solidFill>
                 <a:srgbClr val="1F497D"/>
               </a:solidFill>
@@ -14462,7 +14296,7 @@
           <p:cNvPr id="9" name="Content Placeholder 8">
             <a:extLst>
               <a:ext uri="{FF2B5EF4-FFF2-40B4-BE49-F238E27FC236}">
-                <a16:creationId xmlns:a16="http://schemas.microsoft.com/office/drawing/2014/main" id="{28877B3D-5089-C64D-BC81-EDE247A11522}"/>
+                <a16:creationId xmlns:a16="http://schemas.microsoft.com/office/drawing/2014/main" id="{6666E3A6-0A9E-BC46-9A3F-12B3D08BB749}"/>
               </a:ext>
             </a:extLst>
           </p:cNvPr>
@@ -14475,8 +14309,8 @@
         </p:nvSpPr>
         <p:spPr>
           <a:xfrm>
-            <a:off x="463296" y="1541810"/>
-            <a:ext cx="11591052" cy="1106970"/>
+            <a:off x="463296" y="1330452"/>
+            <a:ext cx="11265408" cy="1106970"/>
           </a:xfrm>
           <a:prstGeom prst="rect">
             <a:avLst/>
@@ -14498,7 +14332,7 @@
             </a:r>
             <a:r>
               <a:rPr lang="en-US" sz="1600" dirty="0"/>
-              <a:t>Elicit requirements, ensure common understanding by stakeholders, and align requirements, plans, and work products.</a:t>
+              <a:t>Design and build solutions that meet customer requirements.</a:t>
             </a:r>
             <a:br>
               <a:rPr lang="en-US" sz="1600" dirty="0"/>
@@ -14513,7 +14347,41 @@
                   <a:srgbClr val="1F497D"/>
                 </a:solidFill>
               </a:rPr>
-              <a:t>导出需求，确保干系人取得一致理解，并调整需求、计划和工作产品。 </a:t>
+              <a:t>设计和构建满足客户需求的解决方案。 </a:t>
+            </a:r>
+            <a:endParaRPr lang="en-US" sz="1600" dirty="0">
+              <a:solidFill>
+                <a:srgbClr val="1F497D"/>
+              </a:solidFill>
+              <a:effectLst/>
+            </a:endParaRPr>
+          </a:p>
+          <a:p>
+            <a:pPr marL="0" indent="0">
+              <a:buNone/>
+            </a:pPr>
+            <a:r>
+              <a:rPr lang="en-US" sz="1600" b="1" dirty="0"/>
+              <a:t>	Value:</a:t>
+            </a:r>
+            <a:r>
+              <a:rPr lang="en-US" sz="1600" dirty="0"/>
+              <a:t> Provides a cost-effective design and solution that meets customer requirements and reduces rework.</a:t>
+            </a:r>
+            <a:br>
+              <a:rPr lang="en-US" sz="1600" dirty="0"/>
+            </a:br>
+            <a:r>
+              <a:rPr lang="en-US" sz="1600" dirty="0"/>
+              <a:t>	</a:t>
+            </a:r>
+            <a:r>
+              <a:rPr lang="zh-CN" altLang="en-US" sz="1600" dirty="0">
+                <a:solidFill>
+                  <a:srgbClr val="1F497D"/>
+                </a:solidFill>
+              </a:rPr>
+              <a:t>提供高效的设计和解决方案，以满足客户需求并且减少返工。</a:t>
             </a:r>
             <a:endParaRPr lang="en-US" sz="1600" dirty="0">
               <a:solidFill>
@@ -14521,47 +14389,14 @@
               </a:solidFill>
             </a:endParaRPr>
           </a:p>
-          <a:p>
-            <a:pPr marL="0" indent="0">
-              <a:buNone/>
-            </a:pPr>
-            <a:r>
-              <a:rPr lang="en-US" sz="1600" b="1" dirty="0"/>
-              <a:t>	Value:</a:t>
-            </a:r>
-            <a:r>
-              <a:rPr lang="en-US" sz="1600" dirty="0"/>
-              <a:t> Ensures that customers’ needs and expectations are satisfied.</a:t>
-            </a:r>
-            <a:br>
-              <a:rPr lang="en-US" sz="1600" dirty="0"/>
-            </a:br>
-            <a:r>
-              <a:rPr lang="en-US" sz="1600" dirty="0"/>
-              <a:t>	</a:t>
-            </a:r>
-            <a:r>
-              <a:rPr lang="zh-CN" altLang="en-US" sz="1600" dirty="0">
-                <a:solidFill>
-                  <a:srgbClr val="1F497D"/>
-                </a:solidFill>
-              </a:rPr>
-              <a:t>确保客户的需求和期望得到满足。 </a:t>
-            </a:r>
-            <a:endParaRPr lang="en-US" sz="1600" dirty="0">
-              <a:solidFill>
-                <a:srgbClr val="1F497D"/>
-              </a:solidFill>
-            </a:endParaRPr>
-          </a:p>
         </p:txBody>
       </p:sp>
       <p:sp>
         <p:nvSpPr>
-          <p:cNvPr id="11" name="Content Placeholder 3">
+          <p:cNvPr id="10" name="Content Placeholder 3">
             <a:extLst>
               <a:ext uri="{FF2B5EF4-FFF2-40B4-BE49-F238E27FC236}">
-                <a16:creationId xmlns:a16="http://schemas.microsoft.com/office/drawing/2014/main" id="{52858F2E-4CB5-4A8C-AB8A-89A0749509B7}"/>
+                <a16:creationId xmlns:a16="http://schemas.microsoft.com/office/drawing/2014/main" id="{26C68265-BF15-4E56-945E-A154256403BD}"/>
               </a:ext>
             </a:extLst>
           </p:cNvPr>
@@ -14853,7 +14688,7 @@
     </p:spTree>
     <p:extLst>
       <p:ext uri="{BB962C8B-B14F-4D97-AF65-F5344CB8AC3E}">
-        <p14:creationId xmlns:p14="http://schemas.microsoft.com/office/powerpoint/2010/main" val="1383232642"/>
+        <p14:creationId xmlns:p14="http://schemas.microsoft.com/office/powerpoint/2010/main" val="4164749344"/>
       </p:ext>
     </p:extLst>
   </p:cSld>
@@ -14885,7 +14720,7 @@
           <p:cNvPr id="7" name="Picture 6">
             <a:extLst>
               <a:ext uri="{FF2B5EF4-FFF2-40B4-BE49-F238E27FC236}">
-                <a16:creationId xmlns:a16="http://schemas.microsoft.com/office/drawing/2014/main" id="{4720B7C4-5A9A-BB42-9F2B-CEC437533E5C}"/>
+                <a16:creationId xmlns:a16="http://schemas.microsoft.com/office/drawing/2014/main" id="{851B57D4-F6F7-8D4C-92DD-C8E3374CDC27}"/>
               </a:ext>
             </a:extLst>
           </p:cNvPr>
@@ -14908,8 +14743,8 @@
         </p:blipFill>
         <p:spPr>
           <a:xfrm>
-            <a:off x="347472" y="347472"/>
-            <a:ext cx="1381125" cy="990600"/>
+            <a:off x="466344" y="320040"/>
+            <a:ext cx="1181100" cy="1019175"/>
           </a:xfrm>
           <a:prstGeom prst="rect">
             <a:avLst/>
@@ -14921,7 +14756,7 @@
           <p:cNvPr id="8" name="Title 7">
             <a:extLst>
               <a:ext uri="{FF2B5EF4-FFF2-40B4-BE49-F238E27FC236}">
-                <a16:creationId xmlns:a16="http://schemas.microsoft.com/office/drawing/2014/main" id="{9F0BE44C-B62C-734E-8D2C-364C3DC4D8F0}"/>
+                <a16:creationId xmlns:a16="http://schemas.microsoft.com/office/drawing/2014/main" id="{6B445EF2-3845-7D4E-9686-FCE75374D5DB}"/>
               </a:ext>
             </a:extLst>
           </p:cNvPr>
@@ -14933,10 +14768,6 @@
           </p:nvPr>
         </p:nvSpPr>
         <p:spPr>
-          <a:xfrm>
-            <a:off x="1560298" y="937433"/>
-            <a:ext cx="10165357" cy="480131"/>
-          </a:xfrm>
           <a:prstGeom prst="rect">
             <a:avLst/>
           </a:prstGeom>
@@ -14967,28 +14798,20 @@
           </a:lstStyle>
           <a:p>
             <a:r>
-              <a:rPr lang="en-US" dirty="0"/>
-              <a:t>Risk and Opportunity Management (</a:t>
-            </a:r>
-            <a:r>
-              <a:rPr lang="en-US" dirty="0" err="1"/>
-              <a:t>RSK</a:t>
-            </a:r>
-            <a:r>
-              <a:rPr lang="en-US" dirty="0"/>
-              <a:t>) </a:t>
-            </a:r>
-            <a:r>
-              <a:rPr lang="zh-CN" altLang="en-US" dirty="0">
+              <a:rPr lang="en-US" sz="3200" dirty="0"/>
+              <a:t>Verification and Validation (VV) </a:t>
+            </a:r>
+            <a:r>
+              <a:rPr lang="ja-JP" altLang="en-US" sz="3200" dirty="0">
                 <a:solidFill>
                   <a:srgbClr val="1F497D"/>
                 </a:solidFill>
-                <a:latin typeface="+mj-ea"/>
-                <a:ea typeface="+mj-ea"/>
-              </a:rPr>
-              <a:t>风险与机会管理</a:t>
-            </a:r>
-            <a:endParaRPr lang="en-US" dirty="0">
+                <a:latin typeface="DengXian Light" panose="02010600030101010101" pitchFamily="2" charset="-122"/>
+                <a:ea typeface="DengXian Light" panose="02010600030101010101" pitchFamily="2" charset="-122"/>
+              </a:rPr>
+              <a:t>验证与确认</a:t>
+            </a:r>
+            <a:endParaRPr lang="en-US" sz="3200" dirty="0">
               <a:solidFill>
                 <a:srgbClr val="1F497D"/>
               </a:solidFill>
@@ -15001,7 +14824,7 @@
           <p:cNvPr id="9" name="Content Placeholder 8">
             <a:extLst>
               <a:ext uri="{FF2B5EF4-FFF2-40B4-BE49-F238E27FC236}">
-                <a16:creationId xmlns:a16="http://schemas.microsoft.com/office/drawing/2014/main" id="{0D163350-A59C-2947-9EEB-6C00A4F19521}"/>
+                <a16:creationId xmlns:a16="http://schemas.microsoft.com/office/drawing/2014/main" id="{DFA55996-6786-F34A-A68D-AC5A9F594E73}"/>
               </a:ext>
             </a:extLst>
           </p:cNvPr>
@@ -15014,8 +14837,8 @@
         </p:nvSpPr>
         <p:spPr>
           <a:xfrm>
-            <a:off x="466344" y="1346848"/>
-            <a:ext cx="11265408" cy="1106970"/>
+            <a:off x="466344" y="1339215"/>
+            <a:ext cx="11265408" cy="1771767"/>
           </a:xfrm>
           <a:prstGeom prst="rect">
             <a:avLst/>
@@ -15037,7 +14860,7 @@
             </a:r>
             <a:r>
               <a:rPr lang="en-US" sz="1600" dirty="0"/>
-              <a:t>Identify, record, analyze, and manage potential risks or opportunities.</a:t>
+              <a:t>Verification and validation includes activities that confirm selected solutions and components meet their 		requirements, and validate selected solutions and components fulfill their intended use in their target environment.</a:t>
             </a:r>
             <a:br>
               <a:rPr lang="en-US" sz="1600" dirty="0"/>
@@ -15052,32 +14875,14 @@
                   <a:srgbClr val="1F497D"/>
                 </a:solidFill>
               </a:rPr>
-              <a:t>识别、记录、分析和管理潜在的风险或机会。</a:t>
-            </a:r>
-            <a:endParaRPr lang="en-US" sz="1600" dirty="0">
-              <a:solidFill>
-                <a:srgbClr val="1F497D"/>
-              </a:solidFill>
-              <a:effectLst/>
-            </a:endParaRPr>
-          </a:p>
-          <a:p>
-            <a:pPr marL="0" indent="0">
-              <a:buNone/>
-            </a:pPr>
-            <a:r>
-              <a:rPr lang="en-US" sz="1600" b="1" dirty="0"/>
-              <a:t>	Value:</a:t>
-            </a:r>
-            <a:r>
-              <a:rPr lang="en-US" sz="1600" dirty="0"/>
-              <a:t> Mitigate adverse impacts or capitalize on positive impacts to increase the likelihood of meeting objectives.</a:t>
-            </a:r>
-            <a:br>
-              <a:rPr lang="en-US" sz="1600" dirty="0"/>
-            </a:br>
-            <a:r>
-              <a:rPr lang="en-US" sz="1600" dirty="0"/>
+              <a:t>验证和确认包括以下活动、确认选定的解决方案和组件是否满足需求、证明选定的解决方案和组件在目标环境下是</a:t>
+            </a:r>
+            <a:r>
+              <a:rPr lang="en-ZA" altLang="zh-CN" sz="1600" dirty="0">
+                <a:solidFill>
+                  <a:srgbClr val="1F497D"/>
+                </a:solidFill>
+              </a:rPr>
               <a:t>	</a:t>
             </a:r>
             <a:r>
@@ -15086,7 +14891,7 @@
                   <a:srgbClr val="1F497D"/>
                 </a:solidFill>
               </a:rPr>
-              <a:t>缓解不利影响或充分利用积极影响来提高实现目标的可能性。</a:t>
+              <a:t>否能实现其预期用途</a:t>
             </a:r>
             <a:endParaRPr lang="en-US" sz="1600" dirty="0">
               <a:solidFill>
@@ -15094,14 +14899,47 @@
               </a:solidFill>
             </a:endParaRPr>
           </a:p>
+          <a:p>
+            <a:pPr marL="0" indent="0">
+              <a:buNone/>
+            </a:pPr>
+            <a:r>
+              <a:rPr lang="en-US" sz="1600" b="1" dirty="0"/>
+              <a:t>	Value:</a:t>
+            </a:r>
+            <a:r>
+              <a:rPr lang="en-US" sz="1600" dirty="0"/>
+              <a:t> Verification and validation of selected solutions and components throughout the project increases the likelihood 	that the solution will satisfy the customer.</a:t>
+            </a:r>
+            <a:br>
+              <a:rPr lang="en-US" sz="1600" dirty="0"/>
+            </a:br>
+            <a:r>
+              <a:rPr lang="en-US" sz="1600" dirty="0"/>
+              <a:t>	</a:t>
+            </a:r>
+            <a:r>
+              <a:rPr lang="zh-CN" altLang="en-US" sz="1600" dirty="0">
+                <a:solidFill>
+                  <a:srgbClr val="1F497D"/>
+                </a:solidFill>
+              </a:rPr>
+              <a:t>在整个项目过程中对选定的解决方案和组件进行验证和确认可以提高解决方案满足客户需求的可能性。</a:t>
+            </a:r>
+            <a:endParaRPr lang="en-US" sz="1600" dirty="0">
+              <a:solidFill>
+                <a:srgbClr val="1F497D"/>
+              </a:solidFill>
+            </a:endParaRPr>
+          </a:p>
         </p:txBody>
       </p:sp>
       <p:sp>
         <p:nvSpPr>
-          <p:cNvPr id="11" name="Content Placeholder 3">
+          <p:cNvPr id="10" name="Content Placeholder 3">
             <a:extLst>
               <a:ext uri="{FF2B5EF4-FFF2-40B4-BE49-F238E27FC236}">
-                <a16:creationId xmlns:a16="http://schemas.microsoft.com/office/drawing/2014/main" id="{EC92CF95-B838-45DF-A813-F4DC0442E84A}"/>
+                <a16:creationId xmlns:a16="http://schemas.microsoft.com/office/drawing/2014/main" id="{EFB600FF-5BDB-48DC-AFB9-08E63AAE7903}"/>
               </a:ext>
             </a:extLst>
           </p:cNvPr>
@@ -15393,7 +15231,7 @@
     </p:spTree>
     <p:extLst>
       <p:ext uri="{BB962C8B-B14F-4D97-AF65-F5344CB8AC3E}">
-        <p14:creationId xmlns:p14="http://schemas.microsoft.com/office/powerpoint/2010/main" val="2868376217"/>
+        <p14:creationId xmlns:p14="http://schemas.microsoft.com/office/powerpoint/2010/main" val="2318327320"/>
       </p:ext>
     </p:extLst>
   </p:cSld>
@@ -15422,1158 +15260,6 @@
       </p:grpSpPr>
       <p:pic>
         <p:nvPicPr>
-          <p:cNvPr id="7" name="Picture 6">
-            <a:extLst>
-              <a:ext uri="{FF2B5EF4-FFF2-40B4-BE49-F238E27FC236}">
-                <a16:creationId xmlns:a16="http://schemas.microsoft.com/office/drawing/2014/main" id="{B5862143-3951-A64C-B7B7-268C11BD311E}"/>
-              </a:ext>
-            </a:extLst>
-          </p:cNvPr>
-          <p:cNvPicPr>
-            <a:picLocks noChangeAspect="1"/>
-          </p:cNvPicPr>
-          <p:nvPr/>
-        </p:nvPicPr>
-        <p:blipFill>
-          <a:blip r:embed="rId2">
-            <a:extLst>
-              <a:ext uri="{28A0092B-C50C-407E-A947-70E740481C1C}">
-                <a14:useLocalDpi xmlns:a14="http://schemas.microsoft.com/office/drawing/2010/main" val="0"/>
-              </a:ext>
-            </a:extLst>
-          </a:blip>
-          <a:stretch>
-            <a:fillRect/>
-          </a:stretch>
-        </p:blipFill>
-        <p:spPr>
-          <a:xfrm>
-            <a:off x="484632" y="301752"/>
-            <a:ext cx="1133475" cy="1028700"/>
-          </a:xfrm>
-          <a:prstGeom prst="rect">
-            <a:avLst/>
-          </a:prstGeom>
-        </p:spPr>
-      </p:pic>
-      <p:sp>
-        <p:nvSpPr>
-          <p:cNvPr id="8" name="Title 7">
-            <a:extLst>
-              <a:ext uri="{FF2B5EF4-FFF2-40B4-BE49-F238E27FC236}">
-                <a16:creationId xmlns:a16="http://schemas.microsoft.com/office/drawing/2014/main" id="{2D19D3C6-51DC-3041-B3EC-E426F6CAF279}"/>
-              </a:ext>
-            </a:extLst>
-          </p:cNvPr>
-          <p:cNvSpPr txBox="1">
-            <a:spLocks noGrp="1"/>
-          </p:cNvSpPr>
-          <p:nvPr>
-            <p:ph type="title"/>
-          </p:nvPr>
-        </p:nvSpPr>
-        <p:spPr>
-          <a:prstGeom prst="rect">
-            <a:avLst/>
-          </a:prstGeom>
-          <a:noFill/>
-        </p:spPr>
-        <p:txBody>
-          <a:bodyPr wrap="square" rtlCol="0" anchor="ctr">
-            <a:spAutoFit/>
-          </a:bodyPr>
-          <a:lstStyle>
-            <a:lvl1pPr algn="l" defTabSz="1371600" rtl="0" eaLnBrk="1" latinLnBrk="0" hangingPunct="1">
-              <a:lnSpc>
-                <a:spcPct val="90000"/>
-              </a:lnSpc>
-              <a:spcBef>
-                <a:spcPct val="0"/>
-              </a:spcBef>
-              <a:buNone/>
-              <a:defRPr lang="uk-UA" sz="2800" b="1" kern="1200" dirty="0">
-                <a:solidFill>
-                  <a:schemeClr val="tx1"/>
-                </a:solidFill>
-                <a:latin typeface="Calibri" charset="0"/>
-                <a:ea typeface="Calibri" charset="0"/>
-                <a:cs typeface="Calibri" charset="0"/>
-              </a:defRPr>
-            </a:lvl1pPr>
-          </a:lstStyle>
-          <a:p>
-            <a:r>
-              <a:rPr lang="en-US" sz="3200" dirty="0"/>
-              <a:t>Technical Solution (TS) </a:t>
-            </a:r>
-            <a:r>
-              <a:rPr lang="zh-CN" altLang="en-US" sz="3200" dirty="0">
-                <a:solidFill>
-                  <a:srgbClr val="1F497D"/>
-                </a:solidFill>
-                <a:latin typeface="+mj-ea"/>
-                <a:ea typeface="+mj-ea"/>
-              </a:rPr>
-              <a:t>技术解决方案</a:t>
-            </a:r>
-            <a:endParaRPr lang="en-US" sz="3200" dirty="0">
-              <a:solidFill>
-                <a:srgbClr val="1F497D"/>
-              </a:solidFill>
-            </a:endParaRPr>
-          </a:p>
-        </p:txBody>
-      </p:sp>
-      <p:sp>
-        <p:nvSpPr>
-          <p:cNvPr id="9" name="Content Placeholder 8">
-            <a:extLst>
-              <a:ext uri="{FF2B5EF4-FFF2-40B4-BE49-F238E27FC236}">
-                <a16:creationId xmlns:a16="http://schemas.microsoft.com/office/drawing/2014/main" id="{6666E3A6-0A9E-BC46-9A3F-12B3D08BB749}"/>
-              </a:ext>
-            </a:extLst>
-          </p:cNvPr>
-          <p:cNvSpPr txBox="1">
-            <a:spLocks noGrp="1"/>
-          </p:cNvSpPr>
-          <p:nvPr>
-            <p:ph idx="4294967295"/>
-          </p:nvPr>
-        </p:nvSpPr>
-        <p:spPr>
-          <a:xfrm>
-            <a:off x="463296" y="1330452"/>
-            <a:ext cx="11265408" cy="1106970"/>
-          </a:xfrm>
-          <a:prstGeom prst="rect">
-            <a:avLst/>
-          </a:prstGeom>
-          <a:noFill/>
-        </p:spPr>
-        <p:txBody>
-          <a:bodyPr wrap="square" rtlCol="0">
-            <a:spAutoFit/>
-          </a:bodyPr>
-          <a:lstStyle/>
-          <a:p>
-            <a:pPr marL="0" indent="0">
-              <a:buNone/>
-            </a:pPr>
-            <a:r>
-              <a:rPr lang="en-US" sz="1600" b="1" dirty="0"/>
-              <a:t>	Intent: </a:t>
-            </a:r>
-            <a:r>
-              <a:rPr lang="en-US" sz="1600" dirty="0"/>
-              <a:t>Design and build solutions that meet customer requirements.</a:t>
-            </a:r>
-            <a:br>
-              <a:rPr lang="en-US" sz="1600" dirty="0"/>
-            </a:br>
-            <a:r>
-              <a:rPr lang="en-US" sz="1600" dirty="0"/>
-              <a:t>	</a:t>
-            </a:r>
-            <a:r>
-              <a:rPr lang="zh-CN" altLang="en-US" sz="1600" dirty="0">
-                <a:solidFill>
-                  <a:srgbClr val="1F497D"/>
-                </a:solidFill>
-              </a:rPr>
-              <a:t>设计和构建满足客户需求的解决方案。 </a:t>
-            </a:r>
-            <a:endParaRPr lang="en-US" sz="1600" dirty="0">
-              <a:solidFill>
-                <a:srgbClr val="1F497D"/>
-              </a:solidFill>
-              <a:effectLst/>
-            </a:endParaRPr>
-          </a:p>
-          <a:p>
-            <a:pPr marL="0" indent="0">
-              <a:buNone/>
-            </a:pPr>
-            <a:r>
-              <a:rPr lang="en-US" sz="1600" b="1" dirty="0"/>
-              <a:t>	Value:</a:t>
-            </a:r>
-            <a:r>
-              <a:rPr lang="en-US" sz="1600" dirty="0"/>
-              <a:t> Provides a cost-effective design and solution that meets customer requirements and reduces rework.</a:t>
-            </a:r>
-            <a:br>
-              <a:rPr lang="en-US" sz="1600" dirty="0"/>
-            </a:br>
-            <a:r>
-              <a:rPr lang="en-US" sz="1600" dirty="0"/>
-              <a:t>	</a:t>
-            </a:r>
-            <a:r>
-              <a:rPr lang="zh-CN" altLang="en-US" sz="1600" dirty="0">
-                <a:solidFill>
-                  <a:srgbClr val="1F497D"/>
-                </a:solidFill>
-              </a:rPr>
-              <a:t>提供高效的设计和解决方案，以满足客户需求并且减少返工。</a:t>
-            </a:r>
-            <a:endParaRPr lang="en-US" sz="1600" dirty="0">
-              <a:solidFill>
-                <a:srgbClr val="1F497D"/>
-              </a:solidFill>
-            </a:endParaRPr>
-          </a:p>
-        </p:txBody>
-      </p:sp>
-      <p:sp>
-        <p:nvSpPr>
-          <p:cNvPr id="10" name="Content Placeholder 3">
-            <a:extLst>
-              <a:ext uri="{FF2B5EF4-FFF2-40B4-BE49-F238E27FC236}">
-                <a16:creationId xmlns:a16="http://schemas.microsoft.com/office/drawing/2014/main" id="{26C68265-BF15-4E56-945E-A154256403BD}"/>
-              </a:ext>
-            </a:extLst>
-          </p:cNvPr>
-          <p:cNvSpPr txBox="1">
-            <a:spLocks/>
-          </p:cNvSpPr>
-          <p:nvPr/>
-        </p:nvSpPr>
-        <p:spPr>
-          <a:xfrm>
-            <a:off x="466344" y="3051602"/>
-            <a:ext cx="11265408" cy="3097485"/>
-          </a:xfrm>
-          <a:prstGeom prst="rect">
-            <a:avLst/>
-          </a:prstGeom>
-        </p:spPr>
-        <p:txBody>
-          <a:bodyPr vert="horz" lIns="91440" tIns="45720" rIns="91440" bIns="45720" rtlCol="0">
-            <a:noAutofit/>
-          </a:bodyPr>
-          <a:lstStyle>
-            <a:lvl1pPr marL="0" indent="0" algn="l" defTabSz="914400" rtl="0" eaLnBrk="1" latinLnBrk="0" hangingPunct="1">
-              <a:lnSpc>
-                <a:spcPct val="90000"/>
-              </a:lnSpc>
-              <a:spcBef>
-                <a:spcPts val="1000"/>
-              </a:spcBef>
-              <a:buFont typeface="Arial" panose="020B0604020202020204" pitchFamily="34" charset="0"/>
-              <a:buNone/>
-              <a:defRPr sz="2400" b="1" kern="1200">
-                <a:solidFill>
-                  <a:schemeClr val="tx1"/>
-                </a:solidFill>
-                <a:latin typeface="+mn-lt"/>
-                <a:ea typeface="+mn-ea"/>
-                <a:cs typeface="+mn-cs"/>
-              </a:defRPr>
-            </a:lvl1pPr>
-            <a:lvl2pPr marL="685800" indent="-228600" algn="l" defTabSz="914400" rtl="0" eaLnBrk="1" latinLnBrk="0" hangingPunct="1">
-              <a:lnSpc>
-                <a:spcPct val="90000"/>
-              </a:lnSpc>
-              <a:spcBef>
-                <a:spcPts val="500"/>
-              </a:spcBef>
-              <a:buFont typeface="Arial" panose="020B0604020202020204" pitchFamily="34" charset="0"/>
-              <a:buChar char="•"/>
-              <a:defRPr sz="2400" kern="1200">
-                <a:solidFill>
-                  <a:schemeClr val="tx1"/>
-                </a:solidFill>
-                <a:latin typeface="+mn-lt"/>
-                <a:ea typeface="+mn-ea"/>
-                <a:cs typeface="+mn-cs"/>
-              </a:defRPr>
-            </a:lvl2pPr>
-            <a:lvl3pPr marL="1143000" indent="-228600" algn="l" defTabSz="914400" rtl="0" eaLnBrk="1" latinLnBrk="0" hangingPunct="1">
-              <a:lnSpc>
-                <a:spcPct val="90000"/>
-              </a:lnSpc>
-              <a:spcBef>
-                <a:spcPts val="500"/>
-              </a:spcBef>
-              <a:buFont typeface="Arial" panose="020B0604020202020204" pitchFamily="34" charset="0"/>
-              <a:buChar char="•"/>
-              <a:defRPr sz="2000" kern="1200">
-                <a:solidFill>
-                  <a:schemeClr val="tx1"/>
-                </a:solidFill>
-                <a:latin typeface="+mn-lt"/>
-                <a:ea typeface="+mn-ea"/>
-                <a:cs typeface="+mn-cs"/>
-              </a:defRPr>
-            </a:lvl3pPr>
-            <a:lvl4pPr marL="1600200" indent="-228600" algn="l" defTabSz="914400" rtl="0" eaLnBrk="1" latinLnBrk="0" hangingPunct="1">
-              <a:lnSpc>
-                <a:spcPct val="90000"/>
-              </a:lnSpc>
-              <a:spcBef>
-                <a:spcPts val="500"/>
-              </a:spcBef>
-              <a:buFont typeface="Arial" panose="020B0604020202020204" pitchFamily="34" charset="0"/>
-              <a:buChar char="•"/>
-              <a:defRPr sz="1800" kern="1200">
-                <a:solidFill>
-                  <a:schemeClr val="tx1"/>
-                </a:solidFill>
-                <a:latin typeface="+mn-lt"/>
-                <a:ea typeface="+mn-ea"/>
-                <a:cs typeface="+mn-cs"/>
-              </a:defRPr>
-            </a:lvl4pPr>
-            <a:lvl5pPr marL="2057400" indent="-228600" algn="l" defTabSz="914400" rtl="0" eaLnBrk="1" latinLnBrk="0" hangingPunct="1">
-              <a:lnSpc>
-                <a:spcPct val="90000"/>
-              </a:lnSpc>
-              <a:spcBef>
-                <a:spcPts val="500"/>
-              </a:spcBef>
-              <a:buFont typeface="Arial" panose="020B0604020202020204" pitchFamily="34" charset="0"/>
-              <a:buChar char="•"/>
-              <a:defRPr sz="1800" kern="1200">
-                <a:solidFill>
-                  <a:schemeClr val="tx1"/>
-                </a:solidFill>
-                <a:latin typeface="+mn-lt"/>
-                <a:ea typeface="+mn-ea"/>
-                <a:cs typeface="+mn-cs"/>
-              </a:defRPr>
-            </a:lvl5pPr>
-            <a:lvl6pPr marL="2514600" indent="-228600" algn="l" defTabSz="914400" rtl="0" eaLnBrk="1" latinLnBrk="0" hangingPunct="1">
-              <a:lnSpc>
-                <a:spcPct val="90000"/>
-              </a:lnSpc>
-              <a:spcBef>
-                <a:spcPts val="500"/>
-              </a:spcBef>
-              <a:buFont typeface="Arial" panose="020B0604020202020204" pitchFamily="34" charset="0"/>
-              <a:buChar char="•"/>
-              <a:defRPr sz="1800" kern="1200">
-                <a:solidFill>
-                  <a:schemeClr val="tx1"/>
-                </a:solidFill>
-                <a:latin typeface="+mn-lt"/>
-                <a:ea typeface="+mn-ea"/>
-                <a:cs typeface="+mn-cs"/>
-              </a:defRPr>
-            </a:lvl6pPr>
-            <a:lvl7pPr marL="2971800" indent="-228600" algn="l" defTabSz="914400" rtl="0" eaLnBrk="1" latinLnBrk="0" hangingPunct="1">
-              <a:lnSpc>
-                <a:spcPct val="90000"/>
-              </a:lnSpc>
-              <a:spcBef>
-                <a:spcPts val="500"/>
-              </a:spcBef>
-              <a:buFont typeface="Arial" panose="020B0604020202020204" pitchFamily="34" charset="0"/>
-              <a:buChar char="•"/>
-              <a:defRPr sz="1800" kern="1200">
-                <a:solidFill>
-                  <a:schemeClr val="tx1"/>
-                </a:solidFill>
-                <a:latin typeface="+mn-lt"/>
-                <a:ea typeface="+mn-ea"/>
-                <a:cs typeface="+mn-cs"/>
-              </a:defRPr>
-            </a:lvl7pPr>
-            <a:lvl8pPr marL="3429000" indent="-228600" algn="l" defTabSz="914400" rtl="0" eaLnBrk="1" latinLnBrk="0" hangingPunct="1">
-              <a:lnSpc>
-                <a:spcPct val="90000"/>
-              </a:lnSpc>
-              <a:spcBef>
-                <a:spcPts val="500"/>
-              </a:spcBef>
-              <a:buFont typeface="Arial" panose="020B0604020202020204" pitchFamily="34" charset="0"/>
-              <a:buChar char="•"/>
-              <a:defRPr sz="1800" kern="1200">
-                <a:solidFill>
-                  <a:schemeClr val="tx1"/>
-                </a:solidFill>
-                <a:latin typeface="+mn-lt"/>
-                <a:ea typeface="+mn-ea"/>
-                <a:cs typeface="+mn-cs"/>
-              </a:defRPr>
-            </a:lvl8pPr>
-            <a:lvl9pPr marL="3886200" indent="-228600" algn="l" defTabSz="914400" rtl="0" eaLnBrk="1" latinLnBrk="0" hangingPunct="1">
-              <a:lnSpc>
-                <a:spcPct val="90000"/>
-              </a:lnSpc>
-              <a:spcBef>
-                <a:spcPts val="500"/>
-              </a:spcBef>
-              <a:buFont typeface="Arial" panose="020B0604020202020204" pitchFamily="34" charset="0"/>
-              <a:buChar char="•"/>
-              <a:defRPr sz="1800" kern="1200">
-                <a:solidFill>
-                  <a:schemeClr val="tx1"/>
-                </a:solidFill>
-                <a:latin typeface="+mn-lt"/>
-                <a:ea typeface="+mn-ea"/>
-                <a:cs typeface="+mn-cs"/>
-              </a:defRPr>
-            </a:lvl9pPr>
-          </a:lstStyle>
-          <a:p>
-            <a:r>
-              <a:rPr lang="en-US" sz="1800" dirty="0"/>
-              <a:t>Strengths </a:t>
-            </a:r>
-            <a:r>
-              <a:rPr lang="ja-JP" altLang="en-US" sz="1800" dirty="0">
-                <a:solidFill>
-                  <a:srgbClr val="1F497D"/>
-                </a:solidFill>
-                <a:latin typeface="DengXian" panose="02010600030101010101" pitchFamily="2" charset="-122"/>
-                <a:ea typeface="DengXian" panose="02010600030101010101" pitchFamily="2" charset="-122"/>
-              </a:rPr>
-              <a:t>强项</a:t>
-            </a:r>
-            <a:r>
-              <a:rPr lang="en-US" altLang="ja-JP" sz="1800" dirty="0"/>
-              <a:t>:</a:t>
-            </a:r>
-            <a:endParaRPr lang="en-US" sz="1800" dirty="0"/>
-          </a:p>
-          <a:p>
-            <a:pPr marL="342900" indent="-342900">
-              <a:buFont typeface="Arial" panose="020B0604020202020204" pitchFamily="34" charset="0"/>
-              <a:buChar char="•"/>
-            </a:pPr>
-            <a:r>
-              <a:rPr lang="en-US" sz="1800" b="0" dirty="0"/>
-              <a:t>None </a:t>
-            </a:r>
-            <a:br>
-              <a:rPr lang="en-US" sz="1800" b="0" dirty="0"/>
-            </a:br>
-            <a:r>
-              <a:rPr lang="ja-JP" altLang="en-US" sz="1800" b="0" dirty="0">
-                <a:solidFill>
-                  <a:srgbClr val="1F497D"/>
-                </a:solidFill>
-                <a:latin typeface="DengXian" panose="02010600030101010101" pitchFamily="2" charset="-122"/>
-                <a:ea typeface="DengXian" panose="02010600030101010101" pitchFamily="2" charset="-122"/>
-              </a:rPr>
-              <a:t>没有</a:t>
-            </a:r>
-            <a:endParaRPr lang="en-US" sz="1800" b="0" dirty="0">
-              <a:solidFill>
-                <a:srgbClr val="1F497D"/>
-              </a:solidFill>
-              <a:latin typeface="DengXian" panose="02010600030101010101" pitchFamily="2" charset="-122"/>
-              <a:ea typeface="DengXian" panose="02010600030101010101" pitchFamily="2" charset="-122"/>
-            </a:endParaRPr>
-          </a:p>
-          <a:p>
-            <a:endParaRPr lang="en-US" sz="1800" b="0" dirty="0"/>
-          </a:p>
-          <a:p>
-            <a:r>
-              <a:rPr lang="en-US" sz="1800" dirty="0"/>
-              <a:t>Weaknesses </a:t>
-            </a:r>
-            <a:r>
-              <a:rPr lang="zh-CN" altLang="en-US" sz="1800" dirty="0">
-                <a:solidFill>
-                  <a:srgbClr val="1F497D"/>
-                </a:solidFill>
-                <a:latin typeface="DengXian" panose="02010600030101010101" pitchFamily="2" charset="-122"/>
-                <a:ea typeface="DengXian" panose="02010600030101010101" pitchFamily="2" charset="-122"/>
-              </a:rPr>
-              <a:t>弱项</a:t>
-            </a:r>
-            <a:r>
-              <a:rPr lang="en-US" altLang="ja-JP" sz="1800" dirty="0"/>
-              <a:t>:</a:t>
-            </a:r>
-            <a:endParaRPr lang="en-US" sz="1800" dirty="0"/>
-          </a:p>
-          <a:p>
-            <a:pPr marL="342900" indent="-342900">
-              <a:buFont typeface="Arial" panose="020B0604020202020204" pitchFamily="34" charset="0"/>
-              <a:buChar char="•"/>
-            </a:pPr>
-            <a:r>
-              <a:rPr lang="en-US" sz="1800" b="0" dirty="0"/>
-              <a:t>None </a:t>
-            </a:r>
-            <a:br>
-              <a:rPr lang="en-US" sz="1800" b="0" dirty="0"/>
-            </a:br>
-            <a:r>
-              <a:rPr lang="ja-JP" altLang="en-US" sz="1800" b="0" dirty="0">
-                <a:solidFill>
-                  <a:srgbClr val="1F497D"/>
-                </a:solidFill>
-              </a:rPr>
-              <a:t>没有</a:t>
-            </a:r>
-            <a:endParaRPr lang="en-US" sz="1800" b="0" dirty="0">
-              <a:solidFill>
-                <a:srgbClr val="1F497D"/>
-              </a:solidFill>
-            </a:endParaRPr>
-          </a:p>
-        </p:txBody>
-      </p:sp>
-    </p:spTree>
-    <p:extLst>
-      <p:ext uri="{BB962C8B-B14F-4D97-AF65-F5344CB8AC3E}">
-        <p14:creationId xmlns:p14="http://schemas.microsoft.com/office/powerpoint/2010/main" val="4164749344"/>
-      </p:ext>
-    </p:extLst>
-  </p:cSld>
-  <p:clrMapOvr>
-    <a:masterClrMapping/>
-  </p:clrMapOvr>
-</p:sld>
-</file>
-
-<file path=ppt/slides/slide3.xml><?xml version="1.0" encoding="utf-8"?>
-<p:sld xmlns:a="http://schemas.openxmlformats.org/drawingml/2006/main" xmlns:r="http://schemas.openxmlformats.org/officeDocument/2006/relationships" xmlns:p="http://schemas.openxmlformats.org/presentationml/2006/main">
-  <p:cSld>
-    <p:spTree>
-      <p:nvGrpSpPr>
-        <p:cNvPr id="1" name=""/>
-        <p:cNvGrpSpPr/>
-        <p:nvPr/>
-      </p:nvGrpSpPr>
-      <p:grpSpPr>
-        <a:xfrm>
-          <a:off x="0" y="0"/>
-          <a:ext cx="0" cy="0"/>
-          <a:chOff x="0" y="0"/>
-          <a:chExt cx="0" cy="0"/>
-        </a:xfrm>
-      </p:grpSpPr>
-      <p:sp>
-        <p:nvSpPr>
-          <p:cNvPr id="4" name="Title 3">
-            <a:extLst>
-              <a:ext uri="{FF2B5EF4-FFF2-40B4-BE49-F238E27FC236}">
-                <a16:creationId xmlns:a16="http://schemas.microsoft.com/office/drawing/2014/main" id="{8A629AD6-E198-3A47-A696-9DF21F27875F}"/>
-              </a:ext>
-            </a:extLst>
-          </p:cNvPr>
-          <p:cNvSpPr>
-            <a:spLocks noGrp="1"/>
-          </p:cNvSpPr>
-          <p:nvPr>
-            <p:ph type="title"/>
-          </p:nvPr>
-        </p:nvSpPr>
-        <p:spPr/>
-        <p:txBody>
-          <a:bodyPr/>
-          <a:lstStyle/>
-          <a:p>
-            <a:r>
-              <a:rPr lang="en-US" b="1" dirty="0">
-                <a:latin typeface="+mn-lt"/>
-              </a:rPr>
-              <a:t>Appraisal Overview </a:t>
-            </a:r>
-            <a:br>
-              <a:rPr lang="en-US" b="1" dirty="0">
-                <a:latin typeface="+mn-lt"/>
-              </a:rPr>
-            </a:br>
-            <a:r>
-              <a:rPr lang="zh-CN" altLang="en-US" sz="6000" b="1" dirty="0">
-                <a:solidFill>
-                  <a:srgbClr val="1F497D"/>
-                </a:solidFill>
-                <a:latin typeface="+mn-ea"/>
-                <a:ea typeface="+mn-ea"/>
-              </a:rPr>
-              <a:t>评估概述</a:t>
-            </a:r>
-            <a:endParaRPr lang="en-US" b="1" dirty="0">
-              <a:solidFill>
-                <a:srgbClr val="1F497D"/>
-              </a:solidFill>
-              <a:latin typeface="+mn-lt"/>
-            </a:endParaRPr>
-          </a:p>
-        </p:txBody>
-      </p:sp>
-    </p:spTree>
-    <p:extLst>
-      <p:ext uri="{BB962C8B-B14F-4D97-AF65-F5344CB8AC3E}">
-        <p14:creationId xmlns:p14="http://schemas.microsoft.com/office/powerpoint/2010/main" val="3938322201"/>
-      </p:ext>
-    </p:extLst>
-  </p:cSld>
-  <p:clrMapOvr>
-    <a:masterClrMapping/>
-  </p:clrMapOvr>
-</p:sld>
-</file>
-
-<file path=ppt/slides/slide30.xml><?xml version="1.0" encoding="utf-8"?>
-<p:sld xmlns:a="http://schemas.openxmlformats.org/drawingml/2006/main" xmlns:r="http://schemas.openxmlformats.org/officeDocument/2006/relationships" xmlns:p="http://schemas.openxmlformats.org/presentationml/2006/main">
-  <p:cSld>
-    <p:spTree>
-      <p:nvGrpSpPr>
-        <p:cNvPr id="1" name=""/>
-        <p:cNvGrpSpPr/>
-        <p:nvPr/>
-      </p:nvGrpSpPr>
-      <p:grpSpPr>
-        <a:xfrm>
-          <a:off x="0" y="0"/>
-          <a:ext cx="0" cy="0"/>
-          <a:chOff x="0" y="0"/>
-          <a:chExt cx="0" cy="0"/>
-        </a:xfrm>
-      </p:grpSpPr>
-      <p:pic>
-        <p:nvPicPr>
-          <p:cNvPr id="7" name="Picture 6">
-            <a:extLst>
-              <a:ext uri="{FF2B5EF4-FFF2-40B4-BE49-F238E27FC236}">
-                <a16:creationId xmlns:a16="http://schemas.microsoft.com/office/drawing/2014/main" id="{851B57D4-F6F7-8D4C-92DD-C8E3374CDC27}"/>
-              </a:ext>
-            </a:extLst>
-          </p:cNvPr>
-          <p:cNvPicPr>
-            <a:picLocks noChangeAspect="1"/>
-          </p:cNvPicPr>
-          <p:nvPr/>
-        </p:nvPicPr>
-        <p:blipFill>
-          <a:blip r:embed="rId2">
-            <a:extLst>
-              <a:ext uri="{28A0092B-C50C-407E-A947-70E740481C1C}">
-                <a14:useLocalDpi xmlns:a14="http://schemas.microsoft.com/office/drawing/2010/main" val="0"/>
-              </a:ext>
-            </a:extLst>
-          </a:blip>
-          <a:stretch>
-            <a:fillRect/>
-          </a:stretch>
-        </p:blipFill>
-        <p:spPr>
-          <a:xfrm>
-            <a:off x="466344" y="320040"/>
-            <a:ext cx="1181100" cy="1019175"/>
-          </a:xfrm>
-          <a:prstGeom prst="rect">
-            <a:avLst/>
-          </a:prstGeom>
-        </p:spPr>
-      </p:pic>
-      <p:sp>
-        <p:nvSpPr>
-          <p:cNvPr id="8" name="Title 7">
-            <a:extLst>
-              <a:ext uri="{FF2B5EF4-FFF2-40B4-BE49-F238E27FC236}">
-                <a16:creationId xmlns:a16="http://schemas.microsoft.com/office/drawing/2014/main" id="{6B445EF2-3845-7D4E-9686-FCE75374D5DB}"/>
-              </a:ext>
-            </a:extLst>
-          </p:cNvPr>
-          <p:cNvSpPr txBox="1">
-            <a:spLocks noGrp="1"/>
-          </p:cNvSpPr>
-          <p:nvPr>
-            <p:ph type="title"/>
-          </p:nvPr>
-        </p:nvSpPr>
-        <p:spPr>
-          <a:prstGeom prst="rect">
-            <a:avLst/>
-          </a:prstGeom>
-          <a:noFill/>
-        </p:spPr>
-        <p:txBody>
-          <a:bodyPr wrap="square" rtlCol="0" anchor="ctr">
-            <a:spAutoFit/>
-          </a:bodyPr>
-          <a:lstStyle>
-            <a:lvl1pPr algn="l" defTabSz="1371600" rtl="0" eaLnBrk="1" latinLnBrk="0" hangingPunct="1">
-              <a:lnSpc>
-                <a:spcPct val="90000"/>
-              </a:lnSpc>
-              <a:spcBef>
-                <a:spcPct val="0"/>
-              </a:spcBef>
-              <a:buNone/>
-              <a:defRPr lang="uk-UA" sz="2800" b="1" kern="1200" dirty="0">
-                <a:solidFill>
-                  <a:schemeClr val="tx1"/>
-                </a:solidFill>
-                <a:latin typeface="Calibri" charset="0"/>
-                <a:ea typeface="Calibri" charset="0"/>
-                <a:cs typeface="Calibri" charset="0"/>
-              </a:defRPr>
-            </a:lvl1pPr>
-          </a:lstStyle>
-          <a:p>
-            <a:r>
-              <a:rPr lang="en-US" sz="3200" dirty="0"/>
-              <a:t>Verification and Validation (VV) </a:t>
-            </a:r>
-            <a:r>
-              <a:rPr lang="ja-JP" altLang="en-US" sz="3200" dirty="0">
-                <a:solidFill>
-                  <a:srgbClr val="1F497D"/>
-                </a:solidFill>
-                <a:latin typeface="DengXian Light" panose="02010600030101010101" pitchFamily="2" charset="-122"/>
-                <a:ea typeface="DengXian Light" panose="02010600030101010101" pitchFamily="2" charset="-122"/>
-              </a:rPr>
-              <a:t>验证与确认</a:t>
-            </a:r>
-            <a:endParaRPr lang="en-US" sz="3200" dirty="0">
-              <a:solidFill>
-                <a:srgbClr val="1F497D"/>
-              </a:solidFill>
-            </a:endParaRPr>
-          </a:p>
-        </p:txBody>
-      </p:sp>
-      <p:sp>
-        <p:nvSpPr>
-          <p:cNvPr id="9" name="Content Placeholder 8">
-            <a:extLst>
-              <a:ext uri="{FF2B5EF4-FFF2-40B4-BE49-F238E27FC236}">
-                <a16:creationId xmlns:a16="http://schemas.microsoft.com/office/drawing/2014/main" id="{DFA55996-6786-F34A-A68D-AC5A9F594E73}"/>
-              </a:ext>
-            </a:extLst>
-          </p:cNvPr>
-          <p:cNvSpPr txBox="1">
-            <a:spLocks noGrp="1"/>
-          </p:cNvSpPr>
-          <p:nvPr>
-            <p:ph idx="4294967295"/>
-          </p:nvPr>
-        </p:nvSpPr>
-        <p:spPr>
-          <a:xfrm>
-            <a:off x="466344" y="1339215"/>
-            <a:ext cx="11265408" cy="1771767"/>
-          </a:xfrm>
-          <a:prstGeom prst="rect">
-            <a:avLst/>
-          </a:prstGeom>
-          <a:noFill/>
-        </p:spPr>
-        <p:txBody>
-          <a:bodyPr wrap="square" rtlCol="0">
-            <a:spAutoFit/>
-          </a:bodyPr>
-          <a:lstStyle/>
-          <a:p>
-            <a:pPr marL="0" indent="0">
-              <a:buNone/>
-            </a:pPr>
-            <a:r>
-              <a:rPr lang="en-US" sz="1600" b="1" dirty="0"/>
-              <a:t>	Intent: </a:t>
-            </a:r>
-            <a:r>
-              <a:rPr lang="en-US" sz="1600" dirty="0"/>
-              <a:t>Verification and validation includes activities that confirm selected solutions and components meet their 		requirements, and validate selected solutions and components fulfill their intended use in their target environment.</a:t>
-            </a:r>
-            <a:br>
-              <a:rPr lang="en-US" sz="1600" dirty="0"/>
-            </a:br>
-            <a:r>
-              <a:rPr lang="en-US" sz="1600" dirty="0"/>
-              <a:t>	</a:t>
-            </a:r>
-            <a:r>
-              <a:rPr lang="zh-CN" altLang="en-US" sz="1600" dirty="0">
-                <a:solidFill>
-                  <a:srgbClr val="1F497D"/>
-                </a:solidFill>
-              </a:rPr>
-              <a:t>验证和确认包括以下活动、确认选定的解决方案和组件是否满足需求、证明选定的解决方案和组件在目标环境下是</a:t>
-            </a:r>
-            <a:r>
-              <a:rPr lang="en-ZA" altLang="zh-CN" sz="1600" dirty="0">
-                <a:solidFill>
-                  <a:srgbClr val="1F497D"/>
-                </a:solidFill>
-              </a:rPr>
-              <a:t>	</a:t>
-            </a:r>
-            <a:r>
-              <a:rPr lang="zh-CN" altLang="en-US" sz="1600" dirty="0">
-                <a:solidFill>
-                  <a:srgbClr val="1F497D"/>
-                </a:solidFill>
-              </a:rPr>
-              <a:t>否能实现其预期用途</a:t>
-            </a:r>
-            <a:endParaRPr lang="en-US" sz="1600" dirty="0">
-              <a:solidFill>
-                <a:srgbClr val="1F497D"/>
-              </a:solidFill>
-            </a:endParaRPr>
-          </a:p>
-          <a:p>
-            <a:pPr marL="0" indent="0">
-              <a:buNone/>
-            </a:pPr>
-            <a:r>
-              <a:rPr lang="en-US" sz="1600" b="1" dirty="0"/>
-              <a:t>	Value:</a:t>
-            </a:r>
-            <a:r>
-              <a:rPr lang="en-US" sz="1600" dirty="0"/>
-              <a:t> Verification and validation of selected solutions and components throughout the project increases the likelihood 	that the solution will satisfy the customer.</a:t>
-            </a:r>
-            <a:br>
-              <a:rPr lang="en-US" sz="1600" dirty="0"/>
-            </a:br>
-            <a:r>
-              <a:rPr lang="en-US" sz="1600" dirty="0"/>
-              <a:t>	</a:t>
-            </a:r>
-            <a:r>
-              <a:rPr lang="zh-CN" altLang="en-US" sz="1600" dirty="0">
-                <a:solidFill>
-                  <a:srgbClr val="1F497D"/>
-                </a:solidFill>
-              </a:rPr>
-              <a:t>在整个项目过程中对选定的解决方案和组件进行验证和确认可以提高解决方案满足客户需求的可能性。</a:t>
-            </a:r>
-            <a:endParaRPr lang="en-US" sz="1600" dirty="0">
-              <a:solidFill>
-                <a:srgbClr val="1F497D"/>
-              </a:solidFill>
-            </a:endParaRPr>
-          </a:p>
-        </p:txBody>
-      </p:sp>
-      <p:sp>
-        <p:nvSpPr>
-          <p:cNvPr id="10" name="Content Placeholder 3">
-            <a:extLst>
-              <a:ext uri="{FF2B5EF4-FFF2-40B4-BE49-F238E27FC236}">
-                <a16:creationId xmlns:a16="http://schemas.microsoft.com/office/drawing/2014/main" id="{EFB600FF-5BDB-48DC-AFB9-08E63AAE7903}"/>
-              </a:ext>
-            </a:extLst>
-          </p:cNvPr>
-          <p:cNvSpPr txBox="1">
-            <a:spLocks/>
-          </p:cNvSpPr>
-          <p:nvPr/>
-        </p:nvSpPr>
-        <p:spPr>
-          <a:xfrm>
-            <a:off x="466344" y="3051602"/>
-            <a:ext cx="11265408" cy="3097485"/>
-          </a:xfrm>
-          <a:prstGeom prst="rect">
-            <a:avLst/>
-          </a:prstGeom>
-        </p:spPr>
-        <p:txBody>
-          <a:bodyPr vert="horz" lIns="91440" tIns="45720" rIns="91440" bIns="45720" rtlCol="0">
-            <a:noAutofit/>
-          </a:bodyPr>
-          <a:lstStyle>
-            <a:lvl1pPr marL="0" indent="0" algn="l" defTabSz="914400" rtl="0" eaLnBrk="1" latinLnBrk="0" hangingPunct="1">
-              <a:lnSpc>
-                <a:spcPct val="90000"/>
-              </a:lnSpc>
-              <a:spcBef>
-                <a:spcPts val="1000"/>
-              </a:spcBef>
-              <a:buFont typeface="Arial" panose="020B0604020202020204" pitchFamily="34" charset="0"/>
-              <a:buNone/>
-              <a:defRPr sz="2400" b="1" kern="1200">
-                <a:solidFill>
-                  <a:schemeClr val="tx1"/>
-                </a:solidFill>
-                <a:latin typeface="+mn-lt"/>
-                <a:ea typeface="+mn-ea"/>
-                <a:cs typeface="+mn-cs"/>
-              </a:defRPr>
-            </a:lvl1pPr>
-            <a:lvl2pPr marL="685800" indent="-228600" algn="l" defTabSz="914400" rtl="0" eaLnBrk="1" latinLnBrk="0" hangingPunct="1">
-              <a:lnSpc>
-                <a:spcPct val="90000"/>
-              </a:lnSpc>
-              <a:spcBef>
-                <a:spcPts val="500"/>
-              </a:spcBef>
-              <a:buFont typeface="Arial" panose="020B0604020202020204" pitchFamily="34" charset="0"/>
-              <a:buChar char="•"/>
-              <a:defRPr sz="2400" kern="1200">
-                <a:solidFill>
-                  <a:schemeClr val="tx1"/>
-                </a:solidFill>
-                <a:latin typeface="+mn-lt"/>
-                <a:ea typeface="+mn-ea"/>
-                <a:cs typeface="+mn-cs"/>
-              </a:defRPr>
-            </a:lvl2pPr>
-            <a:lvl3pPr marL="1143000" indent="-228600" algn="l" defTabSz="914400" rtl="0" eaLnBrk="1" latinLnBrk="0" hangingPunct="1">
-              <a:lnSpc>
-                <a:spcPct val="90000"/>
-              </a:lnSpc>
-              <a:spcBef>
-                <a:spcPts val="500"/>
-              </a:spcBef>
-              <a:buFont typeface="Arial" panose="020B0604020202020204" pitchFamily="34" charset="0"/>
-              <a:buChar char="•"/>
-              <a:defRPr sz="2000" kern="1200">
-                <a:solidFill>
-                  <a:schemeClr val="tx1"/>
-                </a:solidFill>
-                <a:latin typeface="+mn-lt"/>
-                <a:ea typeface="+mn-ea"/>
-                <a:cs typeface="+mn-cs"/>
-              </a:defRPr>
-            </a:lvl3pPr>
-            <a:lvl4pPr marL="1600200" indent="-228600" algn="l" defTabSz="914400" rtl="0" eaLnBrk="1" latinLnBrk="0" hangingPunct="1">
-              <a:lnSpc>
-                <a:spcPct val="90000"/>
-              </a:lnSpc>
-              <a:spcBef>
-                <a:spcPts val="500"/>
-              </a:spcBef>
-              <a:buFont typeface="Arial" panose="020B0604020202020204" pitchFamily="34" charset="0"/>
-              <a:buChar char="•"/>
-              <a:defRPr sz="1800" kern="1200">
-                <a:solidFill>
-                  <a:schemeClr val="tx1"/>
-                </a:solidFill>
-                <a:latin typeface="+mn-lt"/>
-                <a:ea typeface="+mn-ea"/>
-                <a:cs typeface="+mn-cs"/>
-              </a:defRPr>
-            </a:lvl4pPr>
-            <a:lvl5pPr marL="2057400" indent="-228600" algn="l" defTabSz="914400" rtl="0" eaLnBrk="1" latinLnBrk="0" hangingPunct="1">
-              <a:lnSpc>
-                <a:spcPct val="90000"/>
-              </a:lnSpc>
-              <a:spcBef>
-                <a:spcPts val="500"/>
-              </a:spcBef>
-              <a:buFont typeface="Arial" panose="020B0604020202020204" pitchFamily="34" charset="0"/>
-              <a:buChar char="•"/>
-              <a:defRPr sz="1800" kern="1200">
-                <a:solidFill>
-                  <a:schemeClr val="tx1"/>
-                </a:solidFill>
-                <a:latin typeface="+mn-lt"/>
-                <a:ea typeface="+mn-ea"/>
-                <a:cs typeface="+mn-cs"/>
-              </a:defRPr>
-            </a:lvl5pPr>
-            <a:lvl6pPr marL="2514600" indent="-228600" algn="l" defTabSz="914400" rtl="0" eaLnBrk="1" latinLnBrk="0" hangingPunct="1">
-              <a:lnSpc>
-                <a:spcPct val="90000"/>
-              </a:lnSpc>
-              <a:spcBef>
-                <a:spcPts val="500"/>
-              </a:spcBef>
-              <a:buFont typeface="Arial" panose="020B0604020202020204" pitchFamily="34" charset="0"/>
-              <a:buChar char="•"/>
-              <a:defRPr sz="1800" kern="1200">
-                <a:solidFill>
-                  <a:schemeClr val="tx1"/>
-                </a:solidFill>
-                <a:latin typeface="+mn-lt"/>
-                <a:ea typeface="+mn-ea"/>
-                <a:cs typeface="+mn-cs"/>
-              </a:defRPr>
-            </a:lvl6pPr>
-            <a:lvl7pPr marL="2971800" indent="-228600" algn="l" defTabSz="914400" rtl="0" eaLnBrk="1" latinLnBrk="0" hangingPunct="1">
-              <a:lnSpc>
-                <a:spcPct val="90000"/>
-              </a:lnSpc>
-              <a:spcBef>
-                <a:spcPts val="500"/>
-              </a:spcBef>
-              <a:buFont typeface="Arial" panose="020B0604020202020204" pitchFamily="34" charset="0"/>
-              <a:buChar char="•"/>
-              <a:defRPr sz="1800" kern="1200">
-                <a:solidFill>
-                  <a:schemeClr val="tx1"/>
-                </a:solidFill>
-                <a:latin typeface="+mn-lt"/>
-                <a:ea typeface="+mn-ea"/>
-                <a:cs typeface="+mn-cs"/>
-              </a:defRPr>
-            </a:lvl7pPr>
-            <a:lvl8pPr marL="3429000" indent="-228600" algn="l" defTabSz="914400" rtl="0" eaLnBrk="1" latinLnBrk="0" hangingPunct="1">
-              <a:lnSpc>
-                <a:spcPct val="90000"/>
-              </a:lnSpc>
-              <a:spcBef>
-                <a:spcPts val="500"/>
-              </a:spcBef>
-              <a:buFont typeface="Arial" panose="020B0604020202020204" pitchFamily="34" charset="0"/>
-              <a:buChar char="•"/>
-              <a:defRPr sz="1800" kern="1200">
-                <a:solidFill>
-                  <a:schemeClr val="tx1"/>
-                </a:solidFill>
-                <a:latin typeface="+mn-lt"/>
-                <a:ea typeface="+mn-ea"/>
-                <a:cs typeface="+mn-cs"/>
-              </a:defRPr>
-            </a:lvl8pPr>
-            <a:lvl9pPr marL="3886200" indent="-228600" algn="l" defTabSz="914400" rtl="0" eaLnBrk="1" latinLnBrk="0" hangingPunct="1">
-              <a:lnSpc>
-                <a:spcPct val="90000"/>
-              </a:lnSpc>
-              <a:spcBef>
-                <a:spcPts val="500"/>
-              </a:spcBef>
-              <a:buFont typeface="Arial" panose="020B0604020202020204" pitchFamily="34" charset="0"/>
-              <a:buChar char="•"/>
-              <a:defRPr sz="1800" kern="1200">
-                <a:solidFill>
-                  <a:schemeClr val="tx1"/>
-                </a:solidFill>
-                <a:latin typeface="+mn-lt"/>
-                <a:ea typeface="+mn-ea"/>
-                <a:cs typeface="+mn-cs"/>
-              </a:defRPr>
-            </a:lvl9pPr>
-          </a:lstStyle>
-          <a:p>
-            <a:r>
-              <a:rPr lang="en-US" sz="1800" dirty="0"/>
-              <a:t>Strengths </a:t>
-            </a:r>
-            <a:r>
-              <a:rPr lang="ja-JP" altLang="en-US" sz="1800" dirty="0">
-                <a:solidFill>
-                  <a:srgbClr val="1F497D"/>
-                </a:solidFill>
-                <a:latin typeface="DengXian" panose="02010600030101010101" pitchFamily="2" charset="-122"/>
-                <a:ea typeface="DengXian" panose="02010600030101010101" pitchFamily="2" charset="-122"/>
-              </a:rPr>
-              <a:t>强项</a:t>
-            </a:r>
-            <a:r>
-              <a:rPr lang="en-US" altLang="ja-JP" sz="1800" dirty="0"/>
-              <a:t>:</a:t>
-            </a:r>
-            <a:endParaRPr lang="en-US" sz="1800" dirty="0"/>
-          </a:p>
-          <a:p>
-            <a:pPr marL="342900" indent="-342900">
-              <a:buFont typeface="Arial" panose="020B0604020202020204" pitchFamily="34" charset="0"/>
-              <a:buChar char="•"/>
-            </a:pPr>
-            <a:r>
-              <a:rPr lang="en-US" sz="1800" b="0" dirty="0"/>
-              <a:t>None </a:t>
-            </a:r>
-            <a:br>
-              <a:rPr lang="en-US" sz="1800" b="0" dirty="0"/>
-            </a:br>
-            <a:r>
-              <a:rPr lang="ja-JP" altLang="en-US" sz="1800" b="0" dirty="0">
-                <a:solidFill>
-                  <a:srgbClr val="1F497D"/>
-                </a:solidFill>
-                <a:latin typeface="DengXian" panose="02010600030101010101" pitchFamily="2" charset="-122"/>
-                <a:ea typeface="DengXian" panose="02010600030101010101" pitchFamily="2" charset="-122"/>
-              </a:rPr>
-              <a:t>没有</a:t>
-            </a:r>
-            <a:endParaRPr lang="en-US" sz="1800" b="0" dirty="0">
-              <a:solidFill>
-                <a:srgbClr val="1F497D"/>
-              </a:solidFill>
-              <a:latin typeface="DengXian" panose="02010600030101010101" pitchFamily="2" charset="-122"/>
-              <a:ea typeface="DengXian" panose="02010600030101010101" pitchFamily="2" charset="-122"/>
-            </a:endParaRPr>
-          </a:p>
-          <a:p>
-            <a:endParaRPr lang="en-US" sz="1800" b="0" dirty="0"/>
-          </a:p>
-          <a:p>
-            <a:r>
-              <a:rPr lang="en-US" sz="1800" dirty="0"/>
-              <a:t>Weaknesses </a:t>
-            </a:r>
-            <a:r>
-              <a:rPr lang="zh-CN" altLang="en-US" sz="1800" dirty="0">
-                <a:solidFill>
-                  <a:srgbClr val="1F497D"/>
-                </a:solidFill>
-                <a:latin typeface="DengXian" panose="02010600030101010101" pitchFamily="2" charset="-122"/>
-                <a:ea typeface="DengXian" panose="02010600030101010101" pitchFamily="2" charset="-122"/>
-              </a:rPr>
-              <a:t>弱项</a:t>
-            </a:r>
-            <a:r>
-              <a:rPr lang="en-US" altLang="ja-JP" sz="1800" dirty="0"/>
-              <a:t>:</a:t>
-            </a:r>
-            <a:endParaRPr lang="en-US" sz="1800" dirty="0"/>
-          </a:p>
-          <a:p>
-            <a:pPr marL="342900" indent="-342900">
-              <a:buFont typeface="Arial" panose="020B0604020202020204" pitchFamily="34" charset="0"/>
-              <a:buChar char="•"/>
-            </a:pPr>
-            <a:r>
-              <a:rPr lang="en-US" sz="1800" b="0" dirty="0"/>
-              <a:t>None </a:t>
-            </a:r>
-            <a:br>
-              <a:rPr lang="en-US" sz="1800" b="0" dirty="0"/>
-            </a:br>
-            <a:r>
-              <a:rPr lang="ja-JP" altLang="en-US" sz="1800" b="0" dirty="0">
-                <a:solidFill>
-                  <a:srgbClr val="1F497D"/>
-                </a:solidFill>
-              </a:rPr>
-              <a:t>没有</a:t>
-            </a:r>
-            <a:endParaRPr lang="en-US" sz="1800" b="0" dirty="0">
-              <a:solidFill>
-                <a:srgbClr val="1F497D"/>
-              </a:solidFill>
-            </a:endParaRPr>
-          </a:p>
-        </p:txBody>
-      </p:sp>
-    </p:spTree>
-    <p:extLst>
-      <p:ext uri="{BB962C8B-B14F-4D97-AF65-F5344CB8AC3E}">
-        <p14:creationId xmlns:p14="http://schemas.microsoft.com/office/powerpoint/2010/main" val="2318327320"/>
-      </p:ext>
-    </p:extLst>
-  </p:cSld>
-  <p:clrMapOvr>
-    <a:masterClrMapping/>
-  </p:clrMapOvr>
-</p:sld>
-</file>
-
-<file path=ppt/slides/slide31.xml><?xml version="1.0" encoding="utf-8"?>
-<p:sld xmlns:a="http://schemas.openxmlformats.org/drawingml/2006/main" xmlns:r="http://schemas.openxmlformats.org/officeDocument/2006/relationships" xmlns:p="http://schemas.openxmlformats.org/presentationml/2006/main">
-  <p:cSld>
-    <p:spTree>
-      <p:nvGrpSpPr>
-        <p:cNvPr id="1" name=""/>
-        <p:cNvGrpSpPr/>
-        <p:nvPr/>
-      </p:nvGrpSpPr>
-      <p:grpSpPr>
-        <a:xfrm>
-          <a:off x="0" y="0"/>
-          <a:ext cx="0" cy="0"/>
-          <a:chOff x="0" y="0"/>
-          <a:chExt cx="0" cy="0"/>
-        </a:xfrm>
-      </p:grpSpPr>
-      <p:pic>
-        <p:nvPicPr>
           <p:cNvPr id="65538" name="Picture 5"/>
           <p:cNvPicPr>
             <a:picLocks noChangeAspect="1" noChangeArrowheads="1"/>
@@ -16637,122 +15323,7 @@
 </p:sld>
 </file>
 
-<file path=ppt/slides/slide32.xml><?xml version="1.0" encoding="utf-8"?>
-<p:sld xmlns:a="http://schemas.openxmlformats.org/drawingml/2006/main" xmlns:r="http://schemas.openxmlformats.org/officeDocument/2006/relationships" xmlns:p="http://schemas.openxmlformats.org/presentationml/2006/main">
-  <p:cSld>
-    <p:spTree>
-      <p:nvGrpSpPr>
-        <p:cNvPr id="1" name=""/>
-        <p:cNvGrpSpPr/>
-        <p:nvPr/>
-      </p:nvGrpSpPr>
-      <p:grpSpPr>
-        <a:xfrm>
-          <a:off x="0" y="0"/>
-          <a:ext cx="0" cy="0"/>
-          <a:chOff x="0" y="0"/>
-          <a:chExt cx="0" cy="0"/>
-        </a:xfrm>
-      </p:grpSpPr>
-      <p:sp>
-        <p:nvSpPr>
-          <p:cNvPr id="2" name="Title 1">
-            <a:extLst>
-              <a:ext uri="{FF2B5EF4-FFF2-40B4-BE49-F238E27FC236}">
-                <a16:creationId xmlns:a16="http://schemas.microsoft.com/office/drawing/2014/main" id="{3E01ED6D-359B-4DB9-A138-F6149B35A537}"/>
-              </a:ext>
-            </a:extLst>
-          </p:cNvPr>
-          <p:cNvSpPr>
-            <a:spLocks noGrp="1"/>
-          </p:cNvSpPr>
-          <p:nvPr>
-            <p:ph type="title"/>
-          </p:nvPr>
-        </p:nvSpPr>
-        <p:spPr/>
-        <p:txBody>
-          <a:bodyPr/>
-          <a:lstStyle/>
-          <a:p>
-            <a:r>
-              <a:rPr lang="en-ZA" dirty="0"/>
-              <a:t>Notice</a:t>
-            </a:r>
-          </a:p>
-        </p:txBody>
-      </p:sp>
-      <p:sp>
-        <p:nvSpPr>
-          <p:cNvPr id="3" name="Content Placeholder 2">
-            <a:extLst>
-              <a:ext uri="{FF2B5EF4-FFF2-40B4-BE49-F238E27FC236}">
-                <a16:creationId xmlns:a16="http://schemas.microsoft.com/office/drawing/2014/main" id="{7F18C33A-3F28-4A57-89CE-6D34B3F734A0}"/>
-              </a:ext>
-            </a:extLst>
-          </p:cNvPr>
-          <p:cNvSpPr>
-            <a:spLocks noGrp="1"/>
-          </p:cNvSpPr>
-          <p:nvPr>
-            <p:ph idx="1"/>
-          </p:nvPr>
-        </p:nvSpPr>
-        <p:spPr/>
-        <p:txBody>
-          <a:bodyPr>
-            <a:normAutofit/>
-          </a:bodyPr>
-          <a:lstStyle/>
-          <a:p>
-            <a:r>
-              <a:rPr lang="en-US" sz="2000" dirty="0"/>
-              <a:t>This pptx has embedded links to </a:t>
-            </a:r>
-            <a:r>
-              <a:rPr lang="en-US" sz="2000" dirty="0" err="1"/>
-              <a:t>00_Data_Reference.xlsm</a:t>
-            </a:r>
-            <a:endParaRPr lang="en-US" sz="2000" dirty="0"/>
-          </a:p>
-          <a:p>
-            <a:r>
-              <a:rPr lang="en-US" sz="2000" dirty="0"/>
-              <a:t>The latest information and version of the Benchmark Appraiser Support Environment (BASE) can be accessed at </a:t>
-            </a:r>
-            <a:r>
-              <a:rPr lang="en-US" sz="2000" dirty="0" err="1">
-                <a:hlinkClick r:id="rId3"/>
-              </a:rPr>
-              <a:t>www.demix.org</a:t>
-            </a:r>
-            <a:r>
-              <a:rPr lang="en-US" sz="2000" dirty="0">
-                <a:hlinkClick r:id="rId3"/>
-              </a:rPr>
-              <a:t>/tools</a:t>
-            </a:r>
-            <a:r>
-              <a:rPr lang="en-US" sz="2000" dirty="0"/>
-              <a:t> </a:t>
-            </a:r>
-          </a:p>
-        </p:txBody>
-      </p:sp>
-    </p:spTree>
-    <p:extLst>
-      <p:ext uri="{BB962C8B-B14F-4D97-AF65-F5344CB8AC3E}">
-        <p14:creationId xmlns:p14="http://schemas.microsoft.com/office/powerpoint/2010/main" val="4138373319"/>
-      </p:ext>
-    </p:extLst>
-  </p:cSld>
-  <p:clrMapOvr>
-    <a:masterClrMapping/>
-  </p:clrMapOvr>
-</p:sld>
-</file>
-
-<file path=ppt/slides/slide4.xml><?xml version="1.0" encoding="utf-8"?>
+<file path=ppt/slides/slide3.xml><?xml version="1.0" encoding="utf-8"?>
 <p:sld xmlns:a="http://schemas.openxmlformats.org/drawingml/2006/main" xmlns:r="http://schemas.openxmlformats.org/officeDocument/2006/relationships" xmlns:p="http://schemas.openxmlformats.org/presentationml/2006/main">
   <p:cSld>
     <p:spTree>
@@ -17997,8 +16568,8 @@
 </p:sld>
 </file>
 
-<file path=ppt/slides/slide5.xml><?xml version="1.0" encoding="utf-8"?>
-<p:sld xmlns:a="http://schemas.openxmlformats.org/drawingml/2006/main" xmlns:r="http://schemas.openxmlformats.org/officeDocument/2006/relationships" xmlns:p="http://schemas.openxmlformats.org/presentationml/2006/main" show="0">
+<file path=ppt/slides/slide30.xml><?xml version="1.0" encoding="utf-8"?>
+<p:sld xmlns:a="http://schemas.openxmlformats.org/drawingml/2006/main" xmlns:r="http://schemas.openxmlformats.org/officeDocument/2006/relationships" xmlns:p="http://schemas.openxmlformats.org/presentationml/2006/main">
   <p:cSld>
     <p:spTree>
       <p:nvGrpSpPr>
@@ -18019,7 +16590,7 @@
           <p:cNvPr id="2" name="Title 1">
             <a:extLst>
               <a:ext uri="{FF2B5EF4-FFF2-40B4-BE49-F238E27FC236}">
-                <a16:creationId xmlns:a16="http://schemas.microsoft.com/office/drawing/2014/main" id="{67B56AC6-8B5D-4EE0-897A-9EECC0280655}"/>
+                <a16:creationId xmlns:a16="http://schemas.microsoft.com/office/drawing/2014/main" id="{3E01ED6D-359B-4DB9-A138-F6149B35A537}"/>
               </a:ext>
             </a:extLst>
           </p:cNvPr>
@@ -18030,365 +16601,79 @@
             <p:ph type="title"/>
           </p:nvPr>
         </p:nvSpPr>
-        <p:spPr>
-          <a:xfrm>
-            <a:off x="951442" y="908050"/>
-            <a:ext cx="10397836" cy="602284"/>
-          </a:xfrm>
-        </p:spPr>
+        <p:spPr/>
         <p:txBody>
           <a:bodyPr/>
           <a:lstStyle/>
           <a:p>
             <a:r>
-              <a:rPr lang="en-ZA" dirty="0" err="1"/>
-              <a:t>DEMIXIUM</a:t>
-            </a:r>
-            <a:r>
               <a:rPr lang="en-ZA" dirty="0"/>
-              <a:t>™</a:t>
-            </a:r>
-          </a:p>
-        </p:txBody>
-      </p:sp>
-      <p:grpSp>
-        <p:nvGrpSpPr>
-          <p:cNvPr id="14" name="Group 13">
-            <a:extLst>
-              <a:ext uri="{FF2B5EF4-FFF2-40B4-BE49-F238E27FC236}">
-                <a16:creationId xmlns:a16="http://schemas.microsoft.com/office/drawing/2014/main" id="{9BCE02E9-B639-4352-9CD8-7319ACA08735}"/>
-              </a:ext>
-            </a:extLst>
-          </p:cNvPr>
-          <p:cNvGrpSpPr/>
-          <p:nvPr/>
-        </p:nvGrpSpPr>
-        <p:grpSpPr>
-          <a:xfrm>
-            <a:off x="4465481" y="1878295"/>
-            <a:ext cx="2719052" cy="4415485"/>
-            <a:chOff x="4440140" y="1417173"/>
-            <a:chExt cx="2719052" cy="4415485"/>
-          </a:xfrm>
-        </p:grpSpPr>
-        <p:sp>
-          <p:nvSpPr>
-            <p:cNvPr id="4" name="Arrow: Up 3">
-              <a:extLst>
-                <a:ext uri="{FF2B5EF4-FFF2-40B4-BE49-F238E27FC236}">
-                  <a16:creationId xmlns:a16="http://schemas.microsoft.com/office/drawing/2014/main" id="{2D3100A3-8319-4488-9BD8-FA36065DF984}"/>
-                </a:ext>
-              </a:extLst>
-            </p:cNvPr>
-            <p:cNvSpPr/>
-            <p:nvPr/>
-          </p:nvSpPr>
-          <p:spPr>
-            <a:xfrm>
-              <a:off x="4638776" y="1417173"/>
-              <a:ext cx="2321781" cy="3657600"/>
-            </a:xfrm>
-            <a:prstGeom prst="upArrow">
-              <a:avLst/>
-            </a:prstGeom>
-            <a:solidFill>
-              <a:srgbClr val="299EC4"/>
-            </a:solidFill>
-            <a:ln>
-              <a:noFill/>
-            </a:ln>
-          </p:spPr>
-          <p:style>
-            <a:lnRef idx="2">
-              <a:schemeClr val="accent1">
-                <a:shade val="50000"/>
-              </a:schemeClr>
-            </a:lnRef>
-            <a:fillRef idx="1">
-              <a:schemeClr val="accent1"/>
-            </a:fillRef>
-            <a:effectRef idx="0">
-              <a:schemeClr val="accent1"/>
-            </a:effectRef>
-            <a:fontRef idx="minor">
-              <a:schemeClr val="lt1"/>
-            </a:fontRef>
-          </p:style>
-          <p:txBody>
-            <a:bodyPr rtlCol="0" anchor="ctr"/>
-            <a:lstStyle/>
-            <a:p>
-              <a:pPr algn="ctr"/>
-              <a:endParaRPr lang="en-ZA"/>
-            </a:p>
-          </p:txBody>
-        </p:sp>
-        <p:pic>
-          <p:nvPicPr>
-            <p:cNvPr id="3" name="Picture 2">
-              <a:extLst>
-                <a:ext uri="{FF2B5EF4-FFF2-40B4-BE49-F238E27FC236}">
-                  <a16:creationId xmlns:a16="http://schemas.microsoft.com/office/drawing/2014/main" id="{F78F0F7F-3E23-4ED2-ABCC-98187E77EC22}"/>
-                </a:ext>
-              </a:extLst>
-            </p:cNvPr>
-            <p:cNvPicPr>
-              <a:picLocks noChangeAspect="1"/>
-            </p:cNvPicPr>
-            <p:nvPr/>
-          </p:nvPicPr>
-          <p:blipFill>
-            <a:blip r:embed="rId2"/>
-            <a:stretch>
-              <a:fillRect/>
-            </a:stretch>
-          </p:blipFill>
-          <p:spPr>
-            <a:xfrm>
-              <a:off x="4440140" y="2583208"/>
-              <a:ext cx="2719052" cy="3249450"/>
-            </a:xfrm>
-            <a:prstGeom prst="rect">
-              <a:avLst/>
-            </a:prstGeom>
-          </p:spPr>
-        </p:pic>
-      </p:grpSp>
-      <p:sp>
-        <p:nvSpPr>
-          <p:cNvPr id="15" name="TextBox 14">
-            <a:extLst>
-              <a:ext uri="{FF2B5EF4-FFF2-40B4-BE49-F238E27FC236}">
-                <a16:creationId xmlns:a16="http://schemas.microsoft.com/office/drawing/2014/main" id="{8D84EF48-EF5E-49FA-B6A9-E5C80B9C0007}"/>
-              </a:ext>
-            </a:extLst>
-          </p:cNvPr>
-          <p:cNvSpPr txBox="1"/>
-          <p:nvPr/>
-        </p:nvSpPr>
-        <p:spPr>
-          <a:xfrm>
-            <a:off x="951442" y="1307835"/>
-            <a:ext cx="3432286" cy="369332"/>
-          </a:xfrm>
-          <a:prstGeom prst="rect">
-            <a:avLst/>
-          </a:prstGeom>
-          <a:noFill/>
-        </p:spPr>
-        <p:txBody>
-          <a:bodyPr wrap="none" rtlCol="0">
-            <a:spAutoFit/>
-          </a:bodyPr>
-          <a:lstStyle/>
-          <a:p>
-            <a:r>
-              <a:rPr lang="en-ZA" dirty="0" err="1"/>
-              <a:t>Demixium</a:t>
-            </a:r>
-            <a:r>
-              <a:rPr lang="en-ZA" dirty="0"/>
-              <a:t>™ Copyright Demix 2021</a:t>
+              <a:t>Notice</a:t>
             </a:r>
           </a:p>
         </p:txBody>
       </p:sp>
       <p:sp>
         <p:nvSpPr>
-          <p:cNvPr id="8" name="TextBox 7">
+          <p:cNvPr id="3" name="Content Placeholder 2">
             <a:extLst>
               <a:ext uri="{FF2B5EF4-FFF2-40B4-BE49-F238E27FC236}">
-                <a16:creationId xmlns:a16="http://schemas.microsoft.com/office/drawing/2014/main" id="{C5021C6B-98B3-4617-86D6-C346F83D70CA}"/>
+                <a16:creationId xmlns:a16="http://schemas.microsoft.com/office/drawing/2014/main" id="{7F18C33A-3F28-4A57-89CE-6D34B3F734A0}"/>
               </a:ext>
             </a:extLst>
           </p:cNvPr>
-          <p:cNvSpPr txBox="1"/>
-          <p:nvPr/>
+          <p:cNvSpPr>
+            <a:spLocks noGrp="1"/>
+          </p:cNvSpPr>
+          <p:nvPr>
+            <p:ph idx="1"/>
+          </p:nvPr>
         </p:nvSpPr>
-        <p:spPr>
-          <a:xfrm>
-            <a:off x="2777670" y="5844796"/>
-            <a:ext cx="6094674" cy="584775"/>
-          </a:xfrm>
-          <a:prstGeom prst="rect">
-            <a:avLst/>
-          </a:prstGeom>
-          <a:noFill/>
-        </p:spPr>
+        <p:spPr/>
         <p:txBody>
-          <a:bodyPr wrap="square">
-            <a:spAutoFit/>
+          <a:bodyPr>
+            <a:normAutofit/>
           </a:bodyPr>
           <a:lstStyle/>
           <a:p>
-            <a:pPr algn="ctr"/>
-            <a:r>
-              <a:rPr lang="en-ZA" sz="1600" dirty="0" err="1">
+            <a:r>
+              <a:rPr lang="en-US" sz="2000" dirty="0"/>
+              <a:t>This pptx has embedded links to </a:t>
+            </a:r>
+            <a:r>
+              <a:rPr lang="en-US" sz="2000" dirty="0" err="1"/>
+              <a:t>00_Data_Reference.xlsm</a:t>
+            </a:r>
+            <a:endParaRPr lang="en-US" sz="2000" dirty="0"/>
+          </a:p>
+          <a:p>
+            <a:r>
+              <a:rPr lang="en-US" sz="2000" dirty="0"/>
+              <a:t>The latest information and version of the Benchmark Appraiser Support Environment (BASE) can be accessed at </a:t>
+            </a:r>
+            <a:r>
+              <a:rPr lang="en-US" sz="2000" dirty="0" err="1">
                 <a:hlinkClick r:id="rId3"/>
               </a:rPr>
-              <a:t>www.demixium.com</a:t>
-            </a:r>
-            <a:endParaRPr lang="en-ZA" sz="1600" dirty="0"/>
-          </a:p>
-          <a:p>
-            <a:pPr algn="ctr"/>
-            <a:r>
-              <a:rPr lang="en-ZA" sz="1600" b="0" i="0" dirty="0">
-                <a:solidFill>
-                  <a:srgbClr val="000000"/>
-                </a:solidFill>
-                <a:effectLst/>
-                <a:latin typeface="Open Sans"/>
-              </a:rPr>
-              <a:t>Knowledge | </a:t>
-            </a:r>
-            <a:r>
-              <a:rPr lang="en-ZA" sz="1600" dirty="0">
-                <a:solidFill>
-                  <a:srgbClr val="000000"/>
-                </a:solidFill>
-                <a:latin typeface="Open Sans"/>
-              </a:rPr>
-              <a:t>Performance</a:t>
-            </a:r>
-            <a:r>
-              <a:rPr lang="en-ZA" sz="1600" b="0" i="0" dirty="0">
-                <a:solidFill>
-                  <a:srgbClr val="000000"/>
-                </a:solidFill>
-                <a:effectLst/>
-                <a:latin typeface="Open Sans"/>
-              </a:rPr>
-              <a:t> | Results</a:t>
-            </a:r>
-            <a:r>
-              <a:rPr lang="en-ZA" sz="1600" dirty="0"/>
+              <a:t>www.demix.org</a:t>
+            </a:r>
+            <a:r>
+              <a:rPr lang="en-US" sz="2000" dirty="0">
+                <a:hlinkClick r:id="rId3"/>
+              </a:rPr>
+              <a:t>/tools</a:t>
+            </a:r>
+            <a:r>
+              <a:rPr lang="en-US" sz="2000" dirty="0"/>
               <a:t> </a:t>
             </a:r>
-          </a:p>
-        </p:txBody>
-      </p:sp>
-      <p:sp>
-        <p:nvSpPr>
-          <p:cNvPr id="9" name="TextBox 8">
-            <a:extLst>
-              <a:ext uri="{FF2B5EF4-FFF2-40B4-BE49-F238E27FC236}">
-                <a16:creationId xmlns:a16="http://schemas.microsoft.com/office/drawing/2014/main" id="{0E56B3AA-4ADA-412B-9A45-4D5AA4F494AE}"/>
-              </a:ext>
-            </a:extLst>
-          </p:cNvPr>
-          <p:cNvSpPr txBox="1"/>
-          <p:nvPr/>
-        </p:nvSpPr>
-        <p:spPr>
-          <a:xfrm>
-            <a:off x="1308059" y="2606819"/>
-            <a:ext cx="2719052" cy="2308324"/>
-          </a:xfrm>
-          <a:prstGeom prst="rect">
-            <a:avLst/>
-          </a:prstGeom>
-          <a:noFill/>
-        </p:spPr>
-        <p:txBody>
-          <a:bodyPr wrap="square" rtlCol="0">
-            <a:spAutoFit/>
-          </a:bodyPr>
-          <a:lstStyle/>
-          <a:p>
-            <a:pPr algn="ctr"/>
-            <a:r>
-              <a:rPr lang="en-ZA" dirty="0" err="1"/>
-              <a:t>Demixium</a:t>
-            </a:r>
-            <a:r>
-              <a:rPr lang="en-ZA" dirty="0"/>
-              <a:t> is a collection of best practices to assess an organisation across a variety of domains and best practice models. It is available for free use under the MIT free use license agreement. </a:t>
-            </a:r>
-          </a:p>
-        </p:txBody>
-      </p:sp>
-      <p:sp>
-        <p:nvSpPr>
-          <p:cNvPr id="10" name="TextBox 9">
-            <a:extLst>
-              <a:ext uri="{FF2B5EF4-FFF2-40B4-BE49-F238E27FC236}">
-                <a16:creationId xmlns:a16="http://schemas.microsoft.com/office/drawing/2014/main" id="{4E369FE8-DAF2-49E0-852E-C869E262D50E}"/>
-              </a:ext>
-            </a:extLst>
-          </p:cNvPr>
-          <p:cNvSpPr txBox="1"/>
-          <p:nvPr/>
-        </p:nvSpPr>
-        <p:spPr>
-          <a:xfrm>
-            <a:off x="7821539" y="3022317"/>
-            <a:ext cx="2719052" cy="1477328"/>
-          </a:xfrm>
-          <a:prstGeom prst="rect">
-            <a:avLst/>
-          </a:prstGeom>
-          <a:noFill/>
-        </p:spPr>
-        <p:txBody>
-          <a:bodyPr wrap="square" rtlCol="0">
-            <a:spAutoFit/>
-          </a:bodyPr>
-          <a:lstStyle/>
-          <a:p>
-            <a:pPr algn="ctr"/>
-            <a:r>
-              <a:rPr lang="en-US" altLang="zh-CN" dirty="0" err="1">
-                <a:solidFill>
-                  <a:srgbClr val="1F497D"/>
-                </a:solidFill>
-              </a:rPr>
-              <a:t>Demixium</a:t>
-            </a:r>
-            <a:r>
-              <a:rPr lang="en-US" altLang="zh-CN" dirty="0">
-                <a:solidFill>
-                  <a:srgbClr val="1F497D"/>
-                </a:solidFill>
-              </a:rPr>
-              <a:t> </a:t>
-            </a:r>
-            <a:r>
-              <a:rPr lang="zh-CN" altLang="en-US" dirty="0">
-                <a:solidFill>
-                  <a:srgbClr val="1F497D"/>
-                </a:solidFill>
-              </a:rPr>
-              <a:t>是一组最佳实践的集合，用于跨各种领域和最佳实践模型评估组织。 它可根据 </a:t>
-            </a:r>
-            <a:r>
-              <a:rPr lang="en-US" altLang="zh-CN" dirty="0">
-                <a:solidFill>
-                  <a:srgbClr val="1F497D"/>
-                </a:solidFill>
-              </a:rPr>
-              <a:t>MIT </a:t>
-            </a:r>
-            <a:r>
-              <a:rPr lang="zh-CN" altLang="en-US" dirty="0">
-                <a:solidFill>
-                  <a:srgbClr val="1F497D"/>
-                </a:solidFill>
-              </a:rPr>
-              <a:t>免费使用许可协议免费使用</a:t>
-            </a:r>
-            <a:r>
-              <a:rPr lang="zh-CN" altLang="en-US" dirty="0"/>
-              <a:t>。</a:t>
-            </a:r>
-            <a:endParaRPr lang="en-ZA" dirty="0"/>
           </a:p>
         </p:txBody>
       </p:sp>
     </p:spTree>
     <p:extLst>
       <p:ext uri="{BB962C8B-B14F-4D97-AF65-F5344CB8AC3E}">
-        <p14:creationId xmlns:p14="http://schemas.microsoft.com/office/powerpoint/2010/main" val="3636925676"/>
+        <p14:creationId xmlns:p14="http://schemas.microsoft.com/office/powerpoint/2010/main" val="4138373319"/>
       </p:ext>
     </p:extLst>
   </p:cSld>
@@ -18398,7 +16683,7 @@
 </p:sld>
 </file>
 
-<file path=ppt/slides/slide6.xml><?xml version="1.0" encoding="utf-8"?>
+<file path=ppt/slides/slide4.xml><?xml version="1.0" encoding="utf-8"?>
 <p:sld xmlns:a="http://schemas.openxmlformats.org/drawingml/2006/main" xmlns:r="http://schemas.openxmlformats.org/officeDocument/2006/relationships" xmlns:p="http://schemas.openxmlformats.org/presentationml/2006/main">
   <p:cSld>
     <p:spTree>
@@ -18668,7 +16953,7 @@
 </p:sld>
 </file>
 
-<file path=ppt/slides/slide7.xml><?xml version="1.0" encoding="utf-8"?>
+<file path=ppt/slides/slide5.xml><?xml version="1.0" encoding="utf-8"?>
 <p:sld xmlns:a="http://schemas.openxmlformats.org/drawingml/2006/main" xmlns:r="http://schemas.openxmlformats.org/officeDocument/2006/relationships" xmlns:p="http://schemas.openxmlformats.org/presentationml/2006/main">
   <p:cSld>
     <p:spTree>
@@ -18780,7 +17065,7 @@
 </p:sld>
 </file>
 
-<file path=ppt/slides/slide8.xml><?xml version="1.0" encoding="utf-8"?>
+<file path=ppt/slides/slide6.xml><?xml version="1.0" encoding="utf-8"?>
 <p:sld xmlns:a="http://schemas.openxmlformats.org/drawingml/2006/main" xmlns:r="http://schemas.openxmlformats.org/officeDocument/2006/relationships" xmlns:p="http://schemas.openxmlformats.org/presentationml/2006/main">
   <p:cSld>
     <p:spTree>
@@ -19044,7 +17329,7 @@
 </p:sld>
 </file>
 
-<file path=ppt/slides/slide9.xml><?xml version="1.0" encoding="utf-8"?>
+<file path=ppt/slides/slide7.xml><?xml version="1.0" encoding="utf-8"?>
 <p:sld xmlns:a="http://schemas.openxmlformats.org/drawingml/2006/main" xmlns:r="http://schemas.openxmlformats.org/officeDocument/2006/relationships" xmlns:p="http://schemas.openxmlformats.org/presentationml/2006/main" show="0">
   <p:cSld>
     <p:spTree>
@@ -19390,6 +17675,357 @@
     <p:extLst>
       <p:ext uri="{BB962C8B-B14F-4D97-AF65-F5344CB8AC3E}">
         <p14:creationId xmlns:p14="http://schemas.microsoft.com/office/powerpoint/2010/main" val="2957226470"/>
+      </p:ext>
+    </p:extLst>
+  </p:cSld>
+  <p:clrMapOvr>
+    <a:masterClrMapping/>
+  </p:clrMapOvr>
+</p:sld>
+</file>
+
+<file path=ppt/slides/slide8.xml><?xml version="1.0" encoding="utf-8"?>
+<p:sld xmlns:a="http://schemas.openxmlformats.org/drawingml/2006/main" xmlns:r="http://schemas.openxmlformats.org/officeDocument/2006/relationships" xmlns:p="http://schemas.openxmlformats.org/presentationml/2006/main">
+  <p:cSld>
+    <p:spTree>
+      <p:nvGrpSpPr>
+        <p:cNvPr id="1" name=""/>
+        <p:cNvGrpSpPr/>
+        <p:nvPr/>
+      </p:nvGrpSpPr>
+      <p:grpSpPr>
+        <a:xfrm>
+          <a:off x="0" y="0"/>
+          <a:ext cx="0" cy="0"/>
+          <a:chOff x="0" y="0"/>
+          <a:chExt cx="0" cy="0"/>
+        </a:xfrm>
+      </p:grpSpPr>
+      <p:sp>
+        <p:nvSpPr>
+          <p:cNvPr id="2" name="Title 1">
+            <a:extLst>
+              <a:ext uri="{FF2B5EF4-FFF2-40B4-BE49-F238E27FC236}">
+                <a16:creationId xmlns:a16="http://schemas.microsoft.com/office/drawing/2014/main" id="{86DC47C9-2410-0F46-A0CE-9498896DE8D4}"/>
+              </a:ext>
+            </a:extLst>
+          </p:cNvPr>
+          <p:cNvSpPr>
+            <a:spLocks noGrp="1"/>
+          </p:cNvSpPr>
+          <p:nvPr>
+            <p:ph type="title"/>
+          </p:nvPr>
+        </p:nvSpPr>
+        <p:spPr/>
+        <p:txBody>
+          <a:bodyPr/>
+          <a:lstStyle/>
+          <a:p>
+            <a:r>
+              <a:rPr lang="en-US" dirty="0"/>
+              <a:t>Findings Definitions – Required Categories</a:t>
+            </a:r>
+          </a:p>
+        </p:txBody>
+      </p:sp>
+      <p:sp>
+        <p:nvSpPr>
+          <p:cNvPr id="3" name="Content Placeholder 2">
+            <a:extLst>
+              <a:ext uri="{FF2B5EF4-FFF2-40B4-BE49-F238E27FC236}">
+                <a16:creationId xmlns:a16="http://schemas.microsoft.com/office/drawing/2014/main" id="{065982AE-496D-8E4C-B62D-137BEFC39377}"/>
+              </a:ext>
+            </a:extLst>
+          </p:cNvPr>
+          <p:cNvSpPr>
+            <a:spLocks noGrp="1"/>
+          </p:cNvSpPr>
+          <p:nvPr>
+            <p:ph idx="1"/>
+          </p:nvPr>
+        </p:nvSpPr>
+        <p:spPr>
+          <a:xfrm>
+            <a:off x="955962" y="1645919"/>
+            <a:ext cx="10397837" cy="4646726"/>
+          </a:xfrm>
+        </p:spPr>
+        <p:txBody>
+          <a:bodyPr>
+            <a:normAutofit fontScale="92500" lnSpcReduction="10000"/>
+          </a:bodyPr>
+          <a:lstStyle/>
+          <a:p>
+            <a:pPr lvl="0"/>
+            <a:r>
+              <a:rPr lang="en-US" sz="2400" dirty="0"/>
+              <a:t>Required Findings Categories:</a:t>
+            </a:r>
+          </a:p>
+          <a:p>
+            <a:pPr lvl="1"/>
+            <a:r>
+              <a:rPr lang="en-US" sz="2100" u="sng" dirty="0"/>
+              <a:t>Weaknesses</a:t>
+            </a:r>
+            <a:r>
+              <a:rPr lang="en-US" sz="2100" dirty="0"/>
+              <a:t> - A type of preliminary or final finding, which is an ineffective, or lack of implementation of one or more processes that meet the intent and value of a practice based on verified objective evidence, and applicable across the project(s) and organizational support functions or Organizational Unit as a whole. This is realized either by a) the process itself does not address a CMMI practice requirement, or b) the project(s) or organizational support functions are not following their process that IS compliant with the intent and value of the applicable CMMI practice.</a:t>
+            </a:r>
+            <a:endParaRPr lang="en-US" sz="2100" b="1" dirty="0"/>
+          </a:p>
+          <a:p>
+            <a:pPr lvl="1"/>
+            <a:endParaRPr lang="en-US" sz="2100" dirty="0"/>
+          </a:p>
+          <a:p>
+            <a:pPr lvl="1"/>
+            <a:r>
+              <a:rPr lang="en-US" sz="2100" u="sng" dirty="0"/>
+              <a:t>Strengths</a:t>
+            </a:r>
+            <a:r>
+              <a:rPr lang="en-US" sz="2100" dirty="0"/>
+              <a:t> - A type of preliminary or final finding, which is an exemplary or noteworthy implementation of a process that meets the intent and value of a CMMI model practice.</a:t>
+            </a:r>
+            <a:endParaRPr lang="en-US" sz="2100" b="1" dirty="0"/>
+          </a:p>
+          <a:p>
+            <a:r>
+              <a:rPr lang="zh-CN" altLang="en-US" sz="2000" dirty="0">
+                <a:solidFill>
+                  <a:srgbClr val="1F497D"/>
+                </a:solidFill>
+              </a:rPr>
+              <a:t>所需结果类别：</a:t>
+            </a:r>
+          </a:p>
+          <a:p>
+            <a:pPr lvl="1"/>
+            <a:r>
+              <a:rPr lang="zh-CN" altLang="en-US" sz="1800" dirty="0">
+                <a:solidFill>
+                  <a:srgbClr val="1F497D"/>
+                </a:solidFill>
+              </a:rPr>
+              <a:t>弱项</a:t>
+            </a:r>
+            <a:r>
+              <a:rPr lang="en-US" altLang="zh-CN" sz="1800" dirty="0">
+                <a:solidFill>
+                  <a:srgbClr val="1F497D"/>
+                </a:solidFill>
+              </a:rPr>
+              <a:t>——</a:t>
+            </a:r>
+            <a:r>
+              <a:rPr lang="zh-CN" altLang="en-US" sz="1800" dirty="0">
+                <a:solidFill>
+                  <a:srgbClr val="1F497D"/>
+                </a:solidFill>
+              </a:rPr>
+              <a:t>一种初步或最终的发现，是指一个或多个过程实施无效或缺乏实施，这些过程基于已验证的客观证据，符合实践的意图和价值，适用于整个项目和组织支持职能组或组织单元。这可以通过以下两种方式实现：</a:t>
+            </a:r>
+            <a:r>
+              <a:rPr lang="en-US" altLang="zh-CN" sz="1800" dirty="0">
+                <a:solidFill>
+                  <a:srgbClr val="1F497D"/>
+                </a:solidFill>
+              </a:rPr>
+              <a:t>a</a:t>
+            </a:r>
+            <a:r>
+              <a:rPr lang="zh-CN" altLang="en-US" sz="1800" dirty="0">
+                <a:solidFill>
+                  <a:srgbClr val="1F497D"/>
+                </a:solidFill>
+              </a:rPr>
+              <a:t>）过程本身没有满足</a:t>
+            </a:r>
+            <a:r>
+              <a:rPr lang="en-US" altLang="zh-CN" sz="1800" dirty="0">
+                <a:solidFill>
+                  <a:srgbClr val="1F497D"/>
+                </a:solidFill>
+              </a:rPr>
+              <a:t>CMMI</a:t>
+            </a:r>
+            <a:r>
+              <a:rPr lang="zh-CN" altLang="en-US" sz="1800" dirty="0">
+                <a:solidFill>
+                  <a:srgbClr val="1F497D"/>
+                </a:solidFill>
+              </a:rPr>
+              <a:t>实践需求，或者</a:t>
+            </a:r>
+            <a:r>
+              <a:rPr lang="en-US" altLang="zh-CN" sz="1800" dirty="0">
+                <a:solidFill>
+                  <a:srgbClr val="1F497D"/>
+                </a:solidFill>
+              </a:rPr>
+              <a:t>b</a:t>
+            </a:r>
+            <a:r>
+              <a:rPr lang="zh-CN" altLang="en-US" sz="1800" dirty="0">
+                <a:solidFill>
+                  <a:srgbClr val="1F497D"/>
+                </a:solidFill>
+              </a:rPr>
+              <a:t>）项目或组织支持职能组没有遵循符合适用</a:t>
+            </a:r>
+            <a:r>
+              <a:rPr lang="en-US" altLang="zh-CN" sz="1800" dirty="0">
+                <a:solidFill>
+                  <a:srgbClr val="1F497D"/>
+                </a:solidFill>
+              </a:rPr>
+              <a:t>CMMI</a:t>
+            </a:r>
+            <a:r>
+              <a:rPr lang="zh-CN" altLang="en-US" sz="1800" dirty="0">
+                <a:solidFill>
+                  <a:srgbClr val="1F497D"/>
+                </a:solidFill>
+              </a:rPr>
+              <a:t>实践意图和价值的过程。</a:t>
+            </a:r>
+            <a:endParaRPr lang="en-ZA" altLang="zh-CN" sz="1800" dirty="0">
+              <a:solidFill>
+                <a:srgbClr val="1F497D"/>
+              </a:solidFill>
+            </a:endParaRPr>
+          </a:p>
+          <a:p>
+            <a:pPr lvl="1"/>
+            <a:r>
+              <a:rPr lang="zh-CN" altLang="en-US" sz="1800" dirty="0">
+                <a:solidFill>
+                  <a:srgbClr val="1F497D"/>
+                </a:solidFill>
+              </a:rPr>
+              <a:t>强项</a:t>
+            </a:r>
+            <a:r>
+              <a:rPr lang="en-US" altLang="zh-CN" sz="1800" dirty="0">
+                <a:solidFill>
+                  <a:srgbClr val="1F497D"/>
+                </a:solidFill>
+              </a:rPr>
+              <a:t>——</a:t>
+            </a:r>
+            <a:r>
+              <a:rPr lang="zh-CN" altLang="en-US" sz="1800" dirty="0">
+                <a:solidFill>
+                  <a:srgbClr val="1F497D"/>
+                </a:solidFill>
+              </a:rPr>
+              <a:t>一种初步或最终的发现，是一个模范性或值得注意的过程实现，其符合</a:t>
+            </a:r>
+            <a:r>
+              <a:rPr lang="en-US" altLang="zh-CN" sz="1800" dirty="0">
+                <a:solidFill>
+                  <a:srgbClr val="1F497D"/>
+                </a:solidFill>
+              </a:rPr>
+              <a:t>CMMI</a:t>
+            </a:r>
+            <a:r>
+              <a:rPr lang="zh-CN" altLang="en-US" sz="1800" dirty="0">
+                <a:solidFill>
+                  <a:srgbClr val="1F497D"/>
+                </a:solidFill>
+              </a:rPr>
+              <a:t>模型实践的意图和价值。</a:t>
+            </a:r>
+          </a:p>
+        </p:txBody>
+      </p:sp>
+    </p:spTree>
+    <p:extLst>
+      <p:ext uri="{BB962C8B-B14F-4D97-AF65-F5344CB8AC3E}">
+        <p14:creationId xmlns:p14="http://schemas.microsoft.com/office/powerpoint/2010/main" val="723158212"/>
+      </p:ext>
+    </p:extLst>
+  </p:cSld>
+  <p:clrMapOvr>
+    <a:masterClrMapping/>
+  </p:clrMapOvr>
+</p:sld>
+</file>
+
+<file path=ppt/slides/slide9.xml><?xml version="1.0" encoding="utf-8"?>
+<p:sld xmlns:a="http://schemas.openxmlformats.org/drawingml/2006/main" xmlns:r="http://schemas.openxmlformats.org/officeDocument/2006/relationships" xmlns:p="http://schemas.openxmlformats.org/presentationml/2006/main">
+  <p:cSld>
+    <p:spTree>
+      <p:nvGrpSpPr>
+        <p:cNvPr id="1" name=""/>
+        <p:cNvGrpSpPr/>
+        <p:nvPr/>
+      </p:nvGrpSpPr>
+      <p:grpSpPr>
+        <a:xfrm>
+          <a:off x="0" y="0"/>
+          <a:ext cx="0" cy="0"/>
+          <a:chOff x="0" y="0"/>
+          <a:chExt cx="0" cy="0"/>
+        </a:xfrm>
+      </p:grpSpPr>
+      <p:sp>
+        <p:nvSpPr>
+          <p:cNvPr id="4" name="Title 3">
+            <a:extLst>
+              <a:ext uri="{FF2B5EF4-FFF2-40B4-BE49-F238E27FC236}">
+                <a16:creationId xmlns:a16="http://schemas.microsoft.com/office/drawing/2014/main" id="{C473C0C2-AEE9-C443-A1B0-65B4A813A18A}"/>
+              </a:ext>
+            </a:extLst>
+          </p:cNvPr>
+          <p:cNvSpPr>
+            <a:spLocks noGrp="1"/>
+          </p:cNvSpPr>
+          <p:nvPr>
+            <p:ph type="title"/>
+          </p:nvPr>
+        </p:nvSpPr>
+        <p:spPr/>
+        <p:txBody>
+          <a:bodyPr/>
+          <a:lstStyle/>
+          <a:p>
+            <a:r>
+              <a:rPr lang="en-US" b="1" dirty="0">
+                <a:latin typeface="+mn-lt"/>
+              </a:rPr>
+              <a:t>Practice Area Findings</a:t>
+            </a:r>
+            <a:br>
+              <a:rPr lang="en-US" b="1" dirty="0">
+                <a:latin typeface="+mn-lt"/>
+              </a:rPr>
+            </a:br>
+            <a:r>
+              <a:rPr lang="zh-CN" altLang="en-US" sz="6000" b="1" dirty="0">
+                <a:solidFill>
+                  <a:srgbClr val="1F497D"/>
+                </a:solidFill>
+                <a:latin typeface="+mn-lt"/>
+              </a:rPr>
+              <a:t>实践域发现</a:t>
+            </a:r>
+            <a:endParaRPr lang="en-US" b="1" dirty="0">
+              <a:solidFill>
+                <a:srgbClr val="1F497D"/>
+              </a:solidFill>
+              <a:latin typeface="+mn-lt"/>
+            </a:endParaRPr>
+          </a:p>
+        </p:txBody>
+      </p:sp>
+    </p:spTree>
+    <p:extLst>
+      <p:ext uri="{BB962C8B-B14F-4D97-AF65-F5344CB8AC3E}">
+        <p14:creationId xmlns:p14="http://schemas.microsoft.com/office/powerpoint/2010/main" val="1002676547"/>
       </p:ext>
     </p:extLst>
   </p:cSld>
@@ -20285,6 +18921,12 @@
 </file>
 
 <file path=customXml/item1.xml><?xml version="1.0" encoding="utf-8"?>
+<p:properties xmlns:p="http://schemas.microsoft.com/office/2006/metadata/properties" xmlns:xsi="http://www.w3.org/2001/XMLSchema-instance" xmlns:pc="http://schemas.microsoft.com/office/infopath/2007/PartnerControls">
+  <documentManagement/>
+</p:properties>
+</file>
+
+<file path=customXml/item2.xml><?xml version="1.0" encoding="utf-8"?>
 <ct:contentTypeSchema xmlns:ct="http://schemas.microsoft.com/office/2006/metadata/contentType" xmlns:ma="http://schemas.microsoft.com/office/2006/metadata/properties/metaAttributes" ct:_="" ma:_="" ma:contentTypeName="Document" ma:contentTypeID="0x0101001F513751AC33344AB32CFD2920EFE649" ma:contentTypeVersion="11" ma:contentTypeDescription="Create a new document." ma:contentTypeScope="" ma:versionID="683516f7d70434a0e4dbd6c476be8d5b">
   <xsd:schema xmlns:xsd="http://www.w3.org/2001/XMLSchema" xmlns:xs="http://www.w3.org/2001/XMLSchema" xmlns:p="http://schemas.microsoft.com/office/2006/metadata/properties" xmlns:ns2="72e3a154-4955-46c3-9573-e9dec3e1f195" xmlns:ns3="ec500478-62e0-46fc-87f1-cfa988e486b4" targetNamespace="http://schemas.microsoft.com/office/2006/metadata/properties" ma:root="true" ma:fieldsID="cf4a15c6a1eec5dbba94230cc6a50510" ns2:_="" ns3:_="">
     <xsd:import namespace="72e3a154-4955-46c3-9573-e9dec3e1f195"/>
@@ -20495,12 +19137,6 @@
 </ct:contentTypeSchema>
 </file>
 
-<file path=customXml/item2.xml><?xml version="1.0" encoding="utf-8"?>
-<p:properties xmlns:p="http://schemas.microsoft.com/office/2006/metadata/properties" xmlns:xsi="http://www.w3.org/2001/XMLSchema-instance" xmlns:pc="http://schemas.microsoft.com/office/infopath/2007/PartnerControls">
-  <documentManagement/>
-</p:properties>
-</file>
-
 <file path=customXml/item3.xml><?xml version="1.0" encoding="utf-8"?>
 <?mso-contentType ?>
 <FormTemplates xmlns="http://schemas.microsoft.com/sharepoint/v3/contenttype/forms">
@@ -20511,6 +19147,23 @@
 </file>
 
 <file path=customXml/itemProps1.xml><?xml version="1.0" encoding="utf-8"?>
+<ds:datastoreItem xmlns:ds="http://schemas.openxmlformats.org/officeDocument/2006/customXml" ds:itemID="{5F07B0D7-F930-4230-933E-ABA84959494E}">
+  <ds:schemaRefs>
+    <ds:schemaRef ds:uri="http://purl.org/dc/elements/1.1/"/>
+    <ds:schemaRef ds:uri="http://www.w3.org/XML/1998/namespace"/>
+    <ds:schemaRef ds:uri="http://schemas.openxmlformats.org/package/2006/metadata/core-properties"/>
+    <ds:schemaRef ds:uri="72e3a154-4955-46c3-9573-e9dec3e1f195"/>
+    <ds:schemaRef ds:uri="http://schemas.microsoft.com/office/2006/metadata/properties"/>
+    <ds:schemaRef ds:uri="http://schemas.microsoft.com/office/infopath/2007/PartnerControls"/>
+    <ds:schemaRef ds:uri="http://schemas.microsoft.com/office/2006/documentManagement/types"/>
+    <ds:schemaRef ds:uri="ec500478-62e0-46fc-87f1-cfa988e486b4"/>
+    <ds:schemaRef ds:uri="http://purl.org/dc/dcmitype/"/>
+    <ds:schemaRef ds:uri="http://purl.org/dc/terms/"/>
+  </ds:schemaRefs>
+</ds:datastoreItem>
+</file>
+
+<file path=customXml/itemProps2.xml><?xml version="1.0" encoding="utf-8"?>
 <ds:datastoreItem xmlns:ds="http://schemas.openxmlformats.org/officeDocument/2006/customXml" ds:itemID="{AD6DDA88-99C8-47A0-BFFC-3F4677CE5092}">
   <ds:schemaRefs>
     <ds:schemaRef ds:uri="http://schemas.microsoft.com/office/2006/metadata/contentType"/>
@@ -20529,23 +19182,6 @@
 </ds:datastoreItem>
 </file>
 
-<file path=customXml/itemProps2.xml><?xml version="1.0" encoding="utf-8"?>
-<ds:datastoreItem xmlns:ds="http://schemas.openxmlformats.org/officeDocument/2006/customXml" ds:itemID="{5F07B0D7-F930-4230-933E-ABA84959494E}">
-  <ds:schemaRefs>
-    <ds:schemaRef ds:uri="http://purl.org/dc/elements/1.1/"/>
-    <ds:schemaRef ds:uri="http://www.w3.org/XML/1998/namespace"/>
-    <ds:schemaRef ds:uri="http://schemas.openxmlformats.org/package/2006/metadata/core-properties"/>
-    <ds:schemaRef ds:uri="72e3a154-4955-46c3-9573-e9dec3e1f195"/>
-    <ds:schemaRef ds:uri="http://schemas.microsoft.com/office/2006/metadata/properties"/>
-    <ds:schemaRef ds:uri="http://schemas.microsoft.com/office/infopath/2007/PartnerControls"/>
-    <ds:schemaRef ds:uri="http://schemas.microsoft.com/office/2006/documentManagement/types"/>
-    <ds:schemaRef ds:uri="ec500478-62e0-46fc-87f1-cfa988e486b4"/>
-    <ds:schemaRef ds:uri="http://purl.org/dc/dcmitype/"/>
-    <ds:schemaRef ds:uri="http://purl.org/dc/terms/"/>
-  </ds:schemaRefs>
-</ds:datastoreItem>
-</file>
-
 <file path=customXml/itemProps3.xml><?xml version="1.0" encoding="utf-8"?>
 <ds:datastoreItem xmlns:ds="http://schemas.openxmlformats.org/officeDocument/2006/customXml" ds:itemID="{B8B49826-D5EE-4D24-B649-7C3A19B527D2}">
   <ds:schemaRefs>

--- a/2021-04-12to04-16 (A5) C53517 SoftMARS/21_17v01_MarsBaseAlpha_PreliminaryFindings.pptx
+++ b/2021-04-12to04-16 (A5) C53517 SoftMARS/21_17v01_MarsBaseAlpha_PreliminaryFindings.pptx
@@ -173,6 +173,43 @@
 </p:cmAuthorLst>
 </file>
 
+<file path=ppt/changesInfos/changesInfo1.xml><?xml version="1.0" encoding="utf-8"?>
+<pc:chgInfo xmlns:a="http://schemas.openxmlformats.org/drawingml/2006/main" xmlns:r="http://schemas.openxmlformats.org/officeDocument/2006/relationships" xmlns:ac="http://schemas.microsoft.com/office/drawing/2013/main/command" xmlns:pc="http://schemas.microsoft.com/office/powerpoint/2013/main/command">
+  <pc:docChgLst>
+    <pc:chgData name="Melanie Van Zyl" userId="e994ea3f2aec2a85" providerId="LiveId" clId="{A35DD233-7080-42EE-8A91-1FFE4064D1EB}"/>
+    <pc:docChg chg="modSld">
+      <pc:chgData name="Melanie Van Zyl" userId="e994ea3f2aec2a85" providerId="LiveId" clId="{A35DD233-7080-42EE-8A91-1FFE4064D1EB}" dt="2022-09-28T07:12:43.379" v="2" actId="1076"/>
+      <pc:docMkLst>
+        <pc:docMk/>
+      </pc:docMkLst>
+      <pc:sldChg chg="modSp mod">
+        <pc:chgData name="Melanie Van Zyl" userId="e994ea3f2aec2a85" providerId="LiveId" clId="{A35DD233-7080-42EE-8A91-1FFE4064D1EB}" dt="2022-09-28T07:12:43.379" v="2" actId="1076"/>
+        <pc:sldMkLst>
+          <pc:docMk/>
+          <pc:sldMk cId="1383232642" sldId="903"/>
+        </pc:sldMkLst>
+        <pc:spChg chg="mod">
+          <ac:chgData name="Melanie Van Zyl" userId="e994ea3f2aec2a85" providerId="LiveId" clId="{A35DD233-7080-42EE-8A91-1FFE4064D1EB}" dt="2022-09-28T07:12:43.379" v="2" actId="1076"/>
+          <ac:spMkLst>
+            <pc:docMk/>
+            <pc:sldMk cId="1383232642" sldId="903"/>
+            <ac:spMk id="8" creationId="{FA76391E-56A4-1D46-8B16-6C6198C4AD7F}"/>
+          </ac:spMkLst>
+        </pc:spChg>
+        <pc:spChg chg="mod">
+          <ac:chgData name="Melanie Van Zyl" userId="e994ea3f2aec2a85" providerId="LiveId" clId="{A35DD233-7080-42EE-8A91-1FFE4064D1EB}" dt="2022-09-28T07:12:38.603" v="1" actId="1076"/>
+          <ac:spMkLst>
+            <pc:docMk/>
+            <pc:sldMk cId="1383232642" sldId="903"/>
+            <ac:spMk id="9" creationId="{28877B3D-5089-C64D-BC81-EDE247A11522}"/>
+          </ac:spMkLst>
+        </pc:spChg>
+      </pc:sldChg>
+    </pc:docChg>
+  </pc:docChgLst>
+</pc:chgInfo>
+</file>
+
 <file path=ppt/handoutMasters/handoutMaster1.xml><?xml version="1.0" encoding="utf-8"?>
 <p:handoutMaster xmlns:a="http://schemas.openxmlformats.org/drawingml/2006/main" xmlns:r="http://schemas.openxmlformats.org/officeDocument/2006/relationships" xmlns:p="http://schemas.openxmlformats.org/presentationml/2006/main">
   <p:cSld>
@@ -267,7 +304,7 @@
           <a:p>
             <a:fld id="{F319E496-E8FF-4856-B08F-DBE14D18B236}" type="datetimeFigureOut">
               <a:rPr lang="en-US" smtClean="0"/>
-              <a:t>9/9/2022</a:t>
+              <a:t>9/28/2022</a:t>
             </a:fld>
             <a:endParaRPr lang="en-US"/>
           </a:p>
@@ -444,7 +481,7 @@
           <a:p>
             <a:fld id="{4572F63B-EF0F-9942-98B2-F67CC88AF236}" type="datetimeFigureOut">
               <a:rPr lang="en-US" smtClean="0"/>
-              <a:t>9/9/2022</a:t>
+              <a:t>9/28/2022</a:t>
             </a:fld>
             <a:endParaRPr lang="en-US"/>
           </a:p>
@@ -1577,7 +1614,7 @@
               </a14:hiddenLine>
             </a:ext>
             <a:ext uri="{FAA26D3D-D897-4be2-8F04-BA451C77F1D7}">
-              <ma14:placeholderFlag xmlns="" xmlns:ma14="http://schemas.microsoft.com/office/mac/drawingml/2011/main" val="1"/>
+              <ma14:placeholderFlag xmlns:ma14="http://schemas.microsoft.com/office/mac/drawingml/2011/main" xmlns="" val="1"/>
             </a:ext>
           </a:extLst>
         </p:spPr>
@@ -4439,14 +4476,14 @@
           </a:ln>
           <a:extLst>
             <a:ext uri="{909E8E84-426E-40dd-AFC4-6F175D3DCCD1}">
-              <a14:hiddenFill xmlns:a14="http://schemas.microsoft.com/office/drawing/2010/main" xmlns="">
+              <a14:hiddenFill xmlns="" xmlns:a14="http://schemas.microsoft.com/office/drawing/2010/main">
                 <a:solidFill>
                   <a:schemeClr val="accent1"/>
                 </a:solidFill>
               </a14:hiddenFill>
             </a:ext>
             <a:ext uri="{91240B29-F687-4f45-9708-019B960494DF}">
-              <a14:hiddenLine xmlns:a14="http://schemas.microsoft.com/office/drawing/2010/main" xmlns="" w="9525">
+              <a14:hiddenLine xmlns="" xmlns:a14="http://schemas.microsoft.com/office/drawing/2010/main" w="9525">
                 <a:solidFill>
                   <a:schemeClr val="tx1"/>
                 </a:solidFill>
@@ -4943,12 +4980,12 @@
           <a:graphicData uri="http://schemas.openxmlformats.org/presentationml/2006/ole">
             <mc:AlternateContent xmlns:mc="http://schemas.openxmlformats.org/markup-compatibility/2006">
               <mc:Choice xmlns:v="urn:schemas-microsoft-com:vml" Requires="v">
-                <p:oleObj spid="_x0000_s2092" name="Macro-Enabled Worksheet" r:id="rId3" imgW="5196769" imgH="2918310" progId="Excel.SheetMacroEnabled.12">
+                <p:oleObj name="Macro-Enabled Worksheet" r:id="rId2" imgW="5196769" imgH="2918310" progId="Excel.SheetMacroEnabled.12">
                   <p:link updateAutomatic="1"/>
                 </p:oleObj>
               </mc:Choice>
               <mc:Fallback>
-                <p:oleObj name="Macro-Enabled Worksheet" r:id="rId3" imgW="5196769" imgH="2918310" progId="Excel.SheetMacroEnabled.12">
+                <p:oleObj name="Macro-Enabled Worksheet" r:id="rId2" imgW="5196769" imgH="2918310" progId="Excel.SheetMacroEnabled.12">
                   <p:link updateAutomatic="1"/>
                   <p:pic>
                     <p:nvPicPr>
@@ -4963,7 +5000,7 @@
                       <p:nvPr/>
                     </p:nvPicPr>
                     <p:blipFill>
-                      <a:blip r:embed="rId4"/>
+                      <a:blip r:embed="rId3"/>
                       <a:stretch>
                         <a:fillRect/>
                       </a:stretch>
@@ -5012,12 +5049,12 @@
           <a:graphicData uri="http://schemas.openxmlformats.org/presentationml/2006/ole">
             <mc:AlternateContent xmlns:mc="http://schemas.openxmlformats.org/markup-compatibility/2006">
               <mc:Choice xmlns:v="urn:schemas-microsoft-com:vml" Requires="v">
-                <p:oleObj spid="_x0000_s2093" name="Macro-Enabled Worksheet" r:id="rId5" imgW="5196769" imgH="670734" progId="Excel.SheetMacroEnabled.12">
+                <p:oleObj name="Macro-Enabled Worksheet" r:id="rId4" imgW="5196769" imgH="670734" progId="Excel.SheetMacroEnabled.12">
                   <p:link updateAutomatic="1"/>
                 </p:oleObj>
               </mc:Choice>
               <mc:Fallback>
-                <p:oleObj name="Macro-Enabled Worksheet" r:id="rId5" imgW="5196769" imgH="670734" progId="Excel.SheetMacroEnabled.12">
+                <p:oleObj name="Macro-Enabled Worksheet" r:id="rId4" imgW="5196769" imgH="670734" progId="Excel.SheetMacroEnabled.12">
                   <p:link updateAutomatic="1"/>
                   <p:pic>
                     <p:nvPicPr>
@@ -5032,7 +5069,7 @@
                       <p:nvPr/>
                     </p:nvPicPr>
                     <p:blipFill>
-                      <a:blip r:embed="rId6"/>
+                      <a:blip r:embed="rId5"/>
                       <a:stretch>
                         <a:fillRect/>
                       </a:stretch>
@@ -5081,21 +5118,27 @@
           <a:graphicData uri="http://schemas.openxmlformats.org/presentationml/2006/ole">
             <mc:AlternateContent xmlns:mc="http://schemas.openxmlformats.org/markup-compatibility/2006">
               <mc:Choice xmlns:v="urn:schemas-microsoft-com:vml" Requires="v">
-                <p:oleObj spid="_x0000_s2094" name="Macro-Enabled Worksheet" r:id="rId7" imgW="5196769" imgH="274178" progId="Excel.SheetMacroEnabled.12">
+                <p:oleObj name="Macro-Enabled Worksheet" r:id="rId6" imgW="5196769" imgH="274178" progId="Excel.SheetMacroEnabled.12">
                   <p:link updateAutomatic="1"/>
                 </p:oleObj>
               </mc:Choice>
               <mc:Fallback>
-                <p:oleObj name="Macro-Enabled Worksheet" r:id="rId7" imgW="5196769" imgH="274178" progId="Excel.SheetMacroEnabled.12">
+                <p:oleObj name="Macro-Enabled Worksheet" r:id="rId6" imgW="5196769" imgH="274178" progId="Excel.SheetMacroEnabled.12">
                   <p:link updateAutomatic="1"/>
                   <p:pic>
                     <p:nvPicPr>
-                      <p:cNvPr id="0" name=""/>
+                      <p:cNvPr id="2" name="Object 1">
+                        <a:extLst>
+                          <a:ext uri="{FF2B5EF4-FFF2-40B4-BE49-F238E27FC236}">
+                            <a16:creationId xmlns:a16="http://schemas.microsoft.com/office/drawing/2014/main" id="{7D6EF492-3AD5-420C-95A3-EF7381239FB7}"/>
+                          </a:ext>
+                        </a:extLst>
+                      </p:cNvPr>
                       <p:cNvPicPr/>
                       <p:nvPr/>
                     </p:nvPicPr>
                     <p:blipFill>
-                      <a:blip r:embed="rId8"/>
+                      <a:blip r:embed="rId7"/>
                       <a:stretch>
                         <a:fillRect/>
                       </a:stretch>
@@ -13167,8 +13210,8 @@
         </p:nvSpPr>
         <p:spPr>
           <a:xfrm>
-            <a:off x="1560299" y="793206"/>
-            <a:ext cx="10631701" cy="867930"/>
+            <a:off x="1560299" y="900098"/>
+            <a:ext cx="10631701" cy="923330"/>
           </a:xfrm>
           <a:prstGeom prst="rect">
             <a:avLst/>
@@ -13200,7 +13243,7 @@
           </a:lstStyle>
           <a:p>
             <a:r>
-              <a:rPr lang="en-US" dirty="0"/>
+              <a:rPr lang="en-US" sz="3200" dirty="0"/>
               <a:t>Requirements Development and Management (RDM)</a:t>
             </a:r>
             <a:br>
@@ -13242,7 +13285,7 @@
         </p:nvSpPr>
         <p:spPr>
           <a:xfrm>
-            <a:off x="463296" y="1541810"/>
+            <a:off x="466344" y="1794206"/>
             <a:ext cx="11591052" cy="1106970"/>
           </a:xfrm>
           <a:prstGeom prst="rect">
@@ -18921,9 +18964,12 @@
 </file>
 
 <file path=customXml/item1.xml><?xml version="1.0" encoding="utf-8"?>
-<p:properties xmlns:p="http://schemas.microsoft.com/office/2006/metadata/properties" xmlns:xsi="http://www.w3.org/2001/XMLSchema-instance" xmlns:pc="http://schemas.microsoft.com/office/infopath/2007/PartnerControls">
-  <documentManagement/>
-</p:properties>
+<?mso-contentType ?>
+<FormTemplates xmlns="http://schemas.microsoft.com/sharepoint/v3/contenttype/forms">
+  <Display>DocumentLibraryForm</Display>
+  <Edit>DocumentLibraryForm</Edit>
+  <New>DocumentLibraryForm</New>
+</FormTemplates>
 </file>
 
 <file path=customXml/item2.xml><?xml version="1.0" encoding="utf-8"?>
@@ -19138,27 +19184,15 @@
 </file>
 
 <file path=customXml/item3.xml><?xml version="1.0" encoding="utf-8"?>
-<?mso-contentType ?>
-<FormTemplates xmlns="http://schemas.microsoft.com/sharepoint/v3/contenttype/forms">
-  <Display>DocumentLibraryForm</Display>
-  <Edit>DocumentLibraryForm</Edit>
-  <New>DocumentLibraryForm</New>
-</FormTemplates>
+<p:properties xmlns:p="http://schemas.microsoft.com/office/2006/metadata/properties" xmlns:xsi="http://www.w3.org/2001/XMLSchema-instance" xmlns:pc="http://schemas.microsoft.com/office/infopath/2007/PartnerControls">
+  <documentManagement/>
+</p:properties>
 </file>
 
 <file path=customXml/itemProps1.xml><?xml version="1.0" encoding="utf-8"?>
-<ds:datastoreItem xmlns:ds="http://schemas.openxmlformats.org/officeDocument/2006/customXml" ds:itemID="{5F07B0D7-F930-4230-933E-ABA84959494E}">
+<ds:datastoreItem xmlns:ds="http://schemas.openxmlformats.org/officeDocument/2006/customXml" ds:itemID="{B8B49826-D5EE-4D24-B649-7C3A19B527D2}">
   <ds:schemaRefs>
-    <ds:schemaRef ds:uri="http://purl.org/dc/elements/1.1/"/>
-    <ds:schemaRef ds:uri="http://www.w3.org/XML/1998/namespace"/>
-    <ds:schemaRef ds:uri="http://schemas.openxmlformats.org/package/2006/metadata/core-properties"/>
-    <ds:schemaRef ds:uri="72e3a154-4955-46c3-9573-e9dec3e1f195"/>
-    <ds:schemaRef ds:uri="http://schemas.microsoft.com/office/2006/metadata/properties"/>
-    <ds:schemaRef ds:uri="http://schemas.microsoft.com/office/infopath/2007/PartnerControls"/>
-    <ds:schemaRef ds:uri="http://schemas.microsoft.com/office/2006/documentManagement/types"/>
-    <ds:schemaRef ds:uri="ec500478-62e0-46fc-87f1-cfa988e486b4"/>
-    <ds:schemaRef ds:uri="http://purl.org/dc/dcmitype/"/>
-    <ds:schemaRef ds:uri="http://purl.org/dc/terms/"/>
+    <ds:schemaRef ds:uri="http://schemas.microsoft.com/sharepoint/v3/contenttype/forms"/>
   </ds:schemaRefs>
 </ds:datastoreItem>
 </file>
@@ -19183,9 +19217,18 @@
 </file>
 
 <file path=customXml/itemProps3.xml><?xml version="1.0" encoding="utf-8"?>
-<ds:datastoreItem xmlns:ds="http://schemas.openxmlformats.org/officeDocument/2006/customXml" ds:itemID="{B8B49826-D5EE-4D24-B649-7C3A19B527D2}">
+<ds:datastoreItem xmlns:ds="http://schemas.openxmlformats.org/officeDocument/2006/customXml" ds:itemID="{5F07B0D7-F930-4230-933E-ABA84959494E}">
   <ds:schemaRefs>
-    <ds:schemaRef ds:uri="http://schemas.microsoft.com/sharepoint/v3/contenttype/forms"/>
+    <ds:schemaRef ds:uri="http://purl.org/dc/elements/1.1/"/>
+    <ds:schemaRef ds:uri="http://www.w3.org/XML/1998/namespace"/>
+    <ds:schemaRef ds:uri="http://schemas.openxmlformats.org/package/2006/metadata/core-properties"/>
+    <ds:schemaRef ds:uri="72e3a154-4955-46c3-9573-e9dec3e1f195"/>
+    <ds:schemaRef ds:uri="http://schemas.microsoft.com/office/2006/metadata/properties"/>
+    <ds:schemaRef ds:uri="http://schemas.microsoft.com/office/infopath/2007/PartnerControls"/>
+    <ds:schemaRef ds:uri="http://schemas.microsoft.com/office/2006/documentManagement/types"/>
+    <ds:schemaRef ds:uri="ec500478-62e0-46fc-87f1-cfa988e486b4"/>
+    <ds:schemaRef ds:uri="http://purl.org/dc/dcmitype/"/>
+    <ds:schemaRef ds:uri="http://purl.org/dc/terms/"/>
   </ds:schemaRefs>
 </ds:datastoreItem>
 </file>